--- a/SIG_CSS_Architecture.pptx
+++ b/SIG_CSS_Architecture.pptx
@@ -6,37 +6,44 @@
     <p:sldMasterId id="2147483660" r:id="rId2"/>
   </p:sldMasterIdLst>
   <p:notesMasterIdLst>
-    <p:notesMasterId r:id="rId31"/>
+    <p:notesMasterId r:id="rId38"/>
   </p:notesMasterIdLst>
   <p:sldIdLst>
-    <p:sldId id="275" r:id="rId3"/>
-    <p:sldId id="276" r:id="rId4"/>
-    <p:sldId id="277" r:id="rId5"/>
-    <p:sldId id="278" r:id="rId6"/>
-    <p:sldId id="279" r:id="rId7"/>
-    <p:sldId id="271" r:id="rId8"/>
-    <p:sldId id="257" r:id="rId9"/>
-    <p:sldId id="280" r:id="rId10"/>
-    <p:sldId id="281" r:id="rId11"/>
-    <p:sldId id="282" r:id="rId12"/>
-    <p:sldId id="283" r:id="rId13"/>
-    <p:sldId id="284" r:id="rId14"/>
-    <p:sldId id="272" r:id="rId15"/>
-    <p:sldId id="273" r:id="rId16"/>
-    <p:sldId id="274" r:id="rId17"/>
-    <p:sldId id="269" r:id="rId18"/>
-    <p:sldId id="267" r:id="rId19"/>
-    <p:sldId id="258" r:id="rId20"/>
-    <p:sldId id="268" r:id="rId21"/>
-    <p:sldId id="259" r:id="rId22"/>
-    <p:sldId id="266" r:id="rId23"/>
-    <p:sldId id="260" r:id="rId24"/>
-    <p:sldId id="270" r:id="rId25"/>
-    <p:sldId id="261" r:id="rId26"/>
-    <p:sldId id="262" r:id="rId27"/>
-    <p:sldId id="263" r:id="rId28"/>
-    <p:sldId id="264" r:id="rId29"/>
-    <p:sldId id="265" r:id="rId30"/>
+    <p:sldId id="285" r:id="rId3"/>
+    <p:sldId id="286" r:id="rId4"/>
+    <p:sldId id="290" r:id="rId5"/>
+    <p:sldId id="275" r:id="rId6"/>
+    <p:sldId id="276" r:id="rId7"/>
+    <p:sldId id="277" r:id="rId8"/>
+    <p:sldId id="278" r:id="rId9"/>
+    <p:sldId id="279" r:id="rId10"/>
+    <p:sldId id="271" r:id="rId11"/>
+    <p:sldId id="257" r:id="rId12"/>
+    <p:sldId id="280" r:id="rId13"/>
+    <p:sldId id="281" r:id="rId14"/>
+    <p:sldId id="282" r:id="rId15"/>
+    <p:sldId id="283" r:id="rId16"/>
+    <p:sldId id="284" r:id="rId17"/>
+    <p:sldId id="272" r:id="rId18"/>
+    <p:sldId id="273" r:id="rId19"/>
+    <p:sldId id="274" r:id="rId20"/>
+    <p:sldId id="269" r:id="rId21"/>
+    <p:sldId id="267" r:id="rId22"/>
+    <p:sldId id="258" r:id="rId23"/>
+    <p:sldId id="268" r:id="rId24"/>
+    <p:sldId id="259" r:id="rId25"/>
+    <p:sldId id="266" r:id="rId26"/>
+    <p:sldId id="291" r:id="rId27"/>
+    <p:sldId id="260" r:id="rId28"/>
+    <p:sldId id="270" r:id="rId29"/>
+    <p:sldId id="261" r:id="rId30"/>
+    <p:sldId id="262" r:id="rId31"/>
+    <p:sldId id="263" r:id="rId32"/>
+    <p:sldId id="264" r:id="rId33"/>
+    <p:sldId id="265" r:id="rId34"/>
+    <p:sldId id="287" r:id="rId35"/>
+    <p:sldId id="288" r:id="rId36"/>
+    <p:sldId id="289" r:id="rId37"/>
   </p:sldIdLst>
   <p:sldSz cx="12192000" cy="6858000"/>
   <p:notesSz cx="6858000" cy="9144000"/>
@@ -625,7 +632,7 @@
           <a:p>
             <a:fld id="{10CC1388-5806-4682-935F-40A544AE6D98}" type="slidenum">
               <a:rPr lang="en-NL" smtClean="0"/>
-              <a:t>17</a:t>
+              <a:t>20</a:t>
             </a:fld>
             <a:endParaRPr lang="en-NL"/>
           </a:p>
@@ -709,7 +716,7 @@
           <a:p>
             <a:fld id="{10CC1388-5806-4682-935F-40A544AE6D98}" type="slidenum">
               <a:rPr lang="en-NL" smtClean="0"/>
-              <a:t>18</a:t>
+              <a:t>21</a:t>
             </a:fld>
             <a:endParaRPr lang="en-NL"/>
           </a:p>
@@ -719,6 +726,285 @@
     <p:extLst>
       <p:ext uri="{BB962C8B-B14F-4D97-AF65-F5344CB8AC3E}">
         <p14:creationId xmlns:p14="http://schemas.microsoft.com/office/powerpoint/2010/main" val="158902377"/>
+      </p:ext>
+    </p:extLst>
+  </p:cSld>
+  <p:clrMapOvr>
+    <a:masterClrMapping/>
+  </p:clrMapOvr>
+</p:notes>
+</file>
+
+<file path=ppt/notesSlides/notesSlide3.xml><?xml version="1.0" encoding="utf-8"?>
+<p:notes xmlns:a="http://schemas.openxmlformats.org/drawingml/2006/main" xmlns:r="http://schemas.openxmlformats.org/officeDocument/2006/relationships" xmlns:p="http://schemas.openxmlformats.org/presentationml/2006/main">
+  <p:cSld>
+    <p:spTree>
+      <p:nvGrpSpPr>
+        <p:cNvPr id="1" name=""/>
+        <p:cNvGrpSpPr/>
+        <p:nvPr/>
+      </p:nvGrpSpPr>
+      <p:grpSpPr>
+        <a:xfrm>
+          <a:off x="0" y="0"/>
+          <a:ext cx="0" cy="0"/>
+          <a:chOff x="0" y="0"/>
+          <a:chExt cx="0" cy="0"/>
+        </a:xfrm>
+      </p:grpSpPr>
+      <p:sp>
+        <p:nvSpPr>
+          <p:cNvPr id="2" name="Slide Image Placeholder 1"/>
+          <p:cNvSpPr>
+            <a:spLocks noGrp="1" noRot="1" noChangeAspect="1"/>
+          </p:cNvSpPr>
+          <p:nvPr>
+            <p:ph type="sldImg"/>
+          </p:nvPr>
+        </p:nvSpPr>
+        <p:spPr/>
+      </p:sp>
+      <p:sp>
+        <p:nvSpPr>
+          <p:cNvPr id="3" name="Notes Placeholder 2"/>
+          <p:cNvSpPr>
+            <a:spLocks noGrp="1"/>
+          </p:cNvSpPr>
+          <p:nvPr>
+            <p:ph type="body" idx="1"/>
+          </p:nvPr>
+        </p:nvSpPr>
+        <p:spPr/>
+        <p:txBody>
+          <a:bodyPr/>
+          <a:lstStyle/>
+          <a:p>
+            <a:endParaRPr lang="en-NL" dirty="0"/>
+          </a:p>
+        </p:txBody>
+      </p:sp>
+      <p:sp>
+        <p:nvSpPr>
+          <p:cNvPr id="4" name="Slide Number Placeholder 3"/>
+          <p:cNvSpPr>
+            <a:spLocks noGrp="1"/>
+          </p:cNvSpPr>
+          <p:nvPr>
+            <p:ph type="sldNum" sz="quarter" idx="5"/>
+          </p:nvPr>
+        </p:nvSpPr>
+        <p:spPr/>
+        <p:txBody>
+          <a:bodyPr/>
+          <a:lstStyle/>
+          <a:p>
+            <a:fld id="{10CC1388-5806-4682-935F-40A544AE6D98}" type="slidenum">
+              <a:rPr lang="en-NL" smtClean="0"/>
+              <a:t>25</a:t>
+            </a:fld>
+            <a:endParaRPr lang="en-NL"/>
+          </a:p>
+        </p:txBody>
+      </p:sp>
+    </p:spTree>
+    <p:extLst>
+      <p:ext uri="{BB962C8B-B14F-4D97-AF65-F5344CB8AC3E}">
+        <p14:creationId xmlns:p14="http://schemas.microsoft.com/office/powerpoint/2010/main" val="925765823"/>
+      </p:ext>
+    </p:extLst>
+  </p:cSld>
+  <p:clrMapOvr>
+    <a:masterClrMapping/>
+  </p:clrMapOvr>
+</p:notes>
+</file>
+
+<file path=ppt/notesSlides/notesSlide4.xml><?xml version="1.0" encoding="utf-8"?>
+<p:notes xmlns:a="http://schemas.openxmlformats.org/drawingml/2006/main" xmlns:r="http://schemas.openxmlformats.org/officeDocument/2006/relationships" xmlns:p="http://schemas.openxmlformats.org/presentationml/2006/main">
+  <p:cSld>
+    <p:spTree>
+      <p:nvGrpSpPr>
+        <p:cNvPr id="1" name=""/>
+        <p:cNvGrpSpPr/>
+        <p:nvPr/>
+      </p:nvGrpSpPr>
+      <p:grpSpPr>
+        <a:xfrm>
+          <a:off x="0" y="0"/>
+          <a:ext cx="0" cy="0"/>
+          <a:chOff x="0" y="0"/>
+          <a:chExt cx="0" cy="0"/>
+        </a:xfrm>
+      </p:grpSpPr>
+      <p:sp>
+        <p:nvSpPr>
+          <p:cNvPr id="2" name="Slide Image Placeholder 1"/>
+          <p:cNvSpPr>
+            <a:spLocks noGrp="1" noRot="1" noChangeAspect="1"/>
+          </p:cNvSpPr>
+          <p:nvPr>
+            <p:ph type="sldImg"/>
+          </p:nvPr>
+        </p:nvSpPr>
+        <p:spPr/>
+      </p:sp>
+      <p:sp>
+        <p:nvSpPr>
+          <p:cNvPr id="3" name="Notes Placeholder 2"/>
+          <p:cNvSpPr>
+            <a:spLocks noGrp="1"/>
+          </p:cNvSpPr>
+          <p:nvPr>
+            <p:ph type="body" idx="1"/>
+          </p:nvPr>
+        </p:nvSpPr>
+        <p:spPr/>
+        <p:txBody>
+          <a:bodyPr/>
+          <a:lstStyle/>
+          <a:p>
+            <a:pPr marL="0" marR="0" lvl="0" indent="0" algn="l" defTabSz="914400" rtl="0" eaLnBrk="1" fontAlgn="auto" latinLnBrk="0" hangingPunct="1">
+              <a:lnSpc>
+                <a:spcPct val="100000"/>
+              </a:lnSpc>
+              <a:spcBef>
+                <a:spcPts val="0"/>
+              </a:spcBef>
+              <a:spcAft>
+                <a:spcPts val="0"/>
+              </a:spcAft>
+              <a:buClrTx/>
+              <a:buSzTx/>
+              <a:buFontTx/>
+              <a:buNone/>
+              <a:tabLst/>
+              <a:defRPr/>
+            </a:pPr>
+            <a:r>
+              <a:rPr lang="nl-NL" dirty="0"/>
+              <a:t>- </a:t>
+            </a:r>
+            <a:r>
+              <a:rPr lang="en-US" i="1" dirty="0"/>
+              <a:t>It is one part a set of naming conventions and one part a way of thinking about CSS. It seeks to take the best of Object-Oriented Programming and apply it to how we write CSS.</a:t>
+            </a:r>
+          </a:p>
+          <a:p>
+            <a:endParaRPr lang="en-NL" dirty="0"/>
+          </a:p>
+        </p:txBody>
+      </p:sp>
+      <p:sp>
+        <p:nvSpPr>
+          <p:cNvPr id="4" name="Slide Number Placeholder 3"/>
+          <p:cNvSpPr>
+            <a:spLocks noGrp="1"/>
+          </p:cNvSpPr>
+          <p:nvPr>
+            <p:ph type="sldNum" sz="quarter" idx="5"/>
+          </p:nvPr>
+        </p:nvSpPr>
+        <p:spPr/>
+        <p:txBody>
+          <a:bodyPr/>
+          <a:lstStyle/>
+          <a:p>
+            <a:fld id="{10CC1388-5806-4682-935F-40A544AE6D98}" type="slidenum">
+              <a:rPr lang="en-NL" smtClean="0"/>
+              <a:t>27</a:t>
+            </a:fld>
+            <a:endParaRPr lang="en-NL"/>
+          </a:p>
+        </p:txBody>
+      </p:sp>
+    </p:spTree>
+    <p:extLst>
+      <p:ext uri="{BB962C8B-B14F-4D97-AF65-F5344CB8AC3E}">
+        <p14:creationId xmlns:p14="http://schemas.microsoft.com/office/powerpoint/2010/main" val="2283977835"/>
+      </p:ext>
+    </p:extLst>
+  </p:cSld>
+  <p:clrMapOvr>
+    <a:masterClrMapping/>
+  </p:clrMapOvr>
+</p:notes>
+</file>
+
+<file path=ppt/notesSlides/notesSlide5.xml><?xml version="1.0" encoding="utf-8"?>
+<p:notes xmlns:a="http://schemas.openxmlformats.org/drawingml/2006/main" xmlns:r="http://schemas.openxmlformats.org/officeDocument/2006/relationships" xmlns:p="http://schemas.openxmlformats.org/presentationml/2006/main">
+  <p:cSld>
+    <p:spTree>
+      <p:nvGrpSpPr>
+        <p:cNvPr id="1" name=""/>
+        <p:cNvGrpSpPr/>
+        <p:nvPr/>
+      </p:nvGrpSpPr>
+      <p:grpSpPr>
+        <a:xfrm>
+          <a:off x="0" y="0"/>
+          <a:ext cx="0" cy="0"/>
+          <a:chOff x="0" y="0"/>
+          <a:chExt cx="0" cy="0"/>
+        </a:xfrm>
+      </p:grpSpPr>
+      <p:sp>
+        <p:nvSpPr>
+          <p:cNvPr id="2" name="Slide Image Placeholder 1"/>
+          <p:cNvSpPr>
+            <a:spLocks noGrp="1" noRot="1" noChangeAspect="1"/>
+          </p:cNvSpPr>
+          <p:nvPr>
+            <p:ph type="sldImg"/>
+          </p:nvPr>
+        </p:nvSpPr>
+        <p:spPr/>
+      </p:sp>
+      <p:sp>
+        <p:nvSpPr>
+          <p:cNvPr id="3" name="Notes Placeholder 2"/>
+          <p:cNvSpPr>
+            <a:spLocks noGrp="1"/>
+          </p:cNvSpPr>
+          <p:nvPr>
+            <p:ph type="body" idx="1"/>
+          </p:nvPr>
+        </p:nvSpPr>
+        <p:spPr/>
+        <p:txBody>
+          <a:bodyPr/>
+          <a:lstStyle/>
+          <a:p>
+            <a:endParaRPr lang="en-NL" dirty="0"/>
+          </a:p>
+        </p:txBody>
+      </p:sp>
+      <p:sp>
+        <p:nvSpPr>
+          <p:cNvPr id="4" name="Slide Number Placeholder 3"/>
+          <p:cNvSpPr>
+            <a:spLocks noGrp="1"/>
+          </p:cNvSpPr>
+          <p:nvPr>
+            <p:ph type="sldNum" sz="quarter" idx="5"/>
+          </p:nvPr>
+        </p:nvSpPr>
+        <p:spPr/>
+        <p:txBody>
+          <a:bodyPr/>
+          <a:lstStyle/>
+          <a:p>
+            <a:fld id="{10CC1388-5806-4682-935F-40A544AE6D98}" type="slidenum">
+              <a:rPr lang="en-NL" smtClean="0"/>
+              <a:t>33</a:t>
+            </a:fld>
+            <a:endParaRPr lang="en-NL"/>
+          </a:p>
+        </p:txBody>
+      </p:sp>
+    </p:spTree>
+    <p:extLst>
+      <p:ext uri="{BB962C8B-B14F-4D97-AF65-F5344CB8AC3E}">
+        <p14:creationId xmlns:p14="http://schemas.microsoft.com/office/powerpoint/2010/main" val="3749526358"/>
       </p:ext>
     </p:extLst>
   </p:cSld>
@@ -1361,6 +1647,217 @@
 </file>
 
 <file path=ppt/slideLayouts/slideLayout12.xml><?xml version="1.0" encoding="utf-8"?>
+<p:sldLayout xmlns:a="http://schemas.openxmlformats.org/drawingml/2006/main" xmlns:r="http://schemas.openxmlformats.org/officeDocument/2006/relationships" xmlns:p="http://schemas.openxmlformats.org/presentationml/2006/main" showMasterSp="0" userDrawn="1">
+  <p:cSld name="Start dia">
+    <p:spTree>
+      <p:nvGrpSpPr>
+        <p:cNvPr id="1" name=""/>
+        <p:cNvGrpSpPr/>
+        <p:nvPr/>
+      </p:nvGrpSpPr>
+      <p:grpSpPr>
+        <a:xfrm>
+          <a:off x="0" y="0"/>
+          <a:ext cx="0" cy="0"/>
+          <a:chOff x="0" y="0"/>
+          <a:chExt cx="0" cy="0"/>
+        </a:xfrm>
+      </p:grpSpPr>
+      <p:pic>
+        <p:nvPicPr>
+          <p:cNvPr id="7" name="Picture 6"/>
+          <p:cNvPicPr>
+            <a:picLocks noChangeAspect="1"/>
+          </p:cNvPicPr>
+          <p:nvPr userDrawn="1"/>
+        </p:nvPicPr>
+        <p:blipFill>
+          <a:blip r:embed="rId2">
+            <a:extLst>
+              <a:ext uri="{28A0092B-C50C-407E-A947-70E740481C1C}">
+                <a14:useLocalDpi xmlns:a14="http://schemas.microsoft.com/office/drawing/2010/main" val="0"/>
+              </a:ext>
+            </a:extLst>
+          </a:blip>
+          <a:stretch>
+            <a:fillRect/>
+          </a:stretch>
+        </p:blipFill>
+        <p:spPr>
+          <a:xfrm>
+            <a:off x="0" y="6622288"/>
+            <a:ext cx="12192000" cy="235712"/>
+          </a:xfrm>
+          <a:prstGeom prst="rect">
+            <a:avLst/>
+          </a:prstGeom>
+        </p:spPr>
+      </p:pic>
+      <p:sp>
+        <p:nvSpPr>
+          <p:cNvPr id="9" name="Picture Placeholder 2"/>
+          <p:cNvSpPr>
+            <a:spLocks noGrp="1"/>
+          </p:cNvSpPr>
+          <p:nvPr>
+            <p:ph type="pic" idx="13"/>
+          </p:nvPr>
+        </p:nvSpPr>
+        <p:spPr>
+          <a:xfrm>
+            <a:off x="0" y="1080001"/>
+            <a:ext cx="12192000" cy="4464000"/>
+          </a:xfrm>
+          <a:solidFill>
+            <a:schemeClr val="bg1">
+              <a:lumMod val="85000"/>
+            </a:schemeClr>
+          </a:solidFill>
+        </p:spPr>
+        <p:txBody>
+          <a:bodyPr lIns="360000" tIns="251999" rIns="3960000" bIns="1080000" anchor="b" anchorCtr="0"/>
+          <a:lstStyle>
+            <a:lvl1pPr marL="0" indent="0" algn="r">
+              <a:lnSpc>
+                <a:spcPts val="2667"/>
+              </a:lnSpc>
+              <a:spcBef>
+                <a:spcPts val="0"/>
+              </a:spcBef>
+              <a:buNone/>
+              <a:defRPr sz="1867">
+                <a:solidFill>
+                  <a:schemeClr val="tx1">
+                    <a:lumMod val="50000"/>
+                    <a:lumOff val="50000"/>
+                  </a:schemeClr>
+                </a:solidFill>
+              </a:defRPr>
+            </a:lvl1pPr>
+            <a:lvl2pPr marL="457189" indent="0">
+              <a:buNone/>
+              <a:defRPr sz="2800"/>
+            </a:lvl2pPr>
+            <a:lvl3pPr marL="914377" indent="0">
+              <a:buNone/>
+              <a:defRPr sz="2400"/>
+            </a:lvl3pPr>
+            <a:lvl4pPr marL="1371566" indent="0">
+              <a:buNone/>
+              <a:defRPr sz="2000"/>
+            </a:lvl4pPr>
+            <a:lvl5pPr marL="1828754" indent="0">
+              <a:buNone/>
+              <a:defRPr sz="2000"/>
+            </a:lvl5pPr>
+            <a:lvl6pPr marL="2285943" indent="0">
+              <a:buNone/>
+              <a:defRPr sz="2000"/>
+            </a:lvl6pPr>
+            <a:lvl7pPr marL="2743131" indent="0">
+              <a:buNone/>
+              <a:defRPr sz="2000"/>
+            </a:lvl7pPr>
+            <a:lvl8pPr marL="3200320" indent="0">
+              <a:buNone/>
+              <a:defRPr sz="2000"/>
+            </a:lvl8pPr>
+            <a:lvl9pPr marL="3657509" indent="0">
+              <a:buNone/>
+              <a:defRPr sz="2000"/>
+            </a:lvl9pPr>
+          </a:lstStyle>
+          <a:p>
+            <a:r>
+              <a:rPr lang="nl-NL"/>
+              <a:t>Klik op het pictogram als u een afbeelding wilt toevoegen</a:t>
+            </a:r>
+            <a:endParaRPr lang="en-US" dirty="0"/>
+          </a:p>
+        </p:txBody>
+      </p:sp>
+      <p:sp>
+        <p:nvSpPr>
+          <p:cNvPr id="2" name="Title 1"/>
+          <p:cNvSpPr>
+            <a:spLocks noGrp="1"/>
+          </p:cNvSpPr>
+          <p:nvPr>
+            <p:ph type="ctrTitle" hasCustomPrompt="1"/>
+          </p:nvPr>
+        </p:nvSpPr>
+        <p:spPr>
+          <a:xfrm>
+            <a:off x="7200000" y="2064000"/>
+            <a:ext cx="4032000" cy="4032000"/>
+          </a:xfrm>
+          <a:solidFill>
+            <a:schemeClr val="tx2"/>
+          </a:solidFill>
+        </p:spPr>
+        <p:txBody>
+          <a:bodyPr lIns="90000" tIns="90000" rIns="72000" bIns="72000" anchor="t" anchorCtr="0"/>
+          <a:lstStyle>
+            <a:lvl1pPr algn="l">
+              <a:defRPr sz="3733">
+                <a:solidFill>
+                  <a:schemeClr val="bg1"/>
+                </a:solidFill>
+              </a:defRPr>
+            </a:lvl1pPr>
+          </a:lstStyle>
+          <a:p>
+            <a:r>
+              <a:rPr lang="nl-NL" noProof="0" dirty="0"/>
+              <a:t>CLICK TO EDIT MASTER TITLE STYLE</a:t>
+            </a:r>
+          </a:p>
+        </p:txBody>
+      </p:sp>
+      <p:pic>
+        <p:nvPicPr>
+          <p:cNvPr id="10" name="Picture 9"/>
+          <p:cNvPicPr>
+            <a:picLocks noChangeAspect="1"/>
+          </p:cNvPicPr>
+          <p:nvPr userDrawn="1"/>
+        </p:nvPicPr>
+        <p:blipFill>
+          <a:blip r:embed="rId3">
+            <a:extLst>
+              <a:ext uri="{28A0092B-C50C-407E-A947-70E740481C1C}">
+                <a14:useLocalDpi xmlns:a14="http://schemas.microsoft.com/office/drawing/2010/main" val="0"/>
+              </a:ext>
+            </a:extLst>
+          </a:blip>
+          <a:stretch>
+            <a:fillRect/>
+          </a:stretch>
+        </p:blipFill>
+        <p:spPr>
+          <a:xfrm>
+            <a:off x="864000" y="144000"/>
+            <a:ext cx="3840480" cy="865632"/>
+          </a:xfrm>
+          <a:prstGeom prst="rect">
+            <a:avLst/>
+          </a:prstGeom>
+        </p:spPr>
+      </p:pic>
+    </p:spTree>
+    <p:extLst>
+      <p:ext uri="{BB962C8B-B14F-4D97-AF65-F5344CB8AC3E}">
+        <p14:creationId xmlns:p14="http://schemas.microsoft.com/office/powerpoint/2010/main" val="1076584878"/>
+      </p:ext>
+    </p:extLst>
+  </p:cSld>
+  <p:clrMapOvr>
+    <a:masterClrMapping/>
+  </p:clrMapOvr>
+</p:sldLayout>
+</file>
+
+<file path=ppt/slideLayouts/slideLayout13.xml><?xml version="1.0" encoding="utf-8"?>
 <p:sldLayout xmlns:a="http://schemas.openxmlformats.org/drawingml/2006/main" xmlns:r="http://schemas.openxmlformats.org/officeDocument/2006/relationships" xmlns:p="http://schemas.openxmlformats.org/presentationml/2006/main" showMasterSp="0" preserve="1" userDrawn="1">
   <p:cSld name="Start dia">
     <p:spTree>
@@ -1571,7 +2068,7 @@
 </p:sldLayout>
 </file>
 
-<file path=ppt/slideLayouts/slideLayout13.xml><?xml version="1.0" encoding="utf-8"?>
+<file path=ppt/slideLayouts/slideLayout14.xml><?xml version="1.0" encoding="utf-8"?>
 <p:sldLayout xmlns:a="http://schemas.openxmlformats.org/drawingml/2006/main" xmlns:r="http://schemas.openxmlformats.org/officeDocument/2006/relationships" xmlns:p="http://schemas.openxmlformats.org/presentationml/2006/main" showMasterSp="0" preserve="1" userDrawn="1">
   <p:cSld name="Titeldia">
     <p:spTree>
@@ -1854,7 +2351,7 @@
 </p:sldLayout>
 </file>
 
-<file path=ppt/slideLayouts/slideLayout14.xml><?xml version="1.0" encoding="utf-8"?>
+<file path=ppt/slideLayouts/slideLayout15.xml><?xml version="1.0" encoding="utf-8"?>
 <p:sldLayout xmlns:a="http://schemas.openxmlformats.org/drawingml/2006/main" xmlns:r="http://schemas.openxmlformats.org/officeDocument/2006/relationships" xmlns:p="http://schemas.openxmlformats.org/presentationml/2006/main" showMasterSp="0" preserve="1" userDrawn="1">
   <p:cSld name="Titeldia met spreker">
     <p:spTree>
@@ -2220,7 +2717,7 @@
 </p:sldLayout>
 </file>
 
-<file path=ppt/slideLayouts/slideLayout15.xml><?xml version="1.0" encoding="utf-8"?>
+<file path=ppt/slideLayouts/slideLayout16.xml><?xml version="1.0" encoding="utf-8"?>
 <p:sldLayout xmlns:a="http://schemas.openxmlformats.org/drawingml/2006/main" xmlns:r="http://schemas.openxmlformats.org/officeDocument/2006/relationships" xmlns:p="http://schemas.openxmlformats.org/presentationml/2006/main" preserve="1" userDrawn="1">
   <p:cSld name="Titel, kop en opsomming">
     <p:spTree>
@@ -2467,7 +2964,7 @@
 </p:sldLayout>
 </file>
 
-<file path=ppt/slideLayouts/slideLayout16.xml><?xml version="1.0" encoding="utf-8"?>
+<file path=ppt/slideLayouts/slideLayout17.xml><?xml version="1.0" encoding="utf-8"?>
 <p:sldLayout xmlns:a="http://schemas.openxmlformats.org/drawingml/2006/main" xmlns:r="http://schemas.openxmlformats.org/officeDocument/2006/relationships" xmlns:p="http://schemas.openxmlformats.org/presentationml/2006/main" preserve="1" userDrawn="1">
   <p:cSld name="Titel en opsomming">
     <p:spTree>
@@ -2645,7 +3142,7 @@
 </p:sldLayout>
 </file>
 
-<file path=ppt/slideLayouts/slideLayout17.xml><?xml version="1.0" encoding="utf-8"?>
+<file path=ppt/slideLayouts/slideLayout18.xml><?xml version="1.0" encoding="utf-8"?>
 <p:sldLayout xmlns:a="http://schemas.openxmlformats.org/drawingml/2006/main" xmlns:r="http://schemas.openxmlformats.org/officeDocument/2006/relationships" xmlns:p="http://schemas.openxmlformats.org/presentationml/2006/main" preserve="1" userDrawn="1">
   <p:cSld name="1_Titel en object">
     <p:spTree>
@@ -2970,7 +3467,7 @@
 </p:sldLayout>
 </file>
 
-<file path=ppt/slideLayouts/slideLayout18.xml><?xml version="1.0" encoding="utf-8"?>
+<file path=ppt/slideLayouts/slideLayout19.xml><?xml version="1.0" encoding="utf-8"?>
 <p:sldLayout xmlns:a="http://schemas.openxmlformats.org/drawingml/2006/main" xmlns:r="http://schemas.openxmlformats.org/officeDocument/2006/relationships" xmlns:p="http://schemas.openxmlformats.org/presentationml/2006/main" preserve="1" userDrawn="1">
   <p:cSld name="Vergelijking">
     <p:spTree>
@@ -3339,586 +3836,6 @@
     <p:extLst>
       <p:ext uri="{BB962C8B-B14F-4D97-AF65-F5344CB8AC3E}">
         <p14:creationId xmlns:p14="http://schemas.microsoft.com/office/powerpoint/2010/main" val="1118228718"/>
-      </p:ext>
-    </p:extLst>
-  </p:cSld>
-  <p:clrMapOvr>
-    <a:masterClrMapping/>
-  </p:clrMapOvr>
-</p:sldLayout>
-</file>
-
-<file path=ppt/slideLayouts/slideLayout19.xml><?xml version="1.0" encoding="utf-8"?>
-<p:sldLayout xmlns:a="http://schemas.openxmlformats.org/drawingml/2006/main" xmlns:r="http://schemas.openxmlformats.org/officeDocument/2006/relationships" xmlns:p="http://schemas.openxmlformats.org/presentationml/2006/main" preserve="1" userDrawn="1">
-  <p:cSld name="Twee kolommen met afbeeldingen">
-    <p:spTree>
-      <p:nvGrpSpPr>
-        <p:cNvPr id="1" name=""/>
-        <p:cNvGrpSpPr/>
-        <p:nvPr/>
-      </p:nvGrpSpPr>
-      <p:grpSpPr>
-        <a:xfrm>
-          <a:off x="0" y="0"/>
-          <a:ext cx="0" cy="0"/>
-          <a:chOff x="0" y="0"/>
-          <a:chExt cx="0" cy="0"/>
-        </a:xfrm>
-      </p:grpSpPr>
-      <p:sp>
-        <p:nvSpPr>
-          <p:cNvPr id="3" name="Picture Placeholder 2"/>
-          <p:cNvSpPr>
-            <a:spLocks noGrp="1" noChangeAspect="1"/>
-          </p:cNvSpPr>
-          <p:nvPr>
-            <p:ph type="pic" idx="1"/>
-          </p:nvPr>
-        </p:nvSpPr>
-        <p:spPr>
-          <a:xfrm>
-            <a:off x="960000" y="1056000"/>
-            <a:ext cx="4992000" cy="2112000"/>
-          </a:xfrm>
-          <a:solidFill>
-            <a:schemeClr val="bg1">
-              <a:lumMod val="85000"/>
-            </a:schemeClr>
-          </a:solidFill>
-        </p:spPr>
-        <p:txBody>
-          <a:bodyPr lIns="360000" tIns="360000" rIns="360000" anchor="t"/>
-          <a:lstStyle>
-            <a:lvl1pPr marL="0" indent="0" algn="ctr">
-              <a:lnSpc>
-                <a:spcPts val="2667"/>
-              </a:lnSpc>
-              <a:spcBef>
-                <a:spcPts val="0"/>
-              </a:spcBef>
-              <a:buNone/>
-              <a:defRPr sz="1867">
-                <a:solidFill>
-                  <a:schemeClr val="tx1">
-                    <a:lumMod val="50000"/>
-                    <a:lumOff val="50000"/>
-                  </a:schemeClr>
-                </a:solidFill>
-              </a:defRPr>
-            </a:lvl1pPr>
-            <a:lvl2pPr marL="457189" indent="0">
-              <a:buNone/>
-              <a:defRPr sz="2800"/>
-            </a:lvl2pPr>
-            <a:lvl3pPr marL="914377" indent="0">
-              <a:buNone/>
-              <a:defRPr sz="2400"/>
-            </a:lvl3pPr>
-            <a:lvl4pPr marL="1371566" indent="0">
-              <a:buNone/>
-              <a:defRPr sz="2000"/>
-            </a:lvl4pPr>
-            <a:lvl5pPr marL="1828754" indent="0">
-              <a:buNone/>
-              <a:defRPr sz="2000"/>
-            </a:lvl5pPr>
-            <a:lvl6pPr marL="2285943" indent="0">
-              <a:buNone/>
-              <a:defRPr sz="2000"/>
-            </a:lvl6pPr>
-            <a:lvl7pPr marL="2743131" indent="0">
-              <a:buNone/>
-              <a:defRPr sz="2000"/>
-            </a:lvl7pPr>
-            <a:lvl8pPr marL="3200320" indent="0">
-              <a:buNone/>
-              <a:defRPr sz="2000"/>
-            </a:lvl8pPr>
-            <a:lvl9pPr marL="3657509" indent="0">
-              <a:buNone/>
-              <a:defRPr sz="2000"/>
-            </a:lvl9pPr>
-          </a:lstStyle>
-          <a:p>
-            <a:r>
-              <a:rPr lang="nl-NL"/>
-              <a:t>Klik op het pictogram als u een afbeelding wilt toevoegen</a:t>
-            </a:r>
-            <a:endParaRPr lang="en-US" dirty="0"/>
-          </a:p>
-        </p:txBody>
-      </p:sp>
-      <p:sp>
-        <p:nvSpPr>
-          <p:cNvPr id="5" name="Date Placeholder 4"/>
-          <p:cNvSpPr>
-            <a:spLocks noGrp="1"/>
-          </p:cNvSpPr>
-          <p:nvPr>
-            <p:ph type="dt" sz="half" idx="10"/>
-          </p:nvPr>
-        </p:nvSpPr>
-        <p:spPr/>
-        <p:txBody>
-          <a:bodyPr/>
-          <a:lstStyle/>
-          <a:p>
-            <a:fld id="{56BA50C8-7311-E14C-816D-7251E320C8DC}" type="datetime1">
-              <a:rPr lang="en-US" smtClean="0"/>
-              <a:t>2/16/2020</a:t>
-            </a:fld>
-            <a:endParaRPr lang="nl-NL"/>
-          </a:p>
-        </p:txBody>
-      </p:sp>
-      <p:sp>
-        <p:nvSpPr>
-          <p:cNvPr id="6" name="Footer Placeholder 5"/>
-          <p:cNvSpPr>
-            <a:spLocks noGrp="1"/>
-          </p:cNvSpPr>
-          <p:nvPr>
-            <p:ph type="ftr" sz="quarter" idx="11"/>
-          </p:nvPr>
-        </p:nvSpPr>
-        <p:spPr/>
-        <p:txBody>
-          <a:bodyPr/>
-          <a:lstStyle/>
-          <a:p>
-            <a:r>
-              <a:rPr lang="nl-NL"/>
-              <a:t>Titel van de presentatie</a:t>
-            </a:r>
-          </a:p>
-        </p:txBody>
-      </p:sp>
-      <p:sp>
-        <p:nvSpPr>
-          <p:cNvPr id="7" name="Slide Number Placeholder 6"/>
-          <p:cNvSpPr>
-            <a:spLocks noGrp="1"/>
-          </p:cNvSpPr>
-          <p:nvPr>
-            <p:ph type="sldNum" sz="quarter" idx="12"/>
-          </p:nvPr>
-        </p:nvSpPr>
-        <p:spPr/>
-        <p:txBody>
-          <a:bodyPr/>
-          <a:lstStyle/>
-          <a:p>
-            <a:fld id="{14F1411D-0280-154F-AEAC-4C20B7AA46B2}" type="slidenum">
-              <a:rPr lang="nl-NL" smtClean="0"/>
-              <a:t>‹#›</a:t>
-            </a:fld>
-            <a:endParaRPr lang="nl-NL"/>
-          </a:p>
-        </p:txBody>
-      </p:sp>
-      <p:sp>
-        <p:nvSpPr>
-          <p:cNvPr id="8" name="Title 1"/>
-          <p:cNvSpPr>
-            <a:spLocks noGrp="1"/>
-          </p:cNvSpPr>
-          <p:nvPr>
-            <p:ph type="title" hasCustomPrompt="1"/>
-          </p:nvPr>
-        </p:nvSpPr>
-        <p:spPr>
-          <a:xfrm>
-            <a:off x="960001" y="384001"/>
-            <a:ext cx="8831999" cy="671999"/>
-          </a:xfrm>
-        </p:spPr>
-        <p:txBody>
-          <a:bodyPr anchor="ctr" anchorCtr="0"/>
-          <a:lstStyle>
-            <a:lvl1pPr>
-              <a:defRPr sz="2400"/>
-            </a:lvl1pPr>
-          </a:lstStyle>
-          <a:p>
-            <a:r>
-              <a:rPr lang="nl-NL" dirty="0"/>
-              <a:t>TITELSTIJL VAN MODEL BEWERKEN</a:t>
-            </a:r>
-            <a:endParaRPr lang="en-US" dirty="0"/>
-          </a:p>
-        </p:txBody>
-      </p:sp>
-      <p:sp>
-        <p:nvSpPr>
-          <p:cNvPr id="9" name="Picture Placeholder 2"/>
-          <p:cNvSpPr>
-            <a:spLocks noGrp="1" noChangeAspect="1"/>
-          </p:cNvSpPr>
-          <p:nvPr>
-            <p:ph type="pic" idx="13"/>
-          </p:nvPr>
-        </p:nvSpPr>
-        <p:spPr>
-          <a:xfrm>
-            <a:off x="6240000" y="1056000"/>
-            <a:ext cx="4992000" cy="2112000"/>
-          </a:xfrm>
-          <a:solidFill>
-            <a:schemeClr val="bg1">
-              <a:lumMod val="85000"/>
-            </a:schemeClr>
-          </a:solidFill>
-        </p:spPr>
-        <p:txBody>
-          <a:bodyPr lIns="360000" tIns="360000" rIns="360000" anchor="t"/>
-          <a:lstStyle>
-            <a:lvl1pPr marL="0" indent="0" algn="ctr">
-              <a:lnSpc>
-                <a:spcPts val="2667"/>
-              </a:lnSpc>
-              <a:spcBef>
-                <a:spcPts val="0"/>
-              </a:spcBef>
-              <a:buNone/>
-              <a:defRPr sz="1867">
-                <a:solidFill>
-                  <a:schemeClr val="tx1">
-                    <a:lumMod val="50000"/>
-                    <a:lumOff val="50000"/>
-                  </a:schemeClr>
-                </a:solidFill>
-              </a:defRPr>
-            </a:lvl1pPr>
-            <a:lvl2pPr marL="457189" indent="0">
-              <a:buNone/>
-              <a:defRPr sz="2800"/>
-            </a:lvl2pPr>
-            <a:lvl3pPr marL="914377" indent="0">
-              <a:buNone/>
-              <a:defRPr sz="2400"/>
-            </a:lvl3pPr>
-            <a:lvl4pPr marL="1371566" indent="0">
-              <a:buNone/>
-              <a:defRPr sz="2000"/>
-            </a:lvl4pPr>
-            <a:lvl5pPr marL="1828754" indent="0">
-              <a:buNone/>
-              <a:defRPr sz="2000"/>
-            </a:lvl5pPr>
-            <a:lvl6pPr marL="2285943" indent="0">
-              <a:buNone/>
-              <a:defRPr sz="2000"/>
-            </a:lvl6pPr>
-            <a:lvl7pPr marL="2743131" indent="0">
-              <a:buNone/>
-              <a:defRPr sz="2000"/>
-            </a:lvl7pPr>
-            <a:lvl8pPr marL="3200320" indent="0">
-              <a:buNone/>
-              <a:defRPr sz="2000"/>
-            </a:lvl8pPr>
-            <a:lvl9pPr marL="3657509" indent="0">
-              <a:buNone/>
-              <a:defRPr sz="2000"/>
-            </a:lvl9pPr>
-          </a:lstStyle>
-          <a:p>
-            <a:r>
-              <a:rPr lang="nl-NL"/>
-              <a:t>Klik op het pictogram als u een afbeelding wilt toevoegen</a:t>
-            </a:r>
-            <a:endParaRPr lang="en-US" dirty="0"/>
-          </a:p>
-        </p:txBody>
-      </p:sp>
-      <p:sp>
-        <p:nvSpPr>
-          <p:cNvPr id="10" name="Content Placeholder 2"/>
-          <p:cNvSpPr>
-            <a:spLocks noGrp="1"/>
-          </p:cNvSpPr>
-          <p:nvPr>
-            <p:ph idx="14"/>
-          </p:nvPr>
-        </p:nvSpPr>
-        <p:spPr>
-          <a:xfrm>
-            <a:off x="960005" y="3600000"/>
-            <a:ext cx="4991996" cy="2688000"/>
-          </a:xfrm>
-        </p:spPr>
-        <p:txBody>
-          <a:bodyPr/>
-          <a:lstStyle>
-            <a:lvl1pPr>
-              <a:defRPr sz="1733"/>
-            </a:lvl1pPr>
-            <a:lvl2pPr>
-              <a:defRPr sz="1733"/>
-            </a:lvl2pPr>
-            <a:lvl3pPr>
-              <a:defRPr sz="1733"/>
-            </a:lvl3pPr>
-            <a:lvl4pPr>
-              <a:defRPr sz="1733"/>
-            </a:lvl4pPr>
-            <a:lvl5pPr>
-              <a:defRPr sz="1733"/>
-            </a:lvl5pPr>
-          </a:lstStyle>
-          <a:p>
-            <a:pPr lvl="0"/>
-            <a:r>
-              <a:rPr lang="nl-NL"/>
-              <a:t>Tekststijl van het model bewerken</a:t>
-            </a:r>
-          </a:p>
-          <a:p>
-            <a:pPr lvl="1"/>
-            <a:r>
-              <a:rPr lang="nl-NL"/>
-              <a:t>Tweede niveau</a:t>
-            </a:r>
-          </a:p>
-          <a:p>
-            <a:pPr lvl="2"/>
-            <a:r>
-              <a:rPr lang="nl-NL"/>
-              <a:t>Derde niveau</a:t>
-            </a:r>
-          </a:p>
-          <a:p>
-            <a:pPr lvl="3"/>
-            <a:r>
-              <a:rPr lang="nl-NL"/>
-              <a:t>Vierde niveau</a:t>
-            </a:r>
-          </a:p>
-          <a:p>
-            <a:pPr lvl="4"/>
-            <a:r>
-              <a:rPr lang="nl-NL"/>
-              <a:t>Vijfde niveau</a:t>
-            </a:r>
-            <a:endParaRPr lang="en-US" dirty="0"/>
-          </a:p>
-        </p:txBody>
-      </p:sp>
-      <p:sp>
-        <p:nvSpPr>
-          <p:cNvPr id="12" name="Text Placeholder 2"/>
-          <p:cNvSpPr>
-            <a:spLocks noGrp="1"/>
-          </p:cNvSpPr>
-          <p:nvPr>
-            <p:ph type="body" idx="16"/>
-          </p:nvPr>
-        </p:nvSpPr>
-        <p:spPr>
-          <a:xfrm>
-            <a:off x="959997" y="3264000"/>
-            <a:ext cx="4992000" cy="336000"/>
-          </a:xfrm>
-        </p:spPr>
-        <p:txBody>
-          <a:bodyPr anchor="t" anchorCtr="0"/>
-          <a:lstStyle>
-            <a:lvl1pPr marL="0" indent="0">
-              <a:buNone/>
-              <a:defRPr sz="1733" b="1">
-                <a:solidFill>
-                  <a:schemeClr val="tx2"/>
-                </a:solidFill>
-              </a:defRPr>
-            </a:lvl1pPr>
-            <a:lvl2pPr marL="457189" indent="0">
-              <a:buNone/>
-              <a:defRPr sz="2000" b="1"/>
-            </a:lvl2pPr>
-            <a:lvl3pPr marL="914377" indent="0">
-              <a:buNone/>
-              <a:defRPr sz="1800" b="1"/>
-            </a:lvl3pPr>
-            <a:lvl4pPr marL="1371566" indent="0">
-              <a:buNone/>
-              <a:defRPr sz="1600" b="1"/>
-            </a:lvl4pPr>
-            <a:lvl5pPr marL="1828754" indent="0">
-              <a:buNone/>
-              <a:defRPr sz="1600" b="1"/>
-            </a:lvl5pPr>
-            <a:lvl6pPr marL="2285943" indent="0">
-              <a:buNone/>
-              <a:defRPr sz="1600" b="1"/>
-            </a:lvl6pPr>
-            <a:lvl7pPr marL="2743131" indent="0">
-              <a:buNone/>
-              <a:defRPr sz="1600" b="1"/>
-            </a:lvl7pPr>
-            <a:lvl8pPr marL="3200320" indent="0">
-              <a:buNone/>
-              <a:defRPr sz="1600" b="1"/>
-            </a:lvl8pPr>
-            <a:lvl9pPr marL="3657509" indent="0">
-              <a:buNone/>
-              <a:defRPr sz="1600" b="1"/>
-            </a:lvl9pPr>
-          </a:lstStyle>
-          <a:p>
-            <a:pPr lvl="0"/>
-            <a:r>
-              <a:rPr lang="nl-NL"/>
-              <a:t>Tekststijl van het model bewerken</a:t>
-            </a:r>
-          </a:p>
-        </p:txBody>
-      </p:sp>
-      <p:sp>
-        <p:nvSpPr>
-          <p:cNvPr id="13" name="Content Placeholder 2"/>
-          <p:cNvSpPr>
-            <a:spLocks noGrp="1"/>
-          </p:cNvSpPr>
-          <p:nvPr>
-            <p:ph idx="17"/>
-          </p:nvPr>
-        </p:nvSpPr>
-        <p:spPr>
-          <a:xfrm>
-            <a:off x="6240007" y="3600000"/>
-            <a:ext cx="4991996" cy="2688000"/>
-          </a:xfrm>
-        </p:spPr>
-        <p:txBody>
-          <a:bodyPr/>
-          <a:lstStyle>
-            <a:lvl1pPr>
-              <a:defRPr sz="1733"/>
-            </a:lvl1pPr>
-            <a:lvl2pPr>
-              <a:defRPr sz="1733"/>
-            </a:lvl2pPr>
-            <a:lvl3pPr>
-              <a:defRPr sz="1733"/>
-            </a:lvl3pPr>
-            <a:lvl4pPr>
-              <a:defRPr sz="1733"/>
-            </a:lvl4pPr>
-            <a:lvl5pPr>
-              <a:defRPr sz="1733"/>
-            </a:lvl5pPr>
-          </a:lstStyle>
-          <a:p>
-            <a:pPr lvl="0"/>
-            <a:r>
-              <a:rPr lang="nl-NL"/>
-              <a:t>Tekststijl van het model bewerken</a:t>
-            </a:r>
-          </a:p>
-          <a:p>
-            <a:pPr lvl="1"/>
-            <a:r>
-              <a:rPr lang="nl-NL"/>
-              <a:t>Tweede niveau</a:t>
-            </a:r>
-          </a:p>
-          <a:p>
-            <a:pPr lvl="2"/>
-            <a:r>
-              <a:rPr lang="nl-NL"/>
-              <a:t>Derde niveau</a:t>
-            </a:r>
-          </a:p>
-          <a:p>
-            <a:pPr lvl="3"/>
-            <a:r>
-              <a:rPr lang="nl-NL"/>
-              <a:t>Vierde niveau</a:t>
-            </a:r>
-          </a:p>
-          <a:p>
-            <a:pPr lvl="4"/>
-            <a:r>
-              <a:rPr lang="nl-NL"/>
-              <a:t>Vijfde niveau</a:t>
-            </a:r>
-            <a:endParaRPr lang="en-US" dirty="0"/>
-          </a:p>
-        </p:txBody>
-      </p:sp>
-      <p:sp>
-        <p:nvSpPr>
-          <p:cNvPr id="14" name="Text Placeholder 2"/>
-          <p:cNvSpPr>
-            <a:spLocks noGrp="1"/>
-          </p:cNvSpPr>
-          <p:nvPr>
-            <p:ph type="body" idx="18"/>
-          </p:nvPr>
-        </p:nvSpPr>
-        <p:spPr>
-          <a:xfrm>
-            <a:off x="6240000" y="3264000"/>
-            <a:ext cx="4992000" cy="336000"/>
-          </a:xfrm>
-        </p:spPr>
-        <p:txBody>
-          <a:bodyPr anchor="t" anchorCtr="0"/>
-          <a:lstStyle>
-            <a:lvl1pPr marL="0" indent="0">
-              <a:buNone/>
-              <a:defRPr sz="1733" b="1">
-                <a:solidFill>
-                  <a:schemeClr val="tx2"/>
-                </a:solidFill>
-              </a:defRPr>
-            </a:lvl1pPr>
-            <a:lvl2pPr marL="457189" indent="0">
-              <a:buNone/>
-              <a:defRPr sz="2000" b="1"/>
-            </a:lvl2pPr>
-            <a:lvl3pPr marL="914377" indent="0">
-              <a:buNone/>
-              <a:defRPr sz="1800" b="1"/>
-            </a:lvl3pPr>
-            <a:lvl4pPr marL="1371566" indent="0">
-              <a:buNone/>
-              <a:defRPr sz="1600" b="1"/>
-            </a:lvl4pPr>
-            <a:lvl5pPr marL="1828754" indent="0">
-              <a:buNone/>
-              <a:defRPr sz="1600" b="1"/>
-            </a:lvl5pPr>
-            <a:lvl6pPr marL="2285943" indent="0">
-              <a:buNone/>
-              <a:defRPr sz="1600" b="1"/>
-            </a:lvl6pPr>
-            <a:lvl7pPr marL="2743131" indent="0">
-              <a:buNone/>
-              <a:defRPr sz="1600" b="1"/>
-            </a:lvl7pPr>
-            <a:lvl8pPr marL="3200320" indent="0">
-              <a:buNone/>
-              <a:defRPr sz="1600" b="1"/>
-            </a:lvl8pPr>
-            <a:lvl9pPr marL="3657509" indent="0">
-              <a:buNone/>
-              <a:defRPr sz="1600" b="1"/>
-            </a:lvl9pPr>
-          </a:lstStyle>
-          <a:p>
-            <a:pPr lvl="0"/>
-            <a:r>
-              <a:rPr lang="nl-NL"/>
-              <a:t>Tekststijl van het model bewerken</a:t>
-            </a:r>
-          </a:p>
-        </p:txBody>
-      </p:sp>
-    </p:spTree>
-    <p:extLst>
-      <p:ext uri="{BB962C8B-B14F-4D97-AF65-F5344CB8AC3E}">
-        <p14:creationId xmlns:p14="http://schemas.microsoft.com/office/powerpoint/2010/main" val="1541964709"/>
       </p:ext>
     </p:extLst>
   </p:cSld>
@@ -4129,6 +4046,586 @@
 </file>
 
 <file path=ppt/slideLayouts/slideLayout20.xml><?xml version="1.0" encoding="utf-8"?>
+<p:sldLayout xmlns:a="http://schemas.openxmlformats.org/drawingml/2006/main" xmlns:r="http://schemas.openxmlformats.org/officeDocument/2006/relationships" xmlns:p="http://schemas.openxmlformats.org/presentationml/2006/main" preserve="1" userDrawn="1">
+  <p:cSld name="Twee kolommen met afbeeldingen">
+    <p:spTree>
+      <p:nvGrpSpPr>
+        <p:cNvPr id="1" name=""/>
+        <p:cNvGrpSpPr/>
+        <p:nvPr/>
+      </p:nvGrpSpPr>
+      <p:grpSpPr>
+        <a:xfrm>
+          <a:off x="0" y="0"/>
+          <a:ext cx="0" cy="0"/>
+          <a:chOff x="0" y="0"/>
+          <a:chExt cx="0" cy="0"/>
+        </a:xfrm>
+      </p:grpSpPr>
+      <p:sp>
+        <p:nvSpPr>
+          <p:cNvPr id="3" name="Picture Placeholder 2"/>
+          <p:cNvSpPr>
+            <a:spLocks noGrp="1" noChangeAspect="1"/>
+          </p:cNvSpPr>
+          <p:nvPr>
+            <p:ph type="pic" idx="1"/>
+          </p:nvPr>
+        </p:nvSpPr>
+        <p:spPr>
+          <a:xfrm>
+            <a:off x="960000" y="1056000"/>
+            <a:ext cx="4992000" cy="2112000"/>
+          </a:xfrm>
+          <a:solidFill>
+            <a:schemeClr val="bg1">
+              <a:lumMod val="85000"/>
+            </a:schemeClr>
+          </a:solidFill>
+        </p:spPr>
+        <p:txBody>
+          <a:bodyPr lIns="360000" tIns="360000" rIns="360000" anchor="t"/>
+          <a:lstStyle>
+            <a:lvl1pPr marL="0" indent="0" algn="ctr">
+              <a:lnSpc>
+                <a:spcPts val="2667"/>
+              </a:lnSpc>
+              <a:spcBef>
+                <a:spcPts val="0"/>
+              </a:spcBef>
+              <a:buNone/>
+              <a:defRPr sz="1867">
+                <a:solidFill>
+                  <a:schemeClr val="tx1">
+                    <a:lumMod val="50000"/>
+                    <a:lumOff val="50000"/>
+                  </a:schemeClr>
+                </a:solidFill>
+              </a:defRPr>
+            </a:lvl1pPr>
+            <a:lvl2pPr marL="457189" indent="0">
+              <a:buNone/>
+              <a:defRPr sz="2800"/>
+            </a:lvl2pPr>
+            <a:lvl3pPr marL="914377" indent="0">
+              <a:buNone/>
+              <a:defRPr sz="2400"/>
+            </a:lvl3pPr>
+            <a:lvl4pPr marL="1371566" indent="0">
+              <a:buNone/>
+              <a:defRPr sz="2000"/>
+            </a:lvl4pPr>
+            <a:lvl5pPr marL="1828754" indent="0">
+              <a:buNone/>
+              <a:defRPr sz="2000"/>
+            </a:lvl5pPr>
+            <a:lvl6pPr marL="2285943" indent="0">
+              <a:buNone/>
+              <a:defRPr sz="2000"/>
+            </a:lvl6pPr>
+            <a:lvl7pPr marL="2743131" indent="0">
+              <a:buNone/>
+              <a:defRPr sz="2000"/>
+            </a:lvl7pPr>
+            <a:lvl8pPr marL="3200320" indent="0">
+              <a:buNone/>
+              <a:defRPr sz="2000"/>
+            </a:lvl8pPr>
+            <a:lvl9pPr marL="3657509" indent="0">
+              <a:buNone/>
+              <a:defRPr sz="2000"/>
+            </a:lvl9pPr>
+          </a:lstStyle>
+          <a:p>
+            <a:r>
+              <a:rPr lang="nl-NL"/>
+              <a:t>Klik op het pictogram als u een afbeelding wilt toevoegen</a:t>
+            </a:r>
+            <a:endParaRPr lang="en-US" dirty="0"/>
+          </a:p>
+        </p:txBody>
+      </p:sp>
+      <p:sp>
+        <p:nvSpPr>
+          <p:cNvPr id="5" name="Date Placeholder 4"/>
+          <p:cNvSpPr>
+            <a:spLocks noGrp="1"/>
+          </p:cNvSpPr>
+          <p:nvPr>
+            <p:ph type="dt" sz="half" idx="10"/>
+          </p:nvPr>
+        </p:nvSpPr>
+        <p:spPr/>
+        <p:txBody>
+          <a:bodyPr/>
+          <a:lstStyle/>
+          <a:p>
+            <a:fld id="{56BA50C8-7311-E14C-816D-7251E320C8DC}" type="datetime1">
+              <a:rPr lang="en-US" smtClean="0"/>
+              <a:t>2/16/2020</a:t>
+            </a:fld>
+            <a:endParaRPr lang="nl-NL"/>
+          </a:p>
+        </p:txBody>
+      </p:sp>
+      <p:sp>
+        <p:nvSpPr>
+          <p:cNvPr id="6" name="Footer Placeholder 5"/>
+          <p:cNvSpPr>
+            <a:spLocks noGrp="1"/>
+          </p:cNvSpPr>
+          <p:nvPr>
+            <p:ph type="ftr" sz="quarter" idx="11"/>
+          </p:nvPr>
+        </p:nvSpPr>
+        <p:spPr/>
+        <p:txBody>
+          <a:bodyPr/>
+          <a:lstStyle/>
+          <a:p>
+            <a:r>
+              <a:rPr lang="nl-NL"/>
+              <a:t>Titel van de presentatie</a:t>
+            </a:r>
+          </a:p>
+        </p:txBody>
+      </p:sp>
+      <p:sp>
+        <p:nvSpPr>
+          <p:cNvPr id="7" name="Slide Number Placeholder 6"/>
+          <p:cNvSpPr>
+            <a:spLocks noGrp="1"/>
+          </p:cNvSpPr>
+          <p:nvPr>
+            <p:ph type="sldNum" sz="quarter" idx="12"/>
+          </p:nvPr>
+        </p:nvSpPr>
+        <p:spPr/>
+        <p:txBody>
+          <a:bodyPr/>
+          <a:lstStyle/>
+          <a:p>
+            <a:fld id="{14F1411D-0280-154F-AEAC-4C20B7AA46B2}" type="slidenum">
+              <a:rPr lang="nl-NL" smtClean="0"/>
+              <a:t>‹#›</a:t>
+            </a:fld>
+            <a:endParaRPr lang="nl-NL"/>
+          </a:p>
+        </p:txBody>
+      </p:sp>
+      <p:sp>
+        <p:nvSpPr>
+          <p:cNvPr id="8" name="Title 1"/>
+          <p:cNvSpPr>
+            <a:spLocks noGrp="1"/>
+          </p:cNvSpPr>
+          <p:nvPr>
+            <p:ph type="title" hasCustomPrompt="1"/>
+          </p:nvPr>
+        </p:nvSpPr>
+        <p:spPr>
+          <a:xfrm>
+            <a:off x="960001" y="384001"/>
+            <a:ext cx="8831999" cy="671999"/>
+          </a:xfrm>
+        </p:spPr>
+        <p:txBody>
+          <a:bodyPr anchor="ctr" anchorCtr="0"/>
+          <a:lstStyle>
+            <a:lvl1pPr>
+              <a:defRPr sz="2400"/>
+            </a:lvl1pPr>
+          </a:lstStyle>
+          <a:p>
+            <a:r>
+              <a:rPr lang="nl-NL" dirty="0"/>
+              <a:t>TITELSTIJL VAN MODEL BEWERKEN</a:t>
+            </a:r>
+            <a:endParaRPr lang="en-US" dirty="0"/>
+          </a:p>
+        </p:txBody>
+      </p:sp>
+      <p:sp>
+        <p:nvSpPr>
+          <p:cNvPr id="9" name="Picture Placeholder 2"/>
+          <p:cNvSpPr>
+            <a:spLocks noGrp="1" noChangeAspect="1"/>
+          </p:cNvSpPr>
+          <p:nvPr>
+            <p:ph type="pic" idx="13"/>
+          </p:nvPr>
+        </p:nvSpPr>
+        <p:spPr>
+          <a:xfrm>
+            <a:off x="6240000" y="1056000"/>
+            <a:ext cx="4992000" cy="2112000"/>
+          </a:xfrm>
+          <a:solidFill>
+            <a:schemeClr val="bg1">
+              <a:lumMod val="85000"/>
+            </a:schemeClr>
+          </a:solidFill>
+        </p:spPr>
+        <p:txBody>
+          <a:bodyPr lIns="360000" tIns="360000" rIns="360000" anchor="t"/>
+          <a:lstStyle>
+            <a:lvl1pPr marL="0" indent="0" algn="ctr">
+              <a:lnSpc>
+                <a:spcPts val="2667"/>
+              </a:lnSpc>
+              <a:spcBef>
+                <a:spcPts val="0"/>
+              </a:spcBef>
+              <a:buNone/>
+              <a:defRPr sz="1867">
+                <a:solidFill>
+                  <a:schemeClr val="tx1">
+                    <a:lumMod val="50000"/>
+                    <a:lumOff val="50000"/>
+                  </a:schemeClr>
+                </a:solidFill>
+              </a:defRPr>
+            </a:lvl1pPr>
+            <a:lvl2pPr marL="457189" indent="0">
+              <a:buNone/>
+              <a:defRPr sz="2800"/>
+            </a:lvl2pPr>
+            <a:lvl3pPr marL="914377" indent="0">
+              <a:buNone/>
+              <a:defRPr sz="2400"/>
+            </a:lvl3pPr>
+            <a:lvl4pPr marL="1371566" indent="0">
+              <a:buNone/>
+              <a:defRPr sz="2000"/>
+            </a:lvl4pPr>
+            <a:lvl5pPr marL="1828754" indent="0">
+              <a:buNone/>
+              <a:defRPr sz="2000"/>
+            </a:lvl5pPr>
+            <a:lvl6pPr marL="2285943" indent="0">
+              <a:buNone/>
+              <a:defRPr sz="2000"/>
+            </a:lvl6pPr>
+            <a:lvl7pPr marL="2743131" indent="0">
+              <a:buNone/>
+              <a:defRPr sz="2000"/>
+            </a:lvl7pPr>
+            <a:lvl8pPr marL="3200320" indent="0">
+              <a:buNone/>
+              <a:defRPr sz="2000"/>
+            </a:lvl8pPr>
+            <a:lvl9pPr marL="3657509" indent="0">
+              <a:buNone/>
+              <a:defRPr sz="2000"/>
+            </a:lvl9pPr>
+          </a:lstStyle>
+          <a:p>
+            <a:r>
+              <a:rPr lang="nl-NL"/>
+              <a:t>Klik op het pictogram als u een afbeelding wilt toevoegen</a:t>
+            </a:r>
+            <a:endParaRPr lang="en-US" dirty="0"/>
+          </a:p>
+        </p:txBody>
+      </p:sp>
+      <p:sp>
+        <p:nvSpPr>
+          <p:cNvPr id="10" name="Content Placeholder 2"/>
+          <p:cNvSpPr>
+            <a:spLocks noGrp="1"/>
+          </p:cNvSpPr>
+          <p:nvPr>
+            <p:ph idx="14"/>
+          </p:nvPr>
+        </p:nvSpPr>
+        <p:spPr>
+          <a:xfrm>
+            <a:off x="960005" y="3600000"/>
+            <a:ext cx="4991996" cy="2688000"/>
+          </a:xfrm>
+        </p:spPr>
+        <p:txBody>
+          <a:bodyPr/>
+          <a:lstStyle>
+            <a:lvl1pPr>
+              <a:defRPr sz="1733"/>
+            </a:lvl1pPr>
+            <a:lvl2pPr>
+              <a:defRPr sz="1733"/>
+            </a:lvl2pPr>
+            <a:lvl3pPr>
+              <a:defRPr sz="1733"/>
+            </a:lvl3pPr>
+            <a:lvl4pPr>
+              <a:defRPr sz="1733"/>
+            </a:lvl4pPr>
+            <a:lvl5pPr>
+              <a:defRPr sz="1733"/>
+            </a:lvl5pPr>
+          </a:lstStyle>
+          <a:p>
+            <a:pPr lvl="0"/>
+            <a:r>
+              <a:rPr lang="nl-NL"/>
+              <a:t>Tekststijl van het model bewerken</a:t>
+            </a:r>
+          </a:p>
+          <a:p>
+            <a:pPr lvl="1"/>
+            <a:r>
+              <a:rPr lang="nl-NL"/>
+              <a:t>Tweede niveau</a:t>
+            </a:r>
+          </a:p>
+          <a:p>
+            <a:pPr lvl="2"/>
+            <a:r>
+              <a:rPr lang="nl-NL"/>
+              <a:t>Derde niveau</a:t>
+            </a:r>
+          </a:p>
+          <a:p>
+            <a:pPr lvl="3"/>
+            <a:r>
+              <a:rPr lang="nl-NL"/>
+              <a:t>Vierde niveau</a:t>
+            </a:r>
+          </a:p>
+          <a:p>
+            <a:pPr lvl="4"/>
+            <a:r>
+              <a:rPr lang="nl-NL"/>
+              <a:t>Vijfde niveau</a:t>
+            </a:r>
+            <a:endParaRPr lang="en-US" dirty="0"/>
+          </a:p>
+        </p:txBody>
+      </p:sp>
+      <p:sp>
+        <p:nvSpPr>
+          <p:cNvPr id="12" name="Text Placeholder 2"/>
+          <p:cNvSpPr>
+            <a:spLocks noGrp="1"/>
+          </p:cNvSpPr>
+          <p:nvPr>
+            <p:ph type="body" idx="16"/>
+          </p:nvPr>
+        </p:nvSpPr>
+        <p:spPr>
+          <a:xfrm>
+            <a:off x="959997" y="3264000"/>
+            <a:ext cx="4992000" cy="336000"/>
+          </a:xfrm>
+        </p:spPr>
+        <p:txBody>
+          <a:bodyPr anchor="t" anchorCtr="0"/>
+          <a:lstStyle>
+            <a:lvl1pPr marL="0" indent="0">
+              <a:buNone/>
+              <a:defRPr sz="1733" b="1">
+                <a:solidFill>
+                  <a:schemeClr val="tx2"/>
+                </a:solidFill>
+              </a:defRPr>
+            </a:lvl1pPr>
+            <a:lvl2pPr marL="457189" indent="0">
+              <a:buNone/>
+              <a:defRPr sz="2000" b="1"/>
+            </a:lvl2pPr>
+            <a:lvl3pPr marL="914377" indent="0">
+              <a:buNone/>
+              <a:defRPr sz="1800" b="1"/>
+            </a:lvl3pPr>
+            <a:lvl4pPr marL="1371566" indent="0">
+              <a:buNone/>
+              <a:defRPr sz="1600" b="1"/>
+            </a:lvl4pPr>
+            <a:lvl5pPr marL="1828754" indent="0">
+              <a:buNone/>
+              <a:defRPr sz="1600" b="1"/>
+            </a:lvl5pPr>
+            <a:lvl6pPr marL="2285943" indent="0">
+              <a:buNone/>
+              <a:defRPr sz="1600" b="1"/>
+            </a:lvl6pPr>
+            <a:lvl7pPr marL="2743131" indent="0">
+              <a:buNone/>
+              <a:defRPr sz="1600" b="1"/>
+            </a:lvl7pPr>
+            <a:lvl8pPr marL="3200320" indent="0">
+              <a:buNone/>
+              <a:defRPr sz="1600" b="1"/>
+            </a:lvl8pPr>
+            <a:lvl9pPr marL="3657509" indent="0">
+              <a:buNone/>
+              <a:defRPr sz="1600" b="1"/>
+            </a:lvl9pPr>
+          </a:lstStyle>
+          <a:p>
+            <a:pPr lvl="0"/>
+            <a:r>
+              <a:rPr lang="nl-NL"/>
+              <a:t>Tekststijl van het model bewerken</a:t>
+            </a:r>
+          </a:p>
+        </p:txBody>
+      </p:sp>
+      <p:sp>
+        <p:nvSpPr>
+          <p:cNvPr id="13" name="Content Placeholder 2"/>
+          <p:cNvSpPr>
+            <a:spLocks noGrp="1"/>
+          </p:cNvSpPr>
+          <p:nvPr>
+            <p:ph idx="17"/>
+          </p:nvPr>
+        </p:nvSpPr>
+        <p:spPr>
+          <a:xfrm>
+            <a:off x="6240007" y="3600000"/>
+            <a:ext cx="4991996" cy="2688000"/>
+          </a:xfrm>
+        </p:spPr>
+        <p:txBody>
+          <a:bodyPr/>
+          <a:lstStyle>
+            <a:lvl1pPr>
+              <a:defRPr sz="1733"/>
+            </a:lvl1pPr>
+            <a:lvl2pPr>
+              <a:defRPr sz="1733"/>
+            </a:lvl2pPr>
+            <a:lvl3pPr>
+              <a:defRPr sz="1733"/>
+            </a:lvl3pPr>
+            <a:lvl4pPr>
+              <a:defRPr sz="1733"/>
+            </a:lvl4pPr>
+            <a:lvl5pPr>
+              <a:defRPr sz="1733"/>
+            </a:lvl5pPr>
+          </a:lstStyle>
+          <a:p>
+            <a:pPr lvl="0"/>
+            <a:r>
+              <a:rPr lang="nl-NL"/>
+              <a:t>Tekststijl van het model bewerken</a:t>
+            </a:r>
+          </a:p>
+          <a:p>
+            <a:pPr lvl="1"/>
+            <a:r>
+              <a:rPr lang="nl-NL"/>
+              <a:t>Tweede niveau</a:t>
+            </a:r>
+          </a:p>
+          <a:p>
+            <a:pPr lvl="2"/>
+            <a:r>
+              <a:rPr lang="nl-NL"/>
+              <a:t>Derde niveau</a:t>
+            </a:r>
+          </a:p>
+          <a:p>
+            <a:pPr lvl="3"/>
+            <a:r>
+              <a:rPr lang="nl-NL"/>
+              <a:t>Vierde niveau</a:t>
+            </a:r>
+          </a:p>
+          <a:p>
+            <a:pPr lvl="4"/>
+            <a:r>
+              <a:rPr lang="nl-NL"/>
+              <a:t>Vijfde niveau</a:t>
+            </a:r>
+            <a:endParaRPr lang="en-US" dirty="0"/>
+          </a:p>
+        </p:txBody>
+      </p:sp>
+      <p:sp>
+        <p:nvSpPr>
+          <p:cNvPr id="14" name="Text Placeholder 2"/>
+          <p:cNvSpPr>
+            <a:spLocks noGrp="1"/>
+          </p:cNvSpPr>
+          <p:nvPr>
+            <p:ph type="body" idx="18"/>
+          </p:nvPr>
+        </p:nvSpPr>
+        <p:spPr>
+          <a:xfrm>
+            <a:off x="6240000" y="3264000"/>
+            <a:ext cx="4992000" cy="336000"/>
+          </a:xfrm>
+        </p:spPr>
+        <p:txBody>
+          <a:bodyPr anchor="t" anchorCtr="0"/>
+          <a:lstStyle>
+            <a:lvl1pPr marL="0" indent="0">
+              <a:buNone/>
+              <a:defRPr sz="1733" b="1">
+                <a:solidFill>
+                  <a:schemeClr val="tx2"/>
+                </a:solidFill>
+              </a:defRPr>
+            </a:lvl1pPr>
+            <a:lvl2pPr marL="457189" indent="0">
+              <a:buNone/>
+              <a:defRPr sz="2000" b="1"/>
+            </a:lvl2pPr>
+            <a:lvl3pPr marL="914377" indent="0">
+              <a:buNone/>
+              <a:defRPr sz="1800" b="1"/>
+            </a:lvl3pPr>
+            <a:lvl4pPr marL="1371566" indent="0">
+              <a:buNone/>
+              <a:defRPr sz="1600" b="1"/>
+            </a:lvl4pPr>
+            <a:lvl5pPr marL="1828754" indent="0">
+              <a:buNone/>
+              <a:defRPr sz="1600" b="1"/>
+            </a:lvl5pPr>
+            <a:lvl6pPr marL="2285943" indent="0">
+              <a:buNone/>
+              <a:defRPr sz="1600" b="1"/>
+            </a:lvl6pPr>
+            <a:lvl7pPr marL="2743131" indent="0">
+              <a:buNone/>
+              <a:defRPr sz="1600" b="1"/>
+            </a:lvl7pPr>
+            <a:lvl8pPr marL="3200320" indent="0">
+              <a:buNone/>
+              <a:defRPr sz="1600" b="1"/>
+            </a:lvl8pPr>
+            <a:lvl9pPr marL="3657509" indent="0">
+              <a:buNone/>
+              <a:defRPr sz="1600" b="1"/>
+            </a:lvl9pPr>
+          </a:lstStyle>
+          <a:p>
+            <a:pPr lvl="0"/>
+            <a:r>
+              <a:rPr lang="nl-NL"/>
+              <a:t>Tekststijl van het model bewerken</a:t>
+            </a:r>
+          </a:p>
+        </p:txBody>
+      </p:sp>
+    </p:spTree>
+    <p:extLst>
+      <p:ext uri="{BB962C8B-B14F-4D97-AF65-F5344CB8AC3E}">
+        <p14:creationId xmlns:p14="http://schemas.microsoft.com/office/powerpoint/2010/main" val="1541964709"/>
+      </p:ext>
+    </p:extLst>
+  </p:cSld>
+  <p:clrMapOvr>
+    <a:masterClrMapping/>
+  </p:clrMapOvr>
+</p:sldLayout>
+</file>
+
+<file path=ppt/slideLayouts/slideLayout21.xml><?xml version="1.0" encoding="utf-8"?>
 <p:sldLayout xmlns:a="http://schemas.openxmlformats.org/drawingml/2006/main" xmlns:r="http://schemas.openxmlformats.org/officeDocument/2006/relationships" xmlns:p="http://schemas.openxmlformats.org/presentationml/2006/main" showMasterSp="0" preserve="1" userDrawn="1">
   <p:cSld name="Quote">
     <p:spTree>
@@ -4371,7 +4868,7 @@
 </p:sldLayout>
 </file>
 
-<file path=ppt/slideLayouts/slideLayout21.xml><?xml version="1.0" encoding="utf-8"?>
+<file path=ppt/slideLayouts/slideLayout22.xml><?xml version="1.0" encoding="utf-8"?>
 <p:sldLayout xmlns:a="http://schemas.openxmlformats.org/drawingml/2006/main" xmlns:r="http://schemas.openxmlformats.org/officeDocument/2006/relationships" xmlns:p="http://schemas.openxmlformats.org/presentationml/2006/main" showMasterSp="0" preserve="1" userDrawn="1">
   <p:cSld name="Quote met foto">
     <p:spTree>
@@ -4696,7 +5193,7 @@
 </p:sldLayout>
 </file>
 
-<file path=ppt/slideLayouts/slideLayout22.xml><?xml version="1.0" encoding="utf-8"?>
+<file path=ppt/slideLayouts/slideLayout23.xml><?xml version="1.0" encoding="utf-8"?>
 <p:sldLayout xmlns:a="http://schemas.openxmlformats.org/drawingml/2006/main" xmlns:r="http://schemas.openxmlformats.org/officeDocument/2006/relationships" xmlns:p="http://schemas.openxmlformats.org/presentationml/2006/main" preserve="1" userDrawn="1">
   <p:cSld name="Afbeelding met tekst">
     <p:spTree>
@@ -5064,7 +5561,7 @@
 </p:sldLayout>
 </file>
 
-<file path=ppt/slideLayouts/slideLayout23.xml><?xml version="1.0" encoding="utf-8"?>
+<file path=ppt/slideLayouts/slideLayout24.xml><?xml version="1.0" encoding="utf-8"?>
 <p:sldLayout xmlns:a="http://schemas.openxmlformats.org/drawingml/2006/main" xmlns:r="http://schemas.openxmlformats.org/officeDocument/2006/relationships" xmlns:p="http://schemas.openxmlformats.org/presentationml/2006/main" preserve="1" userDrawn="1">
   <p:cSld name="Grafiek met tekst">
     <p:spTree>
@@ -5478,7 +5975,7 @@
 </p:sldLayout>
 </file>
 
-<file path=ppt/slideLayouts/slideLayout24.xml><?xml version="1.0" encoding="utf-8"?>
+<file path=ppt/slideLayouts/slideLayout25.xml><?xml version="1.0" encoding="utf-8"?>
 <p:sldLayout xmlns:a="http://schemas.openxmlformats.org/drawingml/2006/main" xmlns:r="http://schemas.openxmlformats.org/officeDocument/2006/relationships" xmlns:p="http://schemas.openxmlformats.org/presentationml/2006/main" preserve="1" userDrawn="1">
   <p:cSld name="Tekst met afbeelding">
     <p:spTree>
@@ -5846,7 +6343,7 @@
 </p:sldLayout>
 </file>
 
-<file path=ppt/slideLayouts/slideLayout25.xml><?xml version="1.0" encoding="utf-8"?>
+<file path=ppt/slideLayouts/slideLayout26.xml><?xml version="1.0" encoding="utf-8"?>
 <p:sldLayout xmlns:a="http://schemas.openxmlformats.org/drawingml/2006/main" xmlns:r="http://schemas.openxmlformats.org/officeDocument/2006/relationships" xmlns:p="http://schemas.openxmlformats.org/presentationml/2006/main" preserve="1" userDrawn="1">
   <p:cSld name="Afbeelding met Titel">
     <p:spTree>
@@ -6055,7 +6552,7 @@
 </p:sldLayout>
 </file>
 
-<file path=ppt/slideLayouts/slideLayout26.xml><?xml version="1.0" encoding="utf-8"?>
+<file path=ppt/slideLayouts/slideLayout27.xml><?xml version="1.0" encoding="utf-8"?>
 <p:sldLayout xmlns:a="http://schemas.openxmlformats.org/drawingml/2006/main" xmlns:r="http://schemas.openxmlformats.org/officeDocument/2006/relationships" xmlns:p="http://schemas.openxmlformats.org/presentationml/2006/main" type="obj">
   <p:cSld name="Title and Content">
     <p:spTree>
@@ -6225,7 +6722,7 @@
 </p:sldLayout>
 </file>
 
-<file path=ppt/slideLayouts/slideLayout27.xml><?xml version="1.0" encoding="utf-8"?>
+<file path=ppt/slideLayouts/slideLayout28.xml><?xml version="1.0" encoding="utf-8"?>
 <p:sldLayout xmlns:a="http://schemas.openxmlformats.org/drawingml/2006/main" xmlns:r="http://schemas.openxmlformats.org/officeDocument/2006/relationships" xmlns:p="http://schemas.openxmlformats.org/presentationml/2006/main" type="twoObj">
   <p:cSld name="Two Content">
     <p:spTree>
@@ -6448,6 +6945,198 @@
     <p:extLst>
       <p:ext uri="{BB962C8B-B14F-4D97-AF65-F5344CB8AC3E}">
         <p14:creationId xmlns:p14="http://schemas.microsoft.com/office/powerpoint/2010/main" val="357907602"/>
+      </p:ext>
+    </p:extLst>
+  </p:cSld>
+  <p:clrMapOvr>
+    <a:masterClrMapping/>
+  </p:clrMapOvr>
+</p:sldLayout>
+</file>
+
+<file path=ppt/slideLayouts/slideLayout29.xml><?xml version="1.0" encoding="utf-8"?>
+<p:sldLayout xmlns:a="http://schemas.openxmlformats.org/drawingml/2006/main" xmlns:r="http://schemas.openxmlformats.org/officeDocument/2006/relationships" xmlns:p="http://schemas.openxmlformats.org/presentationml/2006/main" type="title">
+  <p:cSld name="Title Slide">
+    <p:spTree>
+      <p:nvGrpSpPr>
+        <p:cNvPr id="1" name=""/>
+        <p:cNvGrpSpPr/>
+        <p:nvPr/>
+      </p:nvGrpSpPr>
+      <p:grpSpPr>
+        <a:xfrm>
+          <a:off x="0" y="0"/>
+          <a:ext cx="0" cy="0"/>
+          <a:chOff x="0" y="0"/>
+          <a:chExt cx="0" cy="0"/>
+        </a:xfrm>
+      </p:grpSpPr>
+      <p:sp>
+        <p:nvSpPr>
+          <p:cNvPr id="2" name="Title 1"/>
+          <p:cNvSpPr>
+            <a:spLocks noGrp="1"/>
+          </p:cNvSpPr>
+          <p:nvPr>
+            <p:ph type="ctrTitle"/>
+          </p:nvPr>
+        </p:nvSpPr>
+        <p:spPr>
+          <a:xfrm>
+            <a:off x="1524000" y="1122363"/>
+            <a:ext cx="9144000" cy="2387600"/>
+          </a:xfrm>
+        </p:spPr>
+        <p:txBody>
+          <a:bodyPr anchor="b"/>
+          <a:lstStyle>
+            <a:lvl1pPr algn="ctr">
+              <a:defRPr sz="6000"/>
+            </a:lvl1pPr>
+          </a:lstStyle>
+          <a:p>
+            <a:r>
+              <a:rPr lang="en-US"/>
+              <a:t>Click to edit Master title style</a:t>
+            </a:r>
+            <a:endParaRPr lang="nl-NL"/>
+          </a:p>
+        </p:txBody>
+      </p:sp>
+      <p:sp>
+        <p:nvSpPr>
+          <p:cNvPr id="3" name="Subtitle 2"/>
+          <p:cNvSpPr>
+            <a:spLocks noGrp="1"/>
+          </p:cNvSpPr>
+          <p:nvPr>
+            <p:ph type="subTitle" idx="1"/>
+          </p:nvPr>
+        </p:nvSpPr>
+        <p:spPr>
+          <a:xfrm>
+            <a:off x="1524000" y="3602038"/>
+            <a:ext cx="9144000" cy="1655762"/>
+          </a:xfrm>
+        </p:spPr>
+        <p:txBody>
+          <a:bodyPr/>
+          <a:lstStyle>
+            <a:lvl1pPr marL="0" indent="0" algn="ctr">
+              <a:buNone/>
+              <a:defRPr sz="2400"/>
+            </a:lvl1pPr>
+            <a:lvl2pPr marL="457200" indent="0" algn="ctr">
+              <a:buNone/>
+              <a:defRPr sz="2000"/>
+            </a:lvl2pPr>
+            <a:lvl3pPr marL="914400" indent="0" algn="ctr">
+              <a:buNone/>
+              <a:defRPr sz="1800"/>
+            </a:lvl3pPr>
+            <a:lvl4pPr marL="1371600" indent="0" algn="ctr">
+              <a:buNone/>
+              <a:defRPr sz="1600"/>
+            </a:lvl4pPr>
+            <a:lvl5pPr marL="1828800" indent="0" algn="ctr">
+              <a:buNone/>
+              <a:defRPr sz="1600"/>
+            </a:lvl5pPr>
+            <a:lvl6pPr marL="2286000" indent="0" algn="ctr">
+              <a:buNone/>
+              <a:defRPr sz="1600"/>
+            </a:lvl6pPr>
+            <a:lvl7pPr marL="2743200" indent="0" algn="ctr">
+              <a:buNone/>
+              <a:defRPr sz="1600"/>
+            </a:lvl7pPr>
+            <a:lvl8pPr marL="3200400" indent="0" algn="ctr">
+              <a:buNone/>
+              <a:defRPr sz="1600"/>
+            </a:lvl8pPr>
+            <a:lvl9pPr marL="3657600" indent="0" algn="ctr">
+              <a:buNone/>
+              <a:defRPr sz="1600"/>
+            </a:lvl9pPr>
+          </a:lstStyle>
+          <a:p>
+            <a:r>
+              <a:rPr lang="en-US"/>
+              <a:t>Click to edit Master subtitle style</a:t>
+            </a:r>
+            <a:endParaRPr lang="nl-NL"/>
+          </a:p>
+        </p:txBody>
+      </p:sp>
+      <p:sp>
+        <p:nvSpPr>
+          <p:cNvPr id="4" name="Date Placeholder 3"/>
+          <p:cNvSpPr>
+            <a:spLocks noGrp="1"/>
+          </p:cNvSpPr>
+          <p:nvPr>
+            <p:ph type="dt" sz="half" idx="10"/>
+          </p:nvPr>
+        </p:nvSpPr>
+        <p:spPr/>
+        <p:txBody>
+          <a:bodyPr/>
+          <a:lstStyle/>
+          <a:p>
+            <a:fld id="{DE0817F5-E025-4869-BD4A-C88D9E21FD4E}" type="datetimeFigureOut">
+              <a:rPr lang="nl-NL" smtClean="0"/>
+              <a:t>17-2-2020</a:t>
+            </a:fld>
+            <a:endParaRPr lang="nl-NL"/>
+          </a:p>
+        </p:txBody>
+      </p:sp>
+      <p:sp>
+        <p:nvSpPr>
+          <p:cNvPr id="5" name="Footer Placeholder 4"/>
+          <p:cNvSpPr>
+            <a:spLocks noGrp="1"/>
+          </p:cNvSpPr>
+          <p:nvPr>
+            <p:ph type="ftr" sz="quarter" idx="11"/>
+          </p:nvPr>
+        </p:nvSpPr>
+        <p:spPr/>
+        <p:txBody>
+          <a:bodyPr/>
+          <a:lstStyle/>
+          <a:p>
+            <a:endParaRPr lang="nl-NL"/>
+          </a:p>
+        </p:txBody>
+      </p:sp>
+      <p:sp>
+        <p:nvSpPr>
+          <p:cNvPr id="6" name="Slide Number Placeholder 5"/>
+          <p:cNvSpPr>
+            <a:spLocks noGrp="1"/>
+          </p:cNvSpPr>
+          <p:nvPr>
+            <p:ph type="sldNum" sz="quarter" idx="12"/>
+          </p:nvPr>
+        </p:nvSpPr>
+        <p:spPr/>
+        <p:txBody>
+          <a:bodyPr/>
+          <a:lstStyle/>
+          <a:p>
+            <a:fld id="{B5E064B0-FB02-45DD-8F86-C9615D56BD8F}" type="slidenum">
+              <a:rPr lang="nl-NL" smtClean="0"/>
+              <a:t>‹#›</a:t>
+            </a:fld>
+            <a:endParaRPr lang="nl-NL"/>
+          </a:p>
+        </p:txBody>
+      </p:sp>
+    </p:spTree>
+    <p:extLst>
+      <p:ext uri="{BB962C8B-B14F-4D97-AF65-F5344CB8AC3E}">
+        <p14:creationId xmlns:p14="http://schemas.microsoft.com/office/powerpoint/2010/main" val="2108552103"/>
       </p:ext>
     </p:extLst>
   </p:cSld>
@@ -8559,6 +9248,7 @@
     <p:sldLayoutId id="2147483657" r:id="rId9"/>
     <p:sldLayoutId id="2147483658" r:id="rId10"/>
     <p:sldLayoutId id="2147483659" r:id="rId11"/>
+    <p:sldLayoutId id="2147483678" r:id="rId12"/>
   </p:sldLayoutIdLst>
   <p:txStyles>
     <p:titleStyle>
@@ -8877,7 +9567,7 @@
           <p:nvPr userDrawn="1"/>
         </p:nvPicPr>
         <p:blipFill>
-          <a:blip r:embed="rId18">
+          <a:blip r:embed="rId19">
             <a:extLst>
               <a:ext uri="{28A0092B-C50C-407E-A947-70E740481C1C}">
                 <a14:useLocalDpi xmlns:a14="http://schemas.microsoft.com/office/drawing/2010/main" val="0"/>
@@ -8907,7 +9597,7 @@
           <p:nvPr userDrawn="1"/>
         </p:nvPicPr>
         <p:blipFill>
-          <a:blip r:embed="rId19">
+          <a:blip r:embed="rId20">
             <a:extLst>
               <a:ext uri="{28A0092B-C50C-407E-A947-70E740481C1C}">
                 <a14:useLocalDpi xmlns:a14="http://schemas.microsoft.com/office/drawing/2010/main" val="0"/>
@@ -8927,7 +9617,7 @@
             <a:avLst/>
           </a:prstGeom>
           <a:blipFill>
-            <a:blip r:embed="rId20">
+            <a:blip r:embed="rId21">
               <a:alphaModFix amt="45000"/>
             </a:blip>
             <a:stretch>
@@ -9215,6 +9905,7 @@
     <p:sldLayoutId id="2147483674" r:id="rId14"/>
     <p:sldLayoutId id="2147483675" r:id="rId15"/>
     <p:sldLayoutId id="2147483676" r:id="rId16"/>
+    <p:sldLayoutId id="2147483677" r:id="rId17"/>
   </p:sldLayoutIdLst>
   <p:hf hdr="0" dt="0"/>
   <p:txStyles>
@@ -9519,6 +10210,90 @@
       </p:grpSpPr>
       <p:sp>
         <p:nvSpPr>
+          <p:cNvPr id="2" name="Title 1">
+            <a:extLst>
+              <a:ext uri="{FF2B5EF4-FFF2-40B4-BE49-F238E27FC236}">
+                <a16:creationId xmlns:a16="http://schemas.microsoft.com/office/drawing/2014/main" id="{53E35105-F134-4658-BFC2-E04149C2D6C6}"/>
+              </a:ext>
+            </a:extLst>
+          </p:cNvPr>
+          <p:cNvSpPr>
+            <a:spLocks noGrp="1"/>
+          </p:cNvSpPr>
+          <p:nvPr>
+            <p:ph type="ctrTitle"/>
+          </p:nvPr>
+        </p:nvSpPr>
+        <p:spPr/>
+        <p:txBody>
+          <a:bodyPr/>
+          <a:lstStyle/>
+          <a:p>
+            <a:r>
+              <a:rPr lang="nl-NL" dirty="0"/>
+              <a:t>SIG CSS architectuur</a:t>
+            </a:r>
+            <a:endParaRPr lang="en-NL" dirty="0"/>
+          </a:p>
+        </p:txBody>
+      </p:sp>
+      <p:sp>
+        <p:nvSpPr>
+          <p:cNvPr id="3" name="Subtitle 2">
+            <a:extLst>
+              <a:ext uri="{FF2B5EF4-FFF2-40B4-BE49-F238E27FC236}">
+                <a16:creationId xmlns:a16="http://schemas.microsoft.com/office/drawing/2014/main" id="{0985178C-F430-49AC-A0CA-6DB0674F96F7}"/>
+              </a:ext>
+            </a:extLst>
+          </p:cNvPr>
+          <p:cNvSpPr>
+            <a:spLocks noGrp="1"/>
+          </p:cNvSpPr>
+          <p:nvPr>
+            <p:ph type="subTitle" idx="1"/>
+          </p:nvPr>
+        </p:nvSpPr>
+        <p:spPr/>
+        <p:txBody>
+          <a:bodyPr/>
+          <a:lstStyle/>
+          <a:p>
+            <a:endParaRPr lang="en-NL"/>
+          </a:p>
+        </p:txBody>
+      </p:sp>
+    </p:spTree>
+    <p:extLst>
+      <p:ext uri="{BB962C8B-B14F-4D97-AF65-F5344CB8AC3E}">
+        <p14:creationId xmlns:p14="http://schemas.microsoft.com/office/powerpoint/2010/main" val="464942553"/>
+      </p:ext>
+    </p:extLst>
+  </p:cSld>
+  <p:clrMapOvr>
+    <a:masterClrMapping/>
+  </p:clrMapOvr>
+</p:sld>
+</file>
+
+<file path=ppt/slides/slide10.xml><?xml version="1.0" encoding="utf-8"?>
+<p:sld xmlns:a="http://schemas.openxmlformats.org/drawingml/2006/main" xmlns:r="http://schemas.openxmlformats.org/officeDocument/2006/relationships" xmlns:p="http://schemas.openxmlformats.org/presentationml/2006/main">
+  <p:cSld>
+    <p:spTree>
+      <p:nvGrpSpPr>
+        <p:cNvPr id="1" name=""/>
+        <p:cNvGrpSpPr/>
+        <p:nvPr/>
+      </p:nvGrpSpPr>
+      <p:grpSpPr>
+        <a:xfrm>
+          <a:off x="0" y="0"/>
+          <a:ext cx="0" cy="0"/>
+          <a:chOff x="0" y="0"/>
+          <a:chExt cx="0" cy="0"/>
+        </a:xfrm>
+      </p:grpSpPr>
+      <p:sp>
+        <p:nvSpPr>
           <p:cNvPr id="2" name="Title 1"/>
           <p:cNvSpPr>
             <a:spLocks noGrp="1"/>
@@ -9534,7 +10309,7 @@
           <a:p>
             <a:r>
               <a:rPr lang="nl-NL" dirty="0"/>
-              <a:t>BEM</a:t>
+              <a:t>SMACSS</a:t>
             </a:r>
           </a:p>
         </p:txBody>
@@ -9555,39 +10330,77 @@
           <a:lstStyle/>
           <a:p>
             <a:r>
+              <a:rPr lang="en-US" dirty="0"/>
+              <a:t>Scalable and Modular Architecture for CSS</a:t>
+            </a:r>
+          </a:p>
+          <a:p>
+            <a:r>
+              <a:rPr lang="en-US" dirty="0"/>
+              <a:t>CSS rules categorization</a:t>
+            </a:r>
+          </a:p>
+          <a:p>
+            <a:r>
               <a:rPr lang="nl-NL" dirty="0"/>
-              <a:t>Block – Element – Modifier</a:t>
-            </a:r>
-          </a:p>
-          <a:p>
+              <a:t>5 style categories:</a:t>
+            </a:r>
+          </a:p>
+          <a:p>
+            <a:pPr marL="971550" lvl="1" indent="-514350">
+              <a:buFont typeface="+mj-lt"/>
+              <a:buAutoNum type="arabicPeriod"/>
+            </a:pPr>
             <a:r>
               <a:rPr lang="nl-NL" dirty="0"/>
-              <a:t>Divide layout into blocks</a:t>
-            </a:r>
-          </a:p>
-          <a:p>
+              <a:t>Base</a:t>
+            </a:r>
+          </a:p>
+          <a:p>
+            <a:pPr marL="971550" lvl="1" indent="-514350">
+              <a:buFont typeface="+mj-lt"/>
+              <a:buAutoNum type="arabicPeriod"/>
+            </a:pPr>
             <a:r>
               <a:rPr lang="nl-NL" dirty="0"/>
-              <a:t>Blocks contain elements</a:t>
-            </a:r>
-          </a:p>
-          <a:p>
+              <a:t>Layout</a:t>
+            </a:r>
+          </a:p>
+          <a:p>
+            <a:pPr marL="971550" lvl="1" indent="-514350">
+              <a:buFont typeface="+mj-lt"/>
+              <a:buAutoNum type="arabicPeriod"/>
+            </a:pPr>
             <a:r>
               <a:rPr lang="nl-NL" dirty="0"/>
-              <a:t>Define state of block or element with modifiers</a:t>
-            </a:r>
-          </a:p>
-          <a:p>
+              <a:t>Module</a:t>
+            </a:r>
+          </a:p>
+          <a:p>
+            <a:pPr marL="971550" lvl="1" indent="-514350">
+              <a:buFont typeface="+mj-lt"/>
+              <a:buAutoNum type="arabicPeriod"/>
+            </a:pPr>
             <a:r>
               <a:rPr lang="nl-NL" dirty="0"/>
-              <a:t>Naming convention: block__element--modifier</a:t>
+              <a:t>State</a:t>
+            </a:r>
+          </a:p>
+          <a:p>
+            <a:pPr marL="971550" lvl="1" indent="-514350">
+              <a:buFont typeface="+mj-lt"/>
+              <a:buAutoNum type="arabicPeriod"/>
+            </a:pPr>
+            <a:r>
+              <a:rPr lang="nl-NL" dirty="0"/>
+              <a:t>Theme</a:t>
             </a:r>
           </a:p>
         </p:txBody>
       </p:sp>
       <p:pic>
         <p:nvPicPr>
-          <p:cNvPr id="1030" name="Picture 6" descr="https://i.gyazo.com/db4e69a16e725950213b5cc3e040aa25.png"/>
+          <p:cNvPr id="6146" name="Picture 2" descr="https://i0.wp.com/css-tricks.com/wp-content/uploads/2017/07/image3.png?ssl=1"/>
           <p:cNvPicPr>
             <a:picLocks noChangeAspect="1" noChangeArrowheads="1"/>
           </p:cNvPicPr>
@@ -9608,8 +10421,171 @@
         </p:blipFill>
         <p:spPr bwMode="auto">
           <a:xfrm>
-            <a:off x="838199" y="4320745"/>
-            <a:ext cx="4353271" cy="1856217"/>
+            <a:off x="4020141" y="3492844"/>
+            <a:ext cx="7333659" cy="2684120"/>
+          </a:xfrm>
+          <a:prstGeom prst="rect">
+            <a:avLst/>
+          </a:prstGeom>
+          <a:noFill/>
+          <a:extLst>
+            <a:ext uri="{909E8E84-426E-40DD-AFC4-6F175D3DCCD1}">
+              <a14:hiddenFill xmlns:a14="http://schemas.microsoft.com/office/drawing/2010/main">
+                <a:solidFill>
+                  <a:srgbClr val="FFFFFF"/>
+                </a:solidFill>
+              </a14:hiddenFill>
+            </a:ext>
+          </a:extLst>
+        </p:spPr>
+      </p:pic>
+      <p:sp>
+        <p:nvSpPr>
+          <p:cNvPr id="5" name="TextBox 4"/>
+          <p:cNvSpPr txBox="1"/>
+          <p:nvPr/>
+        </p:nvSpPr>
+        <p:spPr>
+          <a:xfrm>
+            <a:off x="4020141" y="6311900"/>
+            <a:ext cx="5980670" cy="307777"/>
+          </a:xfrm>
+          <a:prstGeom prst="rect">
+            <a:avLst/>
+          </a:prstGeom>
+          <a:noFill/>
+        </p:spPr>
+        <p:txBody>
+          <a:bodyPr wrap="square" rtlCol="0">
+            <a:spAutoFit/>
+          </a:bodyPr>
+          <a:lstStyle/>
+          <a:p>
+            <a:r>
+              <a:rPr lang="nl-NL" sz="1400" i="1" dirty="0"/>
+              <a:t>Source: </a:t>
+            </a:r>
+            <a:r>
+              <a:rPr lang="nl-NL" sz="1400" i="1" dirty="0">
+                <a:hlinkClick r:id="rId3"/>
+              </a:rPr>
+              <a:t>https://css-tricks.com/methods-organize-css/</a:t>
+            </a:r>
+            <a:endParaRPr lang="nl-NL" sz="1400" i="1" dirty="0"/>
+          </a:p>
+        </p:txBody>
+      </p:sp>
+    </p:spTree>
+    <p:extLst>
+      <p:ext uri="{BB962C8B-B14F-4D97-AF65-F5344CB8AC3E}">
+        <p14:creationId xmlns:p14="http://schemas.microsoft.com/office/powerpoint/2010/main" val="3365297933"/>
+      </p:ext>
+    </p:extLst>
+  </p:cSld>
+  <p:clrMapOvr>
+    <a:masterClrMapping/>
+  </p:clrMapOvr>
+</p:sld>
+</file>
+
+<file path=ppt/slides/slide11.xml><?xml version="1.0" encoding="utf-8"?>
+<p:sld xmlns:a="http://schemas.openxmlformats.org/drawingml/2006/main" xmlns:r="http://schemas.openxmlformats.org/officeDocument/2006/relationships" xmlns:p="http://schemas.openxmlformats.org/presentationml/2006/main">
+  <p:cSld>
+    <p:spTree>
+      <p:nvGrpSpPr>
+        <p:cNvPr id="1" name=""/>
+        <p:cNvGrpSpPr/>
+        <p:nvPr/>
+      </p:nvGrpSpPr>
+      <p:grpSpPr>
+        <a:xfrm>
+          <a:off x="0" y="0"/>
+          <a:ext cx="0" cy="0"/>
+          <a:chOff x="0" y="0"/>
+          <a:chExt cx="0" cy="0"/>
+        </a:xfrm>
+      </p:grpSpPr>
+      <p:sp>
+        <p:nvSpPr>
+          <p:cNvPr id="2" name="Title 1"/>
+          <p:cNvSpPr>
+            <a:spLocks noGrp="1"/>
+          </p:cNvSpPr>
+          <p:nvPr>
+            <p:ph type="title"/>
+          </p:nvPr>
+        </p:nvSpPr>
+        <p:spPr/>
+        <p:txBody>
+          <a:bodyPr/>
+          <a:lstStyle/>
+          <a:p>
+            <a:r>
+              <a:rPr lang="nl-NL" dirty="0"/>
+              <a:t>Base Rules</a:t>
+            </a:r>
+          </a:p>
+        </p:txBody>
+      </p:sp>
+      <p:sp>
+        <p:nvSpPr>
+          <p:cNvPr id="3" name="Content Placeholder 2"/>
+          <p:cNvSpPr>
+            <a:spLocks noGrp="1"/>
+          </p:cNvSpPr>
+          <p:nvPr>
+            <p:ph idx="1"/>
+          </p:nvPr>
+        </p:nvSpPr>
+        <p:spPr/>
+        <p:txBody>
+          <a:bodyPr/>
+          <a:lstStyle/>
+          <a:p>
+            <a:r>
+              <a:rPr lang="nl-NL" dirty="0"/>
+              <a:t>Defaults</a:t>
+            </a:r>
+          </a:p>
+          <a:p>
+            <a:r>
+              <a:rPr lang="nl-NL" dirty="0"/>
+              <a:t>Element selector</a:t>
+            </a:r>
+          </a:p>
+          <a:p>
+            <a:r>
+              <a:rPr lang="nl-NL" dirty="0"/>
+              <a:t>Example: html, body, form, a</a:t>
+            </a:r>
+          </a:p>
+        </p:txBody>
+      </p:sp>
+      <p:pic>
+        <p:nvPicPr>
+          <p:cNvPr id="7170" name="Picture 2" descr="https://i.gyazo.com/b649c68418c573c428041d1d8329ec2f.png"/>
+          <p:cNvPicPr>
+            <a:picLocks noChangeAspect="1" noChangeArrowheads="1"/>
+          </p:cNvPicPr>
+          <p:nvPr/>
+        </p:nvPicPr>
+        <p:blipFill>
+          <a:blip r:embed="rId2">
+            <a:extLst>
+              <a:ext uri="{28A0092B-C50C-407E-A947-70E740481C1C}">
+                <a14:useLocalDpi xmlns:a14="http://schemas.microsoft.com/office/drawing/2010/main" val="0"/>
+              </a:ext>
+            </a:extLst>
+          </a:blip>
+          <a:srcRect/>
+          <a:stretch>
+            <a:fillRect/>
+          </a:stretch>
+        </p:blipFill>
+        <p:spPr bwMode="auto">
+          <a:xfrm>
+            <a:off x="7362825" y="1825625"/>
+            <a:ext cx="3990975" cy="3200401"/>
           </a:xfrm>
           <a:prstGeom prst="rect">
             <a:avLst/>
@@ -9629,7 +10605,7 @@
     </p:spTree>
     <p:extLst>
       <p:ext uri="{BB962C8B-B14F-4D97-AF65-F5344CB8AC3E}">
-        <p14:creationId xmlns:p14="http://schemas.microsoft.com/office/powerpoint/2010/main" val="1749380777"/>
+        <p14:creationId xmlns:p14="http://schemas.microsoft.com/office/powerpoint/2010/main" val="3772478144"/>
       </p:ext>
     </p:extLst>
   </p:cSld>
@@ -9639,7 +10615,146 @@
 </p:sld>
 </file>
 
-<file path=ppt/slides/slide10.xml><?xml version="1.0" encoding="utf-8"?>
+<file path=ppt/slides/slide12.xml><?xml version="1.0" encoding="utf-8"?>
+<p:sld xmlns:a="http://schemas.openxmlformats.org/drawingml/2006/main" xmlns:r="http://schemas.openxmlformats.org/officeDocument/2006/relationships" xmlns:p="http://schemas.openxmlformats.org/presentationml/2006/main">
+  <p:cSld>
+    <p:spTree>
+      <p:nvGrpSpPr>
+        <p:cNvPr id="1" name=""/>
+        <p:cNvGrpSpPr/>
+        <p:nvPr/>
+      </p:nvGrpSpPr>
+      <p:grpSpPr>
+        <a:xfrm>
+          <a:off x="0" y="0"/>
+          <a:ext cx="0" cy="0"/>
+          <a:chOff x="0" y="0"/>
+          <a:chExt cx="0" cy="0"/>
+        </a:xfrm>
+      </p:grpSpPr>
+      <p:sp>
+        <p:nvSpPr>
+          <p:cNvPr id="2" name="Title 1"/>
+          <p:cNvSpPr>
+            <a:spLocks noGrp="1"/>
+          </p:cNvSpPr>
+          <p:nvPr>
+            <p:ph type="title"/>
+          </p:nvPr>
+        </p:nvSpPr>
+        <p:spPr/>
+        <p:txBody>
+          <a:bodyPr/>
+          <a:lstStyle/>
+          <a:p>
+            <a:r>
+              <a:rPr lang="nl-NL" dirty="0"/>
+              <a:t>Layout Rules</a:t>
+            </a:r>
+          </a:p>
+        </p:txBody>
+      </p:sp>
+      <p:sp>
+        <p:nvSpPr>
+          <p:cNvPr id="3" name="Content Placeholder 2"/>
+          <p:cNvSpPr>
+            <a:spLocks noGrp="1"/>
+          </p:cNvSpPr>
+          <p:nvPr>
+            <p:ph idx="1"/>
+          </p:nvPr>
+        </p:nvSpPr>
+        <p:spPr/>
+        <p:txBody>
+          <a:bodyPr/>
+          <a:lstStyle/>
+          <a:p>
+            <a:r>
+              <a:rPr lang="nl-NL" dirty="0"/>
+              <a:t>Defines page sections</a:t>
+            </a:r>
+          </a:p>
+          <a:p>
+            <a:r>
+              <a:rPr lang="nl-NL" dirty="0"/>
+              <a:t>Major components</a:t>
+            </a:r>
+          </a:p>
+          <a:p>
+            <a:r>
+              <a:rPr lang="nl-NL" dirty="0"/>
+              <a:t>Example: #header, #footer, #sidebar</a:t>
+            </a:r>
+          </a:p>
+          <a:p>
+            <a:r>
+              <a:rPr lang="nl-NL" dirty="0"/>
+              <a:t>Combinable with other layout styles</a:t>
+            </a:r>
+          </a:p>
+          <a:p>
+            <a:r>
+              <a:rPr lang="nl-NL" dirty="0"/>
+              <a:t>.l- prefix</a:t>
+            </a:r>
+          </a:p>
+        </p:txBody>
+      </p:sp>
+      <p:pic>
+        <p:nvPicPr>
+          <p:cNvPr id="8194" name="Picture 2" descr="https://i.gyazo.com/e66d73b1f8113081ee05659d02fd4fb2.png"/>
+          <p:cNvPicPr>
+            <a:picLocks noChangeAspect="1" noChangeArrowheads="1"/>
+          </p:cNvPicPr>
+          <p:nvPr/>
+        </p:nvPicPr>
+        <p:blipFill>
+          <a:blip r:embed="rId2">
+            <a:extLst>
+              <a:ext uri="{28A0092B-C50C-407E-A947-70E740481C1C}">
+                <a14:useLocalDpi xmlns:a14="http://schemas.microsoft.com/office/drawing/2010/main" val="0"/>
+              </a:ext>
+            </a:extLst>
+          </a:blip>
+          <a:srcRect/>
+          <a:stretch>
+            <a:fillRect/>
+          </a:stretch>
+        </p:blipFill>
+        <p:spPr bwMode="auto">
+          <a:xfrm>
+            <a:off x="8897528" y="1690687"/>
+            <a:ext cx="2456271" cy="5062925"/>
+          </a:xfrm>
+          <a:prstGeom prst="rect">
+            <a:avLst/>
+          </a:prstGeom>
+          <a:noFill/>
+          <a:extLst>
+            <a:ext uri="{909E8E84-426E-40DD-AFC4-6F175D3DCCD1}">
+              <a14:hiddenFill xmlns:a14="http://schemas.microsoft.com/office/drawing/2010/main">
+                <a:solidFill>
+                  <a:srgbClr val="FFFFFF"/>
+                </a:solidFill>
+              </a14:hiddenFill>
+            </a:ext>
+          </a:extLst>
+        </p:spPr>
+      </p:pic>
+    </p:spTree>
+    <p:extLst>
+      <p:ext uri="{BB962C8B-B14F-4D97-AF65-F5344CB8AC3E}">
+        <p14:creationId xmlns:p14="http://schemas.microsoft.com/office/powerpoint/2010/main" val="1245525609"/>
+      </p:ext>
+    </p:extLst>
+  </p:cSld>
+  <p:clrMapOvr>
+    <a:masterClrMapping/>
+  </p:clrMapOvr>
+</p:sld>
+</file>
+
+<file path=ppt/slides/slide13.xml><?xml version="1.0" encoding="utf-8"?>
 <p:sld xmlns:a="http://schemas.openxmlformats.org/drawingml/2006/main" xmlns:r="http://schemas.openxmlformats.org/officeDocument/2006/relationships" xmlns:p="http://schemas.openxmlformats.org/presentationml/2006/main">
   <p:cSld>
     <p:spTree>
@@ -9794,7 +10909,7 @@
 </p:sld>
 </file>
 
-<file path=ppt/slides/slide11.xml><?xml version="1.0" encoding="utf-8"?>
+<file path=ppt/slides/slide14.xml><?xml version="1.0" encoding="utf-8"?>
 <p:sld xmlns:a="http://schemas.openxmlformats.org/drawingml/2006/main" xmlns:r="http://schemas.openxmlformats.org/officeDocument/2006/relationships" xmlns:p="http://schemas.openxmlformats.org/presentationml/2006/main">
   <p:cSld>
     <p:spTree>
@@ -9934,7 +11049,7 @@
 </p:sld>
 </file>
 
-<file path=ppt/slides/slide12.xml><?xml version="1.0" encoding="utf-8"?>
+<file path=ppt/slides/slide15.xml><?xml version="1.0" encoding="utf-8"?>
 <p:sld xmlns:a="http://schemas.openxmlformats.org/drawingml/2006/main" xmlns:r="http://schemas.openxmlformats.org/officeDocument/2006/relationships" xmlns:p="http://schemas.openxmlformats.org/presentationml/2006/main">
   <p:cSld>
     <p:spTree>
@@ -10067,7 +11182,7 @@
 </p:sld>
 </file>
 
-<file path=ppt/slides/slide13.xml><?xml version="1.0" encoding="utf-8"?>
+<file path=ppt/slides/slide16.xml><?xml version="1.0" encoding="utf-8"?>
 <p:sld xmlns:a="http://schemas.openxmlformats.org/drawingml/2006/main" xmlns:r="http://schemas.openxmlformats.org/officeDocument/2006/relationships" xmlns:p="http://schemas.openxmlformats.org/presentationml/2006/main">
   <p:cSld>
     <p:spTree>
@@ -10189,7 +11304,7 @@
 </p:sld>
 </file>
 
-<file path=ppt/slides/slide14.xml><?xml version="1.0" encoding="utf-8"?>
+<file path=ppt/slides/slide17.xml><?xml version="1.0" encoding="utf-8"?>
 <p:sld xmlns:a="http://schemas.openxmlformats.org/drawingml/2006/main" xmlns:r="http://schemas.openxmlformats.org/officeDocument/2006/relationships" xmlns:p="http://schemas.openxmlformats.org/presentationml/2006/main">
   <p:cSld>
     <p:spTree>
@@ -10248,15 +11363,7 @@
           <a:p>
             <a:r>
               <a:rPr lang="nl-NL" dirty="0"/>
-              <a:t>OOCSS &amp; </a:t>
-            </a:r>
-            <a:r>
-              <a:rPr lang="nl-NL" dirty="0" err="1"/>
-              <a:t>Oxygen</a:t>
-            </a:r>
-            <a:r>
-              <a:rPr lang="nl-NL" dirty="0"/>
-              <a:t> CSS</a:t>
+              <a:t>OOCSS</a:t>
             </a:r>
           </a:p>
         </p:txBody>
@@ -10274,7 +11381,7 @@
 </p:sld>
 </file>
 
-<file path=ppt/slides/slide15.xml><?xml version="1.0" encoding="utf-8"?>
+<file path=ppt/slides/slide18.xml><?xml version="1.0" encoding="utf-8"?>
 <p:sld xmlns:a="http://schemas.openxmlformats.org/drawingml/2006/main" xmlns:r="http://schemas.openxmlformats.org/officeDocument/2006/relationships" xmlns:p="http://schemas.openxmlformats.org/presentationml/2006/main">
   <p:cSld>
     <p:spTree>
@@ -10444,7 +11551,7 @@
                 <a:latin typeface="Arial" panose="020B0604020202020204"/>
               </a:rPr>
               <a:pPr defTabSz="914377"/>
-              <a:t>15</a:t>
+              <a:t>18</a:t>
             </a:fld>
             <a:endParaRPr lang="nl-NL">
               <a:solidFill>
@@ -10667,7 +11774,7 @@
 </p:sld>
 </file>
 
-<file path=ppt/slides/slide16.xml><?xml version="1.0" encoding="utf-8"?>
+<file path=ppt/slides/slide19.xml><?xml version="1.0" encoding="utf-8"?>
 <p:sld xmlns:a="http://schemas.openxmlformats.org/drawingml/2006/main" xmlns:r="http://schemas.openxmlformats.org/officeDocument/2006/relationships" xmlns:p="http://schemas.openxmlformats.org/presentationml/2006/main">
   <p:cSld>
     <p:spTree>
@@ -10705,7 +11812,19 @@
           <a:bodyPr/>
           <a:lstStyle/>
           <a:p>
-            <a:endParaRPr lang="en-NL"/>
+            <a:r>
+              <a:rPr lang="nl-NL" dirty="0"/>
+              <a:t>Object </a:t>
+            </a:r>
+            <a:r>
+              <a:rPr lang="nl-NL" dirty="0" err="1"/>
+              <a:t>Oriented</a:t>
+            </a:r>
+            <a:r>
+              <a:rPr lang="nl-NL" dirty="0"/>
+              <a:t> CSS</a:t>
+            </a:r>
+            <a:endParaRPr lang="en-NL" dirty="0"/>
           </a:p>
         </p:txBody>
       </p:sp>
@@ -10796,7 +11915,7 @@
 </p:sld>
 </file>
 
-<file path=ppt/slides/slide17.xml><?xml version="1.0" encoding="utf-8"?>
+<file path=ppt/slides/slide2.xml><?xml version="1.0" encoding="utf-8"?>
 <p:sld xmlns:a="http://schemas.openxmlformats.org/drawingml/2006/main" xmlns:r="http://schemas.openxmlformats.org/officeDocument/2006/relationships" xmlns:p="http://schemas.openxmlformats.org/presentationml/2006/main">
   <p:cSld>
     <p:spTree>
@@ -10818,6 +11937,154 @@
           <p:cNvPr id="2" name="Title 1">
             <a:extLst>
               <a:ext uri="{FF2B5EF4-FFF2-40B4-BE49-F238E27FC236}">
+                <a16:creationId xmlns:a16="http://schemas.microsoft.com/office/drawing/2014/main" id="{C16B111E-5EFC-4AB2-9386-1EAB31A742B8}"/>
+              </a:ext>
+            </a:extLst>
+          </p:cNvPr>
+          <p:cNvSpPr>
+            <a:spLocks noGrp="1"/>
+          </p:cNvSpPr>
+          <p:nvPr>
+            <p:ph type="title"/>
+          </p:nvPr>
+        </p:nvSpPr>
+        <p:spPr/>
+        <p:txBody>
+          <a:bodyPr/>
+          <a:lstStyle/>
+          <a:p>
+            <a:r>
+              <a:rPr lang="nl-NL" dirty="0"/>
+              <a:t>Agenda</a:t>
+            </a:r>
+            <a:endParaRPr lang="en-NL" dirty="0"/>
+          </a:p>
+        </p:txBody>
+      </p:sp>
+      <p:sp>
+        <p:nvSpPr>
+          <p:cNvPr id="3" name="Content Placeholder 2">
+            <a:extLst>
+              <a:ext uri="{FF2B5EF4-FFF2-40B4-BE49-F238E27FC236}">
+                <a16:creationId xmlns:a16="http://schemas.microsoft.com/office/drawing/2014/main" id="{EE7DF822-3C29-4ABD-AF48-20662E97C005}"/>
+              </a:ext>
+            </a:extLst>
+          </p:cNvPr>
+          <p:cNvSpPr>
+            <a:spLocks noGrp="1"/>
+          </p:cNvSpPr>
+          <p:nvPr>
+            <p:ph idx="1"/>
+          </p:nvPr>
+        </p:nvSpPr>
+        <p:spPr/>
+        <p:txBody>
+          <a:bodyPr/>
+          <a:lstStyle/>
+          <a:p>
+            <a:r>
+              <a:rPr lang="nl-NL" dirty="0"/>
+              <a:t>Inleiding: </a:t>
+            </a:r>
+            <a:r>
+              <a:rPr lang="nl-NL" dirty="0" err="1"/>
+              <a:t>Frameworks</a:t>
+            </a:r>
+            <a:r>
+              <a:rPr lang="nl-NL" dirty="0"/>
+              <a:t> </a:t>
+            </a:r>
+            <a:r>
+              <a:rPr lang="nl-NL" dirty="0" err="1"/>
+              <a:t>vs</a:t>
+            </a:r>
+            <a:r>
+              <a:rPr lang="nl-NL" dirty="0"/>
+              <a:t> </a:t>
+            </a:r>
+            <a:r>
+              <a:rPr lang="nl-NL" dirty="0" err="1"/>
+              <a:t>Methodologiëen</a:t>
+            </a:r>
+            <a:endParaRPr lang="nl-NL" dirty="0"/>
+          </a:p>
+          <a:p>
+            <a:r>
+              <a:rPr lang="nl-NL" dirty="0"/>
+              <a:t>BEM</a:t>
+            </a:r>
+          </a:p>
+          <a:p>
+            <a:r>
+              <a:rPr lang="nl-NL" dirty="0"/>
+              <a:t>SMACSS</a:t>
+            </a:r>
+          </a:p>
+          <a:p>
+            <a:r>
+              <a:rPr lang="nl-NL" dirty="0"/>
+              <a:t>OOCSS</a:t>
+            </a:r>
+          </a:p>
+          <a:p>
+            <a:r>
+              <a:rPr lang="nl-NL" dirty="0" err="1"/>
+              <a:t>Oxygen</a:t>
+            </a:r>
+            <a:r>
+              <a:rPr lang="nl-NL" dirty="0"/>
+              <a:t> CSS</a:t>
+            </a:r>
+          </a:p>
+          <a:p>
+            <a:r>
+              <a:rPr lang="nl-NL" dirty="0"/>
+              <a:t>Hands-on</a:t>
+            </a:r>
+          </a:p>
+          <a:p>
+            <a:endParaRPr lang="nl-NL" dirty="0"/>
+          </a:p>
+          <a:p>
+            <a:endParaRPr lang="en-NL" dirty="0"/>
+          </a:p>
+        </p:txBody>
+      </p:sp>
+    </p:spTree>
+    <p:extLst>
+      <p:ext uri="{BB962C8B-B14F-4D97-AF65-F5344CB8AC3E}">
+        <p14:creationId xmlns:p14="http://schemas.microsoft.com/office/powerpoint/2010/main" val="970134978"/>
+      </p:ext>
+    </p:extLst>
+  </p:cSld>
+  <p:clrMapOvr>
+    <a:masterClrMapping/>
+  </p:clrMapOvr>
+</p:sld>
+</file>
+
+<file path=ppt/slides/slide20.xml><?xml version="1.0" encoding="utf-8"?>
+<p:sld xmlns:a="http://schemas.openxmlformats.org/drawingml/2006/main" xmlns:r="http://schemas.openxmlformats.org/officeDocument/2006/relationships" xmlns:p="http://schemas.openxmlformats.org/presentationml/2006/main">
+  <p:cSld>
+    <p:spTree>
+      <p:nvGrpSpPr>
+        <p:cNvPr id="1" name=""/>
+        <p:cNvGrpSpPr/>
+        <p:nvPr/>
+      </p:nvGrpSpPr>
+      <p:grpSpPr>
+        <a:xfrm>
+          <a:off x="0" y="0"/>
+          <a:ext cx="0" cy="0"/>
+          <a:chOff x="0" y="0"/>
+          <a:chExt cx="0" cy="0"/>
+        </a:xfrm>
+      </p:grpSpPr>
+      <p:sp>
+        <p:nvSpPr>
+          <p:cNvPr id="2" name="Title 1">
+            <a:extLst>
+              <a:ext uri="{FF2B5EF4-FFF2-40B4-BE49-F238E27FC236}">
                 <a16:creationId xmlns:a16="http://schemas.microsoft.com/office/drawing/2014/main" id="{4F1B1253-DDEE-41F2-921A-EA61B7547DE5}"/>
               </a:ext>
             </a:extLst>
@@ -10883,7 +12150,7 @@
             </a:r>
             <a:r>
               <a:rPr lang="nl-NL" dirty="0" err="1"/>
-              <a:t>color</a:t>
+              <a:t>Color</a:t>
             </a:r>
             <a:r>
               <a:rPr lang="nl-NL" dirty="0"/>
@@ -10982,7 +12249,7 @@
 </p:sld>
 </file>
 
-<file path=ppt/slides/slide18.xml><?xml version="1.0" encoding="utf-8"?>
+<file path=ppt/slides/slide21.xml><?xml version="1.0" encoding="utf-8"?>
 <p:sld xmlns:a="http://schemas.openxmlformats.org/drawingml/2006/main" xmlns:r="http://schemas.openxmlformats.org/officeDocument/2006/relationships" xmlns:p="http://schemas.openxmlformats.org/presentationml/2006/main">
   <p:cSld>
     <p:spTree>
@@ -11119,7 +12386,7 @@
 </p:sld>
 </file>
 
-<file path=ppt/slides/slide19.xml><?xml version="1.0" encoding="utf-8"?>
+<file path=ppt/slides/slide22.xml><?xml version="1.0" encoding="utf-8"?>
 <p:sld xmlns:a="http://schemas.openxmlformats.org/drawingml/2006/main" xmlns:r="http://schemas.openxmlformats.org/officeDocument/2006/relationships" xmlns:p="http://schemas.openxmlformats.org/presentationml/2006/main">
   <p:cSld>
     <p:spTree>
@@ -11230,7 +12497,2038 @@
 </p:sld>
 </file>
 
-<file path=ppt/slides/slide2.xml><?xml version="1.0" encoding="utf-8"?>
+<file path=ppt/slides/slide23.xml><?xml version="1.0" encoding="utf-8"?>
+<p:sld xmlns:a="http://schemas.openxmlformats.org/drawingml/2006/main" xmlns:r="http://schemas.openxmlformats.org/officeDocument/2006/relationships" xmlns:p="http://schemas.openxmlformats.org/presentationml/2006/main">
+  <p:cSld>
+    <p:spTree>
+      <p:nvGrpSpPr>
+        <p:cNvPr id="1" name=""/>
+        <p:cNvGrpSpPr/>
+        <p:nvPr/>
+      </p:nvGrpSpPr>
+      <p:grpSpPr>
+        <a:xfrm>
+          <a:off x="0" y="0"/>
+          <a:ext cx="0" cy="0"/>
+          <a:chOff x="0" y="0"/>
+          <a:chExt cx="0" cy="0"/>
+        </a:xfrm>
+      </p:grpSpPr>
+      <p:sp>
+        <p:nvSpPr>
+          <p:cNvPr id="2" name="Title 1">
+            <a:extLst>
+              <a:ext uri="{FF2B5EF4-FFF2-40B4-BE49-F238E27FC236}">
+                <a16:creationId xmlns:a16="http://schemas.microsoft.com/office/drawing/2014/main" id="{5DC7EF30-66E5-48BB-BAA4-AE0719D0F1A0}"/>
+              </a:ext>
+            </a:extLst>
+          </p:cNvPr>
+          <p:cNvSpPr>
+            <a:spLocks noGrp="1"/>
+          </p:cNvSpPr>
+          <p:nvPr>
+            <p:ph type="title"/>
+          </p:nvPr>
+        </p:nvSpPr>
+        <p:spPr/>
+        <p:txBody>
+          <a:bodyPr/>
+          <a:lstStyle/>
+          <a:p>
+            <a:r>
+              <a:rPr lang="nl-NL" dirty="0" err="1"/>
+              <a:t>Separation</a:t>
+            </a:r>
+            <a:r>
+              <a:rPr lang="nl-NL" dirty="0"/>
+              <a:t> of Context &amp; Content</a:t>
+            </a:r>
+            <a:endParaRPr lang="en-NL" dirty="0"/>
+          </a:p>
+        </p:txBody>
+      </p:sp>
+      <p:pic>
+        <p:nvPicPr>
+          <p:cNvPr id="7" name="Content Placeholder 6" descr="A screenshot of text&#10;&#10;Description automatically generated">
+            <a:extLst>
+              <a:ext uri="{FF2B5EF4-FFF2-40B4-BE49-F238E27FC236}">
+                <a16:creationId xmlns:a16="http://schemas.microsoft.com/office/drawing/2014/main" id="{65BCB32F-FAB0-43E9-AA0B-22A74561D92D}"/>
+              </a:ext>
+            </a:extLst>
+          </p:cNvPr>
+          <p:cNvPicPr>
+            <a:picLocks noGrp="1" noChangeAspect="1"/>
+          </p:cNvPicPr>
+          <p:nvPr>
+            <p:ph sz="half" idx="1"/>
+          </p:nvPr>
+        </p:nvPicPr>
+        <p:blipFill>
+          <a:blip r:embed="rId2">
+            <a:extLst>
+              <a:ext uri="{28A0092B-C50C-407E-A947-70E740481C1C}">
+                <a14:useLocalDpi xmlns:a14="http://schemas.microsoft.com/office/drawing/2010/main" val="0"/>
+              </a:ext>
+            </a:extLst>
+          </a:blip>
+          <a:stretch>
+            <a:fillRect/>
+          </a:stretch>
+        </p:blipFill>
+        <p:spPr>
+          <a:xfrm>
+            <a:off x="838200" y="1690688"/>
+            <a:ext cx="2865078" cy="4351338"/>
+          </a:xfrm>
+        </p:spPr>
+      </p:pic>
+      <p:pic>
+        <p:nvPicPr>
+          <p:cNvPr id="9" name="Content Placeholder 8" descr="A close up of text on a black background&#10;&#10;Description automatically generated">
+            <a:extLst>
+              <a:ext uri="{FF2B5EF4-FFF2-40B4-BE49-F238E27FC236}">
+                <a16:creationId xmlns:a16="http://schemas.microsoft.com/office/drawing/2014/main" id="{5BFE9185-B603-47D0-AF5C-EE1A74AB2D59}"/>
+              </a:ext>
+            </a:extLst>
+          </p:cNvPr>
+          <p:cNvPicPr>
+            <a:picLocks noGrp="1" noChangeAspect="1"/>
+          </p:cNvPicPr>
+          <p:nvPr>
+            <p:ph sz="half" idx="2"/>
+          </p:nvPr>
+        </p:nvPicPr>
+        <p:blipFill>
+          <a:blip r:embed="rId3">
+            <a:extLst>
+              <a:ext uri="{28A0092B-C50C-407E-A947-70E740481C1C}">
+                <a14:useLocalDpi xmlns:a14="http://schemas.microsoft.com/office/drawing/2010/main" val="0"/>
+              </a:ext>
+            </a:extLst>
+          </a:blip>
+          <a:stretch>
+            <a:fillRect/>
+          </a:stretch>
+        </p:blipFill>
+        <p:spPr>
+          <a:xfrm>
+            <a:off x="6096000" y="1690688"/>
+            <a:ext cx="2952750" cy="4114800"/>
+          </a:xfrm>
+        </p:spPr>
+      </p:pic>
+    </p:spTree>
+    <p:extLst>
+      <p:ext uri="{BB962C8B-B14F-4D97-AF65-F5344CB8AC3E}">
+        <p14:creationId xmlns:p14="http://schemas.microsoft.com/office/powerpoint/2010/main" val="3568504269"/>
+      </p:ext>
+    </p:extLst>
+  </p:cSld>
+  <p:clrMapOvr>
+    <a:masterClrMapping/>
+  </p:clrMapOvr>
+</p:sld>
+</file>
+
+<file path=ppt/slides/slide24.xml><?xml version="1.0" encoding="utf-8"?>
+<p:sld xmlns:a="http://schemas.openxmlformats.org/drawingml/2006/main" xmlns:r="http://schemas.openxmlformats.org/officeDocument/2006/relationships" xmlns:p="http://schemas.openxmlformats.org/presentationml/2006/main">
+  <p:cSld>
+    <p:spTree>
+      <p:nvGrpSpPr>
+        <p:cNvPr id="1" name=""/>
+        <p:cNvGrpSpPr/>
+        <p:nvPr/>
+      </p:nvGrpSpPr>
+      <p:grpSpPr>
+        <a:xfrm>
+          <a:off x="0" y="0"/>
+          <a:ext cx="0" cy="0"/>
+          <a:chOff x="0" y="0"/>
+          <a:chExt cx="0" cy="0"/>
+        </a:xfrm>
+      </p:grpSpPr>
+      <p:sp>
+        <p:nvSpPr>
+          <p:cNvPr id="2" name="Title 1">
+            <a:extLst>
+              <a:ext uri="{FF2B5EF4-FFF2-40B4-BE49-F238E27FC236}">
+                <a16:creationId xmlns:a16="http://schemas.microsoft.com/office/drawing/2014/main" id="{87E895F3-B8B0-489A-82B9-BC9B6ACC99E5}"/>
+              </a:ext>
+            </a:extLst>
+          </p:cNvPr>
+          <p:cNvSpPr>
+            <a:spLocks noGrp="1"/>
+          </p:cNvSpPr>
+          <p:nvPr>
+            <p:ph type="title"/>
+          </p:nvPr>
+        </p:nvSpPr>
+        <p:spPr/>
+        <p:txBody>
+          <a:bodyPr/>
+          <a:lstStyle/>
+          <a:p>
+            <a:r>
+              <a:rPr lang="nl-NL" dirty="0"/>
+              <a:t>Pros &amp; </a:t>
+            </a:r>
+            <a:r>
+              <a:rPr lang="nl-NL" dirty="0" err="1"/>
+              <a:t>Cons</a:t>
+            </a:r>
+            <a:endParaRPr lang="en-NL" dirty="0"/>
+          </a:p>
+        </p:txBody>
+      </p:sp>
+      <p:sp>
+        <p:nvSpPr>
+          <p:cNvPr id="3" name="Content Placeholder 2">
+            <a:extLst>
+              <a:ext uri="{FF2B5EF4-FFF2-40B4-BE49-F238E27FC236}">
+                <a16:creationId xmlns:a16="http://schemas.microsoft.com/office/drawing/2014/main" id="{FE7817B6-0EA9-4CF5-98ED-13881DC4FF7B}"/>
+              </a:ext>
+            </a:extLst>
+          </p:cNvPr>
+          <p:cNvSpPr>
+            <a:spLocks noGrp="1"/>
+          </p:cNvSpPr>
+          <p:nvPr>
+            <p:ph sz="half" idx="1"/>
+          </p:nvPr>
+        </p:nvSpPr>
+        <p:spPr/>
+        <p:txBody>
+          <a:bodyPr>
+            <a:normAutofit/>
+          </a:bodyPr>
+          <a:lstStyle/>
+          <a:p>
+            <a:pPr marL="0" indent="0">
+              <a:buNone/>
+            </a:pPr>
+            <a:r>
+              <a:rPr lang="en-US" dirty="0"/>
+              <a:t>✓ High reusability</a:t>
+            </a:r>
+          </a:p>
+          <a:p>
+            <a:pPr marL="0" indent="0">
+              <a:buNone/>
+            </a:pPr>
+            <a:r>
+              <a:rPr lang="en-US" dirty="0"/>
+              <a:t>✓ Ease of maintainability</a:t>
+            </a:r>
+          </a:p>
+          <a:p>
+            <a:endParaRPr lang="en-NL" dirty="0"/>
+          </a:p>
+        </p:txBody>
+      </p:sp>
+      <p:sp>
+        <p:nvSpPr>
+          <p:cNvPr id="4" name="Content Placeholder 3">
+            <a:extLst>
+              <a:ext uri="{FF2B5EF4-FFF2-40B4-BE49-F238E27FC236}">
+                <a16:creationId xmlns:a16="http://schemas.microsoft.com/office/drawing/2014/main" id="{0584546A-EECB-4E29-8E39-FC75B11B18BA}"/>
+              </a:ext>
+            </a:extLst>
+          </p:cNvPr>
+          <p:cNvSpPr>
+            <a:spLocks noGrp="1"/>
+          </p:cNvSpPr>
+          <p:nvPr>
+            <p:ph sz="half" idx="2"/>
+          </p:nvPr>
+        </p:nvSpPr>
+        <p:spPr/>
+        <p:txBody>
+          <a:bodyPr>
+            <a:normAutofit/>
+          </a:bodyPr>
+          <a:lstStyle/>
+          <a:p>
+            <a:r>
+              <a:rPr lang="en-US" dirty="0"/>
+              <a:t>You may need to add multiple classes to an element to account for all of the styling elements. </a:t>
+            </a:r>
+          </a:p>
+          <a:p>
+            <a:r>
+              <a:rPr lang="en-US" dirty="0"/>
+              <a:t>Without a fair amount of repeating visual patterns, separating structure and visual style codes seem unnecessary.</a:t>
+            </a:r>
+            <a:endParaRPr lang="en-NL" dirty="0"/>
+          </a:p>
+        </p:txBody>
+      </p:sp>
+    </p:spTree>
+    <p:extLst>
+      <p:ext uri="{BB962C8B-B14F-4D97-AF65-F5344CB8AC3E}">
+        <p14:creationId xmlns:p14="http://schemas.microsoft.com/office/powerpoint/2010/main" val="2747821218"/>
+      </p:ext>
+    </p:extLst>
+  </p:cSld>
+  <p:clrMapOvr>
+    <a:masterClrMapping/>
+  </p:clrMapOvr>
+</p:sld>
+</file>
+
+<file path=ppt/slides/slide25.xml><?xml version="1.0" encoding="utf-8"?>
+<p:sld xmlns:a="http://schemas.openxmlformats.org/drawingml/2006/main" xmlns:r="http://schemas.openxmlformats.org/officeDocument/2006/relationships" xmlns:p="http://schemas.openxmlformats.org/presentationml/2006/main">
+  <p:cSld>
+    <p:spTree>
+      <p:nvGrpSpPr>
+        <p:cNvPr id="1" name=""/>
+        <p:cNvGrpSpPr/>
+        <p:nvPr/>
+      </p:nvGrpSpPr>
+      <p:grpSpPr>
+        <a:xfrm>
+          <a:off x="0" y="0"/>
+          <a:ext cx="0" cy="0"/>
+          <a:chOff x="0" y="0"/>
+          <a:chExt cx="0" cy="0"/>
+        </a:xfrm>
+      </p:grpSpPr>
+      <p:pic>
+        <p:nvPicPr>
+          <p:cNvPr id="4" name="Picture Placeholder 3"/>
+          <p:cNvPicPr>
+            <a:picLocks noGrp="1" noChangeAspect="1"/>
+          </p:cNvPicPr>
+          <p:nvPr>
+            <p:ph type="pic" idx="13"/>
+          </p:nvPr>
+        </p:nvPicPr>
+        <p:blipFill>
+          <a:blip r:embed="rId3">
+            <a:extLst>
+              <a:ext uri="{28A0092B-C50C-407E-A947-70E740481C1C}">
+                <a14:useLocalDpi xmlns:a14="http://schemas.microsoft.com/office/drawing/2010/main" val="0"/>
+              </a:ext>
+            </a:extLst>
+          </a:blip>
+          <a:srcRect t="71" b="71"/>
+          <a:stretch>
+            <a:fillRect/>
+          </a:stretch>
+        </p:blipFill>
+        <p:spPr/>
+      </p:pic>
+      <p:sp>
+        <p:nvSpPr>
+          <p:cNvPr id="3" name="Title 2"/>
+          <p:cNvSpPr>
+            <a:spLocks noGrp="1"/>
+          </p:cNvSpPr>
+          <p:nvPr>
+            <p:ph type="ctrTitle"/>
+          </p:nvPr>
+        </p:nvSpPr>
+        <p:spPr>
+          <a:xfrm>
+            <a:off x="7248127" y="2064000"/>
+            <a:ext cx="4032000" cy="4032000"/>
+          </a:xfrm>
+        </p:spPr>
+        <p:txBody>
+          <a:bodyPr/>
+          <a:lstStyle/>
+          <a:p>
+            <a:r>
+              <a:rPr lang="nl-NL" dirty="0" err="1"/>
+              <a:t>Oxygen</a:t>
+            </a:r>
+            <a:r>
+              <a:rPr lang="nl-NL" dirty="0"/>
+              <a:t> CSS</a:t>
+            </a:r>
+          </a:p>
+        </p:txBody>
+      </p:sp>
+      <p:pic>
+        <p:nvPicPr>
+          <p:cNvPr id="5" name="Graphic 4">
+            <a:extLst>
+              <a:ext uri="{FF2B5EF4-FFF2-40B4-BE49-F238E27FC236}">
+                <a16:creationId xmlns:a16="http://schemas.microsoft.com/office/drawing/2014/main" id="{42039962-7873-450C-BCDD-00D001B802E7}"/>
+              </a:ext>
+            </a:extLst>
+          </p:cNvPr>
+          <p:cNvPicPr>
+            <a:picLocks noChangeAspect="1"/>
+          </p:cNvPicPr>
+          <p:nvPr/>
+        </p:nvPicPr>
+        <p:blipFill>
+          <a:blip r:embed="rId4">
+            <a:extLst>
+              <a:ext uri="{28A0092B-C50C-407E-A947-70E740481C1C}">
+                <a14:useLocalDpi xmlns:a14="http://schemas.microsoft.com/office/drawing/2010/main" val="0"/>
+              </a:ext>
+              <a:ext uri="{96DAC541-7B7A-43D3-8B79-37D633B846F1}">
+                <asvg:svgBlip xmlns:asvg="http://schemas.microsoft.com/office/drawing/2016/SVG/main" r:embed="rId5"/>
+              </a:ext>
+            </a:extLst>
+          </a:blip>
+          <a:stretch>
+            <a:fillRect/>
+          </a:stretch>
+        </p:blipFill>
+        <p:spPr>
+          <a:xfrm>
+            <a:off x="7395410" y="3385485"/>
+            <a:ext cx="2141621" cy="2409324"/>
+          </a:xfrm>
+          <a:prstGeom prst="rect">
+            <a:avLst/>
+          </a:prstGeom>
+        </p:spPr>
+      </p:pic>
+    </p:spTree>
+    <p:extLst>
+      <p:ext uri="{BB962C8B-B14F-4D97-AF65-F5344CB8AC3E}">
+        <p14:creationId xmlns:p14="http://schemas.microsoft.com/office/powerpoint/2010/main" val="3952546689"/>
+      </p:ext>
+    </p:extLst>
+  </p:cSld>
+  <p:clrMapOvr>
+    <a:masterClrMapping/>
+  </p:clrMapOvr>
+</p:sld>
+</file>
+
+<file path=ppt/slides/slide26.xml><?xml version="1.0" encoding="utf-8"?>
+<p:sld xmlns:a="http://schemas.openxmlformats.org/drawingml/2006/main" xmlns:r="http://schemas.openxmlformats.org/officeDocument/2006/relationships" xmlns:p="http://schemas.openxmlformats.org/presentationml/2006/main">
+  <p:cSld>
+    <p:spTree>
+      <p:nvGrpSpPr>
+        <p:cNvPr id="1" name=""/>
+        <p:cNvGrpSpPr/>
+        <p:nvPr/>
+      </p:nvGrpSpPr>
+      <p:grpSpPr>
+        <a:xfrm>
+          <a:off x="0" y="0"/>
+          <a:ext cx="0" cy="0"/>
+          <a:chOff x="0" y="0"/>
+          <a:chExt cx="0" cy="0"/>
+        </a:xfrm>
+      </p:grpSpPr>
+      <p:sp>
+        <p:nvSpPr>
+          <p:cNvPr id="2" name="Title 1">
+            <a:extLst>
+              <a:ext uri="{FF2B5EF4-FFF2-40B4-BE49-F238E27FC236}">
+                <a16:creationId xmlns:a16="http://schemas.microsoft.com/office/drawing/2014/main" id="{5DC7EF30-66E5-48BB-BAA4-AE0719D0F1A0}"/>
+              </a:ext>
+            </a:extLst>
+          </p:cNvPr>
+          <p:cNvSpPr>
+            <a:spLocks noGrp="1"/>
+          </p:cNvSpPr>
+          <p:nvPr>
+            <p:ph type="title"/>
+          </p:nvPr>
+        </p:nvSpPr>
+        <p:spPr/>
+        <p:txBody>
+          <a:bodyPr/>
+          <a:lstStyle/>
+          <a:p>
+            <a:r>
+              <a:rPr lang="nl-NL" dirty="0" err="1"/>
+              <a:t>Oxygen</a:t>
+            </a:r>
+            <a:r>
+              <a:rPr lang="nl-NL" dirty="0"/>
+              <a:t> CSS</a:t>
+            </a:r>
+            <a:endParaRPr lang="en-NL" dirty="0"/>
+          </a:p>
+        </p:txBody>
+      </p:sp>
+      <p:sp>
+        <p:nvSpPr>
+          <p:cNvPr id="3" name="Content Placeholder 2">
+            <a:extLst>
+              <a:ext uri="{FF2B5EF4-FFF2-40B4-BE49-F238E27FC236}">
+                <a16:creationId xmlns:a16="http://schemas.microsoft.com/office/drawing/2014/main" id="{629F5954-EC10-40FA-9DEE-A7E9C742D70A}"/>
+              </a:ext>
+            </a:extLst>
+          </p:cNvPr>
+          <p:cNvSpPr>
+            <a:spLocks noGrp="1"/>
+          </p:cNvSpPr>
+          <p:nvPr>
+            <p:ph idx="1"/>
+          </p:nvPr>
+        </p:nvSpPr>
+        <p:spPr/>
+        <p:txBody>
+          <a:bodyPr>
+            <a:normAutofit/>
+          </a:bodyPr>
+          <a:lstStyle/>
+          <a:p>
+            <a:r>
+              <a:rPr lang="nl-NL" dirty="0"/>
+              <a:t>Object </a:t>
+            </a:r>
+            <a:r>
+              <a:rPr lang="nl-NL" dirty="0" err="1"/>
+              <a:t>Oriented</a:t>
+            </a:r>
+            <a:endParaRPr lang="nl-NL" dirty="0"/>
+          </a:p>
+          <a:p>
+            <a:endParaRPr lang="nl-NL" dirty="0"/>
+          </a:p>
+          <a:p>
+            <a:r>
+              <a:rPr lang="nl-NL" dirty="0"/>
+              <a:t>Object</a:t>
+            </a:r>
+          </a:p>
+          <a:p>
+            <a:r>
+              <a:rPr lang="nl-NL" dirty="0"/>
+              <a:t>Child-Object</a:t>
+            </a:r>
+          </a:p>
+          <a:p>
+            <a:r>
+              <a:rPr lang="nl-NL" dirty="0" err="1"/>
+              <a:t>Modifiers</a:t>
+            </a:r>
+            <a:endParaRPr lang="nl-NL" dirty="0"/>
+          </a:p>
+          <a:p>
+            <a:r>
+              <a:rPr lang="nl-NL" dirty="0" err="1"/>
+              <a:t>Subclasses</a:t>
+            </a:r>
+            <a:endParaRPr lang="nl-NL" dirty="0"/>
+          </a:p>
+          <a:p>
+            <a:endParaRPr lang="nl-NL" dirty="0"/>
+          </a:p>
+        </p:txBody>
+      </p:sp>
+    </p:spTree>
+    <p:extLst>
+      <p:ext uri="{BB962C8B-B14F-4D97-AF65-F5344CB8AC3E}">
+        <p14:creationId xmlns:p14="http://schemas.microsoft.com/office/powerpoint/2010/main" val="954262085"/>
+      </p:ext>
+    </p:extLst>
+  </p:cSld>
+  <p:clrMapOvr>
+    <a:masterClrMapping/>
+  </p:clrMapOvr>
+</p:sld>
+</file>
+
+<file path=ppt/slides/slide27.xml><?xml version="1.0" encoding="utf-8"?>
+<p:sld xmlns:a="http://schemas.openxmlformats.org/drawingml/2006/main" xmlns:r="http://schemas.openxmlformats.org/officeDocument/2006/relationships" xmlns:p="http://schemas.openxmlformats.org/presentationml/2006/main">
+  <p:cSld>
+    <p:spTree>
+      <p:nvGrpSpPr>
+        <p:cNvPr id="1" name=""/>
+        <p:cNvGrpSpPr/>
+        <p:nvPr/>
+      </p:nvGrpSpPr>
+      <p:grpSpPr>
+        <a:xfrm>
+          <a:off x="0" y="0"/>
+          <a:ext cx="0" cy="0"/>
+          <a:chOff x="0" y="0"/>
+          <a:chExt cx="0" cy="0"/>
+        </a:xfrm>
+      </p:grpSpPr>
+      <p:sp>
+        <p:nvSpPr>
+          <p:cNvPr id="2" name="Title 1">
+            <a:extLst>
+              <a:ext uri="{FF2B5EF4-FFF2-40B4-BE49-F238E27FC236}">
+                <a16:creationId xmlns:a16="http://schemas.microsoft.com/office/drawing/2014/main" id="{F21E9F68-168D-4FF1-AAEE-BF03F5D102C2}"/>
+              </a:ext>
+            </a:extLst>
+          </p:cNvPr>
+          <p:cNvSpPr>
+            <a:spLocks noGrp="1"/>
+          </p:cNvSpPr>
+          <p:nvPr>
+            <p:ph type="title"/>
+          </p:nvPr>
+        </p:nvSpPr>
+        <p:spPr/>
+        <p:txBody>
+          <a:bodyPr/>
+          <a:lstStyle/>
+          <a:p>
+            <a:r>
+              <a:rPr lang="nl-NL" dirty="0" err="1"/>
+              <a:t>Oxygen</a:t>
+            </a:r>
+            <a:r>
+              <a:rPr lang="nl-NL" dirty="0"/>
+              <a:t> CSS</a:t>
+            </a:r>
+            <a:endParaRPr lang="en-NL" dirty="0"/>
+          </a:p>
+        </p:txBody>
+      </p:sp>
+      <p:sp>
+        <p:nvSpPr>
+          <p:cNvPr id="3" name="Content Placeholder 2">
+            <a:extLst>
+              <a:ext uri="{FF2B5EF4-FFF2-40B4-BE49-F238E27FC236}">
+                <a16:creationId xmlns:a16="http://schemas.microsoft.com/office/drawing/2014/main" id="{6581473E-9C1B-4AA7-8887-BD1BF15BA676}"/>
+              </a:ext>
+            </a:extLst>
+          </p:cNvPr>
+          <p:cNvSpPr>
+            <a:spLocks noGrp="1"/>
+          </p:cNvSpPr>
+          <p:nvPr>
+            <p:ph idx="1"/>
+          </p:nvPr>
+        </p:nvSpPr>
+        <p:spPr/>
+        <p:txBody>
+          <a:bodyPr/>
+          <a:lstStyle/>
+          <a:p>
+            <a:r>
+              <a:rPr lang="en-US" i="1" dirty="0"/>
+              <a:t>Oxygen is an object-oriented approach to CSS. It is designed to give teams a simple and consistent way to communicate about stylesheets. </a:t>
+            </a:r>
+            <a:endParaRPr lang="en-US" dirty="0"/>
+          </a:p>
+          <a:p>
+            <a:r>
+              <a:rPr lang="en-US" dirty="0"/>
+              <a:t>We naturally speak in terms of objects when talking about “buttons”, “menus”, and “controls.”</a:t>
+            </a:r>
+            <a:endParaRPr lang="en-NL" dirty="0"/>
+          </a:p>
+        </p:txBody>
+      </p:sp>
+    </p:spTree>
+    <p:extLst>
+      <p:ext uri="{BB962C8B-B14F-4D97-AF65-F5344CB8AC3E}">
+        <p14:creationId xmlns:p14="http://schemas.microsoft.com/office/powerpoint/2010/main" val="1255628608"/>
+      </p:ext>
+    </p:extLst>
+  </p:cSld>
+  <p:clrMapOvr>
+    <a:masterClrMapping/>
+  </p:clrMapOvr>
+</p:sld>
+</file>
+
+<file path=ppt/slides/slide28.xml><?xml version="1.0" encoding="utf-8"?>
+<p:sld xmlns:a="http://schemas.openxmlformats.org/drawingml/2006/main" xmlns:r="http://schemas.openxmlformats.org/officeDocument/2006/relationships" xmlns:p="http://schemas.openxmlformats.org/presentationml/2006/main">
+  <p:cSld>
+    <p:spTree>
+      <p:nvGrpSpPr>
+        <p:cNvPr id="1" name=""/>
+        <p:cNvGrpSpPr/>
+        <p:nvPr/>
+      </p:nvGrpSpPr>
+      <p:grpSpPr>
+        <a:xfrm>
+          <a:off x="0" y="0"/>
+          <a:ext cx="0" cy="0"/>
+          <a:chOff x="0" y="0"/>
+          <a:chExt cx="0" cy="0"/>
+        </a:xfrm>
+      </p:grpSpPr>
+      <p:sp>
+        <p:nvSpPr>
+          <p:cNvPr id="2" name="Title 1">
+            <a:extLst>
+              <a:ext uri="{FF2B5EF4-FFF2-40B4-BE49-F238E27FC236}">
+                <a16:creationId xmlns:a16="http://schemas.microsoft.com/office/drawing/2014/main" id="{5DC7EF30-66E5-48BB-BAA4-AE0719D0F1A0}"/>
+              </a:ext>
+            </a:extLst>
+          </p:cNvPr>
+          <p:cNvSpPr>
+            <a:spLocks noGrp="1"/>
+          </p:cNvSpPr>
+          <p:nvPr>
+            <p:ph type="title"/>
+          </p:nvPr>
+        </p:nvSpPr>
+        <p:spPr/>
+        <p:txBody>
+          <a:bodyPr/>
+          <a:lstStyle/>
+          <a:p>
+            <a:r>
+              <a:rPr lang="nl-NL" dirty="0" err="1"/>
+              <a:t>Objects</a:t>
+            </a:r>
+            <a:endParaRPr lang="en-NL" dirty="0"/>
+          </a:p>
+        </p:txBody>
+      </p:sp>
+      <p:pic>
+        <p:nvPicPr>
+          <p:cNvPr id="5" name="Content Placeholder 4" descr="A close up of text on a black background&#10;&#10;Description automatically generated">
+            <a:extLst>
+              <a:ext uri="{FF2B5EF4-FFF2-40B4-BE49-F238E27FC236}">
+                <a16:creationId xmlns:a16="http://schemas.microsoft.com/office/drawing/2014/main" id="{7DD83CC2-F91E-474F-A256-88D01D21D9D4}"/>
+              </a:ext>
+            </a:extLst>
+          </p:cNvPr>
+          <p:cNvPicPr>
+            <a:picLocks noGrp="1" noChangeAspect="1"/>
+          </p:cNvPicPr>
+          <p:nvPr>
+            <p:ph sz="half" idx="1"/>
+          </p:nvPr>
+        </p:nvPicPr>
+        <p:blipFill>
+          <a:blip r:embed="rId2">
+            <a:extLst>
+              <a:ext uri="{28A0092B-C50C-407E-A947-70E740481C1C}">
+                <a14:useLocalDpi xmlns:a14="http://schemas.microsoft.com/office/drawing/2010/main" val="0"/>
+              </a:ext>
+            </a:extLst>
+          </a:blip>
+          <a:stretch>
+            <a:fillRect/>
+          </a:stretch>
+        </p:blipFill>
+        <p:spPr>
+          <a:xfrm>
+            <a:off x="862012" y="2767806"/>
+            <a:ext cx="5133975" cy="2466975"/>
+          </a:xfrm>
+        </p:spPr>
+      </p:pic>
+      <p:sp>
+        <p:nvSpPr>
+          <p:cNvPr id="6" name="Content Placeholder 5">
+            <a:extLst>
+              <a:ext uri="{FF2B5EF4-FFF2-40B4-BE49-F238E27FC236}">
+                <a16:creationId xmlns:a16="http://schemas.microsoft.com/office/drawing/2014/main" id="{B8932A61-49DB-47CB-9B4B-E9EE4568170E}"/>
+              </a:ext>
+            </a:extLst>
+          </p:cNvPr>
+          <p:cNvSpPr>
+            <a:spLocks noGrp="1"/>
+          </p:cNvSpPr>
+          <p:nvPr>
+            <p:ph sz="half" idx="2"/>
+          </p:nvPr>
+        </p:nvSpPr>
+        <p:spPr/>
+        <p:txBody>
+          <a:bodyPr/>
+          <a:lstStyle/>
+          <a:p>
+            <a:r>
+              <a:rPr lang="nl-NL" dirty="0"/>
+              <a:t>.</a:t>
+            </a:r>
+            <a:r>
+              <a:rPr lang="nl-NL" dirty="0" err="1"/>
+              <a:t>noun</a:t>
+            </a:r>
+            <a:endParaRPr lang="nl-NL" dirty="0"/>
+          </a:p>
+          <a:p>
+            <a:r>
+              <a:rPr lang="en-US" dirty="0"/>
+              <a:t>are the individual parts that make up a web page or application.</a:t>
+            </a:r>
+            <a:endParaRPr lang="en-NL" dirty="0"/>
+          </a:p>
+        </p:txBody>
+      </p:sp>
+    </p:spTree>
+    <p:extLst>
+      <p:ext uri="{BB962C8B-B14F-4D97-AF65-F5344CB8AC3E}">
+        <p14:creationId xmlns:p14="http://schemas.microsoft.com/office/powerpoint/2010/main" val="355180630"/>
+      </p:ext>
+    </p:extLst>
+  </p:cSld>
+  <p:clrMapOvr>
+    <a:masterClrMapping/>
+  </p:clrMapOvr>
+</p:sld>
+</file>
+
+<file path=ppt/slides/slide29.xml><?xml version="1.0" encoding="utf-8"?>
+<p:sld xmlns:a="http://schemas.openxmlformats.org/drawingml/2006/main" xmlns:r="http://schemas.openxmlformats.org/officeDocument/2006/relationships" xmlns:p="http://schemas.openxmlformats.org/presentationml/2006/main">
+  <p:cSld>
+    <p:spTree>
+      <p:nvGrpSpPr>
+        <p:cNvPr id="1" name=""/>
+        <p:cNvGrpSpPr/>
+        <p:nvPr/>
+      </p:nvGrpSpPr>
+      <p:grpSpPr>
+        <a:xfrm>
+          <a:off x="0" y="0"/>
+          <a:ext cx="0" cy="0"/>
+          <a:chOff x="0" y="0"/>
+          <a:chExt cx="0" cy="0"/>
+        </a:xfrm>
+      </p:grpSpPr>
+      <p:sp>
+        <p:nvSpPr>
+          <p:cNvPr id="2" name="Title 1">
+            <a:extLst>
+              <a:ext uri="{FF2B5EF4-FFF2-40B4-BE49-F238E27FC236}">
+                <a16:creationId xmlns:a16="http://schemas.microsoft.com/office/drawing/2014/main" id="{5DC7EF30-66E5-48BB-BAA4-AE0719D0F1A0}"/>
+              </a:ext>
+            </a:extLst>
+          </p:cNvPr>
+          <p:cNvSpPr>
+            <a:spLocks noGrp="1"/>
+          </p:cNvSpPr>
+          <p:nvPr>
+            <p:ph type="title"/>
+          </p:nvPr>
+        </p:nvSpPr>
+        <p:spPr/>
+        <p:txBody>
+          <a:bodyPr/>
+          <a:lstStyle/>
+          <a:p>
+            <a:r>
+              <a:rPr lang="nl-NL" dirty="0" err="1"/>
+              <a:t>Modifiers</a:t>
+            </a:r>
+            <a:endParaRPr lang="en-NL" dirty="0"/>
+          </a:p>
+        </p:txBody>
+      </p:sp>
+      <p:sp>
+        <p:nvSpPr>
+          <p:cNvPr id="6" name="Content Placeholder 5">
+            <a:extLst>
+              <a:ext uri="{FF2B5EF4-FFF2-40B4-BE49-F238E27FC236}">
+                <a16:creationId xmlns:a16="http://schemas.microsoft.com/office/drawing/2014/main" id="{6DBD8C83-E9A2-41B9-A98B-E7AD366BAA40}"/>
+              </a:ext>
+            </a:extLst>
+          </p:cNvPr>
+          <p:cNvSpPr>
+            <a:spLocks noGrp="1"/>
+          </p:cNvSpPr>
+          <p:nvPr>
+            <p:ph sz="half" idx="2"/>
+          </p:nvPr>
+        </p:nvSpPr>
+        <p:spPr/>
+        <p:txBody>
+          <a:bodyPr/>
+          <a:lstStyle/>
+          <a:p>
+            <a:r>
+              <a:rPr lang="en-US" dirty="0"/>
+              <a:t>.prefix-adjective / .adjective</a:t>
+            </a:r>
+          </a:p>
+          <a:p>
+            <a:r>
+              <a:rPr lang="en-US" dirty="0"/>
+              <a:t>state modifiers should almost always be bound directly to the object class name</a:t>
+            </a:r>
+            <a:endParaRPr lang="en-NL" dirty="0"/>
+          </a:p>
+        </p:txBody>
+      </p:sp>
+      <p:pic>
+        <p:nvPicPr>
+          <p:cNvPr id="10" name="Content Placeholder 9" descr="A screenshot of a cell phone&#10;&#10;Description automatically generated">
+            <a:extLst>
+              <a:ext uri="{FF2B5EF4-FFF2-40B4-BE49-F238E27FC236}">
+                <a16:creationId xmlns:a16="http://schemas.microsoft.com/office/drawing/2014/main" id="{4E4EA915-7D0E-4371-A284-5E4F0EA4FD2B}"/>
+              </a:ext>
+            </a:extLst>
+          </p:cNvPr>
+          <p:cNvPicPr>
+            <a:picLocks noGrp="1" noChangeAspect="1"/>
+          </p:cNvPicPr>
+          <p:nvPr>
+            <p:ph sz="half" idx="1"/>
+          </p:nvPr>
+        </p:nvPicPr>
+        <p:blipFill>
+          <a:blip r:embed="rId2">
+            <a:extLst>
+              <a:ext uri="{28A0092B-C50C-407E-A947-70E740481C1C}">
+                <a14:useLocalDpi xmlns:a14="http://schemas.microsoft.com/office/drawing/2010/main" val="0"/>
+              </a:ext>
+            </a:extLst>
+          </a:blip>
+          <a:stretch>
+            <a:fillRect/>
+          </a:stretch>
+        </p:blipFill>
+        <p:spPr>
+          <a:xfrm>
+            <a:off x="651588" y="1776778"/>
+            <a:ext cx="5181600" cy="1652222"/>
+          </a:xfrm>
+        </p:spPr>
+      </p:pic>
+    </p:spTree>
+    <p:extLst>
+      <p:ext uri="{BB962C8B-B14F-4D97-AF65-F5344CB8AC3E}">
+        <p14:creationId xmlns:p14="http://schemas.microsoft.com/office/powerpoint/2010/main" val="2167193102"/>
+      </p:ext>
+    </p:extLst>
+  </p:cSld>
+  <p:clrMapOvr>
+    <a:masterClrMapping/>
+  </p:clrMapOvr>
+</p:sld>
+</file>
+
+<file path=ppt/slides/slide3.xml><?xml version="1.0" encoding="utf-8"?>
+<p:sld xmlns:a="http://schemas.openxmlformats.org/drawingml/2006/main" xmlns:r="http://schemas.openxmlformats.org/officeDocument/2006/relationships" xmlns:p="http://schemas.openxmlformats.org/presentationml/2006/main">
+  <p:cSld>
+    <p:spTree>
+      <p:nvGrpSpPr>
+        <p:cNvPr id="1" name=""/>
+        <p:cNvGrpSpPr/>
+        <p:nvPr/>
+      </p:nvGrpSpPr>
+      <p:grpSpPr>
+        <a:xfrm>
+          <a:off x="0" y="0"/>
+          <a:ext cx="0" cy="0"/>
+          <a:chOff x="0" y="0"/>
+          <a:chExt cx="0" cy="0"/>
+        </a:xfrm>
+      </p:grpSpPr>
+      <p:sp>
+        <p:nvSpPr>
+          <p:cNvPr id="4" name="Footer Placeholder 3">
+            <a:extLst>
+              <a:ext uri="{FF2B5EF4-FFF2-40B4-BE49-F238E27FC236}">
+                <a16:creationId xmlns:a16="http://schemas.microsoft.com/office/drawing/2014/main" id="{2F93395D-BD94-4B91-896D-389C8558DCDB}"/>
+              </a:ext>
+            </a:extLst>
+          </p:cNvPr>
+          <p:cNvSpPr>
+            <a:spLocks noGrp="1"/>
+          </p:cNvSpPr>
+          <p:nvPr>
+            <p:ph type="ftr" sz="quarter" idx="11"/>
+          </p:nvPr>
+        </p:nvSpPr>
+        <p:spPr/>
+        <p:txBody>
+          <a:bodyPr/>
+          <a:lstStyle/>
+          <a:p>
+            <a:endParaRPr lang="nl-NL"/>
+          </a:p>
+        </p:txBody>
+      </p:sp>
+      <p:sp>
+        <p:nvSpPr>
+          <p:cNvPr id="5" name="Slide Number Placeholder 4">
+            <a:extLst>
+              <a:ext uri="{FF2B5EF4-FFF2-40B4-BE49-F238E27FC236}">
+                <a16:creationId xmlns:a16="http://schemas.microsoft.com/office/drawing/2014/main" id="{789365E9-84F1-4B9B-A36C-B080D7F111DD}"/>
+              </a:ext>
+            </a:extLst>
+          </p:cNvPr>
+          <p:cNvSpPr>
+            <a:spLocks noGrp="1"/>
+          </p:cNvSpPr>
+          <p:nvPr>
+            <p:ph type="sldNum" sz="quarter" idx="12"/>
+          </p:nvPr>
+        </p:nvSpPr>
+        <p:spPr/>
+        <p:txBody>
+          <a:bodyPr/>
+          <a:lstStyle/>
+          <a:p>
+            <a:fld id="{B5E064B0-FB02-45DD-8F86-C9615D56BD8F}" type="slidenum">
+              <a:rPr lang="nl-NL" smtClean="0"/>
+              <a:t>3</a:t>
+            </a:fld>
+            <a:endParaRPr lang="nl-NL"/>
+          </a:p>
+        </p:txBody>
+      </p:sp>
+      <p:sp>
+        <p:nvSpPr>
+          <p:cNvPr id="2" name="Title 1">
+            <a:extLst>
+              <a:ext uri="{FF2B5EF4-FFF2-40B4-BE49-F238E27FC236}">
+                <a16:creationId xmlns:a16="http://schemas.microsoft.com/office/drawing/2014/main" id="{6335872E-3B54-4039-85AD-B5CE322FBAF1}"/>
+              </a:ext>
+            </a:extLst>
+          </p:cNvPr>
+          <p:cNvSpPr>
+            <a:spLocks noGrp="1"/>
+          </p:cNvSpPr>
+          <p:nvPr>
+            <p:ph type="title"/>
+          </p:nvPr>
+        </p:nvSpPr>
+        <p:spPr/>
+        <p:txBody>
+          <a:bodyPr/>
+          <a:lstStyle/>
+          <a:p>
+            <a:r>
+              <a:rPr lang="nl-NL" dirty="0" err="1"/>
+              <a:t>Frameworks</a:t>
+            </a:r>
+            <a:r>
+              <a:rPr lang="nl-NL" dirty="0"/>
+              <a:t> </a:t>
+            </a:r>
+            <a:r>
+              <a:rPr lang="nl-NL" dirty="0" err="1"/>
+              <a:t>vs</a:t>
+            </a:r>
+            <a:r>
+              <a:rPr lang="nl-NL" dirty="0"/>
+              <a:t> </a:t>
+            </a:r>
+            <a:r>
+              <a:rPr lang="nl-NL" dirty="0" err="1"/>
+              <a:t>Methodologiëen</a:t>
+            </a:r>
+            <a:endParaRPr lang="en-NL" dirty="0"/>
+          </a:p>
+        </p:txBody>
+      </p:sp>
+      <p:sp>
+        <p:nvSpPr>
+          <p:cNvPr id="6" name="Content Placeholder 5">
+            <a:extLst>
+              <a:ext uri="{FF2B5EF4-FFF2-40B4-BE49-F238E27FC236}">
+                <a16:creationId xmlns:a16="http://schemas.microsoft.com/office/drawing/2014/main" id="{3356A8EB-9AD8-497C-9A6E-F93EF79B299C}"/>
+              </a:ext>
+            </a:extLst>
+          </p:cNvPr>
+          <p:cNvSpPr>
+            <a:spLocks noGrp="1"/>
+          </p:cNvSpPr>
+          <p:nvPr>
+            <p:ph idx="1"/>
+          </p:nvPr>
+        </p:nvSpPr>
+        <p:spPr/>
+        <p:txBody>
+          <a:bodyPr/>
+          <a:lstStyle/>
+          <a:p>
+            <a:r>
+              <a:rPr lang="nl-NL" dirty="0"/>
+              <a:t>Een set van vooraf samengestelde standaard componenten</a:t>
+            </a:r>
+          </a:p>
+          <a:p>
+            <a:r>
+              <a:rPr lang="nl-NL" dirty="0"/>
+              <a:t>Groot</a:t>
+            </a:r>
+          </a:p>
+          <a:p>
+            <a:r>
+              <a:rPr lang="nl-NL" dirty="0"/>
+              <a:t>Veel mogelijkheden qua componenten</a:t>
+            </a:r>
+          </a:p>
+          <a:p>
+            <a:r>
+              <a:rPr lang="nl-NL" dirty="0"/>
+              <a:t>Veel (mogelijk) ongebruikte styling</a:t>
+            </a:r>
+            <a:endParaRPr lang="en-NL" dirty="0"/>
+          </a:p>
+        </p:txBody>
+      </p:sp>
+      <p:sp>
+        <p:nvSpPr>
+          <p:cNvPr id="7" name="Text Placeholder 6">
+            <a:extLst>
+              <a:ext uri="{FF2B5EF4-FFF2-40B4-BE49-F238E27FC236}">
+                <a16:creationId xmlns:a16="http://schemas.microsoft.com/office/drawing/2014/main" id="{993D5EB5-74FA-4BDD-921D-F37554FB3FB4}"/>
+              </a:ext>
+            </a:extLst>
+          </p:cNvPr>
+          <p:cNvSpPr>
+            <a:spLocks noGrp="1"/>
+          </p:cNvSpPr>
+          <p:nvPr>
+            <p:ph type="body" idx="13"/>
+          </p:nvPr>
+        </p:nvSpPr>
+        <p:spPr/>
+        <p:txBody>
+          <a:bodyPr/>
+          <a:lstStyle/>
+          <a:p>
+            <a:r>
+              <a:rPr lang="nl-NL" dirty="0"/>
+              <a:t>Framework</a:t>
+            </a:r>
+            <a:endParaRPr lang="en-NL" dirty="0"/>
+          </a:p>
+        </p:txBody>
+      </p:sp>
+      <p:sp>
+        <p:nvSpPr>
+          <p:cNvPr id="8" name="Content Placeholder 7">
+            <a:extLst>
+              <a:ext uri="{FF2B5EF4-FFF2-40B4-BE49-F238E27FC236}">
+                <a16:creationId xmlns:a16="http://schemas.microsoft.com/office/drawing/2014/main" id="{20BC650B-22DC-4A3E-97D7-62364574DF66}"/>
+              </a:ext>
+            </a:extLst>
+          </p:cNvPr>
+          <p:cNvSpPr>
+            <a:spLocks noGrp="1"/>
+          </p:cNvSpPr>
+          <p:nvPr>
+            <p:ph idx="14"/>
+          </p:nvPr>
+        </p:nvSpPr>
+        <p:spPr/>
+        <p:txBody>
+          <a:bodyPr/>
+          <a:lstStyle/>
+          <a:p>
+            <a:r>
+              <a:rPr lang="nl-NL" dirty="0"/>
+              <a:t>Een idee of gedachte om eigen styling te structureren</a:t>
+            </a:r>
+          </a:p>
+          <a:p>
+            <a:r>
+              <a:rPr lang="nl-NL" dirty="0"/>
+              <a:t>Schaalbaar</a:t>
+            </a:r>
+          </a:p>
+          <a:p>
+            <a:r>
+              <a:rPr lang="nl-NL" dirty="0"/>
+              <a:t>Eigen toepassing</a:t>
+            </a:r>
+          </a:p>
+          <a:p>
+            <a:endParaRPr lang="en-NL" dirty="0"/>
+          </a:p>
+        </p:txBody>
+      </p:sp>
+      <p:sp>
+        <p:nvSpPr>
+          <p:cNvPr id="9" name="Text Placeholder 8">
+            <a:extLst>
+              <a:ext uri="{FF2B5EF4-FFF2-40B4-BE49-F238E27FC236}">
+                <a16:creationId xmlns:a16="http://schemas.microsoft.com/office/drawing/2014/main" id="{730D0C5D-673D-4306-A899-DFDDE6EE784C}"/>
+              </a:ext>
+            </a:extLst>
+          </p:cNvPr>
+          <p:cNvSpPr>
+            <a:spLocks noGrp="1"/>
+          </p:cNvSpPr>
+          <p:nvPr>
+            <p:ph type="body" idx="15"/>
+          </p:nvPr>
+        </p:nvSpPr>
+        <p:spPr/>
+        <p:txBody>
+          <a:bodyPr/>
+          <a:lstStyle/>
+          <a:p>
+            <a:r>
+              <a:rPr lang="nl-NL" dirty="0"/>
+              <a:t>Methodologie</a:t>
+            </a:r>
+            <a:endParaRPr lang="en-NL" dirty="0"/>
+          </a:p>
+        </p:txBody>
+      </p:sp>
+    </p:spTree>
+    <p:extLst>
+      <p:ext uri="{BB962C8B-B14F-4D97-AF65-F5344CB8AC3E}">
+        <p14:creationId xmlns:p14="http://schemas.microsoft.com/office/powerpoint/2010/main" val="3918831181"/>
+      </p:ext>
+    </p:extLst>
+  </p:cSld>
+  <p:clrMapOvr>
+    <a:masterClrMapping/>
+  </p:clrMapOvr>
+</p:sld>
+</file>
+
+<file path=ppt/slides/slide30.xml><?xml version="1.0" encoding="utf-8"?>
+<p:sld xmlns:a="http://schemas.openxmlformats.org/drawingml/2006/main" xmlns:r="http://schemas.openxmlformats.org/officeDocument/2006/relationships" xmlns:p="http://schemas.openxmlformats.org/presentationml/2006/main">
+  <p:cSld>
+    <p:spTree>
+      <p:nvGrpSpPr>
+        <p:cNvPr id="1" name=""/>
+        <p:cNvGrpSpPr/>
+        <p:nvPr/>
+      </p:nvGrpSpPr>
+      <p:grpSpPr>
+        <a:xfrm>
+          <a:off x="0" y="0"/>
+          <a:ext cx="0" cy="0"/>
+          <a:chOff x="0" y="0"/>
+          <a:chExt cx="0" cy="0"/>
+        </a:xfrm>
+      </p:grpSpPr>
+      <p:sp>
+        <p:nvSpPr>
+          <p:cNvPr id="2" name="Title 1">
+            <a:extLst>
+              <a:ext uri="{FF2B5EF4-FFF2-40B4-BE49-F238E27FC236}">
+                <a16:creationId xmlns:a16="http://schemas.microsoft.com/office/drawing/2014/main" id="{5DC7EF30-66E5-48BB-BAA4-AE0719D0F1A0}"/>
+              </a:ext>
+            </a:extLst>
+          </p:cNvPr>
+          <p:cNvSpPr>
+            <a:spLocks noGrp="1"/>
+          </p:cNvSpPr>
+          <p:nvPr>
+            <p:ph type="title"/>
+          </p:nvPr>
+        </p:nvSpPr>
+        <p:spPr/>
+        <p:txBody>
+          <a:bodyPr/>
+          <a:lstStyle/>
+          <a:p>
+            <a:r>
+              <a:rPr lang="nl-NL" dirty="0"/>
+              <a:t>Child </a:t>
+            </a:r>
+            <a:r>
+              <a:rPr lang="nl-NL" dirty="0" err="1"/>
+              <a:t>objects</a:t>
+            </a:r>
+            <a:endParaRPr lang="en-NL" dirty="0"/>
+          </a:p>
+        </p:txBody>
+      </p:sp>
+      <p:sp>
+        <p:nvSpPr>
+          <p:cNvPr id="6" name="Content Placeholder 5">
+            <a:extLst>
+              <a:ext uri="{FF2B5EF4-FFF2-40B4-BE49-F238E27FC236}">
+                <a16:creationId xmlns:a16="http://schemas.microsoft.com/office/drawing/2014/main" id="{19EBB53D-87C1-46E0-90CB-1D32F39023A3}"/>
+              </a:ext>
+            </a:extLst>
+          </p:cNvPr>
+          <p:cNvSpPr>
+            <a:spLocks noGrp="1"/>
+          </p:cNvSpPr>
+          <p:nvPr>
+            <p:ph sz="half" idx="2"/>
+          </p:nvPr>
+        </p:nvSpPr>
+        <p:spPr/>
+        <p:txBody>
+          <a:bodyPr/>
+          <a:lstStyle/>
+          <a:p>
+            <a:r>
+              <a:rPr lang="nl-NL" dirty="0"/>
+              <a:t>.</a:t>
+            </a:r>
+            <a:r>
+              <a:rPr lang="nl-NL" dirty="0" err="1"/>
+              <a:t>noun-noun</a:t>
+            </a:r>
+            <a:endParaRPr lang="nl-NL" dirty="0"/>
+          </a:p>
+          <a:p>
+            <a:r>
+              <a:rPr lang="en-US" dirty="0"/>
+              <a:t>When an object should </a:t>
+            </a:r>
+            <a:r>
+              <a:rPr lang="en-US" i="1" dirty="0"/>
+              <a:t>only ever</a:t>
+            </a:r>
+            <a:r>
+              <a:rPr lang="en-US" dirty="0"/>
+              <a:t> be used inside of another object, the Oxygen naming convention is to include the name of the parent in the name of the child</a:t>
+            </a:r>
+            <a:endParaRPr lang="en-NL" dirty="0"/>
+          </a:p>
+        </p:txBody>
+      </p:sp>
+      <p:pic>
+        <p:nvPicPr>
+          <p:cNvPr id="10" name="Content Placeholder 9" descr="A close up of text on a black background&#10;&#10;Description automatically generated">
+            <a:extLst>
+              <a:ext uri="{FF2B5EF4-FFF2-40B4-BE49-F238E27FC236}">
+                <a16:creationId xmlns:a16="http://schemas.microsoft.com/office/drawing/2014/main" id="{6706648B-7F90-4B77-975D-12ED750BDD33}"/>
+              </a:ext>
+            </a:extLst>
+          </p:cNvPr>
+          <p:cNvPicPr>
+            <a:picLocks noGrp="1" noChangeAspect="1"/>
+          </p:cNvPicPr>
+          <p:nvPr>
+            <p:ph sz="half" idx="1"/>
+          </p:nvPr>
+        </p:nvPicPr>
+        <p:blipFill>
+          <a:blip r:embed="rId2">
+            <a:extLst>
+              <a:ext uri="{28A0092B-C50C-407E-A947-70E740481C1C}">
+                <a14:useLocalDpi xmlns:a14="http://schemas.microsoft.com/office/drawing/2010/main" val="0"/>
+              </a:ext>
+            </a:extLst>
+          </a:blip>
+          <a:stretch>
+            <a:fillRect/>
+          </a:stretch>
+        </p:blipFill>
+        <p:spPr>
+          <a:xfrm>
+            <a:off x="838200" y="1690688"/>
+            <a:ext cx="5181600" cy="3514754"/>
+          </a:xfrm>
+        </p:spPr>
+      </p:pic>
+    </p:spTree>
+    <p:extLst>
+      <p:ext uri="{BB962C8B-B14F-4D97-AF65-F5344CB8AC3E}">
+        <p14:creationId xmlns:p14="http://schemas.microsoft.com/office/powerpoint/2010/main" val="2395617349"/>
+      </p:ext>
+    </p:extLst>
+  </p:cSld>
+  <p:clrMapOvr>
+    <a:masterClrMapping/>
+  </p:clrMapOvr>
+</p:sld>
+</file>
+
+<file path=ppt/slides/slide31.xml><?xml version="1.0" encoding="utf-8"?>
+<p:sld xmlns:a="http://schemas.openxmlformats.org/drawingml/2006/main" xmlns:r="http://schemas.openxmlformats.org/officeDocument/2006/relationships" xmlns:p="http://schemas.openxmlformats.org/presentationml/2006/main">
+  <p:cSld>
+    <p:spTree>
+      <p:nvGrpSpPr>
+        <p:cNvPr id="1" name=""/>
+        <p:cNvGrpSpPr/>
+        <p:nvPr/>
+      </p:nvGrpSpPr>
+      <p:grpSpPr>
+        <a:xfrm>
+          <a:off x="0" y="0"/>
+          <a:ext cx="0" cy="0"/>
+          <a:chOff x="0" y="0"/>
+          <a:chExt cx="0" cy="0"/>
+        </a:xfrm>
+      </p:grpSpPr>
+      <p:sp>
+        <p:nvSpPr>
+          <p:cNvPr id="2" name="Title 1">
+            <a:extLst>
+              <a:ext uri="{FF2B5EF4-FFF2-40B4-BE49-F238E27FC236}">
+                <a16:creationId xmlns:a16="http://schemas.microsoft.com/office/drawing/2014/main" id="{5DC7EF30-66E5-48BB-BAA4-AE0719D0F1A0}"/>
+              </a:ext>
+            </a:extLst>
+          </p:cNvPr>
+          <p:cNvSpPr>
+            <a:spLocks noGrp="1"/>
+          </p:cNvSpPr>
+          <p:nvPr>
+            <p:ph type="title"/>
+          </p:nvPr>
+        </p:nvSpPr>
+        <p:spPr/>
+        <p:txBody>
+          <a:bodyPr/>
+          <a:lstStyle/>
+          <a:p>
+            <a:r>
+              <a:rPr lang="nl-NL" dirty="0" err="1"/>
+              <a:t>Subclasses</a:t>
+            </a:r>
+            <a:endParaRPr lang="en-NL" dirty="0"/>
+          </a:p>
+        </p:txBody>
+      </p:sp>
+      <p:sp>
+        <p:nvSpPr>
+          <p:cNvPr id="6" name="Content Placeholder 5">
+            <a:extLst>
+              <a:ext uri="{FF2B5EF4-FFF2-40B4-BE49-F238E27FC236}">
+                <a16:creationId xmlns:a16="http://schemas.microsoft.com/office/drawing/2014/main" id="{DE9CAA05-F613-436F-83B0-0C0A6E0EDDDB}"/>
+              </a:ext>
+            </a:extLst>
+          </p:cNvPr>
+          <p:cNvSpPr>
+            <a:spLocks noGrp="1"/>
+          </p:cNvSpPr>
+          <p:nvPr>
+            <p:ph sz="half" idx="2"/>
+          </p:nvPr>
+        </p:nvSpPr>
+        <p:spPr/>
+        <p:txBody>
+          <a:bodyPr/>
+          <a:lstStyle/>
+          <a:p>
+            <a:r>
+              <a:rPr lang="en-US" dirty="0"/>
+              <a:t>.adjective-noun</a:t>
+            </a:r>
+          </a:p>
+          <a:p>
+            <a:r>
+              <a:rPr lang="en-US" dirty="0"/>
+              <a:t>when an object is a </a:t>
+            </a:r>
+            <a:r>
+              <a:rPr lang="en-US" i="1" dirty="0"/>
+              <a:t>kind of</a:t>
+            </a:r>
+            <a:r>
+              <a:rPr lang="en-US" dirty="0"/>
+              <a:t> another object it is called a </a:t>
+            </a:r>
+            <a:r>
+              <a:rPr lang="en-US" i="1" dirty="0"/>
+              <a:t>subclass</a:t>
+            </a:r>
+            <a:r>
+              <a:rPr lang="en-US" dirty="0"/>
+              <a:t>.</a:t>
+            </a:r>
+          </a:p>
+        </p:txBody>
+      </p:sp>
+      <p:pic>
+        <p:nvPicPr>
+          <p:cNvPr id="10" name="Content Placeholder 9" descr="A close up of text on a black background&#10;&#10;Description automatically generated">
+            <a:extLst>
+              <a:ext uri="{FF2B5EF4-FFF2-40B4-BE49-F238E27FC236}">
+                <a16:creationId xmlns:a16="http://schemas.microsoft.com/office/drawing/2014/main" id="{24ACA50D-99D0-462B-B856-CF6A3CF6EC50}"/>
+              </a:ext>
+            </a:extLst>
+          </p:cNvPr>
+          <p:cNvPicPr>
+            <a:picLocks noGrp="1" noChangeAspect="1"/>
+          </p:cNvPicPr>
+          <p:nvPr>
+            <p:ph sz="half" idx="1"/>
+          </p:nvPr>
+        </p:nvPicPr>
+        <p:blipFill>
+          <a:blip r:embed="rId2">
+            <a:extLst>
+              <a:ext uri="{28A0092B-C50C-407E-A947-70E740481C1C}">
+                <a14:useLocalDpi xmlns:a14="http://schemas.microsoft.com/office/drawing/2010/main" val="0"/>
+              </a:ext>
+            </a:extLst>
+          </a:blip>
+          <a:stretch>
+            <a:fillRect/>
+          </a:stretch>
+        </p:blipFill>
+        <p:spPr>
+          <a:xfrm>
+            <a:off x="838200" y="1825625"/>
+            <a:ext cx="5181600" cy="3824703"/>
+          </a:xfrm>
+        </p:spPr>
+      </p:pic>
+    </p:spTree>
+    <p:extLst>
+      <p:ext uri="{BB962C8B-B14F-4D97-AF65-F5344CB8AC3E}">
+        <p14:creationId xmlns:p14="http://schemas.microsoft.com/office/powerpoint/2010/main" val="98342861"/>
+      </p:ext>
+    </p:extLst>
+  </p:cSld>
+  <p:clrMapOvr>
+    <a:masterClrMapping/>
+  </p:clrMapOvr>
+</p:sld>
+</file>
+
+<file path=ppt/slides/slide32.xml><?xml version="1.0" encoding="utf-8"?>
+<p:sld xmlns:a="http://schemas.openxmlformats.org/drawingml/2006/main" xmlns:r="http://schemas.openxmlformats.org/officeDocument/2006/relationships" xmlns:p="http://schemas.openxmlformats.org/presentationml/2006/main">
+  <p:cSld>
+    <p:spTree>
+      <p:nvGrpSpPr>
+        <p:cNvPr id="1" name=""/>
+        <p:cNvGrpSpPr/>
+        <p:nvPr/>
+      </p:nvGrpSpPr>
+      <p:grpSpPr>
+        <a:xfrm>
+          <a:off x="0" y="0"/>
+          <a:ext cx="0" cy="0"/>
+          <a:chOff x="0" y="0"/>
+          <a:chExt cx="0" cy="0"/>
+        </a:xfrm>
+      </p:grpSpPr>
+      <p:sp>
+        <p:nvSpPr>
+          <p:cNvPr id="2" name="Title 1">
+            <a:extLst>
+              <a:ext uri="{FF2B5EF4-FFF2-40B4-BE49-F238E27FC236}">
+                <a16:creationId xmlns:a16="http://schemas.microsoft.com/office/drawing/2014/main" id="{FFF1008A-5A63-439B-BBF9-4066EA1FAD12}"/>
+              </a:ext>
+            </a:extLst>
+          </p:cNvPr>
+          <p:cNvSpPr>
+            <a:spLocks noGrp="1"/>
+          </p:cNvSpPr>
+          <p:nvPr>
+            <p:ph type="title"/>
+          </p:nvPr>
+        </p:nvSpPr>
+        <p:spPr/>
+        <p:txBody>
+          <a:bodyPr/>
+          <a:lstStyle/>
+          <a:p>
+            <a:r>
+              <a:rPr lang="nl-NL" dirty="0"/>
+              <a:t>Pros &amp; </a:t>
+            </a:r>
+            <a:r>
+              <a:rPr lang="nl-NL" dirty="0" err="1"/>
+              <a:t>Cons</a:t>
+            </a:r>
+            <a:endParaRPr lang="en-NL" dirty="0"/>
+          </a:p>
+        </p:txBody>
+      </p:sp>
+      <p:sp>
+        <p:nvSpPr>
+          <p:cNvPr id="3" name="Content Placeholder 2">
+            <a:extLst>
+              <a:ext uri="{FF2B5EF4-FFF2-40B4-BE49-F238E27FC236}">
+                <a16:creationId xmlns:a16="http://schemas.microsoft.com/office/drawing/2014/main" id="{129EE8F9-7FE0-4BB6-89D5-A9D537FD06A9}"/>
+              </a:ext>
+            </a:extLst>
+          </p:cNvPr>
+          <p:cNvSpPr>
+            <a:spLocks noGrp="1"/>
+          </p:cNvSpPr>
+          <p:nvPr>
+            <p:ph sz="half" idx="1"/>
+          </p:nvPr>
+        </p:nvSpPr>
+        <p:spPr/>
+        <p:txBody>
+          <a:bodyPr/>
+          <a:lstStyle/>
+          <a:p>
+            <a:pPr marL="0" indent="0">
+              <a:buNone/>
+            </a:pPr>
+            <a:r>
+              <a:rPr lang="en-US" dirty="0"/>
+              <a:t>✓ High reusability</a:t>
+            </a:r>
+          </a:p>
+          <a:p>
+            <a:pPr marL="0" indent="0">
+              <a:buNone/>
+            </a:pPr>
+            <a:r>
+              <a:rPr lang="en-US" dirty="0"/>
+              <a:t>✓ Ease of maintainability</a:t>
+            </a:r>
+          </a:p>
+          <a:p>
+            <a:endParaRPr lang="en-NL" dirty="0"/>
+          </a:p>
+        </p:txBody>
+      </p:sp>
+      <p:sp>
+        <p:nvSpPr>
+          <p:cNvPr id="4" name="Content Placeholder 3">
+            <a:extLst>
+              <a:ext uri="{FF2B5EF4-FFF2-40B4-BE49-F238E27FC236}">
+                <a16:creationId xmlns:a16="http://schemas.microsoft.com/office/drawing/2014/main" id="{5BB08023-451B-4B81-8F22-8D23148174C6}"/>
+              </a:ext>
+            </a:extLst>
+          </p:cNvPr>
+          <p:cNvSpPr>
+            <a:spLocks noGrp="1"/>
+          </p:cNvSpPr>
+          <p:nvPr>
+            <p:ph sz="half" idx="2"/>
+          </p:nvPr>
+        </p:nvSpPr>
+        <p:spPr/>
+        <p:txBody>
+          <a:bodyPr/>
+          <a:lstStyle/>
+          <a:p>
+            <a:r>
+              <a:rPr lang="en-US" dirty="0"/>
+              <a:t>Can be confusing for new developers. What is an object and what is not? This will force you to document things and introduce new dev to your codebase (which is good to do).</a:t>
+            </a:r>
+          </a:p>
+          <a:p>
+            <a:endParaRPr lang="en-NL" dirty="0"/>
+          </a:p>
+        </p:txBody>
+      </p:sp>
+    </p:spTree>
+    <p:extLst>
+      <p:ext uri="{BB962C8B-B14F-4D97-AF65-F5344CB8AC3E}">
+        <p14:creationId xmlns:p14="http://schemas.microsoft.com/office/powerpoint/2010/main" val="3781455739"/>
+      </p:ext>
+    </p:extLst>
+  </p:cSld>
+  <p:clrMapOvr>
+    <a:masterClrMapping/>
+  </p:clrMapOvr>
+</p:sld>
+</file>
+
+<file path=ppt/slides/slide33.xml><?xml version="1.0" encoding="utf-8"?>
+<p:sld xmlns:a="http://schemas.openxmlformats.org/drawingml/2006/main" xmlns:r="http://schemas.openxmlformats.org/officeDocument/2006/relationships" xmlns:p="http://schemas.openxmlformats.org/presentationml/2006/main">
+  <p:cSld>
+    <p:spTree>
+      <p:nvGrpSpPr>
+        <p:cNvPr id="1" name=""/>
+        <p:cNvGrpSpPr/>
+        <p:nvPr/>
+      </p:nvGrpSpPr>
+      <p:grpSpPr>
+        <a:xfrm>
+          <a:off x="0" y="0"/>
+          <a:ext cx="0" cy="0"/>
+          <a:chOff x="0" y="0"/>
+          <a:chExt cx="0" cy="0"/>
+        </a:xfrm>
+      </p:grpSpPr>
+      <p:sp>
+        <p:nvSpPr>
+          <p:cNvPr id="2" name="Title 1">
+            <a:extLst>
+              <a:ext uri="{FF2B5EF4-FFF2-40B4-BE49-F238E27FC236}">
+                <a16:creationId xmlns:a16="http://schemas.microsoft.com/office/drawing/2014/main" id="{3969CE46-F807-4248-BACA-1A1ABFB44E3A}"/>
+              </a:ext>
+            </a:extLst>
+          </p:cNvPr>
+          <p:cNvSpPr>
+            <a:spLocks noGrp="1"/>
+          </p:cNvSpPr>
+          <p:nvPr>
+            <p:ph type="ctrTitle"/>
+          </p:nvPr>
+        </p:nvSpPr>
+        <p:spPr/>
+        <p:txBody>
+          <a:bodyPr/>
+          <a:lstStyle/>
+          <a:p>
+            <a:r>
+              <a:rPr lang="nl-NL" dirty="0"/>
+              <a:t>Vragen?</a:t>
+            </a:r>
+            <a:endParaRPr lang="en-NL" dirty="0"/>
+          </a:p>
+        </p:txBody>
+      </p:sp>
+      <p:sp>
+        <p:nvSpPr>
+          <p:cNvPr id="5" name="Subtitle 4">
+            <a:extLst>
+              <a:ext uri="{FF2B5EF4-FFF2-40B4-BE49-F238E27FC236}">
+                <a16:creationId xmlns:a16="http://schemas.microsoft.com/office/drawing/2014/main" id="{27611124-FD81-446D-B290-FC3A39A3AECF}"/>
+              </a:ext>
+            </a:extLst>
+          </p:cNvPr>
+          <p:cNvSpPr>
+            <a:spLocks noGrp="1"/>
+          </p:cNvSpPr>
+          <p:nvPr>
+            <p:ph type="subTitle" idx="1"/>
+          </p:nvPr>
+        </p:nvSpPr>
+        <p:spPr/>
+        <p:txBody>
+          <a:bodyPr/>
+          <a:lstStyle/>
+          <a:p>
+            <a:endParaRPr lang="en-NL"/>
+          </a:p>
+        </p:txBody>
+      </p:sp>
+    </p:spTree>
+    <p:extLst>
+      <p:ext uri="{BB962C8B-B14F-4D97-AF65-F5344CB8AC3E}">
+        <p14:creationId xmlns:p14="http://schemas.microsoft.com/office/powerpoint/2010/main" val="1804545405"/>
+      </p:ext>
+    </p:extLst>
+  </p:cSld>
+  <p:clrMapOvr>
+    <a:masterClrMapping/>
+  </p:clrMapOvr>
+</p:sld>
+</file>
+
+<file path=ppt/slides/slide34.xml><?xml version="1.0" encoding="utf-8"?>
+<p:sld xmlns:a="http://schemas.openxmlformats.org/drawingml/2006/main" xmlns:r="http://schemas.openxmlformats.org/officeDocument/2006/relationships" xmlns:p="http://schemas.openxmlformats.org/presentationml/2006/main">
+  <p:cSld>
+    <p:spTree>
+      <p:nvGrpSpPr>
+        <p:cNvPr id="1" name=""/>
+        <p:cNvGrpSpPr/>
+        <p:nvPr/>
+      </p:nvGrpSpPr>
+      <p:grpSpPr>
+        <a:xfrm>
+          <a:off x="0" y="0"/>
+          <a:ext cx="0" cy="0"/>
+          <a:chOff x="0" y="0"/>
+          <a:chExt cx="0" cy="0"/>
+        </a:xfrm>
+      </p:grpSpPr>
+      <p:sp>
+        <p:nvSpPr>
+          <p:cNvPr id="2" name="Title 1">
+            <a:extLst>
+              <a:ext uri="{FF2B5EF4-FFF2-40B4-BE49-F238E27FC236}">
+                <a16:creationId xmlns:a16="http://schemas.microsoft.com/office/drawing/2014/main" id="{82799EC4-A04A-4F04-8F88-03F09A6422BF}"/>
+              </a:ext>
+            </a:extLst>
+          </p:cNvPr>
+          <p:cNvSpPr>
+            <a:spLocks noGrp="1"/>
+          </p:cNvSpPr>
+          <p:nvPr>
+            <p:ph type="ctrTitle"/>
+          </p:nvPr>
+        </p:nvSpPr>
+        <p:spPr/>
+        <p:txBody>
+          <a:bodyPr/>
+          <a:lstStyle/>
+          <a:p>
+            <a:r>
+              <a:rPr lang="nl-NL" dirty="0"/>
+              <a:t>Hands-on</a:t>
+            </a:r>
+            <a:endParaRPr lang="en-NL" dirty="0"/>
+          </a:p>
+        </p:txBody>
+      </p:sp>
+      <p:sp>
+        <p:nvSpPr>
+          <p:cNvPr id="3" name="Subtitle 2">
+            <a:extLst>
+              <a:ext uri="{FF2B5EF4-FFF2-40B4-BE49-F238E27FC236}">
+                <a16:creationId xmlns:a16="http://schemas.microsoft.com/office/drawing/2014/main" id="{245F2C4A-135B-4C08-A8A0-14A54D595234}"/>
+              </a:ext>
+            </a:extLst>
+          </p:cNvPr>
+          <p:cNvSpPr>
+            <a:spLocks noGrp="1"/>
+          </p:cNvSpPr>
+          <p:nvPr>
+            <p:ph type="subTitle" idx="1"/>
+          </p:nvPr>
+        </p:nvSpPr>
+        <p:spPr/>
+        <p:txBody>
+          <a:bodyPr/>
+          <a:lstStyle/>
+          <a:p>
+            <a:r>
+              <a:rPr lang="en-US" dirty="0">
+                <a:hlinkClick r:id="rId2"/>
+              </a:rPr>
+              <a:t>https://bit.ly/2SUypBF</a:t>
+            </a:r>
+            <a:endParaRPr lang="en-NL" dirty="0"/>
+          </a:p>
+        </p:txBody>
+      </p:sp>
+    </p:spTree>
+    <p:extLst>
+      <p:ext uri="{BB962C8B-B14F-4D97-AF65-F5344CB8AC3E}">
+        <p14:creationId xmlns:p14="http://schemas.microsoft.com/office/powerpoint/2010/main" val="911777093"/>
+      </p:ext>
+    </p:extLst>
+  </p:cSld>
+  <p:clrMapOvr>
+    <a:masterClrMapping/>
+  </p:clrMapOvr>
+</p:sld>
+</file>
+
+<file path=ppt/slides/slide35.xml><?xml version="1.0" encoding="utf-8"?>
+<p:sld xmlns:a="http://schemas.openxmlformats.org/drawingml/2006/main" xmlns:r="http://schemas.openxmlformats.org/officeDocument/2006/relationships" xmlns:p="http://schemas.openxmlformats.org/presentationml/2006/main">
+  <p:cSld>
+    <p:spTree>
+      <p:nvGrpSpPr>
+        <p:cNvPr id="1" name=""/>
+        <p:cNvGrpSpPr/>
+        <p:nvPr/>
+      </p:nvGrpSpPr>
+      <p:grpSpPr>
+        <a:xfrm>
+          <a:off x="0" y="0"/>
+          <a:ext cx="0" cy="0"/>
+          <a:chOff x="0" y="0"/>
+          <a:chExt cx="0" cy="0"/>
+        </a:xfrm>
+      </p:grpSpPr>
+      <p:sp>
+        <p:nvSpPr>
+          <p:cNvPr id="2" name="Title 1">
+            <a:extLst>
+              <a:ext uri="{FF2B5EF4-FFF2-40B4-BE49-F238E27FC236}">
+                <a16:creationId xmlns:a16="http://schemas.microsoft.com/office/drawing/2014/main" id="{9A2EB6B2-8F7F-48D2-989D-0832E51A1A9E}"/>
+              </a:ext>
+            </a:extLst>
+          </p:cNvPr>
+          <p:cNvSpPr>
+            <a:spLocks noGrp="1"/>
+          </p:cNvSpPr>
+          <p:nvPr>
+            <p:ph type="title"/>
+          </p:nvPr>
+        </p:nvSpPr>
+        <p:spPr/>
+        <p:txBody>
+          <a:bodyPr/>
+          <a:lstStyle/>
+          <a:p>
+            <a:r>
+              <a:rPr lang="nl-NL" dirty="0"/>
+              <a:t>Tips!!</a:t>
+            </a:r>
+            <a:endParaRPr lang="en-NL" dirty="0"/>
+          </a:p>
+        </p:txBody>
+      </p:sp>
+      <p:sp>
+        <p:nvSpPr>
+          <p:cNvPr id="3" name="Content Placeholder 2">
+            <a:extLst>
+              <a:ext uri="{FF2B5EF4-FFF2-40B4-BE49-F238E27FC236}">
+                <a16:creationId xmlns:a16="http://schemas.microsoft.com/office/drawing/2014/main" id="{DFB6051C-0D19-4914-9BDA-656A921058FD}"/>
+              </a:ext>
+            </a:extLst>
+          </p:cNvPr>
+          <p:cNvSpPr>
+            <a:spLocks noGrp="1"/>
+          </p:cNvSpPr>
+          <p:nvPr>
+            <p:ph idx="1"/>
+          </p:nvPr>
+        </p:nvSpPr>
+        <p:spPr/>
+        <p:txBody>
+          <a:bodyPr/>
+          <a:lstStyle/>
+          <a:p>
+            <a:r>
+              <a:rPr lang="nl-NL" dirty="0"/>
+              <a:t>Probeer typografie eenmalig neer te zetten</a:t>
+            </a:r>
+          </a:p>
+          <a:p>
+            <a:r>
+              <a:rPr lang="nl-NL" dirty="0"/>
+              <a:t>Gebruik </a:t>
+            </a:r>
+            <a:r>
+              <a:rPr lang="nl-NL" dirty="0" err="1"/>
+              <a:t>ems</a:t>
+            </a:r>
+            <a:r>
+              <a:rPr lang="nl-NL" dirty="0"/>
+              <a:t> over pixels voor </a:t>
+            </a:r>
+            <a:r>
+              <a:rPr lang="nl-NL" dirty="0" err="1"/>
+              <a:t>layout</a:t>
+            </a:r>
+            <a:endParaRPr lang="nl-NL" dirty="0"/>
+          </a:p>
+          <a:p>
+            <a:r>
+              <a:rPr lang="nl-NL" dirty="0" err="1"/>
+              <a:t>Layout</a:t>
+            </a:r>
+            <a:r>
+              <a:rPr lang="nl-NL" dirty="0"/>
+              <a:t> voor componenten</a:t>
+            </a:r>
+          </a:p>
+          <a:p>
+            <a:endParaRPr lang="en-NL" dirty="0"/>
+          </a:p>
+        </p:txBody>
+      </p:sp>
+    </p:spTree>
+    <p:extLst>
+      <p:ext uri="{BB962C8B-B14F-4D97-AF65-F5344CB8AC3E}">
+        <p14:creationId xmlns:p14="http://schemas.microsoft.com/office/powerpoint/2010/main" val="2041574893"/>
+      </p:ext>
+    </p:extLst>
+  </p:cSld>
+  <p:clrMapOvr>
+    <a:masterClrMapping/>
+  </p:clrMapOvr>
+</p:sld>
+</file>
+
+<file path=ppt/slides/slide4.xml><?xml version="1.0" encoding="utf-8"?>
+<p:sld xmlns:a="http://schemas.openxmlformats.org/drawingml/2006/main" xmlns:r="http://schemas.openxmlformats.org/officeDocument/2006/relationships" xmlns:p="http://schemas.openxmlformats.org/presentationml/2006/main">
+  <p:cSld>
+    <p:spTree>
+      <p:nvGrpSpPr>
+        <p:cNvPr id="1" name=""/>
+        <p:cNvGrpSpPr/>
+        <p:nvPr/>
+      </p:nvGrpSpPr>
+      <p:grpSpPr>
+        <a:xfrm>
+          <a:off x="0" y="0"/>
+          <a:ext cx="0" cy="0"/>
+          <a:chOff x="0" y="0"/>
+          <a:chExt cx="0" cy="0"/>
+        </a:xfrm>
+      </p:grpSpPr>
+      <p:sp>
+        <p:nvSpPr>
+          <p:cNvPr id="2" name="Title 1"/>
+          <p:cNvSpPr>
+            <a:spLocks noGrp="1"/>
+          </p:cNvSpPr>
+          <p:nvPr>
+            <p:ph type="title"/>
+          </p:nvPr>
+        </p:nvSpPr>
+        <p:spPr/>
+        <p:txBody>
+          <a:bodyPr/>
+          <a:lstStyle/>
+          <a:p>
+            <a:r>
+              <a:rPr lang="nl-NL" dirty="0"/>
+              <a:t>BEM</a:t>
+            </a:r>
+          </a:p>
+        </p:txBody>
+      </p:sp>
+      <p:sp>
+        <p:nvSpPr>
+          <p:cNvPr id="3" name="Content Placeholder 2"/>
+          <p:cNvSpPr>
+            <a:spLocks noGrp="1"/>
+          </p:cNvSpPr>
+          <p:nvPr>
+            <p:ph idx="1"/>
+          </p:nvPr>
+        </p:nvSpPr>
+        <p:spPr/>
+        <p:txBody>
+          <a:bodyPr/>
+          <a:lstStyle/>
+          <a:p>
+            <a:r>
+              <a:rPr lang="nl-NL" dirty="0"/>
+              <a:t>Block – Element – Modifier</a:t>
+            </a:r>
+          </a:p>
+          <a:p>
+            <a:r>
+              <a:rPr lang="nl-NL" dirty="0"/>
+              <a:t>Divide layout into blocks</a:t>
+            </a:r>
+          </a:p>
+          <a:p>
+            <a:r>
+              <a:rPr lang="nl-NL" dirty="0"/>
+              <a:t>Blocks contain elements</a:t>
+            </a:r>
+          </a:p>
+          <a:p>
+            <a:r>
+              <a:rPr lang="nl-NL" dirty="0"/>
+              <a:t>Define state of block or element with modifiers</a:t>
+            </a:r>
+          </a:p>
+          <a:p>
+            <a:r>
+              <a:rPr lang="nl-NL" dirty="0"/>
+              <a:t>Naming convention: block__element--modifier</a:t>
+            </a:r>
+          </a:p>
+        </p:txBody>
+      </p:sp>
+      <p:pic>
+        <p:nvPicPr>
+          <p:cNvPr id="1030" name="Picture 6" descr="https://i.gyazo.com/db4e69a16e725950213b5cc3e040aa25.png"/>
+          <p:cNvPicPr>
+            <a:picLocks noChangeAspect="1" noChangeArrowheads="1"/>
+          </p:cNvPicPr>
+          <p:nvPr/>
+        </p:nvPicPr>
+        <p:blipFill>
+          <a:blip r:embed="rId2">
+            <a:extLst>
+              <a:ext uri="{28A0092B-C50C-407E-A947-70E740481C1C}">
+                <a14:useLocalDpi xmlns:a14="http://schemas.microsoft.com/office/drawing/2010/main" val="0"/>
+              </a:ext>
+            </a:extLst>
+          </a:blip>
+          <a:srcRect/>
+          <a:stretch>
+            <a:fillRect/>
+          </a:stretch>
+        </p:blipFill>
+        <p:spPr bwMode="auto">
+          <a:xfrm>
+            <a:off x="838199" y="4320745"/>
+            <a:ext cx="4353271" cy="1856217"/>
+          </a:xfrm>
+          <a:prstGeom prst="rect">
+            <a:avLst/>
+          </a:prstGeom>
+          <a:noFill/>
+          <a:extLst>
+            <a:ext uri="{909E8E84-426E-40DD-AFC4-6F175D3DCCD1}">
+              <a14:hiddenFill xmlns:a14="http://schemas.microsoft.com/office/drawing/2010/main">
+                <a:solidFill>
+                  <a:srgbClr val="FFFFFF"/>
+                </a:solidFill>
+              </a14:hiddenFill>
+            </a:ext>
+          </a:extLst>
+        </p:spPr>
+      </p:pic>
+    </p:spTree>
+    <p:extLst>
+      <p:ext uri="{BB962C8B-B14F-4D97-AF65-F5344CB8AC3E}">
+        <p14:creationId xmlns:p14="http://schemas.microsoft.com/office/powerpoint/2010/main" val="1749380777"/>
+      </p:ext>
+    </p:extLst>
+  </p:cSld>
+  <p:clrMapOvr>
+    <a:masterClrMapping/>
+  </p:clrMapOvr>
+</p:sld>
+</file>
+
+<file path=ppt/slides/slide5.xml><?xml version="1.0" encoding="utf-8"?>
 <p:sld xmlns:a="http://schemas.openxmlformats.org/drawingml/2006/main" xmlns:r="http://schemas.openxmlformats.org/officeDocument/2006/relationships" xmlns:p="http://schemas.openxmlformats.org/presentationml/2006/main">
   <p:cSld>
     <p:spTree>
@@ -11378,1214 +14676,7 @@
 </p:sld>
 </file>
 
-<file path=ppt/slides/slide20.xml><?xml version="1.0" encoding="utf-8"?>
-<p:sld xmlns:a="http://schemas.openxmlformats.org/drawingml/2006/main" xmlns:r="http://schemas.openxmlformats.org/officeDocument/2006/relationships" xmlns:p="http://schemas.openxmlformats.org/presentationml/2006/main">
-  <p:cSld>
-    <p:spTree>
-      <p:nvGrpSpPr>
-        <p:cNvPr id="1" name=""/>
-        <p:cNvGrpSpPr/>
-        <p:nvPr/>
-      </p:nvGrpSpPr>
-      <p:grpSpPr>
-        <a:xfrm>
-          <a:off x="0" y="0"/>
-          <a:ext cx="0" cy="0"/>
-          <a:chOff x="0" y="0"/>
-          <a:chExt cx="0" cy="0"/>
-        </a:xfrm>
-      </p:grpSpPr>
-      <p:sp>
-        <p:nvSpPr>
-          <p:cNvPr id="2" name="Title 1">
-            <a:extLst>
-              <a:ext uri="{FF2B5EF4-FFF2-40B4-BE49-F238E27FC236}">
-                <a16:creationId xmlns:a16="http://schemas.microsoft.com/office/drawing/2014/main" id="{5DC7EF30-66E5-48BB-BAA4-AE0719D0F1A0}"/>
-              </a:ext>
-            </a:extLst>
-          </p:cNvPr>
-          <p:cNvSpPr>
-            <a:spLocks noGrp="1"/>
-          </p:cNvSpPr>
-          <p:nvPr>
-            <p:ph type="title"/>
-          </p:nvPr>
-        </p:nvSpPr>
-        <p:spPr/>
-        <p:txBody>
-          <a:bodyPr/>
-          <a:lstStyle/>
-          <a:p>
-            <a:r>
-              <a:rPr lang="nl-NL" dirty="0" err="1"/>
-              <a:t>Separation</a:t>
-            </a:r>
-            <a:r>
-              <a:rPr lang="nl-NL" dirty="0"/>
-              <a:t> of Context &amp; Content</a:t>
-            </a:r>
-            <a:endParaRPr lang="en-NL" dirty="0"/>
-          </a:p>
-        </p:txBody>
-      </p:sp>
-      <p:pic>
-        <p:nvPicPr>
-          <p:cNvPr id="7" name="Content Placeholder 6" descr="A screenshot of text&#10;&#10;Description automatically generated">
-            <a:extLst>
-              <a:ext uri="{FF2B5EF4-FFF2-40B4-BE49-F238E27FC236}">
-                <a16:creationId xmlns:a16="http://schemas.microsoft.com/office/drawing/2014/main" id="{65BCB32F-FAB0-43E9-AA0B-22A74561D92D}"/>
-              </a:ext>
-            </a:extLst>
-          </p:cNvPr>
-          <p:cNvPicPr>
-            <a:picLocks noGrp="1" noChangeAspect="1"/>
-          </p:cNvPicPr>
-          <p:nvPr>
-            <p:ph sz="half" idx="1"/>
-          </p:nvPr>
-        </p:nvPicPr>
-        <p:blipFill>
-          <a:blip r:embed="rId2">
-            <a:extLst>
-              <a:ext uri="{28A0092B-C50C-407E-A947-70E740481C1C}">
-                <a14:useLocalDpi xmlns:a14="http://schemas.microsoft.com/office/drawing/2010/main" val="0"/>
-              </a:ext>
-            </a:extLst>
-          </a:blip>
-          <a:stretch>
-            <a:fillRect/>
-          </a:stretch>
-        </p:blipFill>
-        <p:spPr>
-          <a:xfrm>
-            <a:off x="838200" y="1690688"/>
-            <a:ext cx="2865078" cy="4351338"/>
-          </a:xfrm>
-        </p:spPr>
-      </p:pic>
-      <p:pic>
-        <p:nvPicPr>
-          <p:cNvPr id="9" name="Content Placeholder 8" descr="A close up of text on a black background&#10;&#10;Description automatically generated">
-            <a:extLst>
-              <a:ext uri="{FF2B5EF4-FFF2-40B4-BE49-F238E27FC236}">
-                <a16:creationId xmlns:a16="http://schemas.microsoft.com/office/drawing/2014/main" id="{5BFE9185-B603-47D0-AF5C-EE1A74AB2D59}"/>
-              </a:ext>
-            </a:extLst>
-          </p:cNvPr>
-          <p:cNvPicPr>
-            <a:picLocks noGrp="1" noChangeAspect="1"/>
-          </p:cNvPicPr>
-          <p:nvPr>
-            <p:ph sz="half" idx="2"/>
-          </p:nvPr>
-        </p:nvPicPr>
-        <p:blipFill>
-          <a:blip r:embed="rId3">
-            <a:extLst>
-              <a:ext uri="{28A0092B-C50C-407E-A947-70E740481C1C}">
-                <a14:useLocalDpi xmlns:a14="http://schemas.microsoft.com/office/drawing/2010/main" val="0"/>
-              </a:ext>
-            </a:extLst>
-          </a:blip>
-          <a:stretch>
-            <a:fillRect/>
-          </a:stretch>
-        </p:blipFill>
-        <p:spPr>
-          <a:xfrm>
-            <a:off x="6096000" y="1690688"/>
-            <a:ext cx="2952750" cy="4114800"/>
-          </a:xfrm>
-        </p:spPr>
-      </p:pic>
-    </p:spTree>
-    <p:extLst>
-      <p:ext uri="{BB962C8B-B14F-4D97-AF65-F5344CB8AC3E}">
-        <p14:creationId xmlns:p14="http://schemas.microsoft.com/office/powerpoint/2010/main" val="3568504269"/>
-      </p:ext>
-    </p:extLst>
-  </p:cSld>
-  <p:clrMapOvr>
-    <a:masterClrMapping/>
-  </p:clrMapOvr>
-</p:sld>
-</file>
-
-<file path=ppt/slides/slide21.xml><?xml version="1.0" encoding="utf-8"?>
-<p:sld xmlns:a="http://schemas.openxmlformats.org/drawingml/2006/main" xmlns:r="http://schemas.openxmlformats.org/officeDocument/2006/relationships" xmlns:p="http://schemas.openxmlformats.org/presentationml/2006/main">
-  <p:cSld>
-    <p:spTree>
-      <p:nvGrpSpPr>
-        <p:cNvPr id="1" name=""/>
-        <p:cNvGrpSpPr/>
-        <p:nvPr/>
-      </p:nvGrpSpPr>
-      <p:grpSpPr>
-        <a:xfrm>
-          <a:off x="0" y="0"/>
-          <a:ext cx="0" cy="0"/>
-          <a:chOff x="0" y="0"/>
-          <a:chExt cx="0" cy="0"/>
-        </a:xfrm>
-      </p:grpSpPr>
-      <p:sp>
-        <p:nvSpPr>
-          <p:cNvPr id="2" name="Title 1">
-            <a:extLst>
-              <a:ext uri="{FF2B5EF4-FFF2-40B4-BE49-F238E27FC236}">
-                <a16:creationId xmlns:a16="http://schemas.microsoft.com/office/drawing/2014/main" id="{87E895F3-B8B0-489A-82B9-BC9B6ACC99E5}"/>
-              </a:ext>
-            </a:extLst>
-          </p:cNvPr>
-          <p:cNvSpPr>
-            <a:spLocks noGrp="1"/>
-          </p:cNvSpPr>
-          <p:nvPr>
-            <p:ph type="title"/>
-          </p:nvPr>
-        </p:nvSpPr>
-        <p:spPr/>
-        <p:txBody>
-          <a:bodyPr/>
-          <a:lstStyle/>
-          <a:p>
-            <a:r>
-              <a:rPr lang="nl-NL" dirty="0"/>
-              <a:t>Pros &amp; </a:t>
-            </a:r>
-            <a:r>
-              <a:rPr lang="nl-NL" dirty="0" err="1"/>
-              <a:t>Cons</a:t>
-            </a:r>
-            <a:endParaRPr lang="en-NL" dirty="0"/>
-          </a:p>
-        </p:txBody>
-      </p:sp>
-      <p:sp>
-        <p:nvSpPr>
-          <p:cNvPr id="3" name="Content Placeholder 2">
-            <a:extLst>
-              <a:ext uri="{FF2B5EF4-FFF2-40B4-BE49-F238E27FC236}">
-                <a16:creationId xmlns:a16="http://schemas.microsoft.com/office/drawing/2014/main" id="{FE7817B6-0EA9-4CF5-98ED-13881DC4FF7B}"/>
-              </a:ext>
-            </a:extLst>
-          </p:cNvPr>
-          <p:cNvSpPr>
-            <a:spLocks noGrp="1"/>
-          </p:cNvSpPr>
-          <p:nvPr>
-            <p:ph sz="half" idx="1"/>
-          </p:nvPr>
-        </p:nvSpPr>
-        <p:spPr/>
-        <p:txBody>
-          <a:bodyPr>
-            <a:normAutofit fontScale="85000" lnSpcReduction="20000"/>
-          </a:bodyPr>
-          <a:lstStyle/>
-          <a:p>
-            <a:pPr marL="0" indent="0">
-              <a:buNone/>
-            </a:pPr>
-            <a:r>
-              <a:rPr lang="en-US" dirty="0"/>
-              <a:t>✓ High reusability</a:t>
-            </a:r>
-          </a:p>
-          <a:p>
-            <a:pPr marL="0" indent="0">
-              <a:buNone/>
-            </a:pPr>
-            <a:r>
-              <a:rPr lang="en-US" dirty="0"/>
-              <a:t>✓ Ease of maintainability</a:t>
-            </a:r>
-          </a:p>
-          <a:p>
-            <a:endParaRPr lang="en-NL" dirty="0"/>
-          </a:p>
-        </p:txBody>
-      </p:sp>
-      <p:sp>
-        <p:nvSpPr>
-          <p:cNvPr id="4" name="Content Placeholder 3">
-            <a:extLst>
-              <a:ext uri="{FF2B5EF4-FFF2-40B4-BE49-F238E27FC236}">
-                <a16:creationId xmlns:a16="http://schemas.microsoft.com/office/drawing/2014/main" id="{0584546A-EECB-4E29-8E39-FC75B11B18BA}"/>
-              </a:ext>
-            </a:extLst>
-          </p:cNvPr>
-          <p:cNvSpPr>
-            <a:spLocks noGrp="1"/>
-          </p:cNvSpPr>
-          <p:nvPr>
-            <p:ph sz="half" idx="2"/>
-          </p:nvPr>
-        </p:nvSpPr>
-        <p:spPr/>
-        <p:txBody>
-          <a:bodyPr>
-            <a:normAutofit fontScale="85000" lnSpcReduction="20000"/>
-          </a:bodyPr>
-          <a:lstStyle/>
-          <a:p>
-            <a:r>
-              <a:rPr lang="en-US" dirty="0"/>
-              <a:t>Can be confusing for new developers. What is an object and what is not? This will force you to document things and introduce new dev to your codebase (which is good to do).</a:t>
-            </a:r>
-          </a:p>
-          <a:p>
-            <a:endParaRPr lang="en-US" dirty="0"/>
-          </a:p>
-          <a:p>
-            <a:r>
-              <a:rPr lang="en-US" dirty="0"/>
-              <a:t>As there is much more separation in the way classes are created, you may need to add multiple classes to an element to account for all of the styling elements. This can cause some confusion to those who aren’t familiar with OOCSS and can clutter your markup.</a:t>
-            </a:r>
-            <a:endParaRPr lang="en-NL" dirty="0"/>
-          </a:p>
-        </p:txBody>
-      </p:sp>
-    </p:spTree>
-    <p:extLst>
-      <p:ext uri="{BB962C8B-B14F-4D97-AF65-F5344CB8AC3E}">
-        <p14:creationId xmlns:p14="http://schemas.microsoft.com/office/powerpoint/2010/main" val="2747821218"/>
-      </p:ext>
-    </p:extLst>
-  </p:cSld>
-  <p:clrMapOvr>
-    <a:masterClrMapping/>
-  </p:clrMapOvr>
-</p:sld>
-</file>
-
-<file path=ppt/slides/slide22.xml><?xml version="1.0" encoding="utf-8"?>
-<p:sld xmlns:a="http://schemas.openxmlformats.org/drawingml/2006/main" xmlns:r="http://schemas.openxmlformats.org/officeDocument/2006/relationships" xmlns:p="http://schemas.openxmlformats.org/presentationml/2006/main">
-  <p:cSld>
-    <p:spTree>
-      <p:nvGrpSpPr>
-        <p:cNvPr id="1" name=""/>
-        <p:cNvGrpSpPr/>
-        <p:nvPr/>
-      </p:nvGrpSpPr>
-      <p:grpSpPr>
-        <a:xfrm>
-          <a:off x="0" y="0"/>
-          <a:ext cx="0" cy="0"/>
-          <a:chOff x="0" y="0"/>
-          <a:chExt cx="0" cy="0"/>
-        </a:xfrm>
-      </p:grpSpPr>
-      <p:sp>
-        <p:nvSpPr>
-          <p:cNvPr id="2" name="Title 1">
-            <a:extLst>
-              <a:ext uri="{FF2B5EF4-FFF2-40B4-BE49-F238E27FC236}">
-                <a16:creationId xmlns:a16="http://schemas.microsoft.com/office/drawing/2014/main" id="{5DC7EF30-66E5-48BB-BAA4-AE0719D0F1A0}"/>
-              </a:ext>
-            </a:extLst>
-          </p:cNvPr>
-          <p:cNvSpPr>
-            <a:spLocks noGrp="1"/>
-          </p:cNvSpPr>
-          <p:nvPr>
-            <p:ph type="title"/>
-          </p:nvPr>
-        </p:nvSpPr>
-        <p:spPr/>
-        <p:txBody>
-          <a:bodyPr/>
-          <a:lstStyle/>
-          <a:p>
-            <a:r>
-              <a:rPr lang="nl-NL" dirty="0" err="1"/>
-              <a:t>Oxygen</a:t>
-            </a:r>
-            <a:r>
-              <a:rPr lang="nl-NL" dirty="0"/>
-              <a:t> CSS</a:t>
-            </a:r>
-            <a:endParaRPr lang="en-NL" dirty="0"/>
-          </a:p>
-        </p:txBody>
-      </p:sp>
-      <p:sp>
-        <p:nvSpPr>
-          <p:cNvPr id="3" name="Content Placeholder 2">
-            <a:extLst>
-              <a:ext uri="{FF2B5EF4-FFF2-40B4-BE49-F238E27FC236}">
-                <a16:creationId xmlns:a16="http://schemas.microsoft.com/office/drawing/2014/main" id="{629F5954-EC10-40FA-9DEE-A7E9C742D70A}"/>
-              </a:ext>
-            </a:extLst>
-          </p:cNvPr>
-          <p:cNvSpPr>
-            <a:spLocks noGrp="1"/>
-          </p:cNvSpPr>
-          <p:nvPr>
-            <p:ph idx="1"/>
-          </p:nvPr>
-        </p:nvSpPr>
-        <p:spPr/>
-        <p:txBody>
-          <a:bodyPr>
-            <a:normAutofit lnSpcReduction="10000"/>
-          </a:bodyPr>
-          <a:lstStyle/>
-          <a:p>
-            <a:r>
-              <a:rPr lang="nl-NL" dirty="0"/>
-              <a:t>2014</a:t>
-            </a:r>
-          </a:p>
-          <a:p>
-            <a:r>
-              <a:rPr lang="nl-NL" dirty="0"/>
-              <a:t>Object </a:t>
-            </a:r>
-            <a:r>
-              <a:rPr lang="nl-NL" dirty="0" err="1"/>
-              <a:t>Oriented</a:t>
-            </a:r>
-            <a:endParaRPr lang="nl-NL" dirty="0"/>
-          </a:p>
-          <a:p>
-            <a:endParaRPr lang="nl-NL" dirty="0"/>
-          </a:p>
-          <a:p>
-            <a:r>
-              <a:rPr lang="nl-NL" dirty="0"/>
-              <a:t>Object</a:t>
-            </a:r>
-          </a:p>
-          <a:p>
-            <a:r>
-              <a:rPr lang="nl-NL" dirty="0"/>
-              <a:t>Child-Object</a:t>
-            </a:r>
-          </a:p>
-          <a:p>
-            <a:r>
-              <a:rPr lang="nl-NL" dirty="0" err="1"/>
-              <a:t>Modifiers</a:t>
-            </a:r>
-            <a:endParaRPr lang="nl-NL" dirty="0"/>
-          </a:p>
-          <a:p>
-            <a:r>
-              <a:rPr lang="nl-NL" dirty="0" err="1"/>
-              <a:t>Subclasses</a:t>
-            </a:r>
-            <a:endParaRPr lang="nl-NL" dirty="0"/>
-          </a:p>
-          <a:p>
-            <a:endParaRPr lang="nl-NL" dirty="0"/>
-          </a:p>
-          <a:p>
-            <a:r>
-              <a:rPr lang="nl-NL" dirty="0"/>
-              <a:t>Voeg afbeelding toe</a:t>
-            </a:r>
-            <a:endParaRPr lang="en-NL" dirty="0"/>
-          </a:p>
-        </p:txBody>
-      </p:sp>
-    </p:spTree>
-    <p:extLst>
-      <p:ext uri="{BB962C8B-B14F-4D97-AF65-F5344CB8AC3E}">
-        <p14:creationId xmlns:p14="http://schemas.microsoft.com/office/powerpoint/2010/main" val="954262085"/>
-      </p:ext>
-    </p:extLst>
-  </p:cSld>
-  <p:clrMapOvr>
-    <a:masterClrMapping/>
-  </p:clrMapOvr>
-</p:sld>
-</file>
-
-<file path=ppt/slides/slide23.xml><?xml version="1.0" encoding="utf-8"?>
-<p:sld xmlns:a="http://schemas.openxmlformats.org/drawingml/2006/main" xmlns:r="http://schemas.openxmlformats.org/officeDocument/2006/relationships" xmlns:p="http://schemas.openxmlformats.org/presentationml/2006/main">
-  <p:cSld>
-    <p:spTree>
-      <p:nvGrpSpPr>
-        <p:cNvPr id="1" name=""/>
-        <p:cNvGrpSpPr/>
-        <p:nvPr/>
-      </p:nvGrpSpPr>
-      <p:grpSpPr>
-        <a:xfrm>
-          <a:off x="0" y="0"/>
-          <a:ext cx="0" cy="0"/>
-          <a:chOff x="0" y="0"/>
-          <a:chExt cx="0" cy="0"/>
-        </a:xfrm>
-      </p:grpSpPr>
-      <p:sp>
-        <p:nvSpPr>
-          <p:cNvPr id="2" name="Title 1">
-            <a:extLst>
-              <a:ext uri="{FF2B5EF4-FFF2-40B4-BE49-F238E27FC236}">
-                <a16:creationId xmlns:a16="http://schemas.microsoft.com/office/drawing/2014/main" id="{F21E9F68-168D-4FF1-AAEE-BF03F5D102C2}"/>
-              </a:ext>
-            </a:extLst>
-          </p:cNvPr>
-          <p:cNvSpPr>
-            <a:spLocks noGrp="1"/>
-          </p:cNvSpPr>
-          <p:nvPr>
-            <p:ph type="title"/>
-          </p:nvPr>
-        </p:nvSpPr>
-        <p:spPr/>
-        <p:txBody>
-          <a:bodyPr/>
-          <a:lstStyle/>
-          <a:p>
-            <a:endParaRPr lang="en-NL"/>
-          </a:p>
-        </p:txBody>
-      </p:sp>
-      <p:sp>
-        <p:nvSpPr>
-          <p:cNvPr id="3" name="Content Placeholder 2">
-            <a:extLst>
-              <a:ext uri="{FF2B5EF4-FFF2-40B4-BE49-F238E27FC236}">
-                <a16:creationId xmlns:a16="http://schemas.microsoft.com/office/drawing/2014/main" id="{6581473E-9C1B-4AA7-8887-BD1BF15BA676}"/>
-              </a:ext>
-            </a:extLst>
-          </p:cNvPr>
-          <p:cNvSpPr>
-            <a:spLocks noGrp="1"/>
-          </p:cNvSpPr>
-          <p:nvPr>
-            <p:ph idx="1"/>
-          </p:nvPr>
-        </p:nvSpPr>
-        <p:spPr/>
-        <p:txBody>
-          <a:bodyPr/>
-          <a:lstStyle/>
-          <a:p>
-            <a:r>
-              <a:rPr lang="en-US" i="1" dirty="0"/>
-              <a:t>Oxygen is an object-oriented approach to CSS. It is designed to give teams a simple and consistent way to communicate about stylesheets. It is one part a set of naming conventions and one part a way of thinking about CSS. It seeks to take the best of Object-Oriented Programming and apply it to how we write CSS.</a:t>
-            </a:r>
-          </a:p>
-          <a:p>
-            <a:endParaRPr lang="en-US" dirty="0"/>
-          </a:p>
-          <a:p>
-            <a:r>
-              <a:rPr lang="en-US" dirty="0"/>
-              <a:t>Object-Oriented code is a great fit for user interface design. We naturally speak in terms of objects when talking about “buttons”, “menus”, and “controls.” Oxygen encourages you to name these objects in your code.</a:t>
-            </a:r>
-            <a:endParaRPr lang="en-NL" dirty="0"/>
-          </a:p>
-        </p:txBody>
-      </p:sp>
-    </p:spTree>
-    <p:extLst>
-      <p:ext uri="{BB962C8B-B14F-4D97-AF65-F5344CB8AC3E}">
-        <p14:creationId xmlns:p14="http://schemas.microsoft.com/office/powerpoint/2010/main" val="1255628608"/>
-      </p:ext>
-    </p:extLst>
-  </p:cSld>
-  <p:clrMapOvr>
-    <a:masterClrMapping/>
-  </p:clrMapOvr>
-</p:sld>
-</file>
-
-<file path=ppt/slides/slide24.xml><?xml version="1.0" encoding="utf-8"?>
-<p:sld xmlns:a="http://schemas.openxmlformats.org/drawingml/2006/main" xmlns:r="http://schemas.openxmlformats.org/officeDocument/2006/relationships" xmlns:p="http://schemas.openxmlformats.org/presentationml/2006/main">
-  <p:cSld>
-    <p:spTree>
-      <p:nvGrpSpPr>
-        <p:cNvPr id="1" name=""/>
-        <p:cNvGrpSpPr/>
-        <p:nvPr/>
-      </p:nvGrpSpPr>
-      <p:grpSpPr>
-        <a:xfrm>
-          <a:off x="0" y="0"/>
-          <a:ext cx="0" cy="0"/>
-          <a:chOff x="0" y="0"/>
-          <a:chExt cx="0" cy="0"/>
-        </a:xfrm>
-      </p:grpSpPr>
-      <p:sp>
-        <p:nvSpPr>
-          <p:cNvPr id="2" name="Title 1">
-            <a:extLst>
-              <a:ext uri="{FF2B5EF4-FFF2-40B4-BE49-F238E27FC236}">
-                <a16:creationId xmlns:a16="http://schemas.microsoft.com/office/drawing/2014/main" id="{5DC7EF30-66E5-48BB-BAA4-AE0719D0F1A0}"/>
-              </a:ext>
-            </a:extLst>
-          </p:cNvPr>
-          <p:cNvSpPr>
-            <a:spLocks noGrp="1"/>
-          </p:cNvSpPr>
-          <p:nvPr>
-            <p:ph type="title"/>
-          </p:nvPr>
-        </p:nvSpPr>
-        <p:spPr/>
-        <p:txBody>
-          <a:bodyPr/>
-          <a:lstStyle/>
-          <a:p>
-            <a:r>
-              <a:rPr lang="nl-NL" dirty="0" err="1"/>
-              <a:t>Objects</a:t>
-            </a:r>
-            <a:endParaRPr lang="en-NL" dirty="0"/>
-          </a:p>
-        </p:txBody>
-      </p:sp>
-      <p:pic>
-        <p:nvPicPr>
-          <p:cNvPr id="5" name="Content Placeholder 4" descr="A close up of text on a black background&#10;&#10;Description automatically generated">
-            <a:extLst>
-              <a:ext uri="{FF2B5EF4-FFF2-40B4-BE49-F238E27FC236}">
-                <a16:creationId xmlns:a16="http://schemas.microsoft.com/office/drawing/2014/main" id="{7DD83CC2-F91E-474F-A256-88D01D21D9D4}"/>
-              </a:ext>
-            </a:extLst>
-          </p:cNvPr>
-          <p:cNvPicPr>
-            <a:picLocks noGrp="1" noChangeAspect="1"/>
-          </p:cNvPicPr>
-          <p:nvPr>
-            <p:ph sz="half" idx="1"/>
-          </p:nvPr>
-        </p:nvPicPr>
-        <p:blipFill>
-          <a:blip r:embed="rId2">
-            <a:extLst>
-              <a:ext uri="{28A0092B-C50C-407E-A947-70E740481C1C}">
-                <a14:useLocalDpi xmlns:a14="http://schemas.microsoft.com/office/drawing/2010/main" val="0"/>
-              </a:ext>
-            </a:extLst>
-          </a:blip>
-          <a:stretch>
-            <a:fillRect/>
-          </a:stretch>
-        </p:blipFill>
-        <p:spPr>
-          <a:xfrm>
-            <a:off x="862012" y="2767806"/>
-            <a:ext cx="5133975" cy="2466975"/>
-          </a:xfrm>
-        </p:spPr>
-      </p:pic>
-      <p:sp>
-        <p:nvSpPr>
-          <p:cNvPr id="6" name="Content Placeholder 5">
-            <a:extLst>
-              <a:ext uri="{FF2B5EF4-FFF2-40B4-BE49-F238E27FC236}">
-                <a16:creationId xmlns:a16="http://schemas.microsoft.com/office/drawing/2014/main" id="{B8932A61-49DB-47CB-9B4B-E9EE4568170E}"/>
-              </a:ext>
-            </a:extLst>
-          </p:cNvPr>
-          <p:cNvSpPr>
-            <a:spLocks noGrp="1"/>
-          </p:cNvSpPr>
-          <p:nvPr>
-            <p:ph sz="half" idx="2"/>
-          </p:nvPr>
-        </p:nvSpPr>
-        <p:spPr/>
-        <p:txBody>
-          <a:bodyPr/>
-          <a:lstStyle/>
-          <a:p>
-            <a:r>
-              <a:rPr lang="nl-NL" dirty="0"/>
-              <a:t>.</a:t>
-            </a:r>
-            <a:r>
-              <a:rPr lang="nl-NL" dirty="0" err="1"/>
-              <a:t>noun</a:t>
-            </a:r>
-            <a:endParaRPr lang="nl-NL" dirty="0"/>
-          </a:p>
-          <a:p>
-            <a:r>
-              <a:rPr lang="en-US" dirty="0"/>
-              <a:t>are the individual parts that make up a web page or application.</a:t>
-            </a:r>
-            <a:endParaRPr lang="en-NL" dirty="0"/>
-          </a:p>
-        </p:txBody>
-      </p:sp>
-    </p:spTree>
-    <p:extLst>
-      <p:ext uri="{BB962C8B-B14F-4D97-AF65-F5344CB8AC3E}">
-        <p14:creationId xmlns:p14="http://schemas.microsoft.com/office/powerpoint/2010/main" val="355180630"/>
-      </p:ext>
-    </p:extLst>
-  </p:cSld>
-  <p:clrMapOvr>
-    <a:masterClrMapping/>
-  </p:clrMapOvr>
-</p:sld>
-</file>
-
-<file path=ppt/slides/slide25.xml><?xml version="1.0" encoding="utf-8"?>
-<p:sld xmlns:a="http://schemas.openxmlformats.org/drawingml/2006/main" xmlns:r="http://schemas.openxmlformats.org/officeDocument/2006/relationships" xmlns:p="http://schemas.openxmlformats.org/presentationml/2006/main">
-  <p:cSld>
-    <p:spTree>
-      <p:nvGrpSpPr>
-        <p:cNvPr id="1" name=""/>
-        <p:cNvGrpSpPr/>
-        <p:nvPr/>
-      </p:nvGrpSpPr>
-      <p:grpSpPr>
-        <a:xfrm>
-          <a:off x="0" y="0"/>
-          <a:ext cx="0" cy="0"/>
-          <a:chOff x="0" y="0"/>
-          <a:chExt cx="0" cy="0"/>
-        </a:xfrm>
-      </p:grpSpPr>
-      <p:sp>
-        <p:nvSpPr>
-          <p:cNvPr id="2" name="Title 1">
-            <a:extLst>
-              <a:ext uri="{FF2B5EF4-FFF2-40B4-BE49-F238E27FC236}">
-                <a16:creationId xmlns:a16="http://schemas.microsoft.com/office/drawing/2014/main" id="{5DC7EF30-66E5-48BB-BAA4-AE0719D0F1A0}"/>
-              </a:ext>
-            </a:extLst>
-          </p:cNvPr>
-          <p:cNvSpPr>
-            <a:spLocks noGrp="1"/>
-          </p:cNvSpPr>
-          <p:nvPr>
-            <p:ph type="title"/>
-          </p:nvPr>
-        </p:nvSpPr>
-        <p:spPr/>
-        <p:txBody>
-          <a:bodyPr/>
-          <a:lstStyle/>
-          <a:p>
-            <a:r>
-              <a:rPr lang="nl-NL" dirty="0" err="1"/>
-              <a:t>Modifiers</a:t>
-            </a:r>
-            <a:endParaRPr lang="en-NL" dirty="0"/>
-          </a:p>
-        </p:txBody>
-      </p:sp>
-      <p:sp>
-        <p:nvSpPr>
-          <p:cNvPr id="6" name="Content Placeholder 5">
-            <a:extLst>
-              <a:ext uri="{FF2B5EF4-FFF2-40B4-BE49-F238E27FC236}">
-                <a16:creationId xmlns:a16="http://schemas.microsoft.com/office/drawing/2014/main" id="{6DBD8C83-E9A2-41B9-A98B-E7AD366BAA40}"/>
-              </a:ext>
-            </a:extLst>
-          </p:cNvPr>
-          <p:cNvSpPr>
-            <a:spLocks noGrp="1"/>
-          </p:cNvSpPr>
-          <p:nvPr>
-            <p:ph sz="half" idx="2"/>
-          </p:nvPr>
-        </p:nvSpPr>
-        <p:spPr/>
-        <p:txBody>
-          <a:bodyPr/>
-          <a:lstStyle/>
-          <a:p>
-            <a:r>
-              <a:rPr lang="en-US" dirty="0"/>
-              <a:t>.prefix-adjective / .adjective</a:t>
-            </a:r>
-          </a:p>
-          <a:p>
-            <a:r>
-              <a:rPr lang="en-US" dirty="0"/>
-              <a:t>state modifiers should almost always be bound directly to the object class name</a:t>
-            </a:r>
-            <a:endParaRPr lang="en-NL" dirty="0"/>
-          </a:p>
-        </p:txBody>
-      </p:sp>
-      <p:pic>
-        <p:nvPicPr>
-          <p:cNvPr id="10" name="Content Placeholder 9" descr="A screenshot of a cell phone&#10;&#10;Description automatically generated">
-            <a:extLst>
-              <a:ext uri="{FF2B5EF4-FFF2-40B4-BE49-F238E27FC236}">
-                <a16:creationId xmlns:a16="http://schemas.microsoft.com/office/drawing/2014/main" id="{4E4EA915-7D0E-4371-A284-5E4F0EA4FD2B}"/>
-              </a:ext>
-            </a:extLst>
-          </p:cNvPr>
-          <p:cNvPicPr>
-            <a:picLocks noGrp="1" noChangeAspect="1"/>
-          </p:cNvPicPr>
-          <p:nvPr>
-            <p:ph sz="half" idx="1"/>
-          </p:nvPr>
-        </p:nvPicPr>
-        <p:blipFill>
-          <a:blip r:embed="rId2">
-            <a:extLst>
-              <a:ext uri="{28A0092B-C50C-407E-A947-70E740481C1C}">
-                <a14:useLocalDpi xmlns:a14="http://schemas.microsoft.com/office/drawing/2010/main" val="0"/>
-              </a:ext>
-            </a:extLst>
-          </a:blip>
-          <a:stretch>
-            <a:fillRect/>
-          </a:stretch>
-        </p:blipFill>
-        <p:spPr>
-          <a:xfrm>
-            <a:off x="651588" y="1776778"/>
-            <a:ext cx="5181600" cy="1652222"/>
-          </a:xfrm>
-        </p:spPr>
-      </p:pic>
-    </p:spTree>
-    <p:extLst>
-      <p:ext uri="{BB962C8B-B14F-4D97-AF65-F5344CB8AC3E}">
-        <p14:creationId xmlns:p14="http://schemas.microsoft.com/office/powerpoint/2010/main" val="2167193102"/>
-      </p:ext>
-    </p:extLst>
-  </p:cSld>
-  <p:clrMapOvr>
-    <a:masterClrMapping/>
-  </p:clrMapOvr>
-</p:sld>
-</file>
-
-<file path=ppt/slides/slide26.xml><?xml version="1.0" encoding="utf-8"?>
-<p:sld xmlns:a="http://schemas.openxmlformats.org/drawingml/2006/main" xmlns:r="http://schemas.openxmlformats.org/officeDocument/2006/relationships" xmlns:p="http://schemas.openxmlformats.org/presentationml/2006/main">
-  <p:cSld>
-    <p:spTree>
-      <p:nvGrpSpPr>
-        <p:cNvPr id="1" name=""/>
-        <p:cNvGrpSpPr/>
-        <p:nvPr/>
-      </p:nvGrpSpPr>
-      <p:grpSpPr>
-        <a:xfrm>
-          <a:off x="0" y="0"/>
-          <a:ext cx="0" cy="0"/>
-          <a:chOff x="0" y="0"/>
-          <a:chExt cx="0" cy="0"/>
-        </a:xfrm>
-      </p:grpSpPr>
-      <p:sp>
-        <p:nvSpPr>
-          <p:cNvPr id="2" name="Title 1">
-            <a:extLst>
-              <a:ext uri="{FF2B5EF4-FFF2-40B4-BE49-F238E27FC236}">
-                <a16:creationId xmlns:a16="http://schemas.microsoft.com/office/drawing/2014/main" id="{5DC7EF30-66E5-48BB-BAA4-AE0719D0F1A0}"/>
-              </a:ext>
-            </a:extLst>
-          </p:cNvPr>
-          <p:cNvSpPr>
-            <a:spLocks noGrp="1"/>
-          </p:cNvSpPr>
-          <p:nvPr>
-            <p:ph type="title"/>
-          </p:nvPr>
-        </p:nvSpPr>
-        <p:spPr/>
-        <p:txBody>
-          <a:bodyPr/>
-          <a:lstStyle/>
-          <a:p>
-            <a:r>
-              <a:rPr lang="nl-NL" dirty="0"/>
-              <a:t>Child </a:t>
-            </a:r>
-            <a:r>
-              <a:rPr lang="nl-NL" dirty="0" err="1"/>
-              <a:t>objects</a:t>
-            </a:r>
-            <a:endParaRPr lang="en-NL" dirty="0"/>
-          </a:p>
-        </p:txBody>
-      </p:sp>
-      <p:sp>
-        <p:nvSpPr>
-          <p:cNvPr id="6" name="Content Placeholder 5">
-            <a:extLst>
-              <a:ext uri="{FF2B5EF4-FFF2-40B4-BE49-F238E27FC236}">
-                <a16:creationId xmlns:a16="http://schemas.microsoft.com/office/drawing/2014/main" id="{19EBB53D-87C1-46E0-90CB-1D32F39023A3}"/>
-              </a:ext>
-            </a:extLst>
-          </p:cNvPr>
-          <p:cNvSpPr>
-            <a:spLocks noGrp="1"/>
-          </p:cNvSpPr>
-          <p:nvPr>
-            <p:ph sz="half" idx="2"/>
-          </p:nvPr>
-        </p:nvSpPr>
-        <p:spPr/>
-        <p:txBody>
-          <a:bodyPr/>
-          <a:lstStyle/>
-          <a:p>
-            <a:r>
-              <a:rPr lang="nl-NL" dirty="0"/>
-              <a:t>.</a:t>
-            </a:r>
-            <a:r>
-              <a:rPr lang="nl-NL" dirty="0" err="1"/>
-              <a:t>noun-noun</a:t>
-            </a:r>
-            <a:endParaRPr lang="nl-NL" dirty="0"/>
-          </a:p>
-          <a:p>
-            <a:r>
-              <a:rPr lang="en-US" dirty="0"/>
-              <a:t>When an object should </a:t>
-            </a:r>
-            <a:r>
-              <a:rPr lang="en-US" i="1" dirty="0"/>
-              <a:t>only ever</a:t>
-            </a:r>
-            <a:r>
-              <a:rPr lang="en-US" dirty="0"/>
-              <a:t> be used inside of another object, the Oxygen naming convention is to include the name of the parent in the name of the child</a:t>
-            </a:r>
-            <a:endParaRPr lang="en-NL" dirty="0"/>
-          </a:p>
-        </p:txBody>
-      </p:sp>
-      <p:pic>
-        <p:nvPicPr>
-          <p:cNvPr id="10" name="Content Placeholder 9" descr="A close up of text on a black background&#10;&#10;Description automatically generated">
-            <a:extLst>
-              <a:ext uri="{FF2B5EF4-FFF2-40B4-BE49-F238E27FC236}">
-                <a16:creationId xmlns:a16="http://schemas.microsoft.com/office/drawing/2014/main" id="{6706648B-7F90-4B77-975D-12ED750BDD33}"/>
-              </a:ext>
-            </a:extLst>
-          </p:cNvPr>
-          <p:cNvPicPr>
-            <a:picLocks noGrp="1" noChangeAspect="1"/>
-          </p:cNvPicPr>
-          <p:nvPr>
-            <p:ph sz="half" idx="1"/>
-          </p:nvPr>
-        </p:nvPicPr>
-        <p:blipFill>
-          <a:blip r:embed="rId2">
-            <a:extLst>
-              <a:ext uri="{28A0092B-C50C-407E-A947-70E740481C1C}">
-                <a14:useLocalDpi xmlns:a14="http://schemas.microsoft.com/office/drawing/2010/main" val="0"/>
-              </a:ext>
-            </a:extLst>
-          </a:blip>
-          <a:stretch>
-            <a:fillRect/>
-          </a:stretch>
-        </p:blipFill>
-        <p:spPr>
-          <a:xfrm>
-            <a:off x="838200" y="1690688"/>
-            <a:ext cx="5181600" cy="3514754"/>
-          </a:xfrm>
-        </p:spPr>
-      </p:pic>
-    </p:spTree>
-    <p:extLst>
-      <p:ext uri="{BB962C8B-B14F-4D97-AF65-F5344CB8AC3E}">
-        <p14:creationId xmlns:p14="http://schemas.microsoft.com/office/powerpoint/2010/main" val="2395617349"/>
-      </p:ext>
-    </p:extLst>
-  </p:cSld>
-  <p:clrMapOvr>
-    <a:masterClrMapping/>
-  </p:clrMapOvr>
-</p:sld>
-</file>
-
-<file path=ppt/slides/slide27.xml><?xml version="1.0" encoding="utf-8"?>
-<p:sld xmlns:a="http://schemas.openxmlformats.org/drawingml/2006/main" xmlns:r="http://schemas.openxmlformats.org/officeDocument/2006/relationships" xmlns:p="http://schemas.openxmlformats.org/presentationml/2006/main">
-  <p:cSld>
-    <p:spTree>
-      <p:nvGrpSpPr>
-        <p:cNvPr id="1" name=""/>
-        <p:cNvGrpSpPr/>
-        <p:nvPr/>
-      </p:nvGrpSpPr>
-      <p:grpSpPr>
-        <a:xfrm>
-          <a:off x="0" y="0"/>
-          <a:ext cx="0" cy="0"/>
-          <a:chOff x="0" y="0"/>
-          <a:chExt cx="0" cy="0"/>
-        </a:xfrm>
-      </p:grpSpPr>
-      <p:sp>
-        <p:nvSpPr>
-          <p:cNvPr id="2" name="Title 1">
-            <a:extLst>
-              <a:ext uri="{FF2B5EF4-FFF2-40B4-BE49-F238E27FC236}">
-                <a16:creationId xmlns:a16="http://schemas.microsoft.com/office/drawing/2014/main" id="{5DC7EF30-66E5-48BB-BAA4-AE0719D0F1A0}"/>
-              </a:ext>
-            </a:extLst>
-          </p:cNvPr>
-          <p:cNvSpPr>
-            <a:spLocks noGrp="1"/>
-          </p:cNvSpPr>
-          <p:nvPr>
-            <p:ph type="title"/>
-          </p:nvPr>
-        </p:nvSpPr>
-        <p:spPr/>
-        <p:txBody>
-          <a:bodyPr/>
-          <a:lstStyle/>
-          <a:p>
-            <a:r>
-              <a:rPr lang="nl-NL" dirty="0" err="1"/>
-              <a:t>Subclasses</a:t>
-            </a:r>
-            <a:endParaRPr lang="en-NL" dirty="0"/>
-          </a:p>
-        </p:txBody>
-      </p:sp>
-      <p:sp>
-        <p:nvSpPr>
-          <p:cNvPr id="6" name="Content Placeholder 5">
-            <a:extLst>
-              <a:ext uri="{FF2B5EF4-FFF2-40B4-BE49-F238E27FC236}">
-                <a16:creationId xmlns:a16="http://schemas.microsoft.com/office/drawing/2014/main" id="{DE9CAA05-F613-436F-83B0-0C0A6E0EDDDB}"/>
-              </a:ext>
-            </a:extLst>
-          </p:cNvPr>
-          <p:cNvSpPr>
-            <a:spLocks noGrp="1"/>
-          </p:cNvSpPr>
-          <p:nvPr>
-            <p:ph sz="half" idx="2"/>
-          </p:nvPr>
-        </p:nvSpPr>
-        <p:spPr/>
-        <p:txBody>
-          <a:bodyPr/>
-          <a:lstStyle/>
-          <a:p>
-            <a:r>
-              <a:rPr lang="en-US" dirty="0"/>
-              <a:t>.adjective-noun</a:t>
-            </a:r>
-          </a:p>
-          <a:p>
-            <a:r>
-              <a:rPr lang="en-US" dirty="0"/>
-              <a:t>when an object is a </a:t>
-            </a:r>
-            <a:r>
-              <a:rPr lang="en-US" i="1" dirty="0"/>
-              <a:t>kind of</a:t>
-            </a:r>
-            <a:r>
-              <a:rPr lang="en-US" dirty="0"/>
-              <a:t> another object it is called a </a:t>
-            </a:r>
-            <a:r>
-              <a:rPr lang="en-US" i="1" dirty="0"/>
-              <a:t>subclass</a:t>
-            </a:r>
-            <a:r>
-              <a:rPr lang="en-US" dirty="0"/>
-              <a:t>.</a:t>
-            </a:r>
-          </a:p>
-        </p:txBody>
-      </p:sp>
-      <p:pic>
-        <p:nvPicPr>
-          <p:cNvPr id="10" name="Content Placeholder 9" descr="A close up of text on a black background&#10;&#10;Description automatically generated">
-            <a:extLst>
-              <a:ext uri="{FF2B5EF4-FFF2-40B4-BE49-F238E27FC236}">
-                <a16:creationId xmlns:a16="http://schemas.microsoft.com/office/drawing/2014/main" id="{24ACA50D-99D0-462B-B856-CF6A3CF6EC50}"/>
-              </a:ext>
-            </a:extLst>
-          </p:cNvPr>
-          <p:cNvPicPr>
-            <a:picLocks noGrp="1" noChangeAspect="1"/>
-          </p:cNvPicPr>
-          <p:nvPr>
-            <p:ph sz="half" idx="1"/>
-          </p:nvPr>
-        </p:nvPicPr>
-        <p:blipFill>
-          <a:blip r:embed="rId2">
-            <a:extLst>
-              <a:ext uri="{28A0092B-C50C-407E-A947-70E740481C1C}">
-                <a14:useLocalDpi xmlns:a14="http://schemas.microsoft.com/office/drawing/2010/main" val="0"/>
-              </a:ext>
-            </a:extLst>
-          </a:blip>
-          <a:stretch>
-            <a:fillRect/>
-          </a:stretch>
-        </p:blipFill>
-        <p:spPr>
-          <a:xfrm>
-            <a:off x="838200" y="1825625"/>
-            <a:ext cx="5181600" cy="3824703"/>
-          </a:xfrm>
-        </p:spPr>
-      </p:pic>
-    </p:spTree>
-    <p:extLst>
-      <p:ext uri="{BB962C8B-B14F-4D97-AF65-F5344CB8AC3E}">
-        <p14:creationId xmlns:p14="http://schemas.microsoft.com/office/powerpoint/2010/main" val="98342861"/>
-      </p:ext>
-    </p:extLst>
-  </p:cSld>
-  <p:clrMapOvr>
-    <a:masterClrMapping/>
-  </p:clrMapOvr>
-</p:sld>
-</file>
-
-<file path=ppt/slides/slide28.xml><?xml version="1.0" encoding="utf-8"?>
-<p:sld xmlns:a="http://schemas.openxmlformats.org/drawingml/2006/main" xmlns:r="http://schemas.openxmlformats.org/officeDocument/2006/relationships" xmlns:p="http://schemas.openxmlformats.org/presentationml/2006/main">
-  <p:cSld>
-    <p:spTree>
-      <p:nvGrpSpPr>
-        <p:cNvPr id="1" name=""/>
-        <p:cNvGrpSpPr/>
-        <p:nvPr/>
-      </p:nvGrpSpPr>
-      <p:grpSpPr>
-        <a:xfrm>
-          <a:off x="0" y="0"/>
-          <a:ext cx="0" cy="0"/>
-          <a:chOff x="0" y="0"/>
-          <a:chExt cx="0" cy="0"/>
-        </a:xfrm>
-      </p:grpSpPr>
-      <p:sp>
-        <p:nvSpPr>
-          <p:cNvPr id="2" name="Title 1">
-            <a:extLst>
-              <a:ext uri="{FF2B5EF4-FFF2-40B4-BE49-F238E27FC236}">
-                <a16:creationId xmlns:a16="http://schemas.microsoft.com/office/drawing/2014/main" id="{FFF1008A-5A63-439B-BBF9-4066EA1FAD12}"/>
-              </a:ext>
-            </a:extLst>
-          </p:cNvPr>
-          <p:cNvSpPr>
-            <a:spLocks noGrp="1"/>
-          </p:cNvSpPr>
-          <p:nvPr>
-            <p:ph type="title"/>
-          </p:nvPr>
-        </p:nvSpPr>
-        <p:spPr/>
-        <p:txBody>
-          <a:bodyPr/>
-          <a:lstStyle/>
-          <a:p>
-            <a:r>
-              <a:rPr lang="nl-NL" dirty="0"/>
-              <a:t>Pros &amp; </a:t>
-            </a:r>
-            <a:r>
-              <a:rPr lang="nl-NL" dirty="0" err="1"/>
-              <a:t>Cons</a:t>
-            </a:r>
-            <a:endParaRPr lang="en-NL" dirty="0"/>
-          </a:p>
-        </p:txBody>
-      </p:sp>
-      <p:sp>
-        <p:nvSpPr>
-          <p:cNvPr id="3" name="Content Placeholder 2">
-            <a:extLst>
-              <a:ext uri="{FF2B5EF4-FFF2-40B4-BE49-F238E27FC236}">
-                <a16:creationId xmlns:a16="http://schemas.microsoft.com/office/drawing/2014/main" id="{129EE8F9-7FE0-4BB6-89D5-A9D537FD06A9}"/>
-              </a:ext>
-            </a:extLst>
-          </p:cNvPr>
-          <p:cNvSpPr>
-            <a:spLocks noGrp="1"/>
-          </p:cNvSpPr>
-          <p:nvPr>
-            <p:ph sz="half" idx="1"/>
-          </p:nvPr>
-        </p:nvSpPr>
-        <p:spPr/>
-        <p:txBody>
-          <a:bodyPr/>
-          <a:lstStyle/>
-          <a:p>
-            <a:pPr marL="0" indent="0">
-              <a:buNone/>
-            </a:pPr>
-            <a:r>
-              <a:rPr lang="en-US" dirty="0"/>
-              <a:t>✓ High reusability</a:t>
-            </a:r>
-          </a:p>
-          <a:p>
-            <a:pPr marL="0" indent="0">
-              <a:buNone/>
-            </a:pPr>
-            <a:r>
-              <a:rPr lang="en-US" dirty="0"/>
-              <a:t>✓ Ease of maintainability</a:t>
-            </a:r>
-          </a:p>
-          <a:p>
-            <a:endParaRPr lang="en-NL" dirty="0"/>
-          </a:p>
-        </p:txBody>
-      </p:sp>
-      <p:sp>
-        <p:nvSpPr>
-          <p:cNvPr id="4" name="Content Placeholder 3">
-            <a:extLst>
-              <a:ext uri="{FF2B5EF4-FFF2-40B4-BE49-F238E27FC236}">
-                <a16:creationId xmlns:a16="http://schemas.microsoft.com/office/drawing/2014/main" id="{5BB08023-451B-4B81-8F22-8D23148174C6}"/>
-              </a:ext>
-            </a:extLst>
-          </p:cNvPr>
-          <p:cNvSpPr>
-            <a:spLocks noGrp="1"/>
-          </p:cNvSpPr>
-          <p:nvPr>
-            <p:ph sz="half" idx="2"/>
-          </p:nvPr>
-        </p:nvSpPr>
-        <p:spPr/>
-        <p:txBody>
-          <a:bodyPr/>
-          <a:lstStyle/>
-          <a:p>
-            <a:r>
-              <a:rPr lang="en-US" dirty="0"/>
-              <a:t>Can be confusing for new developers. What is an object and what is not? This will force you to document things and introduce new dev to your codebase (which is good to do).</a:t>
-            </a:r>
-          </a:p>
-          <a:p>
-            <a:endParaRPr lang="en-NL" dirty="0"/>
-          </a:p>
-        </p:txBody>
-      </p:sp>
-    </p:spTree>
-    <p:extLst>
-      <p:ext uri="{BB962C8B-B14F-4D97-AF65-F5344CB8AC3E}">
-        <p14:creationId xmlns:p14="http://schemas.microsoft.com/office/powerpoint/2010/main" val="3781455739"/>
-      </p:ext>
-    </p:extLst>
-  </p:cSld>
-  <p:clrMapOvr>
-    <a:masterClrMapping/>
-  </p:clrMapOvr>
-</p:sld>
-</file>
-
-<file path=ppt/slides/slide3.xml><?xml version="1.0" encoding="utf-8"?>
+<file path=ppt/slides/slide6.xml><?xml version="1.0" encoding="utf-8"?>
 <p:sld xmlns:a="http://schemas.openxmlformats.org/drawingml/2006/main" xmlns:r="http://schemas.openxmlformats.org/officeDocument/2006/relationships" xmlns:p="http://schemas.openxmlformats.org/presentationml/2006/main">
   <p:cSld>
     <p:spTree>
@@ -12712,7 +14803,7 @@
 </p:sld>
 </file>
 
-<file path=ppt/slides/slide4.xml><?xml version="1.0" encoding="utf-8"?>
+<file path=ppt/slides/slide7.xml><?xml version="1.0" encoding="utf-8"?>
 <p:sld xmlns:a="http://schemas.openxmlformats.org/drawingml/2006/main" xmlns:r="http://schemas.openxmlformats.org/officeDocument/2006/relationships" xmlns:p="http://schemas.openxmlformats.org/presentationml/2006/main">
   <p:cSld>
     <p:spTree>
@@ -12845,7 +14936,7 @@
 </p:sld>
 </file>
 
-<file path=ppt/slides/slide5.xml><?xml version="1.0" encoding="utf-8"?>
+<file path=ppt/slides/slide8.xml><?xml version="1.0" encoding="utf-8"?>
 <p:sld xmlns:a="http://schemas.openxmlformats.org/drawingml/2006/main" xmlns:r="http://schemas.openxmlformats.org/officeDocument/2006/relationships" xmlns:p="http://schemas.openxmlformats.org/presentationml/2006/main">
   <p:cSld>
     <p:spTree>
@@ -13033,468 +15124,6 @@
 </p:sld>
 </file>
 
-<file path=ppt/slides/slide6.xml><?xml version="1.0" encoding="utf-8"?>
-<p:sld xmlns:a="http://schemas.openxmlformats.org/drawingml/2006/main" xmlns:r="http://schemas.openxmlformats.org/officeDocument/2006/relationships" xmlns:p="http://schemas.openxmlformats.org/presentationml/2006/main">
-  <p:cSld>
-    <p:spTree>
-      <p:nvGrpSpPr>
-        <p:cNvPr id="1" name=""/>
-        <p:cNvGrpSpPr/>
-        <p:nvPr/>
-      </p:nvGrpSpPr>
-      <p:grpSpPr>
-        <a:xfrm>
-          <a:off x="0" y="0"/>
-          <a:ext cx="0" cy="0"/>
-          <a:chOff x="0" y="0"/>
-          <a:chExt cx="0" cy="0"/>
-        </a:xfrm>
-      </p:grpSpPr>
-      <p:sp>
-        <p:nvSpPr>
-          <p:cNvPr id="2" name="Title 1"/>
-          <p:cNvSpPr>
-            <a:spLocks noGrp="1"/>
-          </p:cNvSpPr>
-          <p:nvPr>
-            <p:ph type="title"/>
-          </p:nvPr>
-        </p:nvSpPr>
-        <p:spPr/>
-        <p:txBody>
-          <a:bodyPr/>
-          <a:lstStyle/>
-          <a:p>
-            <a:r>
-              <a:rPr lang="nl-NL" dirty="0"/>
-              <a:t>Pros &amp; Cons</a:t>
-            </a:r>
-          </a:p>
-        </p:txBody>
-      </p:sp>
-      <p:sp>
-        <p:nvSpPr>
-          <p:cNvPr id="3" name="Content Placeholder 2"/>
-          <p:cNvSpPr>
-            <a:spLocks noGrp="1"/>
-          </p:cNvSpPr>
-          <p:nvPr>
-            <p:ph sz="half" idx="1"/>
-          </p:nvPr>
-        </p:nvSpPr>
-        <p:spPr/>
-        <p:txBody>
-          <a:bodyPr/>
-          <a:lstStyle/>
-          <a:p>
-            <a:pPr>
-              <a:buFont typeface="Wingdings" panose="05000000000000000000" pitchFamily="2" charset="2"/>
-              <a:buChar char="ü"/>
-            </a:pPr>
-            <a:r>
-              <a:rPr lang="nl-NL" dirty="0"/>
-              <a:t>Easy to use</a:t>
-            </a:r>
-          </a:p>
-          <a:p>
-            <a:pPr>
-              <a:buFont typeface="Wingdings" panose="05000000000000000000" pitchFamily="2" charset="2"/>
-              <a:buChar char="ü"/>
-            </a:pPr>
-            <a:r>
-              <a:rPr lang="nl-NL" dirty="0"/>
-              <a:t>Reusable styles</a:t>
-            </a:r>
-          </a:p>
-          <a:p>
-            <a:endParaRPr lang="nl-NL" dirty="0"/>
-          </a:p>
-        </p:txBody>
-      </p:sp>
-      <p:sp>
-        <p:nvSpPr>
-          <p:cNvPr id="4" name="Content Placeholder 3"/>
-          <p:cNvSpPr>
-            <a:spLocks noGrp="1"/>
-          </p:cNvSpPr>
-          <p:nvPr>
-            <p:ph sz="half" idx="2"/>
-          </p:nvPr>
-        </p:nvSpPr>
-        <p:spPr/>
-        <p:txBody>
-          <a:bodyPr/>
-          <a:lstStyle/>
-          <a:p>
-            <a:r>
-              <a:rPr lang="nl-NL" dirty="0"/>
-              <a:t>Bloated HTML</a:t>
-            </a:r>
-          </a:p>
-          <a:p>
-            <a:r>
-              <a:rPr lang="nl-NL" dirty="0"/>
-              <a:t>Components cannot share styles</a:t>
-            </a:r>
-          </a:p>
-          <a:p>
-            <a:endParaRPr lang="nl-NL" dirty="0"/>
-          </a:p>
-        </p:txBody>
-      </p:sp>
-    </p:spTree>
-    <p:extLst>
-      <p:ext uri="{BB962C8B-B14F-4D97-AF65-F5344CB8AC3E}">
-        <p14:creationId xmlns:p14="http://schemas.microsoft.com/office/powerpoint/2010/main" val="1031138050"/>
-      </p:ext>
-    </p:extLst>
-  </p:cSld>
-  <p:clrMapOvr>
-    <a:masterClrMapping/>
-  </p:clrMapOvr>
-</p:sld>
-</file>
-
-<file path=ppt/slides/slide7.xml><?xml version="1.0" encoding="utf-8"?>
-<p:sld xmlns:a="http://schemas.openxmlformats.org/drawingml/2006/main" xmlns:r="http://schemas.openxmlformats.org/officeDocument/2006/relationships" xmlns:p="http://schemas.openxmlformats.org/presentationml/2006/main">
-  <p:cSld>
-    <p:spTree>
-      <p:nvGrpSpPr>
-        <p:cNvPr id="1" name=""/>
-        <p:cNvGrpSpPr/>
-        <p:nvPr/>
-      </p:nvGrpSpPr>
-      <p:grpSpPr>
-        <a:xfrm>
-          <a:off x="0" y="0"/>
-          <a:ext cx="0" cy="0"/>
-          <a:chOff x="0" y="0"/>
-          <a:chExt cx="0" cy="0"/>
-        </a:xfrm>
-      </p:grpSpPr>
-      <p:sp>
-        <p:nvSpPr>
-          <p:cNvPr id="2" name="Title 1"/>
-          <p:cNvSpPr>
-            <a:spLocks noGrp="1"/>
-          </p:cNvSpPr>
-          <p:nvPr>
-            <p:ph type="title"/>
-          </p:nvPr>
-        </p:nvSpPr>
-        <p:spPr/>
-        <p:txBody>
-          <a:bodyPr/>
-          <a:lstStyle/>
-          <a:p>
-            <a:r>
-              <a:rPr lang="nl-NL" dirty="0"/>
-              <a:t>SMACSS</a:t>
-            </a:r>
-          </a:p>
-        </p:txBody>
-      </p:sp>
-      <p:sp>
-        <p:nvSpPr>
-          <p:cNvPr id="3" name="Content Placeholder 2"/>
-          <p:cNvSpPr>
-            <a:spLocks noGrp="1"/>
-          </p:cNvSpPr>
-          <p:nvPr>
-            <p:ph idx="1"/>
-          </p:nvPr>
-        </p:nvSpPr>
-        <p:spPr/>
-        <p:txBody>
-          <a:bodyPr/>
-          <a:lstStyle/>
-          <a:p>
-            <a:r>
-              <a:rPr lang="en-US" dirty="0"/>
-              <a:t>Scalable and Modular Architecture for CSS</a:t>
-            </a:r>
-          </a:p>
-          <a:p>
-            <a:r>
-              <a:rPr lang="en-US" dirty="0"/>
-              <a:t>CSS rules categorization</a:t>
-            </a:r>
-          </a:p>
-          <a:p>
-            <a:r>
-              <a:rPr lang="nl-NL" dirty="0"/>
-              <a:t>5 style categories:</a:t>
-            </a:r>
-          </a:p>
-          <a:p>
-            <a:pPr marL="971550" lvl="1" indent="-514350">
-              <a:buFont typeface="+mj-lt"/>
-              <a:buAutoNum type="arabicPeriod"/>
-            </a:pPr>
-            <a:r>
-              <a:rPr lang="nl-NL" dirty="0"/>
-              <a:t>Base</a:t>
-            </a:r>
-          </a:p>
-          <a:p>
-            <a:pPr marL="971550" lvl="1" indent="-514350">
-              <a:buFont typeface="+mj-lt"/>
-              <a:buAutoNum type="arabicPeriod"/>
-            </a:pPr>
-            <a:r>
-              <a:rPr lang="nl-NL" dirty="0"/>
-              <a:t>Layout</a:t>
-            </a:r>
-          </a:p>
-          <a:p>
-            <a:pPr marL="971550" lvl="1" indent="-514350">
-              <a:buFont typeface="+mj-lt"/>
-              <a:buAutoNum type="arabicPeriod"/>
-            </a:pPr>
-            <a:r>
-              <a:rPr lang="nl-NL" dirty="0"/>
-              <a:t>Module</a:t>
-            </a:r>
-          </a:p>
-          <a:p>
-            <a:pPr marL="971550" lvl="1" indent="-514350">
-              <a:buFont typeface="+mj-lt"/>
-              <a:buAutoNum type="arabicPeriod"/>
-            </a:pPr>
-            <a:r>
-              <a:rPr lang="nl-NL" dirty="0"/>
-              <a:t>State</a:t>
-            </a:r>
-          </a:p>
-          <a:p>
-            <a:pPr marL="971550" lvl="1" indent="-514350">
-              <a:buFont typeface="+mj-lt"/>
-              <a:buAutoNum type="arabicPeriod"/>
-            </a:pPr>
-            <a:r>
-              <a:rPr lang="nl-NL" dirty="0"/>
-              <a:t>Theme</a:t>
-            </a:r>
-          </a:p>
-        </p:txBody>
-      </p:sp>
-      <p:pic>
-        <p:nvPicPr>
-          <p:cNvPr id="6146" name="Picture 2" descr="https://i0.wp.com/css-tricks.com/wp-content/uploads/2017/07/image3.png?ssl=1"/>
-          <p:cNvPicPr>
-            <a:picLocks noChangeAspect="1" noChangeArrowheads="1"/>
-          </p:cNvPicPr>
-          <p:nvPr/>
-        </p:nvPicPr>
-        <p:blipFill>
-          <a:blip r:embed="rId2">
-            <a:extLst>
-              <a:ext uri="{28A0092B-C50C-407E-A947-70E740481C1C}">
-                <a14:useLocalDpi xmlns:a14="http://schemas.microsoft.com/office/drawing/2010/main" val="0"/>
-              </a:ext>
-            </a:extLst>
-          </a:blip>
-          <a:srcRect/>
-          <a:stretch>
-            <a:fillRect/>
-          </a:stretch>
-        </p:blipFill>
-        <p:spPr bwMode="auto">
-          <a:xfrm>
-            <a:off x="4020141" y="3492844"/>
-            <a:ext cx="7333659" cy="2684120"/>
-          </a:xfrm>
-          <a:prstGeom prst="rect">
-            <a:avLst/>
-          </a:prstGeom>
-          <a:noFill/>
-          <a:extLst>
-            <a:ext uri="{909E8E84-426E-40DD-AFC4-6F175D3DCCD1}">
-              <a14:hiddenFill xmlns:a14="http://schemas.microsoft.com/office/drawing/2010/main">
-                <a:solidFill>
-                  <a:srgbClr val="FFFFFF"/>
-                </a:solidFill>
-              </a14:hiddenFill>
-            </a:ext>
-          </a:extLst>
-        </p:spPr>
-      </p:pic>
-      <p:sp>
-        <p:nvSpPr>
-          <p:cNvPr id="5" name="TextBox 4"/>
-          <p:cNvSpPr txBox="1"/>
-          <p:nvPr/>
-        </p:nvSpPr>
-        <p:spPr>
-          <a:xfrm>
-            <a:off x="4020141" y="6311900"/>
-            <a:ext cx="5980670" cy="307777"/>
-          </a:xfrm>
-          <a:prstGeom prst="rect">
-            <a:avLst/>
-          </a:prstGeom>
-          <a:noFill/>
-        </p:spPr>
-        <p:txBody>
-          <a:bodyPr wrap="square" rtlCol="0">
-            <a:spAutoFit/>
-          </a:bodyPr>
-          <a:lstStyle/>
-          <a:p>
-            <a:r>
-              <a:rPr lang="nl-NL" sz="1400" i="1" dirty="0"/>
-              <a:t>Source: </a:t>
-            </a:r>
-            <a:r>
-              <a:rPr lang="nl-NL" sz="1400" i="1" dirty="0">
-                <a:hlinkClick r:id="rId3"/>
-              </a:rPr>
-              <a:t>https://css-tricks.com/methods-organize-css/</a:t>
-            </a:r>
-            <a:endParaRPr lang="nl-NL" sz="1400" i="1" dirty="0"/>
-          </a:p>
-        </p:txBody>
-      </p:sp>
-    </p:spTree>
-    <p:extLst>
-      <p:ext uri="{BB962C8B-B14F-4D97-AF65-F5344CB8AC3E}">
-        <p14:creationId xmlns:p14="http://schemas.microsoft.com/office/powerpoint/2010/main" val="3365297933"/>
-      </p:ext>
-    </p:extLst>
-  </p:cSld>
-  <p:clrMapOvr>
-    <a:masterClrMapping/>
-  </p:clrMapOvr>
-</p:sld>
-</file>
-
-<file path=ppt/slides/slide8.xml><?xml version="1.0" encoding="utf-8"?>
-<p:sld xmlns:a="http://schemas.openxmlformats.org/drawingml/2006/main" xmlns:r="http://schemas.openxmlformats.org/officeDocument/2006/relationships" xmlns:p="http://schemas.openxmlformats.org/presentationml/2006/main">
-  <p:cSld>
-    <p:spTree>
-      <p:nvGrpSpPr>
-        <p:cNvPr id="1" name=""/>
-        <p:cNvGrpSpPr/>
-        <p:nvPr/>
-      </p:nvGrpSpPr>
-      <p:grpSpPr>
-        <a:xfrm>
-          <a:off x="0" y="0"/>
-          <a:ext cx="0" cy="0"/>
-          <a:chOff x="0" y="0"/>
-          <a:chExt cx="0" cy="0"/>
-        </a:xfrm>
-      </p:grpSpPr>
-      <p:sp>
-        <p:nvSpPr>
-          <p:cNvPr id="2" name="Title 1"/>
-          <p:cNvSpPr>
-            <a:spLocks noGrp="1"/>
-          </p:cNvSpPr>
-          <p:nvPr>
-            <p:ph type="title"/>
-          </p:nvPr>
-        </p:nvSpPr>
-        <p:spPr/>
-        <p:txBody>
-          <a:bodyPr/>
-          <a:lstStyle/>
-          <a:p>
-            <a:r>
-              <a:rPr lang="nl-NL" dirty="0"/>
-              <a:t>Base Rules</a:t>
-            </a:r>
-          </a:p>
-        </p:txBody>
-      </p:sp>
-      <p:sp>
-        <p:nvSpPr>
-          <p:cNvPr id="3" name="Content Placeholder 2"/>
-          <p:cNvSpPr>
-            <a:spLocks noGrp="1"/>
-          </p:cNvSpPr>
-          <p:nvPr>
-            <p:ph idx="1"/>
-          </p:nvPr>
-        </p:nvSpPr>
-        <p:spPr/>
-        <p:txBody>
-          <a:bodyPr/>
-          <a:lstStyle/>
-          <a:p>
-            <a:r>
-              <a:rPr lang="nl-NL" dirty="0"/>
-              <a:t>Defaults</a:t>
-            </a:r>
-          </a:p>
-          <a:p>
-            <a:r>
-              <a:rPr lang="nl-NL" dirty="0"/>
-              <a:t>Element selector</a:t>
-            </a:r>
-          </a:p>
-          <a:p>
-            <a:r>
-              <a:rPr lang="nl-NL" dirty="0"/>
-              <a:t>Example: html, body, form, a</a:t>
-            </a:r>
-          </a:p>
-        </p:txBody>
-      </p:sp>
-      <p:pic>
-        <p:nvPicPr>
-          <p:cNvPr id="7170" name="Picture 2" descr="https://i.gyazo.com/b649c68418c573c428041d1d8329ec2f.png"/>
-          <p:cNvPicPr>
-            <a:picLocks noChangeAspect="1" noChangeArrowheads="1"/>
-          </p:cNvPicPr>
-          <p:nvPr/>
-        </p:nvPicPr>
-        <p:blipFill>
-          <a:blip r:embed="rId2">
-            <a:extLst>
-              <a:ext uri="{28A0092B-C50C-407E-A947-70E740481C1C}">
-                <a14:useLocalDpi xmlns:a14="http://schemas.microsoft.com/office/drawing/2010/main" val="0"/>
-              </a:ext>
-            </a:extLst>
-          </a:blip>
-          <a:srcRect/>
-          <a:stretch>
-            <a:fillRect/>
-          </a:stretch>
-        </p:blipFill>
-        <p:spPr bwMode="auto">
-          <a:xfrm>
-            <a:off x="7362825" y="1825625"/>
-            <a:ext cx="3990975" cy="3200401"/>
-          </a:xfrm>
-          <a:prstGeom prst="rect">
-            <a:avLst/>
-          </a:prstGeom>
-          <a:noFill/>
-          <a:extLst>
-            <a:ext uri="{909E8E84-426E-40DD-AFC4-6F175D3DCCD1}">
-              <a14:hiddenFill xmlns:a14="http://schemas.microsoft.com/office/drawing/2010/main">
-                <a:solidFill>
-                  <a:srgbClr val="FFFFFF"/>
-                </a:solidFill>
-              </a14:hiddenFill>
-            </a:ext>
-          </a:extLst>
-        </p:spPr>
-      </p:pic>
-    </p:spTree>
-    <p:extLst>
-      <p:ext uri="{BB962C8B-B14F-4D97-AF65-F5344CB8AC3E}">
-        <p14:creationId xmlns:p14="http://schemas.microsoft.com/office/powerpoint/2010/main" val="3772478144"/>
-      </p:ext>
-    </p:extLst>
-  </p:cSld>
-  <p:clrMapOvr>
-    <a:masterClrMapping/>
-  </p:clrMapOvr>
-</p:sld>
-</file>
-
 <file path=ppt/slides/slide9.xml><?xml version="1.0" encoding="utf-8"?>
 <p:sld xmlns:a="http://schemas.openxmlformats.org/drawingml/2006/main" xmlns:r="http://schemas.openxmlformats.org/officeDocument/2006/relationships" xmlns:p="http://schemas.openxmlformats.org/presentationml/2006/main">
   <p:cSld>
@@ -13529,7 +15158,7 @@
           <a:p>
             <a:r>
               <a:rPr lang="nl-NL" dirty="0"/>
-              <a:t>Layout Rules</a:t>
+              <a:t>Pros &amp; Cons</a:t>
             </a:r>
           </a:p>
         </p:txBody>
@@ -13541,90 +15170,73 @@
             <a:spLocks noGrp="1"/>
           </p:cNvSpPr>
           <p:nvPr>
-            <p:ph idx="1"/>
-          </p:nvPr>
-        </p:nvSpPr>
-        <p:spPr/>
-        <p:txBody>
-          <a:bodyPr/>
-          <a:lstStyle/>
-          <a:p>
+            <p:ph sz="half" idx="1"/>
+          </p:nvPr>
+        </p:nvSpPr>
+        <p:spPr/>
+        <p:txBody>
+          <a:bodyPr/>
+          <a:lstStyle/>
+          <a:p>
+            <a:pPr>
+              <a:buFont typeface="Wingdings" panose="05000000000000000000" pitchFamily="2" charset="2"/>
+              <a:buChar char="ü"/>
+            </a:pPr>
             <a:r>
               <a:rPr lang="nl-NL" dirty="0"/>
-              <a:t>Defines page sections</a:t>
-            </a:r>
-          </a:p>
-          <a:p>
+              <a:t>Easy to use</a:t>
+            </a:r>
+          </a:p>
+          <a:p>
+            <a:pPr>
+              <a:buFont typeface="Wingdings" panose="05000000000000000000" pitchFamily="2" charset="2"/>
+              <a:buChar char="ü"/>
+            </a:pPr>
             <a:r>
               <a:rPr lang="nl-NL" dirty="0"/>
-              <a:t>Major components</a:t>
-            </a:r>
-          </a:p>
+              <a:t>Reusable styles</a:t>
+            </a:r>
+          </a:p>
+          <a:p>
+            <a:endParaRPr lang="nl-NL" dirty="0"/>
+          </a:p>
+        </p:txBody>
+      </p:sp>
+      <p:sp>
+        <p:nvSpPr>
+          <p:cNvPr id="4" name="Content Placeholder 3"/>
+          <p:cNvSpPr>
+            <a:spLocks noGrp="1"/>
+          </p:cNvSpPr>
+          <p:nvPr>
+            <p:ph sz="half" idx="2"/>
+          </p:nvPr>
+        </p:nvSpPr>
+        <p:spPr/>
+        <p:txBody>
+          <a:bodyPr/>
+          <a:lstStyle/>
           <a:p>
             <a:r>
               <a:rPr lang="nl-NL" dirty="0"/>
-              <a:t>Example: #header, #footer, #sidebar</a:t>
+              <a:t>Bloated HTML</a:t>
             </a:r>
           </a:p>
           <a:p>
             <a:r>
               <a:rPr lang="nl-NL" dirty="0"/>
-              <a:t>Combinable with other layout styles</a:t>
-            </a:r>
-          </a:p>
-          <a:p>
-            <a:r>
-              <a:rPr lang="nl-NL" dirty="0"/>
-              <a:t>.l- prefix</a:t>
-            </a:r>
-          </a:p>
-        </p:txBody>
-      </p:sp>
-      <p:pic>
-        <p:nvPicPr>
-          <p:cNvPr id="8194" name="Picture 2" descr="https://i.gyazo.com/e66d73b1f8113081ee05659d02fd4fb2.png"/>
-          <p:cNvPicPr>
-            <a:picLocks noChangeAspect="1" noChangeArrowheads="1"/>
-          </p:cNvPicPr>
-          <p:nvPr/>
-        </p:nvPicPr>
-        <p:blipFill>
-          <a:blip r:embed="rId2">
-            <a:extLst>
-              <a:ext uri="{28A0092B-C50C-407E-A947-70E740481C1C}">
-                <a14:useLocalDpi xmlns:a14="http://schemas.microsoft.com/office/drawing/2010/main" val="0"/>
-              </a:ext>
-            </a:extLst>
-          </a:blip>
-          <a:srcRect/>
-          <a:stretch>
-            <a:fillRect/>
-          </a:stretch>
-        </p:blipFill>
-        <p:spPr bwMode="auto">
-          <a:xfrm>
-            <a:off x="8897528" y="1690687"/>
-            <a:ext cx="2456271" cy="5062925"/>
-          </a:xfrm>
-          <a:prstGeom prst="rect">
-            <a:avLst/>
-          </a:prstGeom>
-          <a:noFill/>
-          <a:extLst>
-            <a:ext uri="{909E8E84-426E-40DD-AFC4-6F175D3DCCD1}">
-              <a14:hiddenFill xmlns:a14="http://schemas.microsoft.com/office/drawing/2010/main">
-                <a:solidFill>
-                  <a:srgbClr val="FFFFFF"/>
-                </a:solidFill>
-              </a14:hiddenFill>
-            </a:ext>
-          </a:extLst>
-        </p:spPr>
-      </p:pic>
+              <a:t>Components cannot share styles</a:t>
+            </a:r>
+          </a:p>
+          <a:p>
+            <a:endParaRPr lang="nl-NL" dirty="0"/>
+          </a:p>
+        </p:txBody>
+      </p:sp>
     </p:spTree>
     <p:extLst>
       <p:ext uri="{BB962C8B-B14F-4D97-AF65-F5344CB8AC3E}">
-        <p14:creationId xmlns:p14="http://schemas.microsoft.com/office/powerpoint/2010/main" val="1245525609"/>
+        <p14:creationId xmlns:p14="http://schemas.microsoft.com/office/powerpoint/2010/main" val="1031138050"/>
       </p:ext>
     </p:extLst>
   </p:cSld>

--- a/SIG_CSS_Architecture.pptx
+++ b/SIG_CSS_Architecture.pptx
@@ -6,48 +6,49 @@
     <p:sldMasterId id="2147483681" r:id="rId2"/>
   </p:sldMasterIdLst>
   <p:notesMasterIdLst>
-    <p:notesMasterId r:id="rId42"/>
+    <p:notesMasterId r:id="rId43"/>
   </p:notesMasterIdLst>
   <p:sldIdLst>
     <p:sldId id="292" r:id="rId3"/>
     <p:sldId id="286" r:id="rId4"/>
     <p:sldId id="290" r:id="rId5"/>
-    <p:sldId id="298" r:id="rId6"/>
-    <p:sldId id="296" r:id="rId7"/>
-    <p:sldId id="275" r:id="rId8"/>
-    <p:sldId id="276" r:id="rId9"/>
-    <p:sldId id="277" r:id="rId10"/>
-    <p:sldId id="278" r:id="rId11"/>
-    <p:sldId id="279" r:id="rId12"/>
-    <p:sldId id="271" r:id="rId13"/>
-    <p:sldId id="295" r:id="rId14"/>
-    <p:sldId id="257" r:id="rId15"/>
-    <p:sldId id="280" r:id="rId16"/>
-    <p:sldId id="281" r:id="rId17"/>
-    <p:sldId id="282" r:id="rId18"/>
-    <p:sldId id="283" r:id="rId19"/>
-    <p:sldId id="284" r:id="rId20"/>
-    <p:sldId id="272" r:id="rId21"/>
-    <p:sldId id="273" r:id="rId22"/>
-    <p:sldId id="274" r:id="rId23"/>
-    <p:sldId id="269" r:id="rId24"/>
-    <p:sldId id="267" r:id="rId25"/>
-    <p:sldId id="258" r:id="rId26"/>
-    <p:sldId id="268" r:id="rId27"/>
-    <p:sldId id="259" r:id="rId28"/>
-    <p:sldId id="266" r:id="rId29"/>
-    <p:sldId id="291" r:id="rId30"/>
-    <p:sldId id="260" r:id="rId31"/>
-    <p:sldId id="270" r:id="rId32"/>
-    <p:sldId id="297" r:id="rId33"/>
-    <p:sldId id="261" r:id="rId34"/>
-    <p:sldId id="262" r:id="rId35"/>
-    <p:sldId id="263" r:id="rId36"/>
-    <p:sldId id="264" r:id="rId37"/>
-    <p:sldId id="265" r:id="rId38"/>
-    <p:sldId id="293" r:id="rId39"/>
-    <p:sldId id="294" r:id="rId40"/>
-    <p:sldId id="299" r:id="rId41"/>
+    <p:sldId id="300" r:id="rId6"/>
+    <p:sldId id="298" r:id="rId7"/>
+    <p:sldId id="296" r:id="rId8"/>
+    <p:sldId id="275" r:id="rId9"/>
+    <p:sldId id="276" r:id="rId10"/>
+    <p:sldId id="277" r:id="rId11"/>
+    <p:sldId id="278" r:id="rId12"/>
+    <p:sldId id="279" r:id="rId13"/>
+    <p:sldId id="271" r:id="rId14"/>
+    <p:sldId id="295" r:id="rId15"/>
+    <p:sldId id="257" r:id="rId16"/>
+    <p:sldId id="280" r:id="rId17"/>
+    <p:sldId id="281" r:id="rId18"/>
+    <p:sldId id="282" r:id="rId19"/>
+    <p:sldId id="283" r:id="rId20"/>
+    <p:sldId id="284" r:id="rId21"/>
+    <p:sldId id="272" r:id="rId22"/>
+    <p:sldId id="273" r:id="rId23"/>
+    <p:sldId id="274" r:id="rId24"/>
+    <p:sldId id="269" r:id="rId25"/>
+    <p:sldId id="267" r:id="rId26"/>
+    <p:sldId id="258" r:id="rId27"/>
+    <p:sldId id="268" r:id="rId28"/>
+    <p:sldId id="259" r:id="rId29"/>
+    <p:sldId id="266" r:id="rId30"/>
+    <p:sldId id="291" r:id="rId31"/>
+    <p:sldId id="260" r:id="rId32"/>
+    <p:sldId id="270" r:id="rId33"/>
+    <p:sldId id="297" r:id="rId34"/>
+    <p:sldId id="261" r:id="rId35"/>
+    <p:sldId id="262" r:id="rId36"/>
+    <p:sldId id="263" r:id="rId37"/>
+    <p:sldId id="264" r:id="rId38"/>
+    <p:sldId id="265" r:id="rId39"/>
+    <p:sldId id="293" r:id="rId40"/>
+    <p:sldId id="294" r:id="rId41"/>
+    <p:sldId id="299" r:id="rId42"/>
   </p:sldIdLst>
   <p:sldSz cx="12192000" cy="6858000"/>
   <p:notesSz cx="6858000" cy="9144000"/>
@@ -236,7 +237,7 @@
           <a:p>
             <a:fld id="{71E74108-0C1B-43E7-90A5-5095241C0D4B}" type="datetimeFigureOut">
               <a:rPr lang="en-NL" smtClean="0"/>
-              <a:t>19/02/2020</a:t>
+              <a:t>20/02/2020</a:t>
             </a:fld>
             <a:endParaRPr lang="en-NL"/>
           </a:p>
@@ -569,7 +570,7 @@
           <a:p>
             <a:fld id="{10CC1388-5806-4682-935F-40A544AE6D98}" type="slidenum">
               <a:rPr lang="en-NL" smtClean="0"/>
-              <a:t>15</a:t>
+              <a:t>16</a:t>
             </a:fld>
             <a:endParaRPr lang="en-NL"/>
           </a:p>
@@ -720,7 +721,7 @@
           <a:p>
             <a:fld id="{10CC1388-5806-4682-935F-40A544AE6D98}" type="slidenum">
               <a:rPr lang="en-NL" smtClean="0"/>
-              <a:t>23</a:t>
+              <a:t>24</a:t>
             </a:fld>
             <a:endParaRPr lang="en-NL"/>
           </a:p>
@@ -804,7 +805,7 @@
           <a:p>
             <a:fld id="{10CC1388-5806-4682-935F-40A544AE6D98}" type="slidenum">
               <a:rPr lang="en-NL" smtClean="0"/>
-              <a:t>24</a:t>
+              <a:t>25</a:t>
             </a:fld>
             <a:endParaRPr lang="en-NL"/>
           </a:p>
@@ -888,7 +889,7 @@
           <a:p>
             <a:fld id="{10CC1388-5806-4682-935F-40A544AE6D98}" type="slidenum">
               <a:rPr lang="en-NL" smtClean="0"/>
-              <a:t>28</a:t>
+              <a:t>29</a:t>
             </a:fld>
             <a:endParaRPr lang="en-NL"/>
           </a:p>
@@ -999,7 +1000,7 @@
           <a:p>
             <a:fld id="{10CC1388-5806-4682-935F-40A544AE6D98}" type="slidenum">
               <a:rPr lang="en-NL" smtClean="0"/>
-              <a:t>30</a:t>
+              <a:t>31</a:t>
             </a:fld>
             <a:endParaRPr lang="en-NL"/>
           </a:p>
@@ -1087,7 +1088,7 @@
           <a:p>
             <a:fld id="{10CC1388-5806-4682-935F-40A544AE6D98}" type="slidenum">
               <a:rPr lang="en-NL" smtClean="0"/>
-              <a:t>34</a:t>
+              <a:t>35</a:t>
             </a:fld>
             <a:endParaRPr lang="en-NL"/>
           </a:p>
@@ -1194,7 +1195,7 @@
           <a:p>
             <a:fld id="{10CC1388-5806-4682-935F-40A544AE6D98}" type="slidenum">
               <a:rPr lang="en-NL" smtClean="0"/>
-              <a:t>36</a:t>
+              <a:t>37</a:t>
             </a:fld>
             <a:endParaRPr lang="en-NL"/>
           </a:p>
@@ -1572,7 +1573,7 @@
           <a:p>
             <a:fld id="{A9710CDB-38B1-8E43-A846-6FE3B07A872E}" type="datetime1">
               <a:rPr lang="en-US" noProof="0" smtClean="0"/>
-              <a:t>2/19/2020</a:t>
+              <a:t>2/20/2020</a:t>
             </a:fld>
             <a:endParaRPr lang="nl-NL" noProof="0" dirty="0"/>
           </a:p>
@@ -1970,7 +1971,7 @@
           <a:p>
             <a:fld id="{12D8B67E-1464-254D-876A-5A059C6CA686}" type="datetime1">
               <a:rPr lang="en-US" smtClean="0"/>
-              <a:t>2/19/2020</a:t>
+              <a:t>2/20/2020</a:t>
             </a:fld>
             <a:endParaRPr lang="nl-NL"/>
           </a:p>
@@ -2388,7 +2389,7 @@
           <a:p>
             <a:fld id="{1297756A-AF1A-B249-A7CF-A1AE4E86FA38}" type="datetime1">
               <a:rPr lang="en-US" smtClean="0"/>
-              <a:t>2/19/2020</a:t>
+              <a:t>2/20/2020</a:t>
             </a:fld>
             <a:endParaRPr lang="nl-NL"/>
           </a:p>
@@ -2752,7 +2753,7 @@
           <a:p>
             <a:fld id="{37C8E900-D3BD-ED44-9070-3471A5611DC2}" type="datetime1">
               <a:rPr lang="en-US" smtClean="0"/>
-              <a:t>2/19/2020</a:t>
+              <a:t>2/20/2020</a:t>
             </a:fld>
             <a:endParaRPr lang="nl-NL"/>
           </a:p>
@@ -2933,7 +2934,7 @@
           <a:p>
             <a:fld id="{203D5A3F-EB4E-3340-8D19-07B028CB11AD}" type="datetime1">
               <a:rPr lang="en-US" smtClean="0"/>
-              <a:t>2/19/2020</a:t>
+              <a:t>2/20/2020</a:t>
             </a:fld>
             <a:endParaRPr lang="nl-NL"/>
           </a:p>
@@ -3217,7 +3218,7 @@
           <a:p>
             <a:fld id="{DE0817F5-E025-4869-BD4A-C88D9E21FD4E}" type="datetimeFigureOut">
               <a:rPr lang="nl-NL" smtClean="0"/>
-              <a:t>19-2-2020</a:t>
+              <a:t>20-2-2020</a:t>
             </a:fld>
             <a:endParaRPr lang="nl-NL"/>
           </a:p>
@@ -3449,7 +3450,7 @@
           <a:p>
             <a:fld id="{DE0817F5-E025-4869-BD4A-C88D9E21FD4E}" type="datetimeFigureOut">
               <a:rPr lang="nl-NL" smtClean="0"/>
-              <a:t>19-2-2020</a:t>
+              <a:t>20-2-2020</a:t>
             </a:fld>
             <a:endParaRPr lang="nl-NL"/>
           </a:p>
@@ -4818,7 +4819,7 @@
           <a:p>
             <a:fld id="{72D047B4-46E0-4CAC-AB1A-1663497BA375}" type="datetimeFigureOut">
               <a:rPr lang="en-NL" smtClean="0"/>
-              <a:t>19/02/2020</a:t>
+              <a:t>20/02/2020</a:t>
             </a:fld>
             <a:endParaRPr lang="en-NL"/>
           </a:p>
@@ -5062,7 +5063,7 @@
           <a:p>
             <a:fld id="{72D047B4-46E0-4CAC-AB1A-1663497BA375}" type="datetimeFigureOut">
               <a:rPr lang="en-NL" smtClean="0"/>
-              <a:t>19/02/2020</a:t>
+              <a:t>20/02/2020</a:t>
             </a:fld>
             <a:endParaRPr lang="en-NL"/>
           </a:p>
@@ -5312,7 +5313,7 @@
           <a:p>
             <a:fld id="{72D047B4-46E0-4CAC-AB1A-1663497BA375}" type="datetimeFigureOut">
               <a:rPr lang="en-NL" smtClean="0"/>
-              <a:t>19/02/2020</a:t>
+              <a:t>20/02/2020</a:t>
             </a:fld>
             <a:endParaRPr lang="en-NL"/>
           </a:p>
@@ -5479,7 +5480,7 @@
           <a:p>
             <a:fld id="{DA73B474-0AB7-8846-BA6A-67033A8CF4FA}" type="datetime1">
               <a:rPr lang="en-US" smtClean="0"/>
-              <a:t>2/19/2020</a:t>
+              <a:t>2/20/2020</a:t>
             </a:fld>
             <a:endParaRPr lang="nl-NL"/>
           </a:p>
@@ -5940,7 +5941,7 @@
           <a:p>
             <a:fld id="{72D047B4-46E0-4CAC-AB1A-1663497BA375}" type="datetimeFigureOut">
               <a:rPr lang="en-NL" smtClean="0"/>
-              <a:t>19/02/2020</a:t>
+              <a:t>20/02/2020</a:t>
             </a:fld>
             <a:endParaRPr lang="en-NL"/>
           </a:p>
@@ -6548,7 +6549,7 @@
           <a:p>
             <a:fld id="{A9710CDB-38B1-8E43-A846-6FE3B07A872E}" type="datetime1">
               <a:rPr lang="en-US" noProof="0" smtClean="0"/>
-              <a:t>2/19/2020</a:t>
+              <a:t>2/20/2020</a:t>
             </a:fld>
             <a:endParaRPr lang="nl-NL" noProof="0" dirty="0"/>
           </a:p>
@@ -6901,7 +6902,7 @@
           <a:p>
             <a:fld id="{72D047B4-46E0-4CAC-AB1A-1663497BA375}" type="datetimeFigureOut">
               <a:rPr lang="en-NL" smtClean="0"/>
-              <a:t>19/02/2020</a:t>
+              <a:t>20/02/2020</a:t>
             </a:fld>
             <a:endParaRPr lang="en-NL"/>
           </a:p>
@@ -7288,7 +7289,7 @@
           <a:p>
             <a:fld id="{72D047B4-46E0-4CAC-AB1A-1663497BA375}" type="datetimeFigureOut">
               <a:rPr lang="en-NL" smtClean="0"/>
-              <a:t>19/02/2020</a:t>
+              <a:t>20/02/2020</a:t>
             </a:fld>
             <a:endParaRPr lang="en-NL"/>
           </a:p>
@@ -7703,7 +7704,7 @@
           <a:p>
             <a:fld id="{72D047B4-46E0-4CAC-AB1A-1663497BA375}" type="datetimeFigureOut">
               <a:rPr lang="en-NL" smtClean="0"/>
-              <a:t>19/02/2020</a:t>
+              <a:t>20/02/2020</a:t>
             </a:fld>
             <a:endParaRPr lang="en-NL"/>
           </a:p>
@@ -8064,7 +8065,7 @@
           <a:p>
             <a:fld id="{72D047B4-46E0-4CAC-AB1A-1663497BA375}" type="datetimeFigureOut">
               <a:rPr lang="en-NL" smtClean="0"/>
-              <a:t>19/02/2020</a:t>
+              <a:t>20/02/2020</a:t>
             </a:fld>
             <a:endParaRPr lang="en-NL"/>
           </a:p>
@@ -8608,7 +8609,7 @@
           <a:p>
             <a:fld id="{72D047B4-46E0-4CAC-AB1A-1663497BA375}" type="datetimeFigureOut">
               <a:rPr lang="en-NL" smtClean="0"/>
-              <a:t>19/02/2020</a:t>
+              <a:t>20/02/2020</a:t>
             </a:fld>
             <a:endParaRPr lang="en-NL"/>
           </a:p>
@@ -8907,7 +8908,7 @@
           <a:p>
             <a:fld id="{72D047B4-46E0-4CAC-AB1A-1663497BA375}" type="datetimeFigureOut">
               <a:rPr lang="en-NL" smtClean="0"/>
-              <a:t>19/02/2020</a:t>
+              <a:t>20/02/2020</a:t>
             </a:fld>
             <a:endParaRPr lang="en-NL"/>
           </a:p>
@@ -9175,7 +9176,7 @@
           <a:p>
             <a:fld id="{72D047B4-46E0-4CAC-AB1A-1663497BA375}" type="datetimeFigureOut">
               <a:rPr lang="en-NL" smtClean="0"/>
-              <a:t>19/02/2020</a:t>
+              <a:t>20/02/2020</a:t>
             </a:fld>
             <a:endParaRPr lang="en-NL"/>
           </a:p>
@@ -9607,7 +9608,7 @@
           <a:p>
             <a:fld id="{A9710CDB-38B1-8E43-A846-6FE3B07A872E}" type="datetime1">
               <a:rPr lang="en-US" noProof="0" smtClean="0"/>
-              <a:t>2/19/2020</a:t>
+              <a:t>2/20/2020</a:t>
             </a:fld>
             <a:endParaRPr lang="nl-NL" noProof="0" dirty="0"/>
           </a:p>
@@ -9729,7 +9730,7 @@
           <a:p>
             <a:fld id="{DA73B474-0AB7-8846-BA6A-67033A8CF4FA}" type="datetime1">
               <a:rPr lang="en-US" smtClean="0"/>
-              <a:t>2/19/2020</a:t>
+              <a:t>2/20/2020</a:t>
             </a:fld>
             <a:endParaRPr lang="nl-NL"/>
           </a:p>
@@ -10187,7 +10188,7 @@
           <a:p>
             <a:fld id="{405216DA-0E4B-CC41-ACBF-76C3BC02E189}" type="datetime1">
               <a:rPr lang="en-US" smtClean="0"/>
-              <a:t>2/19/2020</a:t>
+              <a:t>2/20/2020</a:t>
             </a:fld>
             <a:endParaRPr lang="nl-NL"/>
           </a:p>
@@ -10434,7 +10435,7 @@
           <a:p>
             <a:fld id="{779D8D44-D820-BB49-9309-B66E37C4EE70}" type="datetime1">
               <a:rPr lang="en-US" smtClean="0"/>
-              <a:t>2/19/2020</a:t>
+              <a:t>2/20/2020</a:t>
             </a:fld>
             <a:endParaRPr lang="nl-NL"/>
           </a:p>
@@ -10687,7 +10688,7 @@
           <a:p>
             <a:fld id="{A4AB6030-B80C-7C4C-B97F-1ADFAB53E146}" type="datetime1">
               <a:rPr lang="en-US" smtClean="0"/>
-              <a:t>2/19/2020</a:t>
+              <a:t>2/20/2020</a:t>
             </a:fld>
             <a:endParaRPr lang="nl-NL"/>
           </a:p>
@@ -10857,7 +10858,7 @@
           <a:p>
             <a:fld id="{DA73B474-0AB7-8846-BA6A-67033A8CF4FA}" type="datetime1">
               <a:rPr lang="en-US" smtClean="0"/>
-              <a:t>2/19/2020</a:t>
+              <a:t>2/20/2020</a:t>
             </a:fld>
             <a:endParaRPr lang="nl-NL"/>
           </a:p>
@@ -11318,7 +11319,7 @@
           <a:p>
             <a:fld id="{56BA50C8-7311-E14C-816D-7251E320C8DC}" type="datetime1">
               <a:rPr lang="en-US" smtClean="0"/>
-              <a:t>2/19/2020</a:t>
+              <a:t>2/20/2020</a:t>
             </a:fld>
             <a:endParaRPr lang="nl-NL"/>
           </a:p>
@@ -11929,7 +11930,7 @@
           <a:p>
             <a:fld id="{A9710CDB-38B1-8E43-A846-6FE3B07A872E}" type="datetime1">
               <a:rPr lang="en-US" noProof="0" smtClean="0"/>
-              <a:t>2/19/2020</a:t>
+              <a:t>2/20/2020</a:t>
             </a:fld>
             <a:endParaRPr lang="nl-NL" noProof="0" dirty="0"/>
           </a:p>
@@ -12247,7 +12248,7 @@
           <a:p>
             <a:fld id="{E300D605-E2BB-8B4E-A2F3-5A64231C34A6}" type="datetime1">
               <a:rPr lang="en-US" smtClean="0"/>
-              <a:t>2/19/2020</a:t>
+              <a:t>2/20/2020</a:t>
             </a:fld>
             <a:endParaRPr lang="nl-NL"/>
           </a:p>
@@ -12897,7 +12898,7 @@
           <a:p>
             <a:fld id="{72D047B4-46E0-4CAC-AB1A-1663497BA375}" type="datetimeFigureOut">
               <a:rPr lang="en-NL" smtClean="0"/>
-              <a:t>19/02/2020</a:t>
+              <a:t>20/02/2020</a:t>
             </a:fld>
             <a:endParaRPr lang="en-NL"/>
           </a:p>
@@ -13468,6 +13469,139 @@
           <a:p>
             <a:r>
               <a:rPr lang="nl-NL" dirty="0"/>
+              <a:t>Element</a:t>
+            </a:r>
+          </a:p>
+        </p:txBody>
+      </p:sp>
+      <p:sp>
+        <p:nvSpPr>
+          <p:cNvPr id="3" name="Content Placeholder 2"/>
+          <p:cNvSpPr>
+            <a:spLocks noGrp="1"/>
+          </p:cNvSpPr>
+          <p:nvPr>
+            <p:ph idx="1"/>
+          </p:nvPr>
+        </p:nvSpPr>
+        <p:spPr/>
+        <p:txBody>
+          <a:bodyPr/>
+          <a:lstStyle/>
+          <a:p>
+            <a:r>
+              <a:rPr lang="nl-NL" dirty="0"/>
+              <a:t>Child of a block</a:t>
+            </a:r>
+          </a:p>
+          <a:p>
+            <a:r>
+              <a:rPr lang="nl-NL" dirty="0"/>
+              <a:t>No meaning on its own</a:t>
+            </a:r>
+          </a:p>
+          <a:p>
+            <a:r>
+              <a:rPr lang="nl-NL" dirty="0"/>
+              <a:t>Never related to another element</a:t>
+            </a:r>
+          </a:p>
+          <a:p>
+            <a:r>
+              <a:rPr lang="nl-NL" dirty="0"/>
+              <a:t>Double underscore as prefix</a:t>
+            </a:r>
+          </a:p>
+        </p:txBody>
+      </p:sp>
+      <p:pic>
+        <p:nvPicPr>
+          <p:cNvPr id="4098" name="Picture 2" descr="https://i.gyazo.com/399509cf03e9b9f9b2bd8891d022ef80.png"/>
+          <p:cNvPicPr>
+            <a:picLocks noChangeAspect="1" noChangeArrowheads="1"/>
+          </p:cNvPicPr>
+          <p:nvPr/>
+        </p:nvPicPr>
+        <p:blipFill>
+          <a:blip r:embed="rId2">
+            <a:extLst>
+              <a:ext uri="{28A0092B-C50C-407E-A947-70E740481C1C}">
+                <a14:useLocalDpi xmlns:a14="http://schemas.microsoft.com/office/drawing/2010/main" val="0"/>
+              </a:ext>
+            </a:extLst>
+          </a:blip>
+          <a:srcRect/>
+          <a:stretch>
+            <a:fillRect/>
+          </a:stretch>
+        </p:blipFill>
+        <p:spPr bwMode="auto">
+          <a:xfrm>
+            <a:off x="8791575" y="1825625"/>
+            <a:ext cx="2562225" cy="3962401"/>
+          </a:xfrm>
+          <a:prstGeom prst="rect">
+            <a:avLst/>
+          </a:prstGeom>
+          <a:noFill/>
+          <a:extLst>
+            <a:ext uri="{909E8E84-426E-40DD-AFC4-6F175D3DCCD1}">
+              <a14:hiddenFill xmlns:a14="http://schemas.microsoft.com/office/drawing/2010/main">
+                <a:solidFill>
+                  <a:srgbClr val="FFFFFF"/>
+                </a:solidFill>
+              </a14:hiddenFill>
+            </a:ext>
+          </a:extLst>
+        </p:spPr>
+      </p:pic>
+    </p:spTree>
+    <p:extLst>
+      <p:ext uri="{BB962C8B-B14F-4D97-AF65-F5344CB8AC3E}">
+        <p14:creationId xmlns:p14="http://schemas.microsoft.com/office/powerpoint/2010/main" val="2205067644"/>
+      </p:ext>
+    </p:extLst>
+  </p:cSld>
+  <p:clrMapOvr>
+    <a:masterClrMapping/>
+  </p:clrMapOvr>
+</p:sld>
+</file>
+
+<file path=ppt/slides/slide11.xml><?xml version="1.0" encoding="utf-8"?>
+<p:sld xmlns:a="http://schemas.openxmlformats.org/drawingml/2006/main" xmlns:r="http://schemas.openxmlformats.org/officeDocument/2006/relationships" xmlns:p="http://schemas.openxmlformats.org/presentationml/2006/main">
+  <p:cSld>
+    <p:spTree>
+      <p:nvGrpSpPr>
+        <p:cNvPr id="1" name=""/>
+        <p:cNvGrpSpPr/>
+        <p:nvPr/>
+      </p:nvGrpSpPr>
+      <p:grpSpPr>
+        <a:xfrm>
+          <a:off x="0" y="0"/>
+          <a:ext cx="0" cy="0"/>
+          <a:chOff x="0" y="0"/>
+          <a:chExt cx="0" cy="0"/>
+        </a:xfrm>
+      </p:grpSpPr>
+      <p:sp>
+        <p:nvSpPr>
+          <p:cNvPr id="2" name="Title 1"/>
+          <p:cNvSpPr>
+            <a:spLocks noGrp="1"/>
+          </p:cNvSpPr>
+          <p:nvPr>
+            <p:ph type="title"/>
+          </p:nvPr>
+        </p:nvSpPr>
+        <p:spPr/>
+        <p:txBody>
+          <a:bodyPr/>
+          <a:lstStyle/>
+          <a:p>
+            <a:r>
+              <a:rPr lang="nl-NL" dirty="0"/>
               <a:t>Modifier</a:t>
             </a:r>
           </a:p>
@@ -13622,7 +13756,7 @@
 </p:sld>
 </file>
 
-<file path=ppt/slides/slide11.xml><?xml version="1.0" encoding="utf-8"?>
+<file path=ppt/slides/slide12.xml><?xml version="1.0" encoding="utf-8"?>
 <p:sld xmlns:a="http://schemas.openxmlformats.org/drawingml/2006/main" xmlns:r="http://schemas.openxmlformats.org/officeDocument/2006/relationships" xmlns:p="http://schemas.openxmlformats.org/presentationml/2006/main">
   <p:cSld>
     <p:spTree>
@@ -13744,7 +13878,7 @@
 </p:sld>
 </file>
 
-<file path=ppt/slides/slide12.xml><?xml version="1.0" encoding="utf-8"?>
+<file path=ppt/slides/slide13.xml><?xml version="1.0" encoding="utf-8"?>
 <p:sld xmlns:a="http://schemas.openxmlformats.org/drawingml/2006/main" xmlns:r="http://schemas.openxmlformats.org/officeDocument/2006/relationships" xmlns:p="http://schemas.openxmlformats.org/presentationml/2006/main">
   <p:cSld>
     <p:bg>
@@ -13889,7 +14023,7 @@
 </p:sld>
 </file>
 
-<file path=ppt/slides/slide13.xml><?xml version="1.0" encoding="utf-8"?>
+<file path=ppt/slides/slide14.xml><?xml version="1.0" encoding="utf-8"?>
 <p:sld xmlns:a="http://schemas.openxmlformats.org/drawingml/2006/main" xmlns:r="http://schemas.openxmlformats.org/officeDocument/2006/relationships" xmlns:p="http://schemas.openxmlformats.org/presentationml/2006/main">
   <p:cSld>
     <p:spTree>
@@ -14102,7 +14236,7 @@
 </p:sld>
 </file>
 
-<file path=ppt/slides/slide14.xml><?xml version="1.0" encoding="utf-8"?>
+<file path=ppt/slides/slide15.xml><?xml version="1.0" encoding="utf-8"?>
 <p:sld xmlns:a="http://schemas.openxmlformats.org/drawingml/2006/main" xmlns:r="http://schemas.openxmlformats.org/officeDocument/2006/relationships" xmlns:p="http://schemas.openxmlformats.org/presentationml/2006/main">
   <p:cSld>
     <p:spTree>
@@ -14229,7 +14363,7 @@
 </p:sld>
 </file>
 
-<file path=ppt/slides/slide15.xml><?xml version="1.0" encoding="utf-8"?>
+<file path=ppt/slides/slide16.xml><?xml version="1.0" encoding="utf-8"?>
 <p:sld xmlns:a="http://schemas.openxmlformats.org/drawingml/2006/main" xmlns:r="http://schemas.openxmlformats.org/officeDocument/2006/relationships" xmlns:p="http://schemas.openxmlformats.org/presentationml/2006/main">
   <p:cSld>
     <p:spTree>
@@ -14368,7 +14502,7 @@
 </p:sld>
 </file>
 
-<file path=ppt/slides/slide16.xml><?xml version="1.0" encoding="utf-8"?>
+<file path=ppt/slides/slide17.xml><?xml version="1.0" encoding="utf-8"?>
 <p:sld xmlns:a="http://schemas.openxmlformats.org/drawingml/2006/main" xmlns:r="http://schemas.openxmlformats.org/officeDocument/2006/relationships" xmlns:p="http://schemas.openxmlformats.org/presentationml/2006/main">
   <p:cSld>
     <p:spTree>
@@ -14523,7 +14657,7 @@
 </p:sld>
 </file>
 
-<file path=ppt/slides/slide17.xml><?xml version="1.0" encoding="utf-8"?>
+<file path=ppt/slides/slide18.xml><?xml version="1.0" encoding="utf-8"?>
 <p:sld xmlns:a="http://schemas.openxmlformats.org/drawingml/2006/main" xmlns:r="http://schemas.openxmlformats.org/officeDocument/2006/relationships" xmlns:p="http://schemas.openxmlformats.org/presentationml/2006/main">
   <p:cSld>
     <p:spTree>
@@ -14663,7 +14797,7 @@
 </p:sld>
 </file>
 
-<file path=ppt/slides/slide18.xml><?xml version="1.0" encoding="utf-8"?>
+<file path=ppt/slides/slide19.xml><?xml version="1.0" encoding="utf-8"?>
 <p:sld xmlns:a="http://schemas.openxmlformats.org/drawingml/2006/main" xmlns:r="http://schemas.openxmlformats.org/officeDocument/2006/relationships" xmlns:p="http://schemas.openxmlformats.org/presentationml/2006/main">
   <p:cSld>
     <p:spTree>
@@ -14796,128 +14930,6 @@
 </p:sld>
 </file>
 
-<file path=ppt/slides/slide19.xml><?xml version="1.0" encoding="utf-8"?>
-<p:sld xmlns:a="http://schemas.openxmlformats.org/drawingml/2006/main" xmlns:r="http://schemas.openxmlformats.org/officeDocument/2006/relationships" xmlns:p="http://schemas.openxmlformats.org/presentationml/2006/main">
-  <p:cSld>
-    <p:spTree>
-      <p:nvGrpSpPr>
-        <p:cNvPr id="1" name=""/>
-        <p:cNvGrpSpPr/>
-        <p:nvPr/>
-      </p:nvGrpSpPr>
-      <p:grpSpPr>
-        <a:xfrm>
-          <a:off x="0" y="0"/>
-          <a:ext cx="0" cy="0"/>
-          <a:chOff x="0" y="0"/>
-          <a:chExt cx="0" cy="0"/>
-        </a:xfrm>
-      </p:grpSpPr>
-      <p:sp>
-        <p:nvSpPr>
-          <p:cNvPr id="2" name="Title 1"/>
-          <p:cNvSpPr>
-            <a:spLocks noGrp="1"/>
-          </p:cNvSpPr>
-          <p:nvPr>
-            <p:ph type="title"/>
-          </p:nvPr>
-        </p:nvSpPr>
-        <p:spPr/>
-        <p:txBody>
-          <a:bodyPr/>
-          <a:lstStyle/>
-          <a:p>
-            <a:r>
-              <a:rPr lang="nl-NL" dirty="0"/>
-              <a:t>Pros &amp; Cons</a:t>
-            </a:r>
-          </a:p>
-        </p:txBody>
-      </p:sp>
-      <p:sp>
-        <p:nvSpPr>
-          <p:cNvPr id="3" name="Content Placeholder 2"/>
-          <p:cNvSpPr>
-            <a:spLocks noGrp="1"/>
-          </p:cNvSpPr>
-          <p:nvPr>
-            <p:ph sz="half" idx="1"/>
-          </p:nvPr>
-        </p:nvSpPr>
-        <p:spPr/>
-        <p:txBody>
-          <a:bodyPr/>
-          <a:lstStyle/>
-          <a:p>
-            <a:pPr>
-              <a:buFont typeface="Wingdings" panose="05000000000000000000" pitchFamily="2" charset="2"/>
-              <a:buChar char="ü"/>
-            </a:pPr>
-            <a:r>
-              <a:rPr lang="nl-NL" dirty="0"/>
-              <a:t>Organized CSS</a:t>
-            </a:r>
-          </a:p>
-          <a:p>
-            <a:pPr>
-              <a:buFont typeface="Wingdings" panose="05000000000000000000" pitchFamily="2" charset="2"/>
-              <a:buChar char="ü"/>
-            </a:pPr>
-            <a:r>
-              <a:rPr lang="nl-NL" dirty="0"/>
-              <a:t>Reusable modules</a:t>
-            </a:r>
-          </a:p>
-          <a:p>
-            <a:endParaRPr lang="nl-NL" dirty="0"/>
-          </a:p>
-        </p:txBody>
-      </p:sp>
-      <p:sp>
-        <p:nvSpPr>
-          <p:cNvPr id="4" name="Content Placeholder 3"/>
-          <p:cNvSpPr>
-            <a:spLocks noGrp="1"/>
-          </p:cNvSpPr>
-          <p:nvPr>
-            <p:ph sz="half" idx="2"/>
-          </p:nvPr>
-        </p:nvSpPr>
-        <p:spPr/>
-        <p:txBody>
-          <a:bodyPr/>
-          <a:lstStyle/>
-          <a:p>
-            <a:r>
-              <a:rPr lang="nl-NL" dirty="0"/>
-              <a:t>Complicated</a:t>
-            </a:r>
-          </a:p>
-          <a:p>
-            <a:r>
-              <a:rPr lang="nl-NL" dirty="0"/>
-              <a:t>Specificity issues</a:t>
-            </a:r>
-          </a:p>
-          <a:p>
-            <a:endParaRPr lang="nl-NL" dirty="0"/>
-          </a:p>
-        </p:txBody>
-      </p:sp>
-    </p:spTree>
-    <p:extLst>
-      <p:ext uri="{BB962C8B-B14F-4D97-AF65-F5344CB8AC3E}">
-        <p14:creationId xmlns:p14="http://schemas.microsoft.com/office/powerpoint/2010/main" val="3708063159"/>
-      </p:ext>
-    </p:extLst>
-  </p:cSld>
-  <p:clrMapOvr>
-    <a:masterClrMapping/>
-  </p:clrMapOvr>
-</p:sld>
-</file>
-
 <file path=ppt/slides/slide2.xml><?xml version="1.0" encoding="utf-8"?>
 <p:sld xmlns:a="http://schemas.openxmlformats.org/drawingml/2006/main" xmlns:r="http://schemas.openxmlformats.org/officeDocument/2006/relationships" xmlns:p="http://schemas.openxmlformats.org/presentationml/2006/main">
   <p:cSld>
@@ -15060,6 +15072,128 @@
 </file>
 
 <file path=ppt/slides/slide20.xml><?xml version="1.0" encoding="utf-8"?>
+<p:sld xmlns:a="http://schemas.openxmlformats.org/drawingml/2006/main" xmlns:r="http://schemas.openxmlformats.org/officeDocument/2006/relationships" xmlns:p="http://schemas.openxmlformats.org/presentationml/2006/main">
+  <p:cSld>
+    <p:spTree>
+      <p:nvGrpSpPr>
+        <p:cNvPr id="1" name=""/>
+        <p:cNvGrpSpPr/>
+        <p:nvPr/>
+      </p:nvGrpSpPr>
+      <p:grpSpPr>
+        <a:xfrm>
+          <a:off x="0" y="0"/>
+          <a:ext cx="0" cy="0"/>
+          <a:chOff x="0" y="0"/>
+          <a:chExt cx="0" cy="0"/>
+        </a:xfrm>
+      </p:grpSpPr>
+      <p:sp>
+        <p:nvSpPr>
+          <p:cNvPr id="2" name="Title 1"/>
+          <p:cNvSpPr>
+            <a:spLocks noGrp="1"/>
+          </p:cNvSpPr>
+          <p:nvPr>
+            <p:ph type="title"/>
+          </p:nvPr>
+        </p:nvSpPr>
+        <p:spPr/>
+        <p:txBody>
+          <a:bodyPr/>
+          <a:lstStyle/>
+          <a:p>
+            <a:r>
+              <a:rPr lang="nl-NL" dirty="0"/>
+              <a:t>Pros &amp; Cons</a:t>
+            </a:r>
+          </a:p>
+        </p:txBody>
+      </p:sp>
+      <p:sp>
+        <p:nvSpPr>
+          <p:cNvPr id="3" name="Content Placeholder 2"/>
+          <p:cNvSpPr>
+            <a:spLocks noGrp="1"/>
+          </p:cNvSpPr>
+          <p:nvPr>
+            <p:ph sz="half" idx="1"/>
+          </p:nvPr>
+        </p:nvSpPr>
+        <p:spPr/>
+        <p:txBody>
+          <a:bodyPr/>
+          <a:lstStyle/>
+          <a:p>
+            <a:pPr>
+              <a:buFont typeface="Wingdings" panose="05000000000000000000" pitchFamily="2" charset="2"/>
+              <a:buChar char="ü"/>
+            </a:pPr>
+            <a:r>
+              <a:rPr lang="nl-NL" dirty="0"/>
+              <a:t>Organized CSS</a:t>
+            </a:r>
+          </a:p>
+          <a:p>
+            <a:pPr>
+              <a:buFont typeface="Wingdings" panose="05000000000000000000" pitchFamily="2" charset="2"/>
+              <a:buChar char="ü"/>
+            </a:pPr>
+            <a:r>
+              <a:rPr lang="nl-NL" dirty="0"/>
+              <a:t>Reusable modules</a:t>
+            </a:r>
+          </a:p>
+          <a:p>
+            <a:endParaRPr lang="nl-NL" dirty="0"/>
+          </a:p>
+        </p:txBody>
+      </p:sp>
+      <p:sp>
+        <p:nvSpPr>
+          <p:cNvPr id="4" name="Content Placeholder 3"/>
+          <p:cNvSpPr>
+            <a:spLocks noGrp="1"/>
+          </p:cNvSpPr>
+          <p:nvPr>
+            <p:ph sz="half" idx="2"/>
+          </p:nvPr>
+        </p:nvSpPr>
+        <p:spPr/>
+        <p:txBody>
+          <a:bodyPr/>
+          <a:lstStyle/>
+          <a:p>
+            <a:r>
+              <a:rPr lang="nl-NL" dirty="0"/>
+              <a:t>Complicated</a:t>
+            </a:r>
+          </a:p>
+          <a:p>
+            <a:r>
+              <a:rPr lang="nl-NL" dirty="0"/>
+              <a:t>Specificity issues</a:t>
+            </a:r>
+          </a:p>
+          <a:p>
+            <a:endParaRPr lang="nl-NL" dirty="0"/>
+          </a:p>
+        </p:txBody>
+      </p:sp>
+    </p:spTree>
+    <p:extLst>
+      <p:ext uri="{BB962C8B-B14F-4D97-AF65-F5344CB8AC3E}">
+        <p14:creationId xmlns:p14="http://schemas.microsoft.com/office/powerpoint/2010/main" val="3708063159"/>
+      </p:ext>
+    </p:extLst>
+  </p:cSld>
+  <p:clrMapOvr>
+    <a:masterClrMapping/>
+  </p:clrMapOvr>
+</p:sld>
+</file>
+
+<file path=ppt/slides/slide21.xml><?xml version="1.0" encoding="utf-8"?>
 <p:sld xmlns:a="http://schemas.openxmlformats.org/drawingml/2006/main" xmlns:r="http://schemas.openxmlformats.org/officeDocument/2006/relationships" xmlns:p="http://schemas.openxmlformats.org/presentationml/2006/main">
   <p:cSld>
     <p:spTree>
@@ -15166,189 +15300,6 @@
 </p:sld>
 </file>
 
-<file path=ppt/slides/slide21.xml><?xml version="1.0" encoding="utf-8"?>
-<p:sld xmlns:a="http://schemas.openxmlformats.org/drawingml/2006/main" xmlns:r="http://schemas.openxmlformats.org/officeDocument/2006/relationships" xmlns:p="http://schemas.openxmlformats.org/presentationml/2006/main">
-  <p:cSld>
-    <p:spTree>
-      <p:nvGrpSpPr>
-        <p:cNvPr id="1" name=""/>
-        <p:cNvGrpSpPr/>
-        <p:nvPr/>
-      </p:nvGrpSpPr>
-      <p:grpSpPr>
-        <a:xfrm>
-          <a:off x="0" y="0"/>
-          <a:ext cx="0" cy="0"/>
-          <a:chOff x="0" y="0"/>
-          <a:chExt cx="0" cy="0"/>
-        </a:xfrm>
-      </p:grpSpPr>
-      <p:sp>
-        <p:nvSpPr>
-          <p:cNvPr id="7" name="Title 6"/>
-          <p:cNvSpPr>
-            <a:spLocks noGrp="1"/>
-          </p:cNvSpPr>
-          <p:nvPr>
-            <p:ph type="title"/>
-          </p:nvPr>
-        </p:nvSpPr>
-        <p:spPr/>
-        <p:txBody>
-          <a:bodyPr/>
-          <a:lstStyle/>
-          <a:p>
-            <a:r>
-              <a:rPr lang="nl-NL" dirty="0"/>
-              <a:t>Object </a:t>
-            </a:r>
-            <a:r>
-              <a:rPr lang="nl-NL" dirty="0" err="1"/>
-              <a:t>Oriented</a:t>
-            </a:r>
-            <a:r>
-              <a:rPr lang="nl-NL" dirty="0"/>
-              <a:t> CSS</a:t>
-            </a:r>
-          </a:p>
-        </p:txBody>
-      </p:sp>
-      <p:sp>
-        <p:nvSpPr>
-          <p:cNvPr id="8" name="Content Placeholder 7"/>
-          <p:cNvSpPr>
-            <a:spLocks noGrp="1"/>
-          </p:cNvSpPr>
-          <p:nvPr>
-            <p:ph idx="1"/>
-          </p:nvPr>
-        </p:nvSpPr>
-        <p:spPr/>
-        <p:txBody>
-          <a:bodyPr/>
-          <a:lstStyle/>
-          <a:p>
-            <a:r>
-              <a:rPr lang="nl-NL" dirty="0" err="1"/>
-              <a:t>Seperation</a:t>
-            </a:r>
-            <a:r>
-              <a:rPr lang="nl-NL" dirty="0"/>
-              <a:t> of skin </a:t>
-            </a:r>
-            <a:r>
-              <a:rPr lang="nl-NL" dirty="0" err="1"/>
-              <a:t>and</a:t>
-            </a:r>
-            <a:r>
-              <a:rPr lang="nl-NL" dirty="0"/>
-              <a:t> </a:t>
-            </a:r>
-            <a:r>
-              <a:rPr lang="nl-NL" dirty="0" err="1"/>
-              <a:t>structure</a:t>
-            </a:r>
-            <a:endParaRPr lang="nl-NL" dirty="0"/>
-          </a:p>
-          <a:p>
-            <a:r>
-              <a:rPr lang="nl-NL" dirty="0" err="1"/>
-              <a:t>Seperation</a:t>
-            </a:r>
-            <a:r>
-              <a:rPr lang="nl-NL" dirty="0"/>
-              <a:t> of context </a:t>
-            </a:r>
-            <a:r>
-              <a:rPr lang="nl-NL" dirty="0" err="1"/>
-              <a:t>and</a:t>
-            </a:r>
-            <a:r>
-              <a:rPr lang="nl-NL" dirty="0"/>
-              <a:t> content</a:t>
-            </a:r>
-          </a:p>
-          <a:p>
-            <a:endParaRPr lang="nl-NL" dirty="0"/>
-          </a:p>
-        </p:txBody>
-      </p:sp>
-      <p:sp>
-        <p:nvSpPr>
-          <p:cNvPr id="4" name="Footer Placeholder 3"/>
-          <p:cNvSpPr>
-            <a:spLocks noGrp="1"/>
-          </p:cNvSpPr>
-          <p:nvPr>
-            <p:ph type="ftr" sz="quarter" idx="11"/>
-          </p:nvPr>
-        </p:nvSpPr>
-        <p:spPr/>
-        <p:txBody>
-          <a:bodyPr/>
-          <a:lstStyle/>
-          <a:p>
-            <a:pPr defTabSz="914377"/>
-            <a:r>
-              <a:rPr lang="nl-NL" dirty="0">
-                <a:solidFill>
-                  <a:srgbClr val="FFFFFF"/>
-                </a:solidFill>
-                <a:latin typeface="Arial" panose="020B0604020202020204"/>
-              </a:rPr>
-              <a:t>CSS Architectuur</a:t>
-            </a:r>
-          </a:p>
-        </p:txBody>
-      </p:sp>
-      <p:sp>
-        <p:nvSpPr>
-          <p:cNvPr id="5" name="Slide Number Placeholder 4"/>
-          <p:cNvSpPr>
-            <a:spLocks noGrp="1"/>
-          </p:cNvSpPr>
-          <p:nvPr>
-            <p:ph type="sldNum" sz="quarter" idx="12"/>
-          </p:nvPr>
-        </p:nvSpPr>
-        <p:spPr/>
-        <p:txBody>
-          <a:bodyPr/>
-          <a:lstStyle/>
-          <a:p>
-            <a:pPr defTabSz="914377"/>
-            <a:fld id="{14F1411D-0280-154F-AEAC-4C20B7AA46B2}" type="slidenum">
-              <a:rPr lang="nl-NL">
-                <a:solidFill>
-                  <a:srgbClr val="FFFFFF"/>
-                </a:solidFill>
-                <a:latin typeface="Arial" panose="020B0604020202020204"/>
-              </a:rPr>
-              <a:pPr defTabSz="914377"/>
-              <a:t>21</a:t>
-            </a:fld>
-            <a:endParaRPr lang="nl-NL">
-              <a:solidFill>
-                <a:srgbClr val="FFFFFF"/>
-              </a:solidFill>
-              <a:latin typeface="Arial" panose="020B0604020202020204"/>
-            </a:endParaRPr>
-          </a:p>
-        </p:txBody>
-      </p:sp>
-    </p:spTree>
-    <p:extLst>
-      <p:ext uri="{BB962C8B-B14F-4D97-AF65-F5344CB8AC3E}">
-        <p14:creationId xmlns:p14="http://schemas.microsoft.com/office/powerpoint/2010/main" val="1222915943"/>
-      </p:ext>
-    </p:extLst>
-  </p:cSld>
-  <p:clrMapOvr>
-    <a:masterClrMapping/>
-  </p:clrMapOvr>
-</p:sld>
-</file>
-
 <file path=ppt/slides/slide22.xml><?xml version="1.0" encoding="utf-8"?>
 <p:sld xmlns:a="http://schemas.openxmlformats.org/drawingml/2006/main" xmlns:r="http://schemas.openxmlformats.org/officeDocument/2006/relationships" xmlns:p="http://schemas.openxmlformats.org/presentationml/2006/main">
   <p:cSld>
@@ -15368,119 +15319,197 @@
       </p:grpSpPr>
       <p:sp>
         <p:nvSpPr>
-          <p:cNvPr id="2" name="Title 1">
+          <p:cNvPr id="7" name="Title 6"/>
+          <p:cNvSpPr>
+            <a:spLocks noGrp="1"/>
+          </p:cNvSpPr>
+          <p:nvPr>
+            <p:ph type="title"/>
+          </p:nvPr>
+        </p:nvSpPr>
+        <p:spPr/>
+        <p:txBody>
+          <a:bodyPr/>
+          <a:lstStyle/>
+          <a:p>
+            <a:r>
+              <a:rPr lang="nl-NL" dirty="0"/>
+              <a:t>Object </a:t>
+            </a:r>
+            <a:r>
+              <a:rPr lang="nl-NL" dirty="0" err="1"/>
+              <a:t>Oriented</a:t>
+            </a:r>
+            <a:r>
+              <a:rPr lang="nl-NL" dirty="0"/>
+              <a:t> CSS</a:t>
+            </a:r>
+          </a:p>
+        </p:txBody>
+      </p:sp>
+      <p:sp>
+        <p:nvSpPr>
+          <p:cNvPr id="8" name="Content Placeholder 7"/>
+          <p:cNvSpPr>
+            <a:spLocks noGrp="1"/>
+          </p:cNvSpPr>
+          <p:nvPr>
+            <p:ph idx="1"/>
+          </p:nvPr>
+        </p:nvSpPr>
+        <p:spPr/>
+        <p:txBody>
+          <a:bodyPr/>
+          <a:lstStyle/>
+          <a:p>
+            <a:r>
+              <a:rPr lang="nl-NL" dirty="0" err="1"/>
+              <a:t>Seperation</a:t>
+            </a:r>
+            <a:r>
+              <a:rPr lang="nl-NL" dirty="0"/>
+              <a:t> of skin </a:t>
+            </a:r>
+            <a:r>
+              <a:rPr lang="nl-NL" dirty="0" err="1"/>
+              <a:t>and</a:t>
+            </a:r>
+            <a:r>
+              <a:rPr lang="nl-NL" dirty="0"/>
+              <a:t> </a:t>
+            </a:r>
+            <a:r>
+              <a:rPr lang="nl-NL" dirty="0" err="1"/>
+              <a:t>structure</a:t>
+            </a:r>
+            <a:endParaRPr lang="nl-NL" dirty="0"/>
+          </a:p>
+          <a:p>
+            <a:r>
+              <a:rPr lang="nl-NL" dirty="0" err="1"/>
+              <a:t>Seperation</a:t>
+            </a:r>
+            <a:r>
+              <a:rPr lang="nl-NL" dirty="0"/>
+              <a:t> of context </a:t>
+            </a:r>
+            <a:r>
+              <a:rPr lang="nl-NL" dirty="0" err="1"/>
+              <a:t>and</a:t>
+            </a:r>
+            <a:r>
+              <a:rPr lang="nl-NL" dirty="0"/>
+              <a:t> content</a:t>
+            </a:r>
+          </a:p>
+          <a:p>
+            <a:endParaRPr lang="nl-NL" dirty="0"/>
+          </a:p>
+        </p:txBody>
+      </p:sp>
+      <p:sp>
+        <p:nvSpPr>
+          <p:cNvPr id="4" name="Footer Placeholder 3"/>
+          <p:cNvSpPr>
+            <a:spLocks noGrp="1"/>
+          </p:cNvSpPr>
+          <p:nvPr>
+            <p:ph type="ftr" sz="quarter" idx="11"/>
+          </p:nvPr>
+        </p:nvSpPr>
+        <p:spPr/>
+        <p:txBody>
+          <a:bodyPr/>
+          <a:lstStyle/>
+          <a:p>
+            <a:pPr defTabSz="914377"/>
+            <a:r>
+              <a:rPr lang="nl-NL" dirty="0">
+                <a:solidFill>
+                  <a:srgbClr val="FFFFFF"/>
+                </a:solidFill>
+                <a:latin typeface="Arial" panose="020B0604020202020204"/>
+              </a:rPr>
+              <a:t>CSS Architectuur</a:t>
+            </a:r>
+          </a:p>
+        </p:txBody>
+      </p:sp>
+      <p:sp>
+        <p:nvSpPr>
+          <p:cNvPr id="5" name="Slide Number Placeholder 4"/>
+          <p:cNvSpPr>
+            <a:spLocks noGrp="1"/>
+          </p:cNvSpPr>
+          <p:nvPr>
+            <p:ph type="sldNum" sz="quarter" idx="12"/>
+          </p:nvPr>
+        </p:nvSpPr>
+        <p:spPr/>
+        <p:txBody>
+          <a:bodyPr/>
+          <a:lstStyle/>
+          <a:p>
+            <a:pPr defTabSz="914377"/>
+            <a:fld id="{14F1411D-0280-154F-AEAC-4C20B7AA46B2}" type="slidenum">
+              <a:rPr lang="nl-NL">
+                <a:solidFill>
+                  <a:srgbClr val="FFFFFF"/>
+                </a:solidFill>
+                <a:latin typeface="Arial" panose="020B0604020202020204"/>
+              </a:rPr>
+              <a:pPr defTabSz="914377"/>
+              <a:t>22</a:t>
+            </a:fld>
+            <a:endParaRPr lang="nl-NL">
+              <a:solidFill>
+                <a:srgbClr val="FFFFFF"/>
+              </a:solidFill>
+              <a:latin typeface="Arial" panose="020B0604020202020204"/>
+            </a:endParaRPr>
+          </a:p>
+        </p:txBody>
+      </p:sp>
+      <p:pic>
+        <p:nvPicPr>
+          <p:cNvPr id="3" name="Picture 2" descr="A screenshot of a cell phone&#10;&#10;Description automatically generated">
             <a:extLst>
               <a:ext uri="{FF2B5EF4-FFF2-40B4-BE49-F238E27FC236}">
-                <a16:creationId xmlns:a16="http://schemas.microsoft.com/office/drawing/2014/main" id="{8E634946-CDEA-4FE7-812A-5ADF160CC427}"/>
+                <a16:creationId xmlns:a16="http://schemas.microsoft.com/office/drawing/2014/main" id="{29CF99F8-F99C-4DD2-A7D3-194F660102A9}"/>
               </a:ext>
             </a:extLst>
           </p:cNvPr>
-          <p:cNvSpPr>
-            <a:spLocks noGrp="1"/>
-          </p:cNvSpPr>
-          <p:nvPr>
-            <p:ph type="title"/>
-          </p:nvPr>
-        </p:nvSpPr>
-        <p:spPr/>
-        <p:txBody>
-          <a:bodyPr/>
-          <a:lstStyle/>
-          <a:p>
-            <a:r>
-              <a:rPr lang="nl-NL" dirty="0"/>
-              <a:t>Object </a:t>
-            </a:r>
-            <a:r>
-              <a:rPr lang="nl-NL" dirty="0" err="1"/>
-              <a:t>Oriented</a:t>
-            </a:r>
-            <a:r>
-              <a:rPr lang="nl-NL" dirty="0"/>
-              <a:t> CSS</a:t>
-            </a:r>
-            <a:endParaRPr lang="en-NL" dirty="0"/>
-          </a:p>
-        </p:txBody>
-      </p:sp>
-      <p:sp>
-        <p:nvSpPr>
-          <p:cNvPr id="3" name="Content Placeholder 2">
+          <p:cNvPicPr>
+            <a:picLocks noChangeAspect="1"/>
+          </p:cNvPicPr>
+          <p:nvPr/>
+        </p:nvPicPr>
+        <p:blipFill>
+          <a:blip r:embed="rId2">
             <a:extLst>
-              <a:ext uri="{FF2B5EF4-FFF2-40B4-BE49-F238E27FC236}">
-                <a16:creationId xmlns:a16="http://schemas.microsoft.com/office/drawing/2014/main" id="{3018C4DE-EC9C-44A8-B315-5CBD7A701CE0}"/>
+              <a:ext uri="{28A0092B-C50C-407E-A947-70E740481C1C}">
+                <a14:useLocalDpi xmlns:a14="http://schemas.microsoft.com/office/drawing/2010/main" val="0"/>
               </a:ext>
             </a:extLst>
-          </p:cNvPr>
-          <p:cNvSpPr>
-            <a:spLocks noGrp="1"/>
-          </p:cNvSpPr>
-          <p:nvPr>
-            <p:ph idx="1"/>
-          </p:nvPr>
-        </p:nvSpPr>
-        <p:spPr/>
-        <p:txBody>
-          <a:bodyPr/>
-          <a:lstStyle/>
-          <a:p>
-            <a:r>
-              <a:rPr lang="en-US" dirty="0"/>
-              <a:t>A </a:t>
-            </a:r>
-            <a:r>
-              <a:rPr lang="en-US" dirty="0" err="1"/>
-              <a:t>css</a:t>
-            </a:r>
-            <a:r>
-              <a:rPr lang="en-US" dirty="0"/>
-              <a:t> object is any repeating visual pattern, which can be abstracted into a snippet of html, </a:t>
-            </a:r>
-            <a:r>
-              <a:rPr lang="en-US" dirty="0" err="1"/>
-              <a:t>css</a:t>
-            </a:r>
-            <a:r>
-              <a:rPr lang="en-US" dirty="0"/>
-              <a:t>, and sometimes </a:t>
-            </a:r>
-            <a:r>
-              <a:rPr lang="en-US" dirty="0" err="1"/>
-              <a:t>javascript</a:t>
-            </a:r>
-            <a:r>
-              <a:rPr lang="en-US" dirty="0"/>
-              <a:t>.</a:t>
-            </a:r>
-          </a:p>
-          <a:p>
-            <a:r>
-              <a:rPr lang="en-US" dirty="0"/>
-              <a:t>The goal of </a:t>
-            </a:r>
-            <a:r>
-              <a:rPr lang="en-US" dirty="0">
-                <a:hlinkClick r:id="rId2"/>
-              </a:rPr>
-              <a:t>Object Oriented CSS</a:t>
-            </a:r>
-            <a:r>
-              <a:rPr lang="en-US" dirty="0"/>
-              <a:t> is to encourage code reuse for faster and more efficient stylesheets that are easier to maintain.</a:t>
-            </a:r>
-          </a:p>
-          <a:p>
-            <a:endParaRPr lang="en-US" dirty="0"/>
-          </a:p>
-          <a:p>
-            <a:endParaRPr lang="en-NL" dirty="0"/>
-          </a:p>
-        </p:txBody>
-      </p:sp>
+          </a:blip>
+          <a:stretch>
+            <a:fillRect/>
+          </a:stretch>
+        </p:blipFill>
+        <p:spPr>
+          <a:xfrm>
+            <a:off x="1333500" y="2352675"/>
+            <a:ext cx="9525000" cy="3486150"/>
+          </a:xfrm>
+          <a:prstGeom prst="rect">
+            <a:avLst/>
+          </a:prstGeom>
+        </p:spPr>
+      </p:pic>
     </p:spTree>
     <p:extLst>
       <p:ext uri="{BB962C8B-B14F-4D97-AF65-F5344CB8AC3E}">
-        <p14:creationId xmlns:p14="http://schemas.microsoft.com/office/powerpoint/2010/main" val="1398208315"/>
+        <p14:creationId xmlns:p14="http://schemas.microsoft.com/office/powerpoint/2010/main" val="1222915943"/>
       </p:ext>
     </p:extLst>
   </p:cSld>
@@ -15512,6 +15541,153 @@
           <p:cNvPr id="2" name="Title 1">
             <a:extLst>
               <a:ext uri="{FF2B5EF4-FFF2-40B4-BE49-F238E27FC236}">
+                <a16:creationId xmlns:a16="http://schemas.microsoft.com/office/drawing/2014/main" id="{8E634946-CDEA-4FE7-812A-5ADF160CC427}"/>
+              </a:ext>
+            </a:extLst>
+          </p:cNvPr>
+          <p:cNvSpPr>
+            <a:spLocks noGrp="1"/>
+          </p:cNvSpPr>
+          <p:nvPr>
+            <p:ph type="title"/>
+          </p:nvPr>
+        </p:nvSpPr>
+        <p:spPr/>
+        <p:txBody>
+          <a:bodyPr/>
+          <a:lstStyle/>
+          <a:p>
+            <a:r>
+              <a:rPr lang="nl-NL" dirty="0"/>
+              <a:t>Object </a:t>
+            </a:r>
+            <a:r>
+              <a:rPr lang="nl-NL" dirty="0" err="1"/>
+              <a:t>Oriented</a:t>
+            </a:r>
+            <a:r>
+              <a:rPr lang="nl-NL" dirty="0"/>
+              <a:t> CSS</a:t>
+            </a:r>
+            <a:endParaRPr lang="en-NL" dirty="0"/>
+          </a:p>
+        </p:txBody>
+      </p:sp>
+      <p:sp>
+        <p:nvSpPr>
+          <p:cNvPr id="3" name="Content Placeholder 2">
+            <a:extLst>
+              <a:ext uri="{FF2B5EF4-FFF2-40B4-BE49-F238E27FC236}">
+                <a16:creationId xmlns:a16="http://schemas.microsoft.com/office/drawing/2014/main" id="{3018C4DE-EC9C-44A8-B315-5CBD7A701CE0}"/>
+              </a:ext>
+            </a:extLst>
+          </p:cNvPr>
+          <p:cNvSpPr>
+            <a:spLocks noGrp="1"/>
+          </p:cNvSpPr>
+          <p:nvPr>
+            <p:ph idx="1"/>
+          </p:nvPr>
+        </p:nvSpPr>
+        <p:spPr/>
+        <p:txBody>
+          <a:bodyPr/>
+          <a:lstStyle/>
+          <a:p>
+            <a:r>
+              <a:rPr lang="en-US" dirty="0"/>
+              <a:t>A </a:t>
+            </a:r>
+            <a:r>
+              <a:rPr lang="en-US" dirty="0" err="1"/>
+              <a:t>css</a:t>
+            </a:r>
+            <a:r>
+              <a:rPr lang="en-US" dirty="0"/>
+              <a:t> object is any repeating visual pattern, which can be abstracted into a snippet of html, </a:t>
+            </a:r>
+            <a:r>
+              <a:rPr lang="en-US" dirty="0" err="1"/>
+              <a:t>css</a:t>
+            </a:r>
+            <a:r>
+              <a:rPr lang="en-US" dirty="0"/>
+              <a:t>, and sometimes </a:t>
+            </a:r>
+            <a:r>
+              <a:rPr lang="en-US" dirty="0" err="1"/>
+              <a:t>javascript</a:t>
+            </a:r>
+            <a:r>
+              <a:rPr lang="en-US" dirty="0"/>
+              <a:t>.</a:t>
+            </a:r>
+          </a:p>
+          <a:p>
+            <a:pPr marL="0" indent="0">
+              <a:buNone/>
+            </a:pPr>
+            <a:endParaRPr lang="en-US" dirty="0"/>
+          </a:p>
+          <a:p>
+            <a:r>
+              <a:rPr lang="en-US" dirty="0"/>
+              <a:t>The goal of </a:t>
+            </a:r>
+            <a:r>
+              <a:rPr lang="en-US" dirty="0">
+                <a:hlinkClick r:id="rId2"/>
+              </a:rPr>
+              <a:t>Object Oriented CSS</a:t>
+            </a:r>
+            <a:r>
+              <a:rPr lang="en-US" dirty="0"/>
+              <a:t> is to encourage code reuse for faster and more efficient stylesheets that are easier to maintain.</a:t>
+            </a:r>
+          </a:p>
+          <a:p>
+            <a:endParaRPr lang="en-US" dirty="0"/>
+          </a:p>
+          <a:p>
+            <a:endParaRPr lang="en-NL" dirty="0"/>
+          </a:p>
+        </p:txBody>
+      </p:sp>
+    </p:spTree>
+    <p:extLst>
+      <p:ext uri="{BB962C8B-B14F-4D97-AF65-F5344CB8AC3E}">
+        <p14:creationId xmlns:p14="http://schemas.microsoft.com/office/powerpoint/2010/main" val="1398208315"/>
+      </p:ext>
+    </p:extLst>
+  </p:cSld>
+  <p:clrMapOvr>
+    <a:masterClrMapping/>
+  </p:clrMapOvr>
+</p:sld>
+</file>
+
+<file path=ppt/slides/slide24.xml><?xml version="1.0" encoding="utf-8"?>
+<p:sld xmlns:a="http://schemas.openxmlformats.org/drawingml/2006/main" xmlns:r="http://schemas.openxmlformats.org/officeDocument/2006/relationships" xmlns:p="http://schemas.openxmlformats.org/presentationml/2006/main">
+  <p:cSld>
+    <p:spTree>
+      <p:nvGrpSpPr>
+        <p:cNvPr id="1" name=""/>
+        <p:cNvGrpSpPr/>
+        <p:nvPr/>
+      </p:nvGrpSpPr>
+      <p:grpSpPr>
+        <a:xfrm>
+          <a:off x="0" y="0"/>
+          <a:ext cx="0" cy="0"/>
+          <a:chOff x="0" y="0"/>
+          <a:chExt cx="0" cy="0"/>
+        </a:xfrm>
+      </p:grpSpPr>
+      <p:sp>
+        <p:nvSpPr>
+          <p:cNvPr id="2" name="Title 1">
+            <a:extLst>
+              <a:ext uri="{FF2B5EF4-FFF2-40B4-BE49-F238E27FC236}">
                 <a16:creationId xmlns:a16="http://schemas.microsoft.com/office/drawing/2014/main" id="{4F1B1253-DDEE-41F2-921A-EA61B7547DE5}"/>
               </a:ext>
             </a:extLst>
@@ -15557,7 +15733,59 @@
             <a:spLocks noGrp="1"/>
           </p:cNvSpPr>
           <p:nvPr>
-            <p:ph sz="half" idx="1"/>
+            <p:ph idx="1"/>
+          </p:nvPr>
+        </p:nvSpPr>
+        <p:spPr/>
+        <p:txBody>
+          <a:bodyPr/>
+          <a:lstStyle/>
+          <a:p>
+            <a:r>
+              <a:rPr lang="nl-NL" dirty="0"/>
+              <a:t>Font, </a:t>
+            </a:r>
+            <a:r>
+              <a:rPr lang="nl-NL" dirty="0" err="1"/>
+              <a:t>Color</a:t>
+            </a:r>
+            <a:r>
+              <a:rPr lang="nl-NL" dirty="0"/>
+              <a:t>, </a:t>
+            </a:r>
+            <a:r>
+              <a:rPr lang="nl-NL" dirty="0" err="1"/>
+              <a:t>Shadows</a:t>
+            </a:r>
+            <a:r>
+              <a:rPr lang="nl-NL" dirty="0"/>
+              <a:t>, </a:t>
+            </a:r>
+            <a:r>
+              <a:rPr lang="nl-NL" dirty="0" err="1"/>
+              <a:t>Gradients</a:t>
+            </a:r>
+            <a:endParaRPr lang="en-NL" dirty="0"/>
+          </a:p>
+          <a:p>
+            <a:endParaRPr lang="en-NL" dirty="0"/>
+          </a:p>
+        </p:txBody>
+      </p:sp>
+      <p:sp>
+        <p:nvSpPr>
+          <p:cNvPr id="5" name="Text Placeholder 4">
+            <a:extLst>
+              <a:ext uri="{FF2B5EF4-FFF2-40B4-BE49-F238E27FC236}">
+                <a16:creationId xmlns:a16="http://schemas.microsoft.com/office/drawing/2014/main" id="{D08E6FE5-905E-415A-80C0-A4C42B8A6CC6}"/>
+              </a:ext>
+            </a:extLst>
+          </p:cNvPr>
+          <p:cNvSpPr>
+            <a:spLocks noGrp="1"/>
+          </p:cNvSpPr>
+          <p:nvPr>
+            <p:ph type="body" idx="13"/>
           </p:nvPr>
         </p:nvSpPr>
         <p:spPr/>
@@ -15569,33 +15797,6 @@
               <a:rPr lang="nl-NL" dirty="0"/>
               <a:t>Skin:</a:t>
             </a:r>
-          </a:p>
-          <a:p>
-            <a:r>
-              <a:rPr lang="nl-NL" dirty="0"/>
-              <a:t>Font, </a:t>
-            </a:r>
-            <a:r>
-              <a:rPr lang="nl-NL" dirty="0" err="1"/>
-              <a:t>Color</a:t>
-            </a:r>
-            <a:r>
-              <a:rPr lang="nl-NL" dirty="0"/>
-              <a:t>, </a:t>
-            </a:r>
-            <a:r>
-              <a:rPr lang="nl-NL" dirty="0" err="1"/>
-              <a:t>Shadows</a:t>
-            </a:r>
-            <a:r>
-              <a:rPr lang="nl-NL" dirty="0"/>
-              <a:t>, </a:t>
-            </a:r>
-            <a:r>
-              <a:rPr lang="nl-NL" dirty="0" err="1"/>
-              <a:t>Gradients</a:t>
-            </a:r>
-            <a:endParaRPr lang="en-NL" dirty="0"/>
           </a:p>
           <a:p>
             <a:endParaRPr lang="en-NL" dirty="0"/>
@@ -15615,7 +15816,58 @@
             <a:spLocks noGrp="1"/>
           </p:cNvSpPr>
           <p:nvPr>
-            <p:ph sz="half" idx="2"/>
+            <p:ph idx="14"/>
+          </p:nvPr>
+        </p:nvSpPr>
+        <p:spPr/>
+        <p:txBody>
+          <a:bodyPr/>
+          <a:lstStyle/>
+          <a:p>
+            <a:r>
+              <a:rPr lang="nl-NL" dirty="0" err="1"/>
+              <a:t>Width</a:t>
+            </a:r>
+            <a:r>
+              <a:rPr lang="nl-NL" dirty="0"/>
+              <a:t>, </a:t>
+            </a:r>
+            <a:r>
+              <a:rPr lang="nl-NL" dirty="0" err="1"/>
+              <a:t>Height</a:t>
+            </a:r>
+            <a:r>
+              <a:rPr lang="nl-NL" dirty="0"/>
+              <a:t>, </a:t>
+            </a:r>
+            <a:r>
+              <a:rPr lang="nl-NL" dirty="0" err="1"/>
+              <a:t>Margin</a:t>
+            </a:r>
+            <a:r>
+              <a:rPr lang="nl-NL" dirty="0"/>
+              <a:t>, Padding, Overflow</a:t>
+            </a:r>
+          </a:p>
+          <a:p>
+            <a:endParaRPr lang="en-NL" dirty="0"/>
+          </a:p>
+        </p:txBody>
+      </p:sp>
+      <p:sp>
+        <p:nvSpPr>
+          <p:cNvPr id="6" name="Text Placeholder 5">
+            <a:extLst>
+              <a:ext uri="{FF2B5EF4-FFF2-40B4-BE49-F238E27FC236}">
+                <a16:creationId xmlns:a16="http://schemas.microsoft.com/office/drawing/2014/main" id="{5517D133-4C98-45C5-908C-BEB16A764FFE}"/>
+              </a:ext>
+            </a:extLst>
+          </p:cNvPr>
+          <p:cNvSpPr>
+            <a:spLocks noGrp="1"/>
+          </p:cNvSpPr>
+          <p:nvPr>
+            <p:ph type="body" idx="15"/>
           </p:nvPr>
         </p:nvSpPr>
         <p:spPr/>
@@ -15630,32 +15882,6 @@
             <a:r>
               <a:rPr lang="nl-NL" dirty="0"/>
               <a:t>:</a:t>
-            </a:r>
-          </a:p>
-          <a:p>
-            <a:r>
-              <a:rPr lang="nl-NL" dirty="0" err="1"/>
-              <a:t>Width</a:t>
-            </a:r>
-            <a:r>
-              <a:rPr lang="nl-NL" dirty="0"/>
-              <a:t>, </a:t>
-            </a:r>
-            <a:r>
-              <a:rPr lang="nl-NL" dirty="0" err="1"/>
-              <a:t>Height</a:t>
-            </a:r>
-            <a:r>
-              <a:rPr lang="nl-NL" dirty="0"/>
-              <a:t>, </a:t>
-            </a:r>
-            <a:r>
-              <a:rPr lang="nl-NL" dirty="0" err="1"/>
-              <a:t>Margin</a:t>
-            </a:r>
-            <a:r>
-              <a:rPr lang="nl-NL" dirty="0"/>
-              <a:t>, Padding, Overflow</a:t>
             </a:r>
           </a:p>
           <a:p>
@@ -15676,7 +15902,7 @@
 </p:sld>
 </file>
 
-<file path=ppt/slides/slide24.xml><?xml version="1.0" encoding="utf-8"?>
+<file path=ppt/slides/slide25.xml><?xml version="1.0" encoding="utf-8"?>
 <p:sld xmlns:a="http://schemas.openxmlformats.org/drawingml/2006/main" xmlns:r="http://schemas.openxmlformats.org/officeDocument/2006/relationships" xmlns:p="http://schemas.openxmlformats.org/presentationml/2006/main">
   <p:cSld>
     <p:spTree>
@@ -15813,7 +16039,7 @@
 </p:sld>
 </file>
 
-<file path=ppt/slides/slide25.xml><?xml version="1.0" encoding="utf-8"?>
+<file path=ppt/slides/slide26.xml><?xml version="1.0" encoding="utf-8"?>
 <p:sld xmlns:a="http://schemas.openxmlformats.org/drawingml/2006/main" xmlns:r="http://schemas.openxmlformats.org/officeDocument/2006/relationships" xmlns:p="http://schemas.openxmlformats.org/presentationml/2006/main">
   <p:cSld>
     <p:spTree>
@@ -15924,7 +16150,7 @@
 </p:sld>
 </file>
 
-<file path=ppt/slides/slide26.xml><?xml version="1.0" encoding="utf-8"?>
+<file path=ppt/slides/slide27.xml><?xml version="1.0" encoding="utf-8"?>
 <p:sld xmlns:a="http://schemas.openxmlformats.org/drawingml/2006/main" xmlns:r="http://schemas.openxmlformats.org/officeDocument/2006/relationships" xmlns:p="http://schemas.openxmlformats.org/presentationml/2006/main">
   <p:cSld>
     <p:spTree>
@@ -16057,7 +16283,7 @@
 </p:sld>
 </file>
 
-<file path=ppt/slides/slide27.xml><?xml version="1.0" encoding="utf-8"?>
+<file path=ppt/slides/slide28.xml><?xml version="1.0" encoding="utf-8"?>
 <p:sld xmlns:a="http://schemas.openxmlformats.org/drawingml/2006/main" xmlns:r="http://schemas.openxmlformats.org/officeDocument/2006/relationships" xmlns:p="http://schemas.openxmlformats.org/presentationml/2006/main">
   <p:cSld>
     <p:spTree>
@@ -16202,7 +16428,7 @@
 </p:sld>
 </file>
 
-<file path=ppt/slides/slide28.xml><?xml version="1.0" encoding="utf-8"?>
+<file path=ppt/slides/slide29.xml><?xml version="1.0" encoding="utf-8"?>
 <p:sld xmlns:a="http://schemas.openxmlformats.org/drawingml/2006/main" xmlns:r="http://schemas.openxmlformats.org/officeDocument/2006/relationships" xmlns:p="http://schemas.openxmlformats.org/presentationml/2006/main">
   <p:cSld>
     <p:spTree>
@@ -16327,136 +16553,6 @@
 </p:sld>
 </file>
 
-<file path=ppt/slides/slide29.xml><?xml version="1.0" encoding="utf-8"?>
-<p:sld xmlns:a="http://schemas.openxmlformats.org/drawingml/2006/main" xmlns:r="http://schemas.openxmlformats.org/officeDocument/2006/relationships" xmlns:p="http://schemas.openxmlformats.org/presentationml/2006/main">
-  <p:cSld>
-    <p:spTree>
-      <p:nvGrpSpPr>
-        <p:cNvPr id="1" name=""/>
-        <p:cNvGrpSpPr/>
-        <p:nvPr/>
-      </p:nvGrpSpPr>
-      <p:grpSpPr>
-        <a:xfrm>
-          <a:off x="0" y="0"/>
-          <a:ext cx="0" cy="0"/>
-          <a:chOff x="0" y="0"/>
-          <a:chExt cx="0" cy="0"/>
-        </a:xfrm>
-      </p:grpSpPr>
-      <p:sp>
-        <p:nvSpPr>
-          <p:cNvPr id="2" name="Title 1">
-            <a:extLst>
-              <a:ext uri="{FF2B5EF4-FFF2-40B4-BE49-F238E27FC236}">
-                <a16:creationId xmlns:a16="http://schemas.microsoft.com/office/drawing/2014/main" id="{5DC7EF30-66E5-48BB-BAA4-AE0719D0F1A0}"/>
-              </a:ext>
-            </a:extLst>
-          </p:cNvPr>
-          <p:cNvSpPr>
-            <a:spLocks noGrp="1"/>
-          </p:cNvSpPr>
-          <p:nvPr>
-            <p:ph type="title"/>
-          </p:nvPr>
-        </p:nvSpPr>
-        <p:spPr/>
-        <p:txBody>
-          <a:bodyPr/>
-          <a:lstStyle/>
-          <a:p>
-            <a:r>
-              <a:rPr lang="nl-NL" dirty="0" err="1"/>
-              <a:t>Oxygen</a:t>
-            </a:r>
-            <a:r>
-              <a:rPr lang="nl-NL" dirty="0"/>
-              <a:t> CSS</a:t>
-            </a:r>
-            <a:endParaRPr lang="en-NL" dirty="0"/>
-          </a:p>
-        </p:txBody>
-      </p:sp>
-      <p:sp>
-        <p:nvSpPr>
-          <p:cNvPr id="3" name="Content Placeholder 2">
-            <a:extLst>
-              <a:ext uri="{FF2B5EF4-FFF2-40B4-BE49-F238E27FC236}">
-                <a16:creationId xmlns:a16="http://schemas.microsoft.com/office/drawing/2014/main" id="{629F5954-EC10-40FA-9DEE-A7E9C742D70A}"/>
-              </a:ext>
-            </a:extLst>
-          </p:cNvPr>
-          <p:cNvSpPr>
-            <a:spLocks noGrp="1"/>
-          </p:cNvSpPr>
-          <p:nvPr>
-            <p:ph idx="1"/>
-          </p:nvPr>
-        </p:nvSpPr>
-        <p:spPr/>
-        <p:txBody>
-          <a:bodyPr>
-            <a:normAutofit/>
-          </a:bodyPr>
-          <a:lstStyle/>
-          <a:p>
-            <a:r>
-              <a:rPr lang="nl-NL" dirty="0"/>
-              <a:t>Object </a:t>
-            </a:r>
-            <a:r>
-              <a:rPr lang="nl-NL" dirty="0" err="1"/>
-              <a:t>Oriented</a:t>
-            </a:r>
-            <a:endParaRPr lang="nl-NL" dirty="0"/>
-          </a:p>
-          <a:p>
-            <a:endParaRPr lang="nl-NL" dirty="0"/>
-          </a:p>
-          <a:p>
-            <a:r>
-              <a:rPr lang="nl-NL" dirty="0"/>
-              <a:t>Object</a:t>
-            </a:r>
-          </a:p>
-          <a:p>
-            <a:r>
-              <a:rPr lang="nl-NL" dirty="0"/>
-              <a:t>Child-Object</a:t>
-            </a:r>
-          </a:p>
-          <a:p>
-            <a:r>
-              <a:rPr lang="nl-NL" dirty="0" err="1"/>
-              <a:t>Modifiers</a:t>
-            </a:r>
-            <a:endParaRPr lang="nl-NL" dirty="0"/>
-          </a:p>
-          <a:p>
-            <a:r>
-              <a:rPr lang="nl-NL" dirty="0" err="1"/>
-              <a:t>Subclasses</a:t>
-            </a:r>
-            <a:endParaRPr lang="nl-NL" dirty="0"/>
-          </a:p>
-          <a:p>
-            <a:endParaRPr lang="nl-NL" dirty="0"/>
-          </a:p>
-        </p:txBody>
-      </p:sp>
-    </p:spTree>
-    <p:extLst>
-      <p:ext uri="{BB962C8B-B14F-4D97-AF65-F5344CB8AC3E}">
-        <p14:creationId xmlns:p14="http://schemas.microsoft.com/office/powerpoint/2010/main" val="954262085"/>
-      </p:ext>
-    </p:extLst>
-  </p:cSld>
-  <p:clrMapOvr>
-    <a:masterClrMapping/>
-  </p:clrMapOvr>
-</p:sld>
-</file>
-
 <file path=ppt/slides/slide3.xml><?xml version="1.0" encoding="utf-8"?>
 <p:sld xmlns:a="http://schemas.openxmlformats.org/drawingml/2006/main" xmlns:r="http://schemas.openxmlformats.org/officeDocument/2006/relationships" xmlns:p="http://schemas.openxmlformats.org/presentationml/2006/main">
   <p:cSld>
@@ -16567,7 +16663,7 @@
             </a:r>
             <a:r>
               <a:rPr lang="nl-NL" dirty="0" err="1"/>
-              <a:t>Methodologiëen</a:t>
+              <a:t>Methodologies</a:t>
             </a:r>
             <a:endParaRPr lang="en-NL" dirty="0"/>
           </a:p>
@@ -16725,7 +16821,7 @@
         </p:blipFill>
         <p:spPr>
           <a:xfrm>
-            <a:off x="6281099" y="1983831"/>
+            <a:off x="6624000" y="1688312"/>
             <a:ext cx="1948501" cy="1948501"/>
           </a:xfrm>
         </p:spPr>
@@ -16795,7 +16891,7 @@
         </p:blipFill>
         <p:spPr>
           <a:xfrm>
-            <a:off x="6876549" y="4515669"/>
+            <a:off x="5637843" y="4371668"/>
             <a:ext cx="3448664" cy="1724332"/>
           </a:xfrm>
           <a:prstGeom prst="rect">
@@ -16874,6 +16970,136 @@
           <p:cNvPr id="2" name="Title 1">
             <a:extLst>
               <a:ext uri="{FF2B5EF4-FFF2-40B4-BE49-F238E27FC236}">
+                <a16:creationId xmlns:a16="http://schemas.microsoft.com/office/drawing/2014/main" id="{5DC7EF30-66E5-48BB-BAA4-AE0719D0F1A0}"/>
+              </a:ext>
+            </a:extLst>
+          </p:cNvPr>
+          <p:cNvSpPr>
+            <a:spLocks noGrp="1"/>
+          </p:cNvSpPr>
+          <p:nvPr>
+            <p:ph type="title"/>
+          </p:nvPr>
+        </p:nvSpPr>
+        <p:spPr/>
+        <p:txBody>
+          <a:bodyPr/>
+          <a:lstStyle/>
+          <a:p>
+            <a:r>
+              <a:rPr lang="nl-NL" dirty="0" err="1"/>
+              <a:t>Oxygen</a:t>
+            </a:r>
+            <a:r>
+              <a:rPr lang="nl-NL" dirty="0"/>
+              <a:t> CSS</a:t>
+            </a:r>
+            <a:endParaRPr lang="en-NL" dirty="0"/>
+          </a:p>
+        </p:txBody>
+      </p:sp>
+      <p:sp>
+        <p:nvSpPr>
+          <p:cNvPr id="3" name="Content Placeholder 2">
+            <a:extLst>
+              <a:ext uri="{FF2B5EF4-FFF2-40B4-BE49-F238E27FC236}">
+                <a16:creationId xmlns:a16="http://schemas.microsoft.com/office/drawing/2014/main" id="{629F5954-EC10-40FA-9DEE-A7E9C742D70A}"/>
+              </a:ext>
+            </a:extLst>
+          </p:cNvPr>
+          <p:cNvSpPr>
+            <a:spLocks noGrp="1"/>
+          </p:cNvSpPr>
+          <p:nvPr>
+            <p:ph idx="1"/>
+          </p:nvPr>
+        </p:nvSpPr>
+        <p:spPr/>
+        <p:txBody>
+          <a:bodyPr>
+            <a:normAutofit/>
+          </a:bodyPr>
+          <a:lstStyle/>
+          <a:p>
+            <a:r>
+              <a:rPr lang="nl-NL" dirty="0"/>
+              <a:t>Object </a:t>
+            </a:r>
+            <a:r>
+              <a:rPr lang="nl-NL" dirty="0" err="1"/>
+              <a:t>Oriented</a:t>
+            </a:r>
+            <a:endParaRPr lang="nl-NL" dirty="0"/>
+          </a:p>
+          <a:p>
+            <a:endParaRPr lang="nl-NL" dirty="0"/>
+          </a:p>
+          <a:p>
+            <a:r>
+              <a:rPr lang="nl-NL" dirty="0"/>
+              <a:t>Object</a:t>
+            </a:r>
+          </a:p>
+          <a:p>
+            <a:r>
+              <a:rPr lang="nl-NL" dirty="0"/>
+              <a:t>Child-Object</a:t>
+            </a:r>
+          </a:p>
+          <a:p>
+            <a:r>
+              <a:rPr lang="nl-NL" dirty="0" err="1"/>
+              <a:t>Modifiers</a:t>
+            </a:r>
+            <a:endParaRPr lang="nl-NL" dirty="0"/>
+          </a:p>
+          <a:p>
+            <a:r>
+              <a:rPr lang="nl-NL" dirty="0" err="1"/>
+              <a:t>Subclasses</a:t>
+            </a:r>
+            <a:endParaRPr lang="nl-NL" dirty="0"/>
+          </a:p>
+          <a:p>
+            <a:endParaRPr lang="nl-NL" dirty="0"/>
+          </a:p>
+        </p:txBody>
+      </p:sp>
+    </p:spTree>
+    <p:extLst>
+      <p:ext uri="{BB962C8B-B14F-4D97-AF65-F5344CB8AC3E}">
+        <p14:creationId xmlns:p14="http://schemas.microsoft.com/office/powerpoint/2010/main" val="954262085"/>
+      </p:ext>
+    </p:extLst>
+  </p:cSld>
+  <p:clrMapOvr>
+    <a:masterClrMapping/>
+  </p:clrMapOvr>
+</p:sld>
+</file>
+
+<file path=ppt/slides/slide31.xml><?xml version="1.0" encoding="utf-8"?>
+<p:sld xmlns:a="http://schemas.openxmlformats.org/drawingml/2006/main" xmlns:r="http://schemas.openxmlformats.org/officeDocument/2006/relationships" xmlns:p="http://schemas.openxmlformats.org/presentationml/2006/main">
+  <p:cSld>
+    <p:spTree>
+      <p:nvGrpSpPr>
+        <p:cNvPr id="1" name=""/>
+        <p:cNvGrpSpPr/>
+        <p:nvPr/>
+      </p:nvGrpSpPr>
+      <p:grpSpPr>
+        <a:xfrm>
+          <a:off x="0" y="0"/>
+          <a:ext cx="0" cy="0"/>
+          <a:chOff x="0" y="0"/>
+          <a:chExt cx="0" cy="0"/>
+        </a:xfrm>
+      </p:grpSpPr>
+      <p:sp>
+        <p:nvSpPr>
+          <p:cNvPr id="2" name="Title 1">
+            <a:extLst>
+              <a:ext uri="{FF2B5EF4-FFF2-40B4-BE49-F238E27FC236}">
                 <a16:creationId xmlns:a16="http://schemas.microsoft.com/office/drawing/2014/main" id="{F21E9F68-168D-4FF1-AAEE-BF03F5D102C2}"/>
               </a:ext>
             </a:extLst>
@@ -16951,7 +17177,7 @@
 </p:sld>
 </file>
 
-<file path=ppt/slides/slide31.xml><?xml version="1.0" encoding="utf-8"?>
+<file path=ppt/slides/slide32.xml><?xml version="1.0" encoding="utf-8"?>
 <p:sld xmlns:a="http://schemas.openxmlformats.org/drawingml/2006/main" xmlns:r="http://schemas.openxmlformats.org/officeDocument/2006/relationships" xmlns:p="http://schemas.openxmlformats.org/presentationml/2006/main">
   <p:cSld>
     <p:spTree>
@@ -17052,7 +17278,7 @@
 </p:sld>
 </file>
 
-<file path=ppt/slides/slide32.xml><?xml version="1.0" encoding="utf-8"?>
+<file path=ppt/slides/slide33.xml><?xml version="1.0" encoding="utf-8"?>
 <p:sld xmlns:a="http://schemas.openxmlformats.org/drawingml/2006/main" xmlns:r="http://schemas.openxmlformats.org/officeDocument/2006/relationships" xmlns:p="http://schemas.openxmlformats.org/presentationml/2006/main">
   <p:cSld>
     <p:spTree>
@@ -17177,135 +17403,6 @@
     <p:extLst>
       <p:ext uri="{BB962C8B-B14F-4D97-AF65-F5344CB8AC3E}">
         <p14:creationId xmlns:p14="http://schemas.microsoft.com/office/powerpoint/2010/main" val="355180630"/>
-      </p:ext>
-    </p:extLst>
-  </p:cSld>
-  <p:clrMapOvr>
-    <a:masterClrMapping/>
-  </p:clrMapOvr>
-</p:sld>
-</file>
-
-<file path=ppt/slides/slide33.xml><?xml version="1.0" encoding="utf-8"?>
-<p:sld xmlns:a="http://schemas.openxmlformats.org/drawingml/2006/main" xmlns:r="http://schemas.openxmlformats.org/officeDocument/2006/relationships" xmlns:p="http://schemas.openxmlformats.org/presentationml/2006/main">
-  <p:cSld>
-    <p:spTree>
-      <p:nvGrpSpPr>
-        <p:cNvPr id="1" name=""/>
-        <p:cNvGrpSpPr/>
-        <p:nvPr/>
-      </p:nvGrpSpPr>
-      <p:grpSpPr>
-        <a:xfrm>
-          <a:off x="0" y="0"/>
-          <a:ext cx="0" cy="0"/>
-          <a:chOff x="0" y="0"/>
-          <a:chExt cx="0" cy="0"/>
-        </a:xfrm>
-      </p:grpSpPr>
-      <p:sp>
-        <p:nvSpPr>
-          <p:cNvPr id="2" name="Title 1">
-            <a:extLst>
-              <a:ext uri="{FF2B5EF4-FFF2-40B4-BE49-F238E27FC236}">
-                <a16:creationId xmlns:a16="http://schemas.microsoft.com/office/drawing/2014/main" id="{5DC7EF30-66E5-48BB-BAA4-AE0719D0F1A0}"/>
-              </a:ext>
-            </a:extLst>
-          </p:cNvPr>
-          <p:cNvSpPr>
-            <a:spLocks noGrp="1"/>
-          </p:cNvSpPr>
-          <p:nvPr>
-            <p:ph type="title"/>
-          </p:nvPr>
-        </p:nvSpPr>
-        <p:spPr/>
-        <p:txBody>
-          <a:bodyPr/>
-          <a:lstStyle/>
-          <a:p>
-            <a:r>
-              <a:rPr lang="nl-NL" dirty="0" err="1"/>
-              <a:t>Modifiers</a:t>
-            </a:r>
-            <a:endParaRPr lang="en-NL" dirty="0"/>
-          </a:p>
-        </p:txBody>
-      </p:sp>
-      <p:pic>
-        <p:nvPicPr>
-          <p:cNvPr id="10" name="Content Placeholder 9" descr="A screenshot of a cell phone&#10;&#10;Description automatically generated">
-            <a:extLst>
-              <a:ext uri="{FF2B5EF4-FFF2-40B4-BE49-F238E27FC236}">
-                <a16:creationId xmlns:a16="http://schemas.microsoft.com/office/drawing/2014/main" id="{4E4EA915-7D0E-4371-A284-5E4F0EA4FD2B}"/>
-              </a:ext>
-            </a:extLst>
-          </p:cNvPr>
-          <p:cNvPicPr>
-            <a:picLocks noGrp="1" noChangeAspect="1"/>
-          </p:cNvPicPr>
-          <p:nvPr>
-            <p:ph sz="half" idx="1"/>
-          </p:nvPr>
-        </p:nvPicPr>
-        <p:blipFill>
-          <a:blip r:embed="rId2">
-            <a:extLst>
-              <a:ext uri="{28A0092B-C50C-407E-A947-70E740481C1C}">
-                <a14:useLocalDpi xmlns:a14="http://schemas.microsoft.com/office/drawing/2010/main" val="0"/>
-              </a:ext>
-            </a:extLst>
-          </a:blip>
-          <a:stretch>
-            <a:fillRect/>
-          </a:stretch>
-        </p:blipFill>
-        <p:spPr>
-          <a:xfrm>
-            <a:off x="651588" y="1776778"/>
-            <a:ext cx="5181600" cy="1652222"/>
-          </a:xfrm>
-        </p:spPr>
-      </p:pic>
-      <p:sp>
-        <p:nvSpPr>
-          <p:cNvPr id="6" name="Content Placeholder 5">
-            <a:extLst>
-              <a:ext uri="{FF2B5EF4-FFF2-40B4-BE49-F238E27FC236}">
-                <a16:creationId xmlns:a16="http://schemas.microsoft.com/office/drawing/2014/main" id="{6DBD8C83-E9A2-41B9-A98B-E7AD366BAA40}"/>
-              </a:ext>
-            </a:extLst>
-          </p:cNvPr>
-          <p:cNvSpPr>
-            <a:spLocks noGrp="1"/>
-          </p:cNvSpPr>
-          <p:nvPr>
-            <p:ph sz="half" idx="2"/>
-          </p:nvPr>
-        </p:nvSpPr>
-        <p:spPr/>
-        <p:txBody>
-          <a:bodyPr/>
-          <a:lstStyle/>
-          <a:p>
-            <a:r>
-              <a:rPr lang="en-US" dirty="0"/>
-              <a:t>.prefix-adjective / .adjective</a:t>
-            </a:r>
-          </a:p>
-          <a:p>
-            <a:r>
-              <a:rPr lang="en-US" dirty="0"/>
-              <a:t>state modifiers should almost always be bound directly to the object class name</a:t>
-            </a:r>
-            <a:endParaRPr lang="en-NL" dirty="0"/>
-          </a:p>
-        </p:txBody>
-      </p:sp>
-    </p:spTree>
-    <p:extLst>
-      <p:ext uri="{BB962C8B-B14F-4D97-AF65-F5344CB8AC3E}">
-        <p14:creationId xmlns:p14="http://schemas.microsoft.com/office/powerpoint/2010/main" val="2167193102"/>
       </p:ext>
     </p:extLst>
   </p:cSld>
@@ -17354,12 +17451,8 @@
           <a:lstStyle/>
           <a:p>
             <a:r>
-              <a:rPr lang="nl-NL" dirty="0"/>
-              <a:t>Child </a:t>
-            </a:r>
-            <a:r>
               <a:rPr lang="nl-NL" dirty="0" err="1"/>
-              <a:t>objects</a:t>
+              <a:t>Modifiers</a:t>
             </a:r>
             <a:endParaRPr lang="en-NL" dirty="0"/>
           </a:p>
@@ -17367,10 +17460,10 @@
       </p:sp>
       <p:pic>
         <p:nvPicPr>
-          <p:cNvPr id="10" name="Content Placeholder 9" descr="A close up of text on a black background&#10;&#10;Description automatically generated">
+          <p:cNvPr id="10" name="Content Placeholder 9" descr="A screenshot of a cell phone&#10;&#10;Description automatically generated">
             <a:extLst>
               <a:ext uri="{FF2B5EF4-FFF2-40B4-BE49-F238E27FC236}">
-                <a16:creationId xmlns:a16="http://schemas.microsoft.com/office/drawing/2014/main" id="{6706648B-7F90-4B77-975D-12ED750BDD33}"/>
+                <a16:creationId xmlns:a16="http://schemas.microsoft.com/office/drawing/2014/main" id="{4E4EA915-7D0E-4371-A284-5E4F0EA4FD2B}"/>
               </a:ext>
             </a:extLst>
           </p:cNvPr>
@@ -17382,7 +17475,7 @@
           </p:nvPr>
         </p:nvPicPr>
         <p:blipFill>
-          <a:blip r:embed="rId3">
+          <a:blip r:embed="rId2">
             <a:extLst>
               <a:ext uri="{28A0092B-C50C-407E-A947-70E740481C1C}">
                 <a14:useLocalDpi xmlns:a14="http://schemas.microsoft.com/office/drawing/2010/main" val="0"/>
@@ -17395,8 +17488,8 @@
         </p:blipFill>
         <p:spPr>
           <a:xfrm>
-            <a:off x="838200" y="1690688"/>
-            <a:ext cx="5181600" cy="3514754"/>
+            <a:off x="651588" y="1776778"/>
+            <a:ext cx="5181600" cy="1652222"/>
           </a:xfrm>
         </p:spPr>
       </p:pic>
@@ -17405,7 +17498,7 @@
           <p:cNvPr id="6" name="Content Placeholder 5">
             <a:extLst>
               <a:ext uri="{FF2B5EF4-FFF2-40B4-BE49-F238E27FC236}">
-                <a16:creationId xmlns:a16="http://schemas.microsoft.com/office/drawing/2014/main" id="{19EBB53D-87C1-46E0-90CB-1D32F39023A3}"/>
+                <a16:creationId xmlns:a16="http://schemas.microsoft.com/office/drawing/2014/main" id="{6DBD8C83-E9A2-41B9-A98B-E7AD366BAA40}"/>
               </a:ext>
             </a:extLst>
           </p:cNvPr>
@@ -17422,27 +17515,14 @@
           <a:lstStyle/>
           <a:p>
             <a:r>
-              <a:rPr lang="nl-NL" dirty="0"/>
-              <a:t>.</a:t>
-            </a:r>
-            <a:r>
-              <a:rPr lang="nl-NL" dirty="0" err="1"/>
-              <a:t>noun-noun</a:t>
-            </a:r>
-            <a:endParaRPr lang="nl-NL" dirty="0"/>
-          </a:p>
-          <a:p>
-            <a:r>
               <a:rPr lang="en-US" dirty="0"/>
-              <a:t>When an object should </a:t>
-            </a:r>
-            <a:r>
-              <a:rPr lang="en-US" i="1" dirty="0"/>
-              <a:t>only ever</a:t>
-            </a:r>
+              <a:t>.prefix-adjective / .adjective</a:t>
+            </a:r>
+          </a:p>
+          <a:p>
             <a:r>
               <a:rPr lang="en-US" dirty="0"/>
-              <a:t> be used inside of another object.</a:t>
+              <a:t>state modifiers should almost always be bound directly to the object class name</a:t>
             </a:r>
             <a:endParaRPr lang="en-NL" dirty="0"/>
           </a:p>
@@ -17451,7 +17531,7 @@
     </p:spTree>
     <p:extLst>
       <p:ext uri="{BB962C8B-B14F-4D97-AF65-F5344CB8AC3E}">
-        <p14:creationId xmlns:p14="http://schemas.microsoft.com/office/powerpoint/2010/main" val="2395617349"/>
+        <p14:creationId xmlns:p14="http://schemas.microsoft.com/office/powerpoint/2010/main" val="2167193102"/>
       </p:ext>
     </p:extLst>
   </p:cSld>
@@ -17500,8 +17580,12 @@
           <a:lstStyle/>
           <a:p>
             <a:r>
+              <a:rPr lang="nl-NL" dirty="0"/>
+              <a:t>Child </a:t>
+            </a:r>
+            <a:r>
               <a:rPr lang="nl-NL" dirty="0" err="1"/>
-              <a:t>Subclasses</a:t>
+              <a:t>objects</a:t>
             </a:r>
             <a:endParaRPr lang="en-NL" dirty="0"/>
           </a:p>
@@ -17512,7 +17596,7 @@
           <p:cNvPr id="10" name="Content Placeholder 9" descr="A close up of text on a black background&#10;&#10;Description automatically generated">
             <a:extLst>
               <a:ext uri="{FF2B5EF4-FFF2-40B4-BE49-F238E27FC236}">
-                <a16:creationId xmlns:a16="http://schemas.microsoft.com/office/drawing/2014/main" id="{24ACA50D-99D0-462B-B856-CF6A3CF6EC50}"/>
+                <a16:creationId xmlns:a16="http://schemas.microsoft.com/office/drawing/2014/main" id="{6706648B-7F90-4B77-975D-12ED750BDD33}"/>
               </a:ext>
             </a:extLst>
           </p:cNvPr>
@@ -17524,7 +17608,7 @@
           </p:nvPr>
         </p:nvPicPr>
         <p:blipFill>
-          <a:blip r:embed="rId2">
+          <a:blip r:embed="rId3">
             <a:extLst>
               <a:ext uri="{28A0092B-C50C-407E-A947-70E740481C1C}">
                 <a14:useLocalDpi xmlns:a14="http://schemas.microsoft.com/office/drawing/2010/main" val="0"/>
@@ -17537,8 +17621,8 @@
         </p:blipFill>
         <p:spPr>
           <a:xfrm>
-            <a:off x="838200" y="1825625"/>
-            <a:ext cx="5181600" cy="3824703"/>
+            <a:off x="838200" y="1690688"/>
+            <a:ext cx="5181600" cy="3514754"/>
           </a:xfrm>
         </p:spPr>
       </p:pic>
@@ -17547,7 +17631,7 @@
           <p:cNvPr id="6" name="Content Placeholder 5">
             <a:extLst>
               <a:ext uri="{FF2B5EF4-FFF2-40B4-BE49-F238E27FC236}">
-                <a16:creationId xmlns:a16="http://schemas.microsoft.com/office/drawing/2014/main" id="{DE9CAA05-F613-436F-83B0-0C0A6E0EDDDB}"/>
+                <a16:creationId xmlns:a16="http://schemas.microsoft.com/office/drawing/2014/main" id="{19EBB53D-87C1-46E0-90CB-1D32F39023A3}"/>
               </a:ext>
             </a:extLst>
           </p:cNvPr>
@@ -17564,38 +17648,36 @@
           <a:lstStyle/>
           <a:p>
             <a:r>
+              <a:rPr lang="nl-NL" dirty="0"/>
+              <a:t>.</a:t>
+            </a:r>
+            <a:r>
+              <a:rPr lang="nl-NL" dirty="0" err="1"/>
+              <a:t>noun-noun</a:t>
+            </a:r>
+            <a:endParaRPr lang="nl-NL" dirty="0"/>
+          </a:p>
+          <a:p>
+            <a:r>
               <a:rPr lang="en-US" dirty="0"/>
-              <a:t>.adjective-noun</a:t>
-            </a:r>
-          </a:p>
-          <a:p>
+              <a:t>When an object should </a:t>
+            </a:r>
+            <a:r>
+              <a:rPr lang="en-US" i="1" dirty="0"/>
+              <a:t>only ever</a:t>
+            </a:r>
             <a:r>
               <a:rPr lang="en-US" dirty="0"/>
-              <a:t>when an object is a </a:t>
-            </a:r>
-            <a:r>
-              <a:rPr lang="en-US" i="1" dirty="0"/>
-              <a:t>kind of</a:t>
-            </a:r>
-            <a:r>
-              <a:rPr lang="en-US" dirty="0"/>
-              <a:t> another object it is called a </a:t>
-            </a:r>
-            <a:r>
-              <a:rPr lang="en-US" i="1" dirty="0"/>
-              <a:t>subclass</a:t>
-            </a:r>
-            <a:r>
-              <a:rPr lang="en-US" dirty="0"/>
-              <a:t>.</a:t>
-            </a:r>
+              <a:t> be used inside of another object.</a:t>
+            </a:r>
+            <a:endParaRPr lang="en-NL" dirty="0"/>
           </a:p>
         </p:txBody>
       </p:sp>
     </p:spTree>
     <p:extLst>
       <p:ext uri="{BB962C8B-B14F-4D97-AF65-F5344CB8AC3E}">
-        <p14:creationId xmlns:p14="http://schemas.microsoft.com/office/powerpoint/2010/main" val="98342861"/>
+        <p14:creationId xmlns:p14="http://schemas.microsoft.com/office/powerpoint/2010/main" val="2395617349"/>
       </p:ext>
     </p:extLst>
   </p:cSld>
@@ -17627,7 +17709,7 @@
           <p:cNvPr id="2" name="Title 1">
             <a:extLst>
               <a:ext uri="{FF2B5EF4-FFF2-40B4-BE49-F238E27FC236}">
-                <a16:creationId xmlns:a16="http://schemas.microsoft.com/office/drawing/2014/main" id="{FFF1008A-5A63-439B-BBF9-4066EA1FAD12}"/>
+                <a16:creationId xmlns:a16="http://schemas.microsoft.com/office/drawing/2014/main" id="{5DC7EF30-66E5-48BB-BAA4-AE0719D0F1A0}"/>
               </a:ext>
             </a:extLst>
           </p:cNvPr>
@@ -17644,66 +17726,54 @@
           <a:lstStyle/>
           <a:p>
             <a:r>
-              <a:rPr lang="nl-NL" dirty="0"/>
-              <a:t>Pros &amp; </a:t>
-            </a:r>
-            <a:r>
               <a:rPr lang="nl-NL" dirty="0" err="1"/>
-              <a:t>Cons</a:t>
+              <a:t>Subclasses</a:t>
             </a:r>
             <a:endParaRPr lang="en-NL" dirty="0"/>
           </a:p>
         </p:txBody>
       </p:sp>
-      <p:sp>
-        <p:nvSpPr>
-          <p:cNvPr id="3" name="Content Placeholder 2">
+      <p:pic>
+        <p:nvPicPr>
+          <p:cNvPr id="10" name="Content Placeholder 9" descr="A close up of text on a black background&#10;&#10;Description automatically generated">
             <a:extLst>
               <a:ext uri="{FF2B5EF4-FFF2-40B4-BE49-F238E27FC236}">
-                <a16:creationId xmlns:a16="http://schemas.microsoft.com/office/drawing/2014/main" id="{129EE8F9-7FE0-4BB6-89D5-A9D537FD06A9}"/>
+                <a16:creationId xmlns:a16="http://schemas.microsoft.com/office/drawing/2014/main" id="{24ACA50D-99D0-462B-B856-CF6A3CF6EC50}"/>
               </a:ext>
             </a:extLst>
           </p:cNvPr>
-          <p:cNvSpPr>
-            <a:spLocks noGrp="1"/>
-          </p:cNvSpPr>
+          <p:cNvPicPr>
+            <a:picLocks noGrp="1" noChangeAspect="1"/>
+          </p:cNvPicPr>
           <p:nvPr>
             <p:ph sz="half" idx="1"/>
           </p:nvPr>
-        </p:nvSpPr>
-        <p:spPr/>
-        <p:txBody>
-          <a:bodyPr/>
-          <a:lstStyle/>
-          <a:p>
-            <a:pPr marL="0" indent="0">
-              <a:buNone/>
-            </a:pPr>
-            <a:r>
-              <a:rPr lang="en-US" dirty="0"/>
-              <a:t>✓ High reusability</a:t>
-            </a:r>
-          </a:p>
-          <a:p>
-            <a:pPr marL="0" indent="0">
-              <a:buNone/>
-            </a:pPr>
-            <a:r>
-              <a:rPr lang="en-US" dirty="0"/>
-              <a:t>✓ Ease of maintainability</a:t>
-            </a:r>
-          </a:p>
-          <a:p>
-            <a:endParaRPr lang="en-NL" dirty="0"/>
-          </a:p>
-        </p:txBody>
-      </p:sp>
-      <p:sp>
-        <p:nvSpPr>
-          <p:cNvPr id="4" name="Content Placeholder 3">
+        </p:nvPicPr>
+        <p:blipFill>
+          <a:blip r:embed="rId2">
+            <a:extLst>
+              <a:ext uri="{28A0092B-C50C-407E-A947-70E740481C1C}">
+                <a14:useLocalDpi xmlns:a14="http://schemas.microsoft.com/office/drawing/2010/main" val="0"/>
+              </a:ext>
+            </a:extLst>
+          </a:blip>
+          <a:stretch>
+            <a:fillRect/>
+          </a:stretch>
+        </p:blipFill>
+        <p:spPr>
+          <a:xfrm>
+            <a:off x="838200" y="1825625"/>
+            <a:ext cx="5181600" cy="3824703"/>
+          </a:xfrm>
+        </p:spPr>
+      </p:pic>
+      <p:sp>
+        <p:nvSpPr>
+          <p:cNvPr id="6" name="Content Placeholder 5">
             <a:extLst>
               <a:ext uri="{FF2B5EF4-FFF2-40B4-BE49-F238E27FC236}">
-                <a16:creationId xmlns:a16="http://schemas.microsoft.com/office/drawing/2014/main" id="{5BB08023-451B-4B81-8F22-8D23148174C6}"/>
+                <a16:creationId xmlns:a16="http://schemas.microsoft.com/office/drawing/2014/main" id="{DE9CAA05-F613-436F-83B0-0C0A6E0EDDDB}"/>
               </a:ext>
             </a:extLst>
           </p:cNvPr>
@@ -17721,16 +17791,37 @@
           <a:p>
             <a:r>
               <a:rPr lang="en-US" dirty="0"/>
-              <a:t>Can be confusing for new developers. What is an object and what is not? </a:t>
-            </a:r>
-            <a:endParaRPr lang="en-NL" dirty="0"/>
+              <a:t>.adjective-noun</a:t>
+            </a:r>
+          </a:p>
+          <a:p>
+            <a:r>
+              <a:rPr lang="en-US" dirty="0"/>
+              <a:t>when an object is a </a:t>
+            </a:r>
+            <a:r>
+              <a:rPr lang="en-US" i="1" dirty="0"/>
+              <a:t>kind of</a:t>
+            </a:r>
+            <a:r>
+              <a:rPr lang="en-US" dirty="0"/>
+              <a:t> another object it is called a </a:t>
+            </a:r>
+            <a:r>
+              <a:rPr lang="en-US" i="1" dirty="0"/>
+              <a:t>subclass</a:t>
+            </a:r>
+            <a:r>
+              <a:rPr lang="en-US" dirty="0"/>
+              <a:t>.</a:t>
+            </a:r>
           </a:p>
         </p:txBody>
       </p:sp>
     </p:spTree>
     <p:extLst>
       <p:ext uri="{BB962C8B-B14F-4D97-AF65-F5344CB8AC3E}">
-        <p14:creationId xmlns:p14="http://schemas.microsoft.com/office/powerpoint/2010/main" val="3781455739"/>
+        <p14:creationId xmlns:p14="http://schemas.microsoft.com/office/powerpoint/2010/main" val="98342861"/>
       </p:ext>
     </p:extLst>
   </p:cSld>
@@ -17759,10 +17850,10 @@
       </p:grpSpPr>
       <p:sp>
         <p:nvSpPr>
-          <p:cNvPr id="5" name="Title 4">
+          <p:cNvPr id="2" name="Title 1">
             <a:extLst>
               <a:ext uri="{FF2B5EF4-FFF2-40B4-BE49-F238E27FC236}">
-                <a16:creationId xmlns:a16="http://schemas.microsoft.com/office/drawing/2014/main" id="{20BC539D-62AB-4F20-8811-8B6D79268B76}"/>
+                <a16:creationId xmlns:a16="http://schemas.microsoft.com/office/drawing/2014/main" id="{FFF1008A-5A63-439B-BBF9-4066EA1FAD12}"/>
               </a:ext>
             </a:extLst>
           </p:cNvPr>
@@ -17778,14 +17869,13 @@
           <a:bodyPr/>
           <a:lstStyle/>
           <a:p>
-            <a:pPr algn="ctr"/>
+            <a:r>
+              <a:rPr lang="nl-NL" dirty="0"/>
+              <a:t>Pros &amp; </a:t>
+            </a:r>
             <a:r>
               <a:rPr lang="nl-NL" dirty="0" err="1"/>
-              <a:t>Questions</a:t>
-            </a:r>
-            <a:r>
-              <a:rPr lang="nl-NL" dirty="0"/>
-              <a:t>?</a:t>
+              <a:t>Cons</a:t>
             </a:r>
             <a:endParaRPr lang="en-NL" dirty="0"/>
           </a:p>
@@ -17793,54 +17883,80 @@
       </p:sp>
       <p:sp>
         <p:nvSpPr>
-          <p:cNvPr id="3" name="Footer Placeholder 2"/>
-          <p:cNvSpPr>
-            <a:spLocks noGrp="1"/>
-          </p:cNvSpPr>
-          <p:nvPr>
-            <p:ph type="ftr" sz="quarter" idx="11"/>
-          </p:nvPr>
-        </p:nvSpPr>
-        <p:spPr/>
-        <p:txBody>
-          <a:bodyPr/>
-          <a:lstStyle/>
-          <a:p>
-            <a:r>
-              <a:rPr lang="nl-NL" noProof="0"/>
-              <a:t>Titel van de presentatie</a:t>
-            </a:r>
-            <a:endParaRPr lang="nl-NL" noProof="0" dirty="0"/>
-          </a:p>
-        </p:txBody>
-      </p:sp>
-      <p:sp>
-        <p:nvSpPr>
-          <p:cNvPr id="4" name="Slide Number Placeholder 3"/>
-          <p:cNvSpPr>
-            <a:spLocks noGrp="1"/>
-          </p:cNvSpPr>
-          <p:nvPr>
-            <p:ph type="sldNum" sz="quarter" idx="12"/>
-          </p:nvPr>
-        </p:nvSpPr>
-        <p:spPr/>
-        <p:txBody>
-          <a:bodyPr/>
-          <a:lstStyle/>
-          <a:p>
-            <a:fld id="{14F1411D-0280-154F-AEAC-4C20B7AA46B2}" type="slidenum">
-              <a:rPr lang="nl-NL" noProof="0" smtClean="0"/>
-              <a:t>37</a:t>
-            </a:fld>
-            <a:endParaRPr lang="nl-NL" noProof="0" dirty="0"/>
+          <p:cNvPr id="3" name="Content Placeholder 2">
+            <a:extLst>
+              <a:ext uri="{FF2B5EF4-FFF2-40B4-BE49-F238E27FC236}">
+                <a16:creationId xmlns:a16="http://schemas.microsoft.com/office/drawing/2014/main" id="{129EE8F9-7FE0-4BB6-89D5-A9D537FD06A9}"/>
+              </a:ext>
+            </a:extLst>
+          </p:cNvPr>
+          <p:cNvSpPr>
+            <a:spLocks noGrp="1"/>
+          </p:cNvSpPr>
+          <p:nvPr>
+            <p:ph sz="half" idx="1"/>
+          </p:nvPr>
+        </p:nvSpPr>
+        <p:spPr/>
+        <p:txBody>
+          <a:bodyPr/>
+          <a:lstStyle/>
+          <a:p>
+            <a:pPr marL="0" indent="0">
+              <a:buNone/>
+            </a:pPr>
+            <a:r>
+              <a:rPr lang="en-US" dirty="0"/>
+              <a:t>✓ High reusability</a:t>
+            </a:r>
+          </a:p>
+          <a:p>
+            <a:pPr marL="0" indent="0">
+              <a:buNone/>
+            </a:pPr>
+            <a:r>
+              <a:rPr lang="en-US" dirty="0"/>
+              <a:t>✓ Ease of maintainability</a:t>
+            </a:r>
+          </a:p>
+          <a:p>
+            <a:endParaRPr lang="en-NL" dirty="0"/>
+          </a:p>
+        </p:txBody>
+      </p:sp>
+      <p:sp>
+        <p:nvSpPr>
+          <p:cNvPr id="4" name="Content Placeholder 3">
+            <a:extLst>
+              <a:ext uri="{FF2B5EF4-FFF2-40B4-BE49-F238E27FC236}">
+                <a16:creationId xmlns:a16="http://schemas.microsoft.com/office/drawing/2014/main" id="{5BB08023-451B-4B81-8F22-8D23148174C6}"/>
+              </a:ext>
+            </a:extLst>
+          </p:cNvPr>
+          <p:cNvSpPr>
+            <a:spLocks noGrp="1"/>
+          </p:cNvSpPr>
+          <p:nvPr>
+            <p:ph sz="half" idx="2"/>
+          </p:nvPr>
+        </p:nvSpPr>
+        <p:spPr/>
+        <p:txBody>
+          <a:bodyPr/>
+          <a:lstStyle/>
+          <a:p>
+            <a:r>
+              <a:rPr lang="en-US" dirty="0"/>
+              <a:t>Can be confusing for new developers. What is an object and what is not? </a:t>
+            </a:r>
+            <a:endParaRPr lang="en-NL" dirty="0"/>
           </a:p>
         </p:txBody>
       </p:sp>
     </p:spTree>
     <p:extLst>
       <p:ext uri="{BB962C8B-B14F-4D97-AF65-F5344CB8AC3E}">
-        <p14:creationId xmlns:p14="http://schemas.microsoft.com/office/powerpoint/2010/main" val="356475829"/>
+        <p14:creationId xmlns:p14="http://schemas.microsoft.com/office/powerpoint/2010/main" val="3781455739"/>
       </p:ext>
     </p:extLst>
   </p:cSld>
@@ -17890,31 +18006,12 @@
           <a:p>
             <a:pPr algn="ctr"/>
             <a:r>
+              <a:rPr lang="nl-NL" dirty="0" err="1"/>
+              <a:t>Questions</a:t>
+            </a:r>
+            <a:r>
               <a:rPr lang="nl-NL" dirty="0"/>
-              <a:t>Hands-on</a:t>
-            </a:r>
-            <a:br>
-              <a:rPr lang="en-US" dirty="0">
-                <a:hlinkClick r:id="rId2">
-                  <a:extLst>
-                    <a:ext uri="{A12FA001-AC4F-418D-AE19-62706E023703}">
-                      <ahyp:hlinkClr xmlns:ahyp="http://schemas.microsoft.com/office/drawing/2018/hyperlinkcolor" val="tx"/>
-                    </a:ext>
-                  </a:extLst>
-                </a:hlinkClick>
-              </a:rPr>
-            </a:br>
-            <a:r>
-              <a:rPr lang="en-US" dirty="0">
-                <a:hlinkClick r:id="rId2">
-                  <a:extLst>
-                    <a:ext uri="{A12FA001-AC4F-418D-AE19-62706E023703}">
-                      <ahyp:hlinkClr xmlns:ahyp="http://schemas.microsoft.com/office/drawing/2018/hyperlinkcolor" val="tx"/>
-                    </a:ext>
-                  </a:extLst>
-                </a:hlinkClick>
-              </a:rPr>
-              <a:t>https://bit.ly/2SUypBF</a:t>
+              <a:t>?</a:t>
             </a:r>
             <a:endParaRPr lang="en-NL" dirty="0"/>
           </a:p>
@@ -17969,7 +18066,7 @@
     </p:spTree>
     <p:extLst>
       <p:ext uri="{BB962C8B-B14F-4D97-AF65-F5344CB8AC3E}">
-        <p14:creationId xmlns:p14="http://schemas.microsoft.com/office/powerpoint/2010/main" val="2021592466"/>
+        <p14:creationId xmlns:p14="http://schemas.microsoft.com/office/powerpoint/2010/main" val="356475829"/>
       </p:ext>
     </p:extLst>
   </p:cSld>
@@ -17998,10 +18095,10 @@
       </p:grpSpPr>
       <p:sp>
         <p:nvSpPr>
-          <p:cNvPr id="2" name="Title 1">
+          <p:cNvPr id="5" name="Title 4">
             <a:extLst>
               <a:ext uri="{FF2B5EF4-FFF2-40B4-BE49-F238E27FC236}">
-                <a16:creationId xmlns:a16="http://schemas.microsoft.com/office/drawing/2014/main" id="{9445269F-BA6D-4E7F-94DE-0BCCE5BC15E0}"/>
+                <a16:creationId xmlns:a16="http://schemas.microsoft.com/office/drawing/2014/main" id="{20BC539D-62AB-4F20-8811-8B6D79268B76}"/>
               </a:ext>
             </a:extLst>
           </p:cNvPr>
@@ -18012,62 +18109,93 @@
             <p:ph type="title"/>
           </p:nvPr>
         </p:nvSpPr>
-        <p:spPr>
-          <a:xfrm>
-            <a:off x="274202" y="1251285"/>
-            <a:ext cx="11231998" cy="3837344"/>
-          </a:xfrm>
-        </p:spPr>
-        <p:txBody>
-          <a:bodyPr/>
-          <a:lstStyle/>
-          <a:p>
-            <a:r>
-              <a:rPr lang="nl-NL" sz="2400" dirty="0"/>
-              <a:t>BEM: http://getbem.com/</a:t>
+        <p:spPr/>
+        <p:txBody>
+          <a:bodyPr/>
+          <a:lstStyle/>
+          <a:p>
+            <a:pPr algn="ctr"/>
+            <a:r>
+              <a:rPr lang="nl-NL" dirty="0"/>
+              <a:t>Hands-on</a:t>
             </a:r>
             <a:br>
-              <a:rPr lang="nl-NL" sz="2400" dirty="0"/>
+              <a:rPr lang="en-US" dirty="0">
+                <a:hlinkClick r:id="rId2">
+                  <a:extLst>
+                    <a:ext uri="{A12FA001-AC4F-418D-AE19-62706E023703}">
+                      <ahyp:hlinkClr xmlns:ahyp="http://schemas.microsoft.com/office/drawing/2018/hyperlinkcolor" val="tx"/>
+                    </a:ext>
+                  </a:extLst>
+                </a:hlinkClick>
+              </a:rPr>
             </a:br>
-            <a:br>
-              <a:rPr lang="nl-NL" sz="2400" dirty="0"/>
-            </a:br>
-            <a:r>
-              <a:rPr lang="nl-NL" sz="2400" dirty="0"/>
-              <a:t>SMACSS: http://smacss.com/</a:t>
-            </a:r>
-            <a:br>
-              <a:rPr lang="nl-NL" sz="2400" dirty="0"/>
-            </a:br>
-            <a:br>
-              <a:rPr lang="nl-NL" sz="2400" dirty="0"/>
-            </a:br>
-            <a:r>
-              <a:rPr lang="nl-NL" sz="2400" dirty="0"/>
-              <a:t>OOCSS: https://github.com/stubbornella/oocss/wiki</a:t>
-            </a:r>
-            <a:br>
-              <a:rPr lang="nl-NL" sz="2400" dirty="0"/>
-            </a:br>
-            <a:br>
-              <a:rPr lang="nl-NL" sz="2400" dirty="0"/>
-            </a:br>
-            <a:r>
-              <a:rPr lang="nl-NL" sz="2400" dirty="0" err="1"/>
-              <a:t>Oxygen</a:t>
-            </a:r>
-            <a:r>
-              <a:rPr lang="nl-NL" sz="2400" dirty="0"/>
-              <a:t> CSS: http://oxygencss.com/</a:t>
-            </a:r>
-            <a:endParaRPr lang="en-NL" sz="2400" dirty="0"/>
+            <a:r>
+              <a:rPr lang="en-US" dirty="0">
+                <a:hlinkClick r:id="rId2">
+                  <a:extLst>
+                    <a:ext uri="{A12FA001-AC4F-418D-AE19-62706E023703}">
+                      <ahyp:hlinkClr xmlns:ahyp="http://schemas.microsoft.com/office/drawing/2018/hyperlinkcolor" val="tx"/>
+                    </a:ext>
+                  </a:extLst>
+                </a:hlinkClick>
+              </a:rPr>
+              <a:t>https://bit.ly/2SUypBF</a:t>
+            </a:r>
+            <a:endParaRPr lang="en-NL" dirty="0"/>
+          </a:p>
+        </p:txBody>
+      </p:sp>
+      <p:sp>
+        <p:nvSpPr>
+          <p:cNvPr id="3" name="Footer Placeholder 2"/>
+          <p:cNvSpPr>
+            <a:spLocks noGrp="1"/>
+          </p:cNvSpPr>
+          <p:nvPr>
+            <p:ph type="ftr" sz="quarter" idx="11"/>
+          </p:nvPr>
+        </p:nvSpPr>
+        <p:spPr/>
+        <p:txBody>
+          <a:bodyPr/>
+          <a:lstStyle/>
+          <a:p>
+            <a:r>
+              <a:rPr lang="nl-NL" noProof="0"/>
+              <a:t>Titel van de presentatie</a:t>
+            </a:r>
+            <a:endParaRPr lang="nl-NL" noProof="0" dirty="0"/>
+          </a:p>
+        </p:txBody>
+      </p:sp>
+      <p:sp>
+        <p:nvSpPr>
+          <p:cNvPr id="4" name="Slide Number Placeholder 3"/>
+          <p:cNvSpPr>
+            <a:spLocks noGrp="1"/>
+          </p:cNvSpPr>
+          <p:nvPr>
+            <p:ph type="sldNum" sz="quarter" idx="12"/>
+          </p:nvPr>
+        </p:nvSpPr>
+        <p:spPr/>
+        <p:txBody>
+          <a:bodyPr/>
+          <a:lstStyle/>
+          <a:p>
+            <a:fld id="{14F1411D-0280-154F-AEAC-4C20B7AA46B2}" type="slidenum">
+              <a:rPr lang="nl-NL" noProof="0" smtClean="0"/>
+              <a:t>39</a:t>
+            </a:fld>
+            <a:endParaRPr lang="nl-NL" noProof="0" dirty="0"/>
           </a:p>
         </p:txBody>
       </p:sp>
     </p:spTree>
     <p:extLst>
       <p:ext uri="{BB962C8B-B14F-4D97-AF65-F5344CB8AC3E}">
-        <p14:creationId xmlns:p14="http://schemas.microsoft.com/office/powerpoint/2010/main" val="3956110133"/>
+        <p14:creationId xmlns:p14="http://schemas.microsoft.com/office/powerpoint/2010/main" val="2021592466"/>
       </p:ext>
     </p:extLst>
   </p:cSld>
@@ -18099,6 +18227,332 @@
           <p:cNvPr id="2" name="Footer Placeholder 1">
             <a:extLst>
               <a:ext uri="{FF2B5EF4-FFF2-40B4-BE49-F238E27FC236}">
+                <a16:creationId xmlns:a16="http://schemas.microsoft.com/office/drawing/2014/main" id="{C367F054-0302-4B1A-B81A-03615D30AEFC}"/>
+              </a:ext>
+            </a:extLst>
+          </p:cNvPr>
+          <p:cNvSpPr>
+            <a:spLocks noGrp="1"/>
+          </p:cNvSpPr>
+          <p:nvPr>
+            <p:ph type="ftr" sz="quarter" idx="11"/>
+          </p:nvPr>
+        </p:nvSpPr>
+        <p:spPr/>
+        <p:txBody>
+          <a:bodyPr/>
+          <a:lstStyle/>
+          <a:p>
+            <a:r>
+              <a:rPr lang="nl-NL"/>
+              <a:t>Titel van de presentatie</a:t>
+            </a:r>
+          </a:p>
+        </p:txBody>
+      </p:sp>
+      <p:sp>
+        <p:nvSpPr>
+          <p:cNvPr id="3" name="Slide Number Placeholder 2">
+            <a:extLst>
+              <a:ext uri="{FF2B5EF4-FFF2-40B4-BE49-F238E27FC236}">
+                <a16:creationId xmlns:a16="http://schemas.microsoft.com/office/drawing/2014/main" id="{2B885404-165E-4AB3-B5E5-26F99F259A0E}"/>
+              </a:ext>
+            </a:extLst>
+          </p:cNvPr>
+          <p:cNvSpPr>
+            <a:spLocks noGrp="1"/>
+          </p:cNvSpPr>
+          <p:nvPr>
+            <p:ph type="sldNum" sz="quarter" idx="12"/>
+          </p:nvPr>
+        </p:nvSpPr>
+        <p:spPr/>
+        <p:txBody>
+          <a:bodyPr/>
+          <a:lstStyle/>
+          <a:p>
+            <a:fld id="{14F1411D-0280-154F-AEAC-4C20B7AA46B2}" type="slidenum">
+              <a:rPr lang="nl-NL" smtClean="0"/>
+              <a:t>4</a:t>
+            </a:fld>
+            <a:endParaRPr lang="nl-NL"/>
+          </a:p>
+        </p:txBody>
+      </p:sp>
+      <p:sp>
+        <p:nvSpPr>
+          <p:cNvPr id="4" name="Title 3">
+            <a:extLst>
+              <a:ext uri="{FF2B5EF4-FFF2-40B4-BE49-F238E27FC236}">
+                <a16:creationId xmlns:a16="http://schemas.microsoft.com/office/drawing/2014/main" id="{F3868AC6-627E-43C8-9246-78923AE65E5D}"/>
+              </a:ext>
+            </a:extLst>
+          </p:cNvPr>
+          <p:cNvSpPr>
+            <a:spLocks noGrp="1"/>
+          </p:cNvSpPr>
+          <p:nvPr>
+            <p:ph type="title"/>
+          </p:nvPr>
+        </p:nvSpPr>
+        <p:spPr/>
+        <p:txBody>
+          <a:bodyPr/>
+          <a:lstStyle/>
+          <a:p>
+            <a:r>
+              <a:rPr lang="nl-NL" dirty="0"/>
+              <a:t>Uitleg </a:t>
+            </a:r>
+            <a:r>
+              <a:rPr lang="nl-NL" dirty="0" err="1"/>
+              <a:t>bloat</a:t>
+            </a:r>
+            <a:r>
+              <a:rPr lang="nl-NL" dirty="0"/>
+              <a:t> </a:t>
+            </a:r>
+            <a:r>
+              <a:rPr lang="nl-NL" dirty="0" err="1"/>
+              <a:t>css</a:t>
+            </a:r>
+            <a:endParaRPr lang="en-NL" dirty="0"/>
+          </a:p>
+        </p:txBody>
+      </p:sp>
+      <p:sp>
+        <p:nvSpPr>
+          <p:cNvPr id="5" name="Content Placeholder 4">
+            <a:extLst>
+              <a:ext uri="{FF2B5EF4-FFF2-40B4-BE49-F238E27FC236}">
+                <a16:creationId xmlns:a16="http://schemas.microsoft.com/office/drawing/2014/main" id="{26964814-D1BE-404A-B0B3-5E8CC0474DD6}"/>
+              </a:ext>
+            </a:extLst>
+          </p:cNvPr>
+          <p:cNvSpPr>
+            <a:spLocks noGrp="1"/>
+          </p:cNvSpPr>
+          <p:nvPr>
+            <p:ph idx="1"/>
+          </p:nvPr>
+        </p:nvSpPr>
+        <p:spPr/>
+        <p:txBody>
+          <a:bodyPr/>
+          <a:lstStyle/>
+          <a:p>
+            <a:endParaRPr lang="en-NL"/>
+          </a:p>
+        </p:txBody>
+      </p:sp>
+      <p:sp>
+        <p:nvSpPr>
+          <p:cNvPr id="6" name="Text Placeholder 5">
+            <a:extLst>
+              <a:ext uri="{FF2B5EF4-FFF2-40B4-BE49-F238E27FC236}">
+                <a16:creationId xmlns:a16="http://schemas.microsoft.com/office/drawing/2014/main" id="{3A1E568F-40B9-4B2E-B938-1B8EA6CB97A1}"/>
+              </a:ext>
+            </a:extLst>
+          </p:cNvPr>
+          <p:cNvSpPr>
+            <a:spLocks noGrp="1"/>
+          </p:cNvSpPr>
+          <p:nvPr>
+            <p:ph type="body" idx="13"/>
+          </p:nvPr>
+        </p:nvSpPr>
+        <p:spPr/>
+        <p:txBody>
+          <a:bodyPr/>
+          <a:lstStyle/>
+          <a:p>
+            <a:endParaRPr lang="en-NL"/>
+          </a:p>
+        </p:txBody>
+      </p:sp>
+      <p:sp>
+        <p:nvSpPr>
+          <p:cNvPr id="7" name="Content Placeholder 6">
+            <a:extLst>
+              <a:ext uri="{FF2B5EF4-FFF2-40B4-BE49-F238E27FC236}">
+                <a16:creationId xmlns:a16="http://schemas.microsoft.com/office/drawing/2014/main" id="{2FE2EFC6-91C1-4793-B083-25DC51960DBC}"/>
+              </a:ext>
+            </a:extLst>
+          </p:cNvPr>
+          <p:cNvSpPr>
+            <a:spLocks noGrp="1"/>
+          </p:cNvSpPr>
+          <p:nvPr>
+            <p:ph idx="14"/>
+          </p:nvPr>
+        </p:nvSpPr>
+        <p:spPr/>
+        <p:txBody>
+          <a:bodyPr/>
+          <a:lstStyle/>
+          <a:p>
+            <a:endParaRPr lang="en-NL"/>
+          </a:p>
+        </p:txBody>
+      </p:sp>
+      <p:sp>
+        <p:nvSpPr>
+          <p:cNvPr id="8" name="Text Placeholder 7">
+            <a:extLst>
+              <a:ext uri="{FF2B5EF4-FFF2-40B4-BE49-F238E27FC236}">
+                <a16:creationId xmlns:a16="http://schemas.microsoft.com/office/drawing/2014/main" id="{2A87AF8F-E7EF-4DDA-9EC3-5576738450D1}"/>
+              </a:ext>
+            </a:extLst>
+          </p:cNvPr>
+          <p:cNvSpPr>
+            <a:spLocks noGrp="1"/>
+          </p:cNvSpPr>
+          <p:nvPr>
+            <p:ph type="body" idx="15"/>
+          </p:nvPr>
+        </p:nvSpPr>
+        <p:spPr/>
+        <p:txBody>
+          <a:bodyPr/>
+          <a:lstStyle/>
+          <a:p>
+            <a:endParaRPr lang="en-NL"/>
+          </a:p>
+        </p:txBody>
+      </p:sp>
+    </p:spTree>
+    <p:extLst>
+      <p:ext uri="{BB962C8B-B14F-4D97-AF65-F5344CB8AC3E}">
+        <p14:creationId xmlns:p14="http://schemas.microsoft.com/office/powerpoint/2010/main" val="3022009756"/>
+      </p:ext>
+    </p:extLst>
+  </p:cSld>
+  <p:clrMapOvr>
+    <a:masterClrMapping/>
+  </p:clrMapOvr>
+</p:sld>
+</file>
+
+<file path=ppt/slides/slide40.xml><?xml version="1.0" encoding="utf-8"?>
+<p:sld xmlns:a="http://schemas.openxmlformats.org/drawingml/2006/main" xmlns:r="http://schemas.openxmlformats.org/officeDocument/2006/relationships" xmlns:p="http://schemas.openxmlformats.org/presentationml/2006/main">
+  <p:cSld>
+    <p:spTree>
+      <p:nvGrpSpPr>
+        <p:cNvPr id="1" name=""/>
+        <p:cNvGrpSpPr/>
+        <p:nvPr/>
+      </p:nvGrpSpPr>
+      <p:grpSpPr>
+        <a:xfrm>
+          <a:off x="0" y="0"/>
+          <a:ext cx="0" cy="0"/>
+          <a:chOff x="0" y="0"/>
+          <a:chExt cx="0" cy="0"/>
+        </a:xfrm>
+      </p:grpSpPr>
+      <p:sp>
+        <p:nvSpPr>
+          <p:cNvPr id="2" name="Title 1">
+            <a:extLst>
+              <a:ext uri="{FF2B5EF4-FFF2-40B4-BE49-F238E27FC236}">
+                <a16:creationId xmlns:a16="http://schemas.microsoft.com/office/drawing/2014/main" id="{9445269F-BA6D-4E7F-94DE-0BCCE5BC15E0}"/>
+              </a:ext>
+            </a:extLst>
+          </p:cNvPr>
+          <p:cNvSpPr>
+            <a:spLocks noGrp="1"/>
+          </p:cNvSpPr>
+          <p:nvPr>
+            <p:ph type="title"/>
+          </p:nvPr>
+        </p:nvSpPr>
+        <p:spPr>
+          <a:xfrm>
+            <a:off x="274202" y="1251285"/>
+            <a:ext cx="11231998" cy="3837344"/>
+          </a:xfrm>
+        </p:spPr>
+        <p:txBody>
+          <a:bodyPr/>
+          <a:lstStyle/>
+          <a:p>
+            <a:r>
+              <a:rPr lang="nl-NL" sz="2400" dirty="0"/>
+              <a:t>BEM: http://getbem.com/</a:t>
+            </a:r>
+            <a:br>
+              <a:rPr lang="nl-NL" sz="2400" dirty="0"/>
+            </a:br>
+            <a:br>
+              <a:rPr lang="nl-NL" sz="2400" dirty="0"/>
+            </a:br>
+            <a:r>
+              <a:rPr lang="nl-NL" sz="2400" dirty="0"/>
+              <a:t>SMACSS: http://smacss.com/</a:t>
+            </a:r>
+            <a:br>
+              <a:rPr lang="nl-NL" sz="2400" dirty="0"/>
+            </a:br>
+            <a:br>
+              <a:rPr lang="nl-NL" sz="2400" dirty="0"/>
+            </a:br>
+            <a:r>
+              <a:rPr lang="nl-NL" sz="2400" dirty="0"/>
+              <a:t>OOCSS: https://github.com/stubbornella/oocss/wiki</a:t>
+            </a:r>
+            <a:br>
+              <a:rPr lang="nl-NL" sz="2400" dirty="0"/>
+            </a:br>
+            <a:br>
+              <a:rPr lang="nl-NL" sz="2400" dirty="0"/>
+            </a:br>
+            <a:r>
+              <a:rPr lang="nl-NL" sz="2400" dirty="0" err="1"/>
+              <a:t>Oxygen</a:t>
+            </a:r>
+            <a:r>
+              <a:rPr lang="nl-NL" sz="2400" dirty="0"/>
+              <a:t> CSS: http://oxygencss.com/</a:t>
+            </a:r>
+            <a:endParaRPr lang="en-NL" sz="2400" dirty="0"/>
+          </a:p>
+        </p:txBody>
+      </p:sp>
+    </p:spTree>
+    <p:extLst>
+      <p:ext uri="{BB962C8B-B14F-4D97-AF65-F5344CB8AC3E}">
+        <p14:creationId xmlns:p14="http://schemas.microsoft.com/office/powerpoint/2010/main" val="3956110133"/>
+      </p:ext>
+    </p:extLst>
+  </p:cSld>
+  <p:clrMapOvr>
+    <a:masterClrMapping/>
+  </p:clrMapOvr>
+</p:sld>
+</file>
+
+<file path=ppt/slides/slide5.xml><?xml version="1.0" encoding="utf-8"?>
+<p:sld xmlns:a="http://schemas.openxmlformats.org/drawingml/2006/main" xmlns:r="http://schemas.openxmlformats.org/officeDocument/2006/relationships" xmlns:p="http://schemas.openxmlformats.org/presentationml/2006/main">
+  <p:cSld>
+    <p:spTree>
+      <p:nvGrpSpPr>
+        <p:cNvPr id="1" name=""/>
+        <p:cNvGrpSpPr/>
+        <p:nvPr/>
+      </p:nvGrpSpPr>
+      <p:grpSpPr>
+        <a:xfrm>
+          <a:off x="0" y="0"/>
+          <a:ext cx="0" cy="0"/>
+          <a:chOff x="0" y="0"/>
+          <a:chExt cx="0" cy="0"/>
+        </a:xfrm>
+      </p:grpSpPr>
+      <p:sp>
+        <p:nvSpPr>
+          <p:cNvPr id="2" name="Footer Placeholder 1">
+            <a:extLst>
+              <a:ext uri="{FF2B5EF4-FFF2-40B4-BE49-F238E27FC236}">
                 <a16:creationId xmlns:a16="http://schemas.microsoft.com/office/drawing/2014/main" id="{B7049432-7036-45C2-AC11-36B34DCC00E7}"/>
               </a:ext>
             </a:extLst>
@@ -18145,7 +18599,7 @@
           <a:p>
             <a:fld id="{14F1411D-0280-154F-AEAC-4C20B7AA46B2}" type="slidenum">
               <a:rPr lang="nl-NL" smtClean="0"/>
-              <a:t>4</a:t>
+              <a:t>5</a:t>
             </a:fld>
             <a:endParaRPr lang="nl-NL"/>
           </a:p>
@@ -18218,71 +18672,29 @@
           <a:lstStyle/>
           <a:p>
             <a:r>
-              <a:rPr lang="nl-NL" dirty="0"/>
-              <a:t>An </a:t>
-            </a:r>
-            <a:r>
-              <a:rPr lang="nl-NL" dirty="0" err="1"/>
-              <a:t>idea</a:t>
-            </a:r>
-            <a:r>
-              <a:rPr lang="nl-NL" dirty="0"/>
-              <a:t> </a:t>
-            </a:r>
-            <a:r>
-              <a:rPr lang="nl-NL" dirty="0" err="1"/>
-              <a:t>structure</a:t>
-            </a:r>
-            <a:r>
-              <a:rPr lang="nl-NL" dirty="0"/>
-              <a:t> </a:t>
-            </a:r>
-            <a:r>
-              <a:rPr lang="nl-NL" dirty="0" err="1"/>
-              <a:t>your</a:t>
-            </a:r>
-            <a:r>
-              <a:rPr lang="nl-NL" dirty="0"/>
-              <a:t> </a:t>
-            </a:r>
-            <a:r>
-              <a:rPr lang="nl-NL" dirty="0" err="1"/>
-              <a:t>style</a:t>
-            </a:r>
-            <a:r>
-              <a:rPr lang="nl-NL" dirty="0"/>
-              <a:t> </a:t>
-            </a:r>
-            <a:r>
-              <a:rPr lang="nl-NL" dirty="0" err="1"/>
-              <a:t>rules</a:t>
-            </a:r>
-            <a:endParaRPr lang="nl-NL" dirty="0"/>
-          </a:p>
-          <a:p>
-            <a:r>
-              <a:rPr lang="nl-NL" dirty="0" err="1"/>
-              <a:t>Scaleability</a:t>
-            </a:r>
-            <a:endParaRPr lang="nl-NL" dirty="0"/>
-          </a:p>
-          <a:p>
-            <a:r>
-              <a:rPr lang="nl-NL" dirty="0" err="1"/>
-              <a:t>Own</a:t>
-            </a:r>
-            <a:r>
-              <a:rPr lang="nl-NL" dirty="0"/>
-              <a:t> </a:t>
-            </a:r>
-            <a:r>
-              <a:rPr lang="nl-NL" dirty="0" err="1"/>
+              <a:rPr lang="en-GB" dirty="0"/>
+              <a:t>An idea to structure your style rules</a:t>
+            </a:r>
+          </a:p>
+          <a:p>
+            <a:r>
+              <a:rPr lang="en-GB" dirty="0"/>
+              <a:t>Scalability</a:t>
+            </a:r>
+          </a:p>
+          <a:p>
+            <a:r>
+              <a:rPr lang="en-GB" dirty="0"/>
+              <a:t>Own </a:t>
+            </a:r>
+            <a:r>
+              <a:rPr lang="en-GB" dirty="0" err="1"/>
               <a:t>adapation</a:t>
             </a:r>
-            <a:endParaRPr lang="nl-NL" dirty="0"/>
-          </a:p>
-          <a:p>
-            <a:endParaRPr lang="en-NL" dirty="0"/>
+            <a:endParaRPr lang="en-GB" dirty="0"/>
+          </a:p>
+          <a:p>
+            <a:endParaRPr lang="en-GB" dirty="0"/>
           </a:p>
         </p:txBody>
       </p:sp>
@@ -18346,7 +18758,7 @@
         </p:blipFill>
         <p:spPr>
           <a:xfrm>
-            <a:off x="7701569" y="4624299"/>
+            <a:off x="7430721" y="4815996"/>
             <a:ext cx="1759361" cy="1448885"/>
           </a:xfrm>
           <a:prstGeom prst="rect">
@@ -18478,7 +18890,7 @@
 </p:sld>
 </file>
 
-<file path=ppt/slides/slide5.xml><?xml version="1.0" encoding="utf-8"?>
+<file path=ppt/slides/slide6.xml><?xml version="1.0" encoding="utf-8"?>
 <p:sld xmlns:a="http://schemas.openxmlformats.org/drawingml/2006/main" xmlns:r="http://schemas.openxmlformats.org/officeDocument/2006/relationships" xmlns:p="http://schemas.openxmlformats.org/presentationml/2006/main">
   <p:cSld>
     <p:spTree>
@@ -18561,7 +18973,7 @@
           <a:p>
             <a:r>
               <a:rPr lang="en-US" dirty="0"/>
-              <a:t>SMACSS</a:t>
+              <a:t>BEM</a:t>
             </a:r>
           </a:p>
         </p:txBody>
@@ -18618,7 +19030,7 @@
 </p:sld>
 </file>
 
-<file path=ppt/slides/slide6.xml><?xml version="1.0" encoding="utf-8"?>
+<file path=ppt/slides/slide7.xml><?xml version="1.0" encoding="utf-8"?>
 <p:sld xmlns:a="http://schemas.openxmlformats.org/drawingml/2006/main" xmlns:r="http://schemas.openxmlformats.org/officeDocument/2006/relationships" xmlns:p="http://schemas.openxmlformats.org/presentationml/2006/main">
   <p:cSld>
     <p:spTree>
@@ -18757,7 +19169,7 @@
 </p:sld>
 </file>
 
-<file path=ppt/slides/slide7.xml><?xml version="1.0" encoding="utf-8"?>
+<file path=ppt/slides/slide8.xml><?xml version="1.0" encoding="utf-8"?>
 <p:sld xmlns:a="http://schemas.openxmlformats.org/drawingml/2006/main" xmlns:r="http://schemas.openxmlformats.org/officeDocument/2006/relationships" xmlns:p="http://schemas.openxmlformats.org/presentationml/2006/main">
   <p:cSld>
     <p:spTree>
@@ -18905,7 +19317,7 @@
 </p:sld>
 </file>
 
-<file path=ppt/slides/slide8.xml><?xml version="1.0" encoding="utf-8"?>
+<file path=ppt/slides/slide9.xml><?xml version="1.0" encoding="utf-8"?>
 <p:sld xmlns:a="http://schemas.openxmlformats.org/drawingml/2006/main" xmlns:r="http://schemas.openxmlformats.org/officeDocument/2006/relationships" xmlns:p="http://schemas.openxmlformats.org/presentationml/2006/main">
   <p:cSld>
     <p:spTree>
@@ -19023,139 +19435,6 @@
     <p:extLst>
       <p:ext uri="{BB962C8B-B14F-4D97-AF65-F5344CB8AC3E}">
         <p14:creationId xmlns:p14="http://schemas.microsoft.com/office/powerpoint/2010/main" val="1942426326"/>
-      </p:ext>
-    </p:extLst>
-  </p:cSld>
-  <p:clrMapOvr>
-    <a:masterClrMapping/>
-  </p:clrMapOvr>
-</p:sld>
-</file>
-
-<file path=ppt/slides/slide9.xml><?xml version="1.0" encoding="utf-8"?>
-<p:sld xmlns:a="http://schemas.openxmlformats.org/drawingml/2006/main" xmlns:r="http://schemas.openxmlformats.org/officeDocument/2006/relationships" xmlns:p="http://schemas.openxmlformats.org/presentationml/2006/main">
-  <p:cSld>
-    <p:spTree>
-      <p:nvGrpSpPr>
-        <p:cNvPr id="1" name=""/>
-        <p:cNvGrpSpPr/>
-        <p:nvPr/>
-      </p:nvGrpSpPr>
-      <p:grpSpPr>
-        <a:xfrm>
-          <a:off x="0" y="0"/>
-          <a:ext cx="0" cy="0"/>
-          <a:chOff x="0" y="0"/>
-          <a:chExt cx="0" cy="0"/>
-        </a:xfrm>
-      </p:grpSpPr>
-      <p:sp>
-        <p:nvSpPr>
-          <p:cNvPr id="2" name="Title 1"/>
-          <p:cNvSpPr>
-            <a:spLocks noGrp="1"/>
-          </p:cNvSpPr>
-          <p:nvPr>
-            <p:ph type="title"/>
-          </p:nvPr>
-        </p:nvSpPr>
-        <p:spPr/>
-        <p:txBody>
-          <a:bodyPr/>
-          <a:lstStyle/>
-          <a:p>
-            <a:r>
-              <a:rPr lang="nl-NL" dirty="0"/>
-              <a:t>Element</a:t>
-            </a:r>
-          </a:p>
-        </p:txBody>
-      </p:sp>
-      <p:sp>
-        <p:nvSpPr>
-          <p:cNvPr id="3" name="Content Placeholder 2"/>
-          <p:cNvSpPr>
-            <a:spLocks noGrp="1"/>
-          </p:cNvSpPr>
-          <p:nvPr>
-            <p:ph idx="1"/>
-          </p:nvPr>
-        </p:nvSpPr>
-        <p:spPr/>
-        <p:txBody>
-          <a:bodyPr/>
-          <a:lstStyle/>
-          <a:p>
-            <a:r>
-              <a:rPr lang="nl-NL" dirty="0"/>
-              <a:t>Child of a block</a:t>
-            </a:r>
-          </a:p>
-          <a:p>
-            <a:r>
-              <a:rPr lang="nl-NL" dirty="0"/>
-              <a:t>No meaning on its own</a:t>
-            </a:r>
-          </a:p>
-          <a:p>
-            <a:r>
-              <a:rPr lang="nl-NL" dirty="0"/>
-              <a:t>Never related to another element</a:t>
-            </a:r>
-          </a:p>
-          <a:p>
-            <a:r>
-              <a:rPr lang="nl-NL" dirty="0"/>
-              <a:t>Double underscore as prefix</a:t>
-            </a:r>
-          </a:p>
-        </p:txBody>
-      </p:sp>
-      <p:pic>
-        <p:nvPicPr>
-          <p:cNvPr id="4098" name="Picture 2" descr="https://i.gyazo.com/399509cf03e9b9f9b2bd8891d022ef80.png"/>
-          <p:cNvPicPr>
-            <a:picLocks noChangeAspect="1" noChangeArrowheads="1"/>
-          </p:cNvPicPr>
-          <p:nvPr/>
-        </p:nvPicPr>
-        <p:blipFill>
-          <a:blip r:embed="rId2">
-            <a:extLst>
-              <a:ext uri="{28A0092B-C50C-407E-A947-70E740481C1C}">
-                <a14:useLocalDpi xmlns:a14="http://schemas.microsoft.com/office/drawing/2010/main" val="0"/>
-              </a:ext>
-            </a:extLst>
-          </a:blip>
-          <a:srcRect/>
-          <a:stretch>
-            <a:fillRect/>
-          </a:stretch>
-        </p:blipFill>
-        <p:spPr bwMode="auto">
-          <a:xfrm>
-            <a:off x="8791575" y="1825625"/>
-            <a:ext cx="2562225" cy="3962401"/>
-          </a:xfrm>
-          <a:prstGeom prst="rect">
-            <a:avLst/>
-          </a:prstGeom>
-          <a:noFill/>
-          <a:extLst>
-            <a:ext uri="{909E8E84-426E-40DD-AFC4-6F175D3DCCD1}">
-              <a14:hiddenFill xmlns:a14="http://schemas.microsoft.com/office/drawing/2010/main">
-                <a:solidFill>
-                  <a:srgbClr val="FFFFFF"/>
-                </a:solidFill>
-              </a14:hiddenFill>
-            </a:ext>
-          </a:extLst>
-        </p:spPr>
-      </p:pic>
-    </p:spTree>
-    <p:extLst>
-      <p:ext uri="{BB962C8B-B14F-4D97-AF65-F5344CB8AC3E}">
-        <p14:creationId xmlns:p14="http://schemas.microsoft.com/office/powerpoint/2010/main" val="2205067644"/>
       </p:ext>
     </p:extLst>
   </p:cSld>

--- a/SIG_CSS_Architecture.pptx
+++ b/SIG_CSS_Architecture.pptx
@@ -30,16 +30,16 @@
     <p:sldId id="284" r:id="rId21"/>
     <p:sldId id="272" r:id="rId22"/>
     <p:sldId id="273" r:id="rId23"/>
-    <p:sldId id="274" r:id="rId24"/>
-    <p:sldId id="269" r:id="rId25"/>
+    <p:sldId id="269" r:id="rId24"/>
+    <p:sldId id="274" r:id="rId25"/>
     <p:sldId id="267" r:id="rId26"/>
     <p:sldId id="258" r:id="rId27"/>
     <p:sldId id="268" r:id="rId28"/>
     <p:sldId id="259" r:id="rId29"/>
     <p:sldId id="266" r:id="rId30"/>
     <p:sldId id="291" r:id="rId31"/>
-    <p:sldId id="260" r:id="rId32"/>
-    <p:sldId id="270" r:id="rId33"/>
+    <p:sldId id="270" r:id="rId32"/>
+    <p:sldId id="260" r:id="rId33"/>
     <p:sldId id="297" r:id="rId34"/>
     <p:sldId id="261" r:id="rId35"/>
     <p:sldId id="262" r:id="rId36"/>
@@ -1000,7 +1000,7 @@
           <a:p>
             <a:fld id="{10CC1388-5806-4682-935F-40A544AE6D98}" type="slidenum">
               <a:rPr lang="en-NL" smtClean="0"/>
-              <a:t>31</a:t>
+              <a:t>30</a:t>
             </a:fld>
             <a:endParaRPr lang="en-NL"/>
           </a:p>
@@ -15319,6 +15319,153 @@
       </p:grpSpPr>
       <p:sp>
         <p:nvSpPr>
+          <p:cNvPr id="2" name="Title 1">
+            <a:extLst>
+              <a:ext uri="{FF2B5EF4-FFF2-40B4-BE49-F238E27FC236}">
+                <a16:creationId xmlns:a16="http://schemas.microsoft.com/office/drawing/2014/main" id="{8E634946-CDEA-4FE7-812A-5ADF160CC427}"/>
+              </a:ext>
+            </a:extLst>
+          </p:cNvPr>
+          <p:cNvSpPr>
+            <a:spLocks noGrp="1"/>
+          </p:cNvSpPr>
+          <p:nvPr>
+            <p:ph type="title"/>
+          </p:nvPr>
+        </p:nvSpPr>
+        <p:spPr/>
+        <p:txBody>
+          <a:bodyPr/>
+          <a:lstStyle/>
+          <a:p>
+            <a:r>
+              <a:rPr lang="nl-NL" dirty="0"/>
+              <a:t>Object </a:t>
+            </a:r>
+            <a:r>
+              <a:rPr lang="nl-NL" dirty="0" err="1"/>
+              <a:t>Oriented</a:t>
+            </a:r>
+            <a:r>
+              <a:rPr lang="nl-NL" dirty="0"/>
+              <a:t> CSS</a:t>
+            </a:r>
+            <a:endParaRPr lang="en-NL" dirty="0"/>
+          </a:p>
+        </p:txBody>
+      </p:sp>
+      <p:sp>
+        <p:nvSpPr>
+          <p:cNvPr id="3" name="Content Placeholder 2">
+            <a:extLst>
+              <a:ext uri="{FF2B5EF4-FFF2-40B4-BE49-F238E27FC236}">
+                <a16:creationId xmlns:a16="http://schemas.microsoft.com/office/drawing/2014/main" id="{3018C4DE-EC9C-44A8-B315-5CBD7A701CE0}"/>
+              </a:ext>
+            </a:extLst>
+          </p:cNvPr>
+          <p:cNvSpPr>
+            <a:spLocks noGrp="1"/>
+          </p:cNvSpPr>
+          <p:nvPr>
+            <p:ph idx="1"/>
+          </p:nvPr>
+        </p:nvSpPr>
+        <p:spPr/>
+        <p:txBody>
+          <a:bodyPr/>
+          <a:lstStyle/>
+          <a:p>
+            <a:r>
+              <a:rPr lang="en-US" dirty="0"/>
+              <a:t>A </a:t>
+            </a:r>
+            <a:r>
+              <a:rPr lang="en-US" dirty="0" err="1"/>
+              <a:t>css</a:t>
+            </a:r>
+            <a:r>
+              <a:rPr lang="en-US" dirty="0"/>
+              <a:t> object is any repeating visual pattern, which can be abstracted into a snippet of html, </a:t>
+            </a:r>
+            <a:r>
+              <a:rPr lang="en-US" dirty="0" err="1"/>
+              <a:t>css</a:t>
+            </a:r>
+            <a:r>
+              <a:rPr lang="en-US" dirty="0"/>
+              <a:t>, and sometimes </a:t>
+            </a:r>
+            <a:r>
+              <a:rPr lang="en-US" dirty="0" err="1"/>
+              <a:t>javascript</a:t>
+            </a:r>
+            <a:r>
+              <a:rPr lang="en-US" dirty="0"/>
+              <a:t>.</a:t>
+            </a:r>
+          </a:p>
+          <a:p>
+            <a:pPr marL="0" indent="0">
+              <a:buNone/>
+            </a:pPr>
+            <a:endParaRPr lang="en-US" dirty="0"/>
+          </a:p>
+          <a:p>
+            <a:r>
+              <a:rPr lang="en-US" dirty="0"/>
+              <a:t>The goal of </a:t>
+            </a:r>
+            <a:r>
+              <a:rPr lang="en-US" dirty="0">
+                <a:hlinkClick r:id="rId2"/>
+              </a:rPr>
+              <a:t>Object Oriented CSS</a:t>
+            </a:r>
+            <a:r>
+              <a:rPr lang="en-US" dirty="0"/>
+              <a:t> is to encourage code reuse for faster and more efficient stylesheets that are easier to maintain.</a:t>
+            </a:r>
+          </a:p>
+          <a:p>
+            <a:endParaRPr lang="en-US" dirty="0"/>
+          </a:p>
+          <a:p>
+            <a:endParaRPr lang="en-NL" dirty="0"/>
+          </a:p>
+        </p:txBody>
+      </p:sp>
+    </p:spTree>
+    <p:extLst>
+      <p:ext uri="{BB962C8B-B14F-4D97-AF65-F5344CB8AC3E}">
+        <p14:creationId xmlns:p14="http://schemas.microsoft.com/office/powerpoint/2010/main" val="1398208315"/>
+      </p:ext>
+    </p:extLst>
+  </p:cSld>
+  <p:clrMapOvr>
+    <a:masterClrMapping/>
+  </p:clrMapOvr>
+</p:sld>
+</file>
+
+<file path=ppt/slides/slide23.xml><?xml version="1.0" encoding="utf-8"?>
+<p:sld xmlns:a="http://schemas.openxmlformats.org/drawingml/2006/main" xmlns:r="http://schemas.openxmlformats.org/officeDocument/2006/relationships" xmlns:p="http://schemas.openxmlformats.org/presentationml/2006/main">
+  <p:cSld>
+    <p:spTree>
+      <p:nvGrpSpPr>
+        <p:cNvPr id="1" name=""/>
+        <p:cNvGrpSpPr/>
+        <p:nvPr/>
+      </p:nvGrpSpPr>
+      <p:grpSpPr>
+        <a:xfrm>
+          <a:off x="0" y="0"/>
+          <a:ext cx="0" cy="0"/>
+          <a:chOff x="0" y="0"/>
+          <a:chExt cx="0" cy="0"/>
+        </a:xfrm>
+      </p:grpSpPr>
+      <p:sp>
+        <p:nvSpPr>
           <p:cNvPr id="7" name="Title 6"/>
           <p:cNvSpPr>
             <a:spLocks noGrp="1"/>
@@ -15459,7 +15606,7 @@
                 <a:latin typeface="Arial" panose="020B0604020202020204"/>
               </a:rPr>
               <a:pPr defTabSz="914377"/>
-              <a:t>22</a:t>
+              <a:t>23</a:t>
             </a:fld>
             <a:endParaRPr lang="nl-NL">
               <a:solidFill>
@@ -15519,153 +15666,6 @@
 </p:sld>
 </file>
 
-<file path=ppt/slides/slide23.xml><?xml version="1.0" encoding="utf-8"?>
-<p:sld xmlns:a="http://schemas.openxmlformats.org/drawingml/2006/main" xmlns:r="http://schemas.openxmlformats.org/officeDocument/2006/relationships" xmlns:p="http://schemas.openxmlformats.org/presentationml/2006/main">
-  <p:cSld>
-    <p:spTree>
-      <p:nvGrpSpPr>
-        <p:cNvPr id="1" name=""/>
-        <p:cNvGrpSpPr/>
-        <p:nvPr/>
-      </p:nvGrpSpPr>
-      <p:grpSpPr>
-        <a:xfrm>
-          <a:off x="0" y="0"/>
-          <a:ext cx="0" cy="0"/>
-          <a:chOff x="0" y="0"/>
-          <a:chExt cx="0" cy="0"/>
-        </a:xfrm>
-      </p:grpSpPr>
-      <p:sp>
-        <p:nvSpPr>
-          <p:cNvPr id="2" name="Title 1">
-            <a:extLst>
-              <a:ext uri="{FF2B5EF4-FFF2-40B4-BE49-F238E27FC236}">
-                <a16:creationId xmlns:a16="http://schemas.microsoft.com/office/drawing/2014/main" id="{8E634946-CDEA-4FE7-812A-5ADF160CC427}"/>
-              </a:ext>
-            </a:extLst>
-          </p:cNvPr>
-          <p:cNvSpPr>
-            <a:spLocks noGrp="1"/>
-          </p:cNvSpPr>
-          <p:nvPr>
-            <p:ph type="title"/>
-          </p:nvPr>
-        </p:nvSpPr>
-        <p:spPr/>
-        <p:txBody>
-          <a:bodyPr/>
-          <a:lstStyle/>
-          <a:p>
-            <a:r>
-              <a:rPr lang="nl-NL" dirty="0"/>
-              <a:t>Object </a:t>
-            </a:r>
-            <a:r>
-              <a:rPr lang="nl-NL" dirty="0" err="1"/>
-              <a:t>Oriented</a:t>
-            </a:r>
-            <a:r>
-              <a:rPr lang="nl-NL" dirty="0"/>
-              <a:t> CSS</a:t>
-            </a:r>
-            <a:endParaRPr lang="en-NL" dirty="0"/>
-          </a:p>
-        </p:txBody>
-      </p:sp>
-      <p:sp>
-        <p:nvSpPr>
-          <p:cNvPr id="3" name="Content Placeholder 2">
-            <a:extLst>
-              <a:ext uri="{FF2B5EF4-FFF2-40B4-BE49-F238E27FC236}">
-                <a16:creationId xmlns:a16="http://schemas.microsoft.com/office/drawing/2014/main" id="{3018C4DE-EC9C-44A8-B315-5CBD7A701CE0}"/>
-              </a:ext>
-            </a:extLst>
-          </p:cNvPr>
-          <p:cNvSpPr>
-            <a:spLocks noGrp="1"/>
-          </p:cNvSpPr>
-          <p:nvPr>
-            <p:ph idx="1"/>
-          </p:nvPr>
-        </p:nvSpPr>
-        <p:spPr/>
-        <p:txBody>
-          <a:bodyPr/>
-          <a:lstStyle/>
-          <a:p>
-            <a:r>
-              <a:rPr lang="en-US" dirty="0"/>
-              <a:t>A </a:t>
-            </a:r>
-            <a:r>
-              <a:rPr lang="en-US" dirty="0" err="1"/>
-              <a:t>css</a:t>
-            </a:r>
-            <a:r>
-              <a:rPr lang="en-US" dirty="0"/>
-              <a:t> object is any repeating visual pattern, which can be abstracted into a snippet of html, </a:t>
-            </a:r>
-            <a:r>
-              <a:rPr lang="en-US" dirty="0" err="1"/>
-              <a:t>css</a:t>
-            </a:r>
-            <a:r>
-              <a:rPr lang="en-US" dirty="0"/>
-              <a:t>, and sometimes </a:t>
-            </a:r>
-            <a:r>
-              <a:rPr lang="en-US" dirty="0" err="1"/>
-              <a:t>javascript</a:t>
-            </a:r>
-            <a:r>
-              <a:rPr lang="en-US" dirty="0"/>
-              <a:t>.</a:t>
-            </a:r>
-          </a:p>
-          <a:p>
-            <a:pPr marL="0" indent="0">
-              <a:buNone/>
-            </a:pPr>
-            <a:endParaRPr lang="en-US" dirty="0"/>
-          </a:p>
-          <a:p>
-            <a:r>
-              <a:rPr lang="en-US" dirty="0"/>
-              <a:t>The goal of </a:t>
-            </a:r>
-            <a:r>
-              <a:rPr lang="en-US" dirty="0">
-                <a:hlinkClick r:id="rId2"/>
-              </a:rPr>
-              <a:t>Object Oriented CSS</a:t>
-            </a:r>
-            <a:r>
-              <a:rPr lang="en-US" dirty="0"/>
-              <a:t> is to encourage code reuse for faster and more efficient stylesheets that are easier to maintain.</a:t>
-            </a:r>
-          </a:p>
-          <a:p>
-            <a:endParaRPr lang="en-US" dirty="0"/>
-          </a:p>
-          <a:p>
-            <a:endParaRPr lang="en-NL" dirty="0"/>
-          </a:p>
-        </p:txBody>
-      </p:sp>
-    </p:spTree>
-    <p:extLst>
-      <p:ext uri="{BB962C8B-B14F-4D97-AF65-F5344CB8AC3E}">
-        <p14:creationId xmlns:p14="http://schemas.microsoft.com/office/powerpoint/2010/main" val="1398208315"/>
-      </p:ext>
-    </p:extLst>
-  </p:cSld>
-  <p:clrMapOvr>
-    <a:masterClrMapping/>
-  </p:clrMapOvr>
-</p:sld>
-</file>
-
 <file path=ppt/slides/slide24.xml><?xml version="1.0" encoding="utf-8"?>
 <p:sld xmlns:a="http://schemas.openxmlformats.org/drawingml/2006/main" xmlns:r="http://schemas.openxmlformats.org/officeDocument/2006/relationships" xmlns:p="http://schemas.openxmlformats.org/presentationml/2006/main">
   <p:cSld>
@@ -15768,6 +15768,13 @@
             <a:endParaRPr lang="en-NL" dirty="0"/>
           </a:p>
           <a:p>
+            <a:endParaRPr lang="nl-NL" dirty="0"/>
+          </a:p>
+          <a:p>
+            <a:r>
+              <a:rPr lang="nl-NL" dirty="0" err="1"/>
+              <a:t>Theming</a:t>
+            </a:r>
             <a:endParaRPr lang="en-NL" dirty="0"/>
           </a:p>
         </p:txBody>
@@ -15848,6 +15855,20 @@
               <a:rPr lang="nl-NL" dirty="0"/>
               <a:t>, Padding, Overflow</a:t>
             </a:r>
+          </a:p>
+          <a:p>
+            <a:endParaRPr lang="nl-NL" dirty="0"/>
+          </a:p>
+          <a:p>
+            <a:r>
+              <a:rPr lang="nl-NL" dirty="0"/>
+              <a:t>Base </a:t>
+            </a:r>
+            <a:r>
+              <a:rPr lang="nl-NL" dirty="0" err="1"/>
+              <a:t>style</a:t>
+            </a:r>
+            <a:endParaRPr lang="nl-NL" dirty="0"/>
           </a:p>
           <a:p>
             <a:endParaRPr lang="en-NL" dirty="0"/>
@@ -15986,8 +16007,8 @@
         </p:blipFill>
         <p:spPr>
           <a:xfrm>
-            <a:off x="838200" y="1825625"/>
-            <a:ext cx="4261061" cy="4351338"/>
+            <a:off x="838200" y="1171575"/>
+            <a:ext cx="4901541" cy="5005388"/>
           </a:xfrm>
         </p:spPr>
       </p:pic>
@@ -16021,8 +16042,8 @@
         </p:blipFill>
         <p:spPr>
           <a:xfrm>
-            <a:off x="6096000" y="1825625"/>
-            <a:ext cx="4467225" cy="3924300"/>
+            <a:off x="6096000" y="1131133"/>
+            <a:ext cx="5257800" cy="4618792"/>
           </a:xfrm>
         </p:spPr>
       </p:pic>
@@ -16123,10 +16144,16 @@
             </a:r>
           </a:p>
           <a:p>
+            <a:endParaRPr lang="en-US" dirty="0"/>
+          </a:p>
+          <a:p>
             <a:r>
               <a:rPr lang="en-US" dirty="0"/>
               <a:t>Avoiding child selectors</a:t>
             </a:r>
+          </a:p>
+          <a:p>
+            <a:endParaRPr lang="en-US" dirty="0"/>
           </a:p>
           <a:p>
             <a:r>
@@ -16230,8 +16257,8 @@
         </p:blipFill>
         <p:spPr>
           <a:xfrm>
-            <a:off x="838200" y="1690688"/>
-            <a:ext cx="2865078" cy="4351338"/>
+            <a:off x="838200" y="1007824"/>
+            <a:ext cx="3314700" cy="5034202"/>
           </a:xfrm>
         </p:spPr>
       </p:pic>
@@ -16265,8 +16292,8 @@
         </p:blipFill>
         <p:spPr>
           <a:xfrm>
-            <a:off x="6096000" y="1690688"/>
-            <a:ext cx="2952750" cy="4114800"/>
+            <a:off x="6096000" y="1056001"/>
+            <a:ext cx="3577935" cy="4986026"/>
           </a:xfrm>
         </p:spPr>
       </p:pic>
@@ -16532,7 +16559,7 @@
         </p:blipFill>
         <p:spPr>
           <a:xfrm>
-            <a:off x="7395410" y="3385485"/>
+            <a:off x="8193316" y="3204510"/>
             <a:ext cx="2141621" cy="2409324"/>
           </a:xfrm>
           <a:prstGeom prst="rect">
@@ -16970,7 +16997,7 @@
           <p:cNvPr id="2" name="Title 1">
             <a:extLst>
               <a:ext uri="{FF2B5EF4-FFF2-40B4-BE49-F238E27FC236}">
-                <a16:creationId xmlns:a16="http://schemas.microsoft.com/office/drawing/2014/main" id="{5DC7EF30-66E5-48BB-BAA4-AE0719D0F1A0}"/>
+                <a16:creationId xmlns:a16="http://schemas.microsoft.com/office/drawing/2014/main" id="{F21E9F68-168D-4FF1-AAEE-BF03F5D102C2}"/>
               </a:ext>
             </a:extLst>
           </p:cNvPr>
@@ -17003,7 +17030,7 @@
           <p:cNvPr id="3" name="Content Placeholder 2">
             <a:extLst>
               <a:ext uri="{FF2B5EF4-FFF2-40B4-BE49-F238E27FC236}">
-                <a16:creationId xmlns:a16="http://schemas.microsoft.com/office/drawing/2014/main" id="{629F5954-EC10-40FA-9DEE-A7E9C742D70A}"/>
+                <a16:creationId xmlns:a16="http://schemas.microsoft.com/office/drawing/2014/main" id="{6581473E-9C1B-4AA7-8887-BD1BF15BA676}"/>
               </a:ext>
             </a:extLst>
           </p:cNvPr>
@@ -17016,59 +17043,28 @@
         </p:nvSpPr>
         <p:spPr/>
         <p:txBody>
-          <a:bodyPr>
-            <a:normAutofit/>
-          </a:bodyPr>
-          <a:lstStyle/>
-          <a:p>
-            <a:r>
-              <a:rPr lang="nl-NL" dirty="0"/>
-              <a:t>Object </a:t>
-            </a:r>
-            <a:r>
-              <a:rPr lang="nl-NL" dirty="0" err="1"/>
-              <a:t>Oriented</a:t>
-            </a:r>
-            <a:endParaRPr lang="nl-NL" dirty="0"/>
-          </a:p>
-          <a:p>
-            <a:endParaRPr lang="nl-NL" dirty="0"/>
-          </a:p>
-          <a:p>
-            <a:r>
-              <a:rPr lang="nl-NL" dirty="0"/>
-              <a:t>Object</a:t>
-            </a:r>
-          </a:p>
-          <a:p>
-            <a:r>
-              <a:rPr lang="nl-NL" dirty="0"/>
-              <a:t>Child-Object</a:t>
-            </a:r>
-          </a:p>
-          <a:p>
-            <a:r>
-              <a:rPr lang="nl-NL" dirty="0" err="1"/>
-              <a:t>Modifiers</a:t>
-            </a:r>
-            <a:endParaRPr lang="nl-NL" dirty="0"/>
-          </a:p>
-          <a:p>
-            <a:r>
-              <a:rPr lang="nl-NL" dirty="0" err="1"/>
-              <a:t>Subclasses</a:t>
-            </a:r>
-            <a:endParaRPr lang="nl-NL" dirty="0"/>
-          </a:p>
-          <a:p>
-            <a:endParaRPr lang="nl-NL" dirty="0"/>
+          <a:bodyPr/>
+          <a:lstStyle/>
+          <a:p>
+            <a:r>
+              <a:rPr lang="en-US" i="1" dirty="0"/>
+              <a:t>Oxygen is an object-oriented approach to CSS. It is designed to give teams a simple and consistent way to communicate about stylesheets. </a:t>
+            </a:r>
+            <a:endParaRPr lang="en-US" dirty="0"/>
+          </a:p>
+          <a:p>
+            <a:r>
+              <a:rPr lang="en-US" dirty="0"/>
+              <a:t>We naturally speak in terms of objects when talking about “buttons”, “menus”, and “controls.”</a:t>
+            </a:r>
+            <a:endParaRPr lang="en-NL" dirty="0"/>
           </a:p>
         </p:txBody>
       </p:sp>
     </p:spTree>
     <p:extLst>
       <p:ext uri="{BB962C8B-B14F-4D97-AF65-F5344CB8AC3E}">
-        <p14:creationId xmlns:p14="http://schemas.microsoft.com/office/powerpoint/2010/main" val="954262085"/>
+        <p14:creationId xmlns:p14="http://schemas.microsoft.com/office/powerpoint/2010/main" val="1255628608"/>
       </p:ext>
     </p:extLst>
   </p:cSld>
@@ -17100,7 +17096,7 @@
           <p:cNvPr id="2" name="Title 1">
             <a:extLst>
               <a:ext uri="{FF2B5EF4-FFF2-40B4-BE49-F238E27FC236}">
-                <a16:creationId xmlns:a16="http://schemas.microsoft.com/office/drawing/2014/main" id="{F21E9F68-168D-4FF1-AAEE-BF03F5D102C2}"/>
+                <a16:creationId xmlns:a16="http://schemas.microsoft.com/office/drawing/2014/main" id="{5DC7EF30-66E5-48BB-BAA4-AE0719D0F1A0}"/>
               </a:ext>
             </a:extLst>
           </p:cNvPr>
@@ -17133,7 +17129,7 @@
           <p:cNvPr id="3" name="Content Placeholder 2">
             <a:extLst>
               <a:ext uri="{FF2B5EF4-FFF2-40B4-BE49-F238E27FC236}">
-                <a16:creationId xmlns:a16="http://schemas.microsoft.com/office/drawing/2014/main" id="{6581473E-9C1B-4AA7-8887-BD1BF15BA676}"/>
+                <a16:creationId xmlns:a16="http://schemas.microsoft.com/office/drawing/2014/main" id="{629F5954-EC10-40FA-9DEE-A7E9C742D70A}"/>
               </a:ext>
             </a:extLst>
           </p:cNvPr>
@@ -17146,28 +17142,45 @@
         </p:nvSpPr>
         <p:spPr/>
         <p:txBody>
-          <a:bodyPr/>
-          <a:lstStyle/>
-          <a:p>
-            <a:r>
-              <a:rPr lang="en-US" i="1" dirty="0"/>
-              <a:t>Oxygen is an object-oriented approach to CSS. It is designed to give teams a simple and consistent way to communicate about stylesheets. </a:t>
-            </a:r>
-            <a:endParaRPr lang="en-US" dirty="0"/>
-          </a:p>
-          <a:p>
-            <a:r>
-              <a:rPr lang="en-US" dirty="0"/>
-              <a:t>We naturally speak in terms of objects when talking about “buttons”, “menus”, and “controls.”</a:t>
-            </a:r>
-            <a:endParaRPr lang="en-NL" dirty="0"/>
+          <a:bodyPr>
+            <a:normAutofit/>
+          </a:bodyPr>
+          <a:lstStyle/>
+          <a:p>
+            <a:r>
+              <a:rPr lang="nl-NL" dirty="0"/>
+              <a:t>Object</a:t>
+            </a:r>
+          </a:p>
+          <a:p>
+            <a:r>
+              <a:rPr lang="nl-NL" dirty="0"/>
+              <a:t>Child-Object</a:t>
+            </a:r>
+          </a:p>
+          <a:p>
+            <a:r>
+              <a:rPr lang="nl-NL" dirty="0" err="1"/>
+              <a:t>Modifiers</a:t>
+            </a:r>
+            <a:endParaRPr lang="nl-NL" dirty="0"/>
+          </a:p>
+          <a:p>
+            <a:r>
+              <a:rPr lang="nl-NL" dirty="0" err="1"/>
+              <a:t>Subclasses</a:t>
+            </a:r>
+            <a:endParaRPr lang="nl-NL" dirty="0"/>
+          </a:p>
+          <a:p>
+            <a:endParaRPr lang="nl-NL" dirty="0"/>
           </a:p>
         </p:txBody>
       </p:sp>
     </p:spTree>
     <p:extLst>
       <p:ext uri="{BB962C8B-B14F-4D97-AF65-F5344CB8AC3E}">
-        <p14:creationId xmlns:p14="http://schemas.microsoft.com/office/powerpoint/2010/main" val="1255628608"/>
+        <p14:creationId xmlns:p14="http://schemas.microsoft.com/office/powerpoint/2010/main" val="954262085"/>
       </p:ext>
     </p:extLst>
   </p:cSld>
@@ -18301,125 +18314,87 @@
           <a:lstStyle/>
           <a:p>
             <a:r>
+              <a:rPr lang="nl-NL" dirty="0" err="1"/>
+              <a:t>Bloat</a:t>
+            </a:r>
+            <a:r>
               <a:rPr lang="nl-NL" dirty="0"/>
-              <a:t>Uitleg </a:t>
-            </a:r>
-            <a:r>
-              <a:rPr lang="nl-NL" dirty="0" err="1"/>
-              <a:t>bloat</a:t>
-            </a:r>
-            <a:r>
-              <a:rPr lang="nl-NL" dirty="0"/>
-              <a:t> </a:t>
-            </a:r>
-            <a:r>
-              <a:rPr lang="nl-NL" dirty="0" err="1"/>
-              <a:t>css</a:t>
+              <a:t> CSS</a:t>
             </a:r>
             <a:endParaRPr lang="en-NL" dirty="0"/>
           </a:p>
         </p:txBody>
       </p:sp>
-      <p:sp>
-        <p:nvSpPr>
-          <p:cNvPr id="5" name="Content Placeholder 4">
+      <p:pic>
+        <p:nvPicPr>
+          <p:cNvPr id="10" name="Content Placeholder 9" descr="A screenshot of a cell phone screen with text&#10;&#10;Description automatically generated">
             <a:extLst>
               <a:ext uri="{FF2B5EF4-FFF2-40B4-BE49-F238E27FC236}">
-                <a16:creationId xmlns:a16="http://schemas.microsoft.com/office/drawing/2014/main" id="{26964814-D1BE-404A-B0B3-5E8CC0474DD6}"/>
+                <a16:creationId xmlns:a16="http://schemas.microsoft.com/office/drawing/2014/main" id="{16CC2F17-24C2-4FA6-BDC3-D70456CAFACB}"/>
               </a:ext>
             </a:extLst>
           </p:cNvPr>
-          <p:cNvSpPr>
-            <a:spLocks noGrp="1"/>
-          </p:cNvSpPr>
+          <p:cNvPicPr>
+            <a:picLocks noGrp="1" noChangeAspect="1"/>
+          </p:cNvPicPr>
           <p:nvPr>
             <p:ph idx="1"/>
           </p:nvPr>
-        </p:nvSpPr>
-        <p:spPr/>
-        <p:txBody>
-          <a:bodyPr/>
-          <a:lstStyle/>
-          <a:p>
-            <a:endParaRPr lang="en-NL"/>
-          </a:p>
-        </p:txBody>
-      </p:sp>
-      <p:sp>
-        <p:nvSpPr>
-          <p:cNvPr id="6" name="Text Placeholder 5">
+        </p:nvPicPr>
+        <p:blipFill>
+          <a:blip r:embed="rId2">
+            <a:extLst>
+              <a:ext uri="{28A0092B-C50C-407E-A947-70E740481C1C}">
+                <a14:useLocalDpi xmlns:a14="http://schemas.microsoft.com/office/drawing/2010/main" val="0"/>
+              </a:ext>
+            </a:extLst>
+          </a:blip>
+          <a:stretch>
+            <a:fillRect/>
+          </a:stretch>
+        </p:blipFill>
+        <p:spPr>
+          <a:xfrm>
+            <a:off x="1297649" y="1055688"/>
+            <a:ext cx="4318264" cy="5232400"/>
+          </a:xfrm>
+        </p:spPr>
+      </p:pic>
+      <p:pic>
+        <p:nvPicPr>
+          <p:cNvPr id="12" name="Content Placeholder 11" descr="A close up of text on a black background&#10;&#10;Description automatically generated">
             <a:extLst>
               <a:ext uri="{FF2B5EF4-FFF2-40B4-BE49-F238E27FC236}">
-                <a16:creationId xmlns:a16="http://schemas.microsoft.com/office/drawing/2014/main" id="{3A1E568F-40B9-4B2E-B938-1B8EA6CB97A1}"/>
+                <a16:creationId xmlns:a16="http://schemas.microsoft.com/office/drawing/2014/main" id="{10AC4F90-1C9A-4F6C-9B1E-8DA26C0A9AE2}"/>
               </a:ext>
             </a:extLst>
           </p:cNvPr>
-          <p:cNvSpPr>
-            <a:spLocks noGrp="1"/>
-          </p:cNvSpPr>
-          <p:nvPr>
-            <p:ph type="body" idx="13"/>
-          </p:nvPr>
-        </p:nvSpPr>
-        <p:spPr/>
-        <p:txBody>
-          <a:bodyPr/>
-          <a:lstStyle/>
-          <a:p>
-            <a:endParaRPr lang="en-NL"/>
-          </a:p>
-        </p:txBody>
-      </p:sp>
-      <p:sp>
-        <p:nvSpPr>
-          <p:cNvPr id="7" name="Content Placeholder 6">
+          <p:cNvPicPr>
+            <a:picLocks noGrp="1" noChangeAspect="1"/>
+          </p:cNvPicPr>
+          <p:nvPr>
+            <p:ph idx="14"/>
+          </p:nvPr>
+        </p:nvPicPr>
+        <p:blipFill>
+          <a:blip r:embed="rId3">
             <a:extLst>
-              <a:ext uri="{FF2B5EF4-FFF2-40B4-BE49-F238E27FC236}">
-                <a16:creationId xmlns:a16="http://schemas.microsoft.com/office/drawing/2014/main" id="{2FE2EFC6-91C1-4793-B083-25DC51960DBC}"/>
+              <a:ext uri="{28A0092B-C50C-407E-A947-70E740481C1C}">
+                <a14:useLocalDpi xmlns:a14="http://schemas.microsoft.com/office/drawing/2010/main" val="0"/>
               </a:ext>
             </a:extLst>
-          </p:cNvPr>
-          <p:cNvSpPr>
-            <a:spLocks noGrp="1"/>
-          </p:cNvSpPr>
-          <p:nvPr>
-            <p:ph idx="14"/>
-          </p:nvPr>
-        </p:nvSpPr>
-        <p:spPr/>
-        <p:txBody>
-          <a:bodyPr/>
-          <a:lstStyle/>
-          <a:p>
-            <a:endParaRPr lang="en-NL"/>
-          </a:p>
-        </p:txBody>
-      </p:sp>
-      <p:sp>
-        <p:nvSpPr>
-          <p:cNvPr id="8" name="Text Placeholder 7">
-            <a:extLst>
-              <a:ext uri="{FF2B5EF4-FFF2-40B4-BE49-F238E27FC236}">
-                <a16:creationId xmlns:a16="http://schemas.microsoft.com/office/drawing/2014/main" id="{2A87AF8F-E7EF-4DDA-9EC3-5576738450D1}"/>
-              </a:ext>
-            </a:extLst>
-          </p:cNvPr>
-          <p:cNvSpPr>
-            <a:spLocks noGrp="1"/>
-          </p:cNvSpPr>
-          <p:nvPr>
-            <p:ph type="body" idx="15"/>
-          </p:nvPr>
-        </p:nvSpPr>
-        <p:spPr/>
-        <p:txBody>
-          <a:bodyPr/>
-          <a:lstStyle/>
-          <a:p>
-            <a:endParaRPr lang="en-NL"/>
-          </a:p>
-        </p:txBody>
-      </p:sp>
+          </a:blip>
+          <a:stretch>
+            <a:fillRect/>
+          </a:stretch>
+        </p:blipFill>
+        <p:spPr>
+          <a:xfrm>
+            <a:off x="6477603" y="1055688"/>
+            <a:ext cx="4515231" cy="5232400"/>
+          </a:xfrm>
+        </p:spPr>
+      </p:pic>
     </p:spTree>
     <p:extLst>
       <p:ext uri="{BB962C8B-B14F-4D97-AF65-F5344CB8AC3E}">

--- a/SIG_CSS_Architecture.pptx
+++ b/SIG_CSS_Architecture.pptx
@@ -14471,7 +14471,7 @@
         </p:blipFill>
         <p:spPr bwMode="auto">
           <a:xfrm>
-            <a:off x="8897528" y="1690687"/>
+            <a:off x="7443197" y="1242493"/>
             <a:ext cx="2456271" cy="5062925"/>
           </a:xfrm>
           <a:prstGeom prst="rect">
@@ -15554,69 +15554,6 @@
           </a:p>
         </p:txBody>
       </p:sp>
-      <p:sp>
-        <p:nvSpPr>
-          <p:cNvPr id="4" name="Footer Placeholder 3"/>
-          <p:cNvSpPr>
-            <a:spLocks noGrp="1"/>
-          </p:cNvSpPr>
-          <p:nvPr>
-            <p:ph type="ftr" sz="quarter" idx="11"/>
-          </p:nvPr>
-        </p:nvSpPr>
-        <p:spPr/>
-        <p:txBody>
-          <a:bodyPr/>
-          <a:lstStyle/>
-          <a:p>
-            <a:pPr defTabSz="914377"/>
-            <a:r>
-              <a:rPr lang="nl-NL" dirty="0">
-                <a:solidFill>
-                  <a:srgbClr val="FFFFFF"/>
-                </a:solidFill>
-                <a:latin typeface="Arial" panose="020B0604020202020204"/>
-              </a:rPr>
-              <a:t>CSS Architectuur</a:t>
-            </a:r>
-          </a:p>
-        </p:txBody>
-      </p:sp>
-      <p:sp>
-        <p:nvSpPr>
-          <p:cNvPr id="5" name="Slide Number Placeholder 4"/>
-          <p:cNvSpPr>
-            <a:spLocks noGrp="1"/>
-          </p:cNvSpPr>
-          <p:nvPr>
-            <p:ph type="sldNum" sz="quarter" idx="12"/>
-          </p:nvPr>
-        </p:nvSpPr>
-        <p:spPr/>
-        <p:txBody>
-          <a:bodyPr/>
-          <a:lstStyle/>
-          <a:p>
-            <a:pPr defTabSz="914377"/>
-            <a:fld id="{14F1411D-0280-154F-AEAC-4C20B7AA46B2}" type="slidenum">
-              <a:rPr lang="nl-NL">
-                <a:solidFill>
-                  <a:srgbClr val="FFFFFF"/>
-                </a:solidFill>
-                <a:latin typeface="Arial" panose="020B0604020202020204"/>
-              </a:rPr>
-              <a:pPr defTabSz="914377"/>
-              <a:t>23</a:t>
-            </a:fld>
-            <a:endParaRPr lang="nl-NL">
-              <a:solidFill>
-                <a:srgbClr val="FFFFFF"/>
-              </a:solidFill>
-              <a:latin typeface="Arial" panose="020B0604020202020204"/>
-            </a:endParaRPr>
-          </a:p>
-        </p:txBody>
-      </p:sp>
       <p:pic>
         <p:nvPicPr>
           <p:cNvPr id="3" name="Picture 2" descr="A screenshot of a cell phone&#10;&#10;Description automatically generated">
@@ -16599,60 +16536,6 @@
       </p:grpSpPr>
       <p:sp>
         <p:nvSpPr>
-          <p:cNvPr id="4" name="Footer Placeholder 3">
-            <a:extLst>
-              <a:ext uri="{FF2B5EF4-FFF2-40B4-BE49-F238E27FC236}">
-                <a16:creationId xmlns:a16="http://schemas.microsoft.com/office/drawing/2014/main" id="{2F93395D-BD94-4B91-896D-389C8558DCDB}"/>
-              </a:ext>
-            </a:extLst>
-          </p:cNvPr>
-          <p:cNvSpPr>
-            <a:spLocks noGrp="1"/>
-          </p:cNvSpPr>
-          <p:nvPr>
-            <p:ph type="ftr" sz="quarter" idx="11"/>
-          </p:nvPr>
-        </p:nvSpPr>
-        <p:spPr/>
-        <p:txBody>
-          <a:bodyPr/>
-          <a:lstStyle/>
-          <a:p>
-            <a:endParaRPr lang="nl-NL"/>
-          </a:p>
-        </p:txBody>
-      </p:sp>
-      <p:sp>
-        <p:nvSpPr>
-          <p:cNvPr id="5" name="Slide Number Placeholder 4">
-            <a:extLst>
-              <a:ext uri="{FF2B5EF4-FFF2-40B4-BE49-F238E27FC236}">
-                <a16:creationId xmlns:a16="http://schemas.microsoft.com/office/drawing/2014/main" id="{789365E9-84F1-4B9B-A36C-B080D7F111DD}"/>
-              </a:ext>
-            </a:extLst>
-          </p:cNvPr>
-          <p:cNvSpPr>
-            <a:spLocks noGrp="1"/>
-          </p:cNvSpPr>
-          <p:nvPr>
-            <p:ph type="sldNum" sz="quarter" idx="12"/>
-          </p:nvPr>
-        </p:nvSpPr>
-        <p:spPr/>
-        <p:txBody>
-          <a:bodyPr/>
-          <a:lstStyle/>
-          <a:p>
-            <a:fld id="{B5E064B0-FB02-45DD-8F86-C9615D56BD8F}" type="slidenum">
-              <a:rPr lang="nl-NL" smtClean="0"/>
-              <a:t>3</a:t>
-            </a:fld>
-            <a:endParaRPr lang="nl-NL"/>
-          </a:p>
-        </p:txBody>
-      </p:sp>
-      <p:sp>
-        <p:nvSpPr>
           <p:cNvPr id="2" name="Title 1">
             <a:extLst>
               <a:ext uri="{FF2B5EF4-FFF2-40B4-BE49-F238E27FC236}">
@@ -18030,52 +17913,6 @@
           </a:p>
         </p:txBody>
       </p:sp>
-      <p:sp>
-        <p:nvSpPr>
-          <p:cNvPr id="3" name="Footer Placeholder 2"/>
-          <p:cNvSpPr>
-            <a:spLocks noGrp="1"/>
-          </p:cNvSpPr>
-          <p:nvPr>
-            <p:ph type="ftr" sz="quarter" idx="11"/>
-          </p:nvPr>
-        </p:nvSpPr>
-        <p:spPr/>
-        <p:txBody>
-          <a:bodyPr/>
-          <a:lstStyle/>
-          <a:p>
-            <a:r>
-              <a:rPr lang="nl-NL" noProof="0"/>
-              <a:t>Titel van de presentatie</a:t>
-            </a:r>
-            <a:endParaRPr lang="nl-NL" noProof="0" dirty="0"/>
-          </a:p>
-        </p:txBody>
-      </p:sp>
-      <p:sp>
-        <p:nvSpPr>
-          <p:cNvPr id="4" name="Slide Number Placeholder 3"/>
-          <p:cNvSpPr>
-            <a:spLocks noGrp="1"/>
-          </p:cNvSpPr>
-          <p:nvPr>
-            <p:ph type="sldNum" sz="quarter" idx="12"/>
-          </p:nvPr>
-        </p:nvSpPr>
-        <p:spPr/>
-        <p:txBody>
-          <a:bodyPr/>
-          <a:lstStyle/>
-          <a:p>
-            <a:fld id="{14F1411D-0280-154F-AEAC-4C20B7AA46B2}" type="slidenum">
-              <a:rPr lang="nl-NL" noProof="0" smtClean="0"/>
-              <a:t>38</a:t>
-            </a:fld>
-            <a:endParaRPr lang="nl-NL" noProof="0" dirty="0"/>
-          </a:p>
-        </p:txBody>
-      </p:sp>
     </p:spTree>
     <p:extLst>
       <p:ext uri="{BB962C8B-B14F-4D97-AF65-F5344CB8AC3E}">
@@ -18159,52 +17996,6 @@
           </a:p>
         </p:txBody>
       </p:sp>
-      <p:sp>
-        <p:nvSpPr>
-          <p:cNvPr id="3" name="Footer Placeholder 2"/>
-          <p:cNvSpPr>
-            <a:spLocks noGrp="1"/>
-          </p:cNvSpPr>
-          <p:nvPr>
-            <p:ph type="ftr" sz="quarter" idx="11"/>
-          </p:nvPr>
-        </p:nvSpPr>
-        <p:spPr/>
-        <p:txBody>
-          <a:bodyPr/>
-          <a:lstStyle/>
-          <a:p>
-            <a:r>
-              <a:rPr lang="nl-NL" noProof="0"/>
-              <a:t>Titel van de presentatie</a:t>
-            </a:r>
-            <a:endParaRPr lang="nl-NL" noProof="0" dirty="0"/>
-          </a:p>
-        </p:txBody>
-      </p:sp>
-      <p:sp>
-        <p:nvSpPr>
-          <p:cNvPr id="4" name="Slide Number Placeholder 3"/>
-          <p:cNvSpPr>
-            <a:spLocks noGrp="1"/>
-          </p:cNvSpPr>
-          <p:nvPr>
-            <p:ph type="sldNum" sz="quarter" idx="12"/>
-          </p:nvPr>
-        </p:nvSpPr>
-        <p:spPr/>
-        <p:txBody>
-          <a:bodyPr/>
-          <a:lstStyle/>
-          <a:p>
-            <a:fld id="{14F1411D-0280-154F-AEAC-4C20B7AA46B2}" type="slidenum">
-              <a:rPr lang="nl-NL" noProof="0" smtClean="0"/>
-              <a:t>39</a:t>
-            </a:fld>
-            <a:endParaRPr lang="nl-NL" noProof="0" dirty="0"/>
-          </a:p>
-        </p:txBody>
-      </p:sp>
     </p:spTree>
     <p:extLst>
       <p:ext uri="{BB962C8B-B14F-4D97-AF65-F5344CB8AC3E}">
@@ -18235,63 +18026,6 @@
           <a:chExt cx="0" cy="0"/>
         </a:xfrm>
       </p:grpSpPr>
-      <p:sp>
-        <p:nvSpPr>
-          <p:cNvPr id="2" name="Footer Placeholder 1">
-            <a:extLst>
-              <a:ext uri="{FF2B5EF4-FFF2-40B4-BE49-F238E27FC236}">
-                <a16:creationId xmlns:a16="http://schemas.microsoft.com/office/drawing/2014/main" id="{C367F054-0302-4B1A-B81A-03615D30AEFC}"/>
-              </a:ext>
-            </a:extLst>
-          </p:cNvPr>
-          <p:cNvSpPr>
-            <a:spLocks noGrp="1"/>
-          </p:cNvSpPr>
-          <p:nvPr>
-            <p:ph type="ftr" sz="quarter" idx="11"/>
-          </p:nvPr>
-        </p:nvSpPr>
-        <p:spPr/>
-        <p:txBody>
-          <a:bodyPr/>
-          <a:lstStyle/>
-          <a:p>
-            <a:r>
-              <a:rPr lang="nl-NL"/>
-              <a:t>Titel van de presentatie</a:t>
-            </a:r>
-          </a:p>
-        </p:txBody>
-      </p:sp>
-      <p:sp>
-        <p:nvSpPr>
-          <p:cNvPr id="3" name="Slide Number Placeholder 2">
-            <a:extLst>
-              <a:ext uri="{FF2B5EF4-FFF2-40B4-BE49-F238E27FC236}">
-                <a16:creationId xmlns:a16="http://schemas.microsoft.com/office/drawing/2014/main" id="{2B885404-165E-4AB3-B5E5-26F99F259A0E}"/>
-              </a:ext>
-            </a:extLst>
-          </p:cNvPr>
-          <p:cNvSpPr>
-            <a:spLocks noGrp="1"/>
-          </p:cNvSpPr>
-          <p:nvPr>
-            <p:ph type="sldNum" sz="quarter" idx="12"/>
-          </p:nvPr>
-        </p:nvSpPr>
-        <p:spPr/>
-        <p:txBody>
-          <a:bodyPr/>
-          <a:lstStyle/>
-          <a:p>
-            <a:fld id="{14F1411D-0280-154F-AEAC-4C20B7AA46B2}" type="slidenum">
-              <a:rPr lang="nl-NL" smtClean="0"/>
-              <a:t>4</a:t>
-            </a:fld>
-            <a:endParaRPr lang="nl-NL"/>
-          </a:p>
-        </p:txBody>
-      </p:sp>
       <p:sp>
         <p:nvSpPr>
           <p:cNvPr id="4" name="Title 3">
@@ -18523,63 +18257,6 @@
           <a:chExt cx="0" cy="0"/>
         </a:xfrm>
       </p:grpSpPr>
-      <p:sp>
-        <p:nvSpPr>
-          <p:cNvPr id="2" name="Footer Placeholder 1">
-            <a:extLst>
-              <a:ext uri="{FF2B5EF4-FFF2-40B4-BE49-F238E27FC236}">
-                <a16:creationId xmlns:a16="http://schemas.microsoft.com/office/drawing/2014/main" id="{B7049432-7036-45C2-AC11-36B34DCC00E7}"/>
-              </a:ext>
-            </a:extLst>
-          </p:cNvPr>
-          <p:cNvSpPr>
-            <a:spLocks noGrp="1"/>
-          </p:cNvSpPr>
-          <p:nvPr>
-            <p:ph type="ftr" sz="quarter" idx="11"/>
-          </p:nvPr>
-        </p:nvSpPr>
-        <p:spPr/>
-        <p:txBody>
-          <a:bodyPr/>
-          <a:lstStyle/>
-          <a:p>
-            <a:r>
-              <a:rPr lang="nl-NL"/>
-              <a:t>Titel van de presentatie</a:t>
-            </a:r>
-          </a:p>
-        </p:txBody>
-      </p:sp>
-      <p:sp>
-        <p:nvSpPr>
-          <p:cNvPr id="3" name="Slide Number Placeholder 2">
-            <a:extLst>
-              <a:ext uri="{FF2B5EF4-FFF2-40B4-BE49-F238E27FC236}">
-                <a16:creationId xmlns:a16="http://schemas.microsoft.com/office/drawing/2014/main" id="{681CB375-6BD2-4E7E-B13D-6AAFAF19DAFC}"/>
-              </a:ext>
-            </a:extLst>
-          </p:cNvPr>
-          <p:cNvSpPr>
-            <a:spLocks noGrp="1"/>
-          </p:cNvSpPr>
-          <p:nvPr>
-            <p:ph type="sldNum" sz="quarter" idx="12"/>
-          </p:nvPr>
-        </p:nvSpPr>
-        <p:spPr/>
-        <p:txBody>
-          <a:bodyPr/>
-          <a:lstStyle/>
-          <a:p>
-            <a:fld id="{14F1411D-0280-154F-AEAC-4C20B7AA46B2}" type="slidenum">
-              <a:rPr lang="nl-NL" smtClean="0"/>
-              <a:t>5</a:t>
-            </a:fld>
-            <a:endParaRPr lang="nl-NL"/>
-          </a:p>
-        </p:txBody>
-      </p:sp>
       <p:sp>
         <p:nvSpPr>
           <p:cNvPr id="4" name="Title 3">
